--- a/adaboost.pptx
+++ b/adaboost.pptx
@@ -24,6 +24,7 @@
     <p:sldId id="275" r:id="rId18"/>
     <p:sldId id="265" r:id="rId19"/>
     <p:sldId id="266" r:id="rId20"/>
+    <p:sldId id="278" r:id="rId21"/>
   </p:sldIdLst>
   <p:sldSz cx="12192000" cy="6858000"/>
   <p:notesSz cx="6858000" cy="9144000"/>
@@ -122,6 +123,11 @@
       </a:defRPr>
     </a:lvl9pPr>
   </p:defaultTextStyle>
+  <p:extLst>
+    <p:ext uri="{EFAFB233-063F-42B5-8137-9DF3F51BA10A}">
+      <p15:sldGuideLst xmlns:p15="http://schemas.microsoft.com/office/powerpoint/2012/main"/>
+    </p:ext>
+  </p:extLst>
 </p:presentation>
 </file>
 
@@ -272,7 +278,7 @@
           <a:p>
             <a:fld id="{D01C6006-A6AF-4E75-8B97-E9B7CBF50D3D}" type="datetimeFigureOut">
               <a:rPr lang="pt-BR" smtClean="0"/>
-              <a:t>10/02/2024</a:t>
+              <a:t>21/06/2024</a:t>
             </a:fld>
             <a:endParaRPr lang="pt-BR"/>
           </a:p>
@@ -470,7 +476,7 @@
           <a:p>
             <a:fld id="{D01C6006-A6AF-4E75-8B97-E9B7CBF50D3D}" type="datetimeFigureOut">
               <a:rPr lang="pt-BR" smtClean="0"/>
-              <a:t>10/02/2024</a:t>
+              <a:t>21/06/2024</a:t>
             </a:fld>
             <a:endParaRPr lang="pt-BR"/>
           </a:p>
@@ -678,7 +684,7 @@
           <a:p>
             <a:fld id="{D01C6006-A6AF-4E75-8B97-E9B7CBF50D3D}" type="datetimeFigureOut">
               <a:rPr lang="pt-BR" smtClean="0"/>
-              <a:t>10/02/2024</a:t>
+              <a:t>21/06/2024</a:t>
             </a:fld>
             <a:endParaRPr lang="pt-BR"/>
           </a:p>
@@ -876,7 +882,7 @@
           <a:p>
             <a:fld id="{D01C6006-A6AF-4E75-8B97-E9B7CBF50D3D}" type="datetimeFigureOut">
               <a:rPr lang="pt-BR" smtClean="0"/>
-              <a:t>10/02/2024</a:t>
+              <a:t>21/06/2024</a:t>
             </a:fld>
             <a:endParaRPr lang="pt-BR"/>
           </a:p>
@@ -1151,7 +1157,7 @@
           <a:p>
             <a:fld id="{D01C6006-A6AF-4E75-8B97-E9B7CBF50D3D}" type="datetimeFigureOut">
               <a:rPr lang="pt-BR" smtClean="0"/>
-              <a:t>10/02/2024</a:t>
+              <a:t>21/06/2024</a:t>
             </a:fld>
             <a:endParaRPr lang="pt-BR"/>
           </a:p>
@@ -1416,7 +1422,7 @@
           <a:p>
             <a:fld id="{D01C6006-A6AF-4E75-8B97-E9B7CBF50D3D}" type="datetimeFigureOut">
               <a:rPr lang="pt-BR" smtClean="0"/>
-              <a:t>10/02/2024</a:t>
+              <a:t>21/06/2024</a:t>
             </a:fld>
             <a:endParaRPr lang="pt-BR"/>
           </a:p>
@@ -1828,7 +1834,7 @@
           <a:p>
             <a:fld id="{D01C6006-A6AF-4E75-8B97-E9B7CBF50D3D}" type="datetimeFigureOut">
               <a:rPr lang="pt-BR" smtClean="0"/>
-              <a:t>10/02/2024</a:t>
+              <a:t>21/06/2024</a:t>
             </a:fld>
             <a:endParaRPr lang="pt-BR"/>
           </a:p>
@@ -1969,7 +1975,7 @@
           <a:p>
             <a:fld id="{D01C6006-A6AF-4E75-8B97-E9B7CBF50D3D}" type="datetimeFigureOut">
               <a:rPr lang="pt-BR" smtClean="0"/>
-              <a:t>10/02/2024</a:t>
+              <a:t>21/06/2024</a:t>
             </a:fld>
             <a:endParaRPr lang="pt-BR"/>
           </a:p>
@@ -2082,7 +2088,7 @@
           <a:p>
             <a:fld id="{D01C6006-A6AF-4E75-8B97-E9B7CBF50D3D}" type="datetimeFigureOut">
               <a:rPr lang="pt-BR" smtClean="0"/>
-              <a:t>10/02/2024</a:t>
+              <a:t>21/06/2024</a:t>
             </a:fld>
             <a:endParaRPr lang="pt-BR"/>
           </a:p>
@@ -2393,7 +2399,7 @@
           <a:p>
             <a:fld id="{D01C6006-A6AF-4E75-8B97-E9B7CBF50D3D}" type="datetimeFigureOut">
               <a:rPr lang="pt-BR" smtClean="0"/>
-              <a:t>10/02/2024</a:t>
+              <a:t>21/06/2024</a:t>
             </a:fld>
             <a:endParaRPr lang="pt-BR"/>
           </a:p>
@@ -2681,7 +2687,7 @@
           <a:p>
             <a:fld id="{D01C6006-A6AF-4E75-8B97-E9B7CBF50D3D}" type="datetimeFigureOut">
               <a:rPr lang="pt-BR" smtClean="0"/>
-              <a:t>10/02/2024</a:t>
+              <a:t>21/06/2024</a:t>
             </a:fld>
             <a:endParaRPr lang="pt-BR"/>
           </a:p>
@@ -2922,7 +2928,7 @@
           <a:p>
             <a:fld id="{D01C6006-A6AF-4E75-8B97-E9B7CBF50D3D}" type="datetimeFigureOut">
               <a:rPr lang="pt-BR" smtClean="0"/>
-              <a:t>10/02/2024</a:t>
+              <a:t>21/06/2024</a:t>
             </a:fld>
             <a:endParaRPr lang="pt-BR"/>
           </a:p>
@@ -3339,8 +3345,8 @@
           <a:chExt cx="0" cy="0"/>
         </a:xfrm>
       </p:grpSpPr>
-      <mc:AlternateContent xmlns:mc="http://schemas.openxmlformats.org/markup-compatibility/2006">
-        <mc:Choice xmlns:a14="http://schemas.microsoft.com/office/drawing/2010/main" Requires="a14">
+      <mc:AlternateContent xmlns:mc="http://schemas.openxmlformats.org/markup-compatibility/2006" xmlns:a14="http://schemas.microsoft.com/office/drawing/2010/main">
+        <mc:Choice Requires="a14">
           <p:sp>
             <p:nvSpPr>
               <p:cNvPr id="4" name="Elipse 3">
@@ -3450,7 +3456,7 @@
             </p:txBody>
           </p:sp>
         </mc:Choice>
-        <mc:Fallback>
+        <mc:Fallback xmlns="">
           <p:sp>
             <p:nvSpPr>
               <p:cNvPr id="4" name="Elipse 3">
@@ -3502,8 +3508,8 @@
           </p:sp>
         </mc:Fallback>
       </mc:AlternateContent>
-      <mc:AlternateContent xmlns:mc="http://schemas.openxmlformats.org/markup-compatibility/2006">
-        <mc:Choice xmlns:a14="http://schemas.microsoft.com/office/drawing/2010/main" Requires="a14">
+      <mc:AlternateContent xmlns:mc="http://schemas.openxmlformats.org/markup-compatibility/2006" xmlns:a14="http://schemas.microsoft.com/office/drawing/2010/main">
+        <mc:Choice Requires="a14">
           <p:sp>
             <p:nvSpPr>
               <p:cNvPr id="72" name="CaixaDeTexto 71">
@@ -3557,7 +3563,7 @@
             </p:txBody>
           </p:sp>
         </mc:Choice>
-        <mc:Fallback>
+        <mc:Fallback xmlns="">
           <p:sp>
             <p:nvSpPr>
               <p:cNvPr id="72" name="CaixaDeTexto 71">
@@ -3602,8 +3608,8 @@
           </p:sp>
         </mc:Fallback>
       </mc:AlternateContent>
-      <mc:AlternateContent xmlns:mc="http://schemas.openxmlformats.org/markup-compatibility/2006">
-        <mc:Choice xmlns:a14="http://schemas.microsoft.com/office/drawing/2010/main" Requires="a14">
+      <mc:AlternateContent xmlns:mc="http://schemas.openxmlformats.org/markup-compatibility/2006" xmlns:a14="http://schemas.microsoft.com/office/drawing/2010/main">
+        <mc:Choice Requires="a14">
           <p:sp>
             <p:nvSpPr>
               <p:cNvPr id="73" name="CaixaDeTexto 72">
@@ -3653,7 +3659,7 @@
             </p:txBody>
           </p:sp>
         </mc:Choice>
-        <mc:Fallback>
+        <mc:Fallback xmlns="">
           <p:sp>
             <p:nvSpPr>
               <p:cNvPr id="73" name="CaixaDeTexto 72">
@@ -3755,11 +3761,11 @@
   <p:clrMapOvr>
     <a:masterClrMapping/>
   </p:clrMapOvr>
-  <mc:AlternateContent xmlns:mc="http://schemas.openxmlformats.org/markup-compatibility/2006">
-    <mc:Choice xmlns:p14="http://schemas.microsoft.com/office/powerpoint/2010/main" Requires="p14">
+  <mc:AlternateContent xmlns:mc="http://schemas.openxmlformats.org/markup-compatibility/2006" xmlns:p14="http://schemas.microsoft.com/office/powerpoint/2010/main">
+    <mc:Choice Requires="p14">
       <p:transition p14:dur="250" advTm="2000"/>
     </mc:Choice>
-    <mc:Fallback>
+    <mc:Fallback xmlns="">
       <p:transition advTm="2000"/>
     </mc:Fallback>
   </mc:AlternateContent>
@@ -3789,8 +3795,8 @@
           <a:chExt cx="0" cy="0"/>
         </a:xfrm>
       </p:grpSpPr>
-      <mc:AlternateContent xmlns:mc="http://schemas.openxmlformats.org/markup-compatibility/2006">
-        <mc:Choice xmlns:a14="http://schemas.microsoft.com/office/drawing/2010/main" Requires="a14">
+      <mc:AlternateContent xmlns:mc="http://schemas.openxmlformats.org/markup-compatibility/2006" xmlns:a14="http://schemas.microsoft.com/office/drawing/2010/main">
+        <mc:Choice Requires="a14">
           <p:sp>
             <p:nvSpPr>
               <p:cNvPr id="4" name="Elipse 3">
@@ -3900,7 +3906,7 @@
             </p:txBody>
           </p:sp>
         </mc:Choice>
-        <mc:Fallback>
+        <mc:Fallback xmlns="">
           <p:sp>
             <p:nvSpPr>
               <p:cNvPr id="4" name="Elipse 3">
@@ -3952,8 +3958,8 @@
           </p:sp>
         </mc:Fallback>
       </mc:AlternateContent>
-      <mc:AlternateContent xmlns:mc="http://schemas.openxmlformats.org/markup-compatibility/2006">
-        <mc:Choice xmlns:a14="http://schemas.microsoft.com/office/drawing/2010/main" Requires="a14">
+      <mc:AlternateContent xmlns:mc="http://schemas.openxmlformats.org/markup-compatibility/2006" xmlns:a14="http://schemas.microsoft.com/office/drawing/2010/main">
+        <mc:Choice Requires="a14">
           <p:sp>
             <p:nvSpPr>
               <p:cNvPr id="2" name="Elipse 1">
@@ -4063,7 +4069,7 @@
             </p:txBody>
           </p:sp>
         </mc:Choice>
-        <mc:Fallback>
+        <mc:Fallback xmlns="">
           <p:sp>
             <p:nvSpPr>
               <p:cNvPr id="2" name="Elipse 1">
@@ -4115,8 +4121,8 @@
           </p:sp>
         </mc:Fallback>
       </mc:AlternateContent>
-      <mc:AlternateContent xmlns:mc="http://schemas.openxmlformats.org/markup-compatibility/2006">
-        <mc:Choice xmlns:a14="http://schemas.microsoft.com/office/drawing/2010/main" Requires="a14">
+      <mc:AlternateContent xmlns:mc="http://schemas.openxmlformats.org/markup-compatibility/2006" xmlns:a14="http://schemas.microsoft.com/office/drawing/2010/main">
+        <mc:Choice Requires="a14">
           <p:sp>
             <p:nvSpPr>
               <p:cNvPr id="3" name="CaixaDeTexto 2">
@@ -4145,6 +4151,7 @@
               </a:bodyPr>
               <a:lstStyle/>
               <a:p>
+                <a:pPr/>
                 <a14:m>
                   <m:oMathPara xmlns:m="http://schemas.openxmlformats.org/officeDocument/2006/math">
                     <m:oMathParaPr>
@@ -4203,7 +4210,7 @@
             </p:txBody>
           </p:sp>
         </mc:Choice>
-        <mc:Fallback>
+        <mc:Fallback xmlns="">
           <p:sp>
             <p:nvSpPr>
               <p:cNvPr id="3" name="CaixaDeTexto 2">
@@ -4248,8 +4255,8 @@
           </p:sp>
         </mc:Fallback>
       </mc:AlternateContent>
-      <mc:AlternateContent xmlns:mc="http://schemas.openxmlformats.org/markup-compatibility/2006">
-        <mc:Choice xmlns:a14="http://schemas.microsoft.com/office/drawing/2010/main" Requires="a14">
+      <mc:AlternateContent xmlns:mc="http://schemas.openxmlformats.org/markup-compatibility/2006" xmlns:a14="http://schemas.microsoft.com/office/drawing/2010/main">
+        <mc:Choice Requires="a14">
           <p:sp>
             <p:nvSpPr>
               <p:cNvPr id="5" name="CaixaDeTexto 4">
@@ -4278,6 +4285,7 @@
               </a:bodyPr>
               <a:lstStyle/>
               <a:p>
+                <a:pPr/>
                 <a14:m>
                   <m:oMathPara xmlns:m="http://schemas.openxmlformats.org/officeDocument/2006/math">
                     <m:oMathParaPr>
@@ -4336,7 +4344,7 @@
             </p:txBody>
           </p:sp>
         </mc:Choice>
-        <mc:Fallback>
+        <mc:Fallback xmlns="">
           <p:sp>
             <p:nvSpPr>
               <p:cNvPr id="5" name="CaixaDeTexto 4">
@@ -4381,8 +4389,8 @@
           </p:sp>
         </mc:Fallback>
       </mc:AlternateContent>
-      <mc:AlternateContent xmlns:mc="http://schemas.openxmlformats.org/markup-compatibility/2006">
-        <mc:Choice xmlns:a14="http://schemas.microsoft.com/office/drawing/2010/main" Requires="a14">
+      <mc:AlternateContent xmlns:mc="http://schemas.openxmlformats.org/markup-compatibility/2006" xmlns:a14="http://schemas.microsoft.com/office/drawing/2010/main">
+        <mc:Choice Requires="a14">
           <p:sp>
             <p:nvSpPr>
               <p:cNvPr id="6" name="CaixaDeTexto 5">
@@ -4411,6 +4419,7 @@
               </a:bodyPr>
               <a:lstStyle/>
               <a:p>
+                <a:pPr/>
                 <a14:m>
                   <m:oMathPara xmlns:m="http://schemas.openxmlformats.org/officeDocument/2006/math">
                     <m:oMathParaPr>
@@ -4469,7 +4478,7 @@
             </p:txBody>
           </p:sp>
         </mc:Choice>
-        <mc:Fallback>
+        <mc:Fallback xmlns="">
           <p:sp>
             <p:nvSpPr>
               <p:cNvPr id="6" name="CaixaDeTexto 5">
@@ -4514,8 +4523,8 @@
           </p:sp>
         </mc:Fallback>
       </mc:AlternateContent>
-      <mc:AlternateContent xmlns:mc="http://schemas.openxmlformats.org/markup-compatibility/2006">
-        <mc:Choice xmlns:a14="http://schemas.microsoft.com/office/drawing/2010/main" Requires="a14">
+      <mc:AlternateContent xmlns:mc="http://schemas.openxmlformats.org/markup-compatibility/2006" xmlns:a14="http://schemas.microsoft.com/office/drawing/2010/main">
+        <mc:Choice Requires="a14">
           <p:sp>
             <p:nvSpPr>
               <p:cNvPr id="14" name="CaixaDeTexto 13">
@@ -4544,6 +4553,7 @@
               </a:bodyPr>
               <a:lstStyle/>
               <a:p>
+                <a:pPr/>
                 <a14:m>
                   <m:oMathPara xmlns:m="http://schemas.openxmlformats.org/officeDocument/2006/math">
                     <m:oMathParaPr>
@@ -4602,7 +4612,7 @@
             </p:txBody>
           </p:sp>
         </mc:Choice>
-        <mc:Fallback>
+        <mc:Fallback xmlns="">
           <p:sp>
             <p:nvSpPr>
               <p:cNvPr id="14" name="CaixaDeTexto 13">
@@ -4735,8 +4745,8 @@
           </a:fontRef>
         </p:style>
       </p:cxnSp>
-      <mc:AlternateContent xmlns:mc="http://schemas.openxmlformats.org/markup-compatibility/2006">
-        <mc:Choice xmlns:a14="http://schemas.microsoft.com/office/drawing/2010/main" Requires="a14">
+      <mc:AlternateContent xmlns:mc="http://schemas.openxmlformats.org/markup-compatibility/2006" xmlns:a14="http://schemas.microsoft.com/office/drawing/2010/main">
+        <mc:Choice Requires="a14">
           <p:sp>
             <p:nvSpPr>
               <p:cNvPr id="17" name="CaixaDeTexto 16">
@@ -4765,6 +4775,7 @@
               </a:bodyPr>
               <a:lstStyle/>
               <a:p>
+                <a:pPr/>
                 <a14:m>
                   <m:oMathPara xmlns:m="http://schemas.openxmlformats.org/officeDocument/2006/math">
                     <m:oMathParaPr>
@@ -4823,7 +4834,7 @@
             </p:txBody>
           </p:sp>
         </mc:Choice>
-        <mc:Fallback>
+        <mc:Fallback xmlns="">
           <p:sp>
             <p:nvSpPr>
               <p:cNvPr id="17" name="CaixaDeTexto 16">
@@ -4868,8 +4879,8 @@
           </p:sp>
         </mc:Fallback>
       </mc:AlternateContent>
-      <mc:AlternateContent xmlns:mc="http://schemas.openxmlformats.org/markup-compatibility/2006">
-        <mc:Choice xmlns:a14="http://schemas.microsoft.com/office/drawing/2010/main" Requires="a14">
+      <mc:AlternateContent xmlns:mc="http://schemas.openxmlformats.org/markup-compatibility/2006" xmlns:a14="http://schemas.microsoft.com/office/drawing/2010/main">
+        <mc:Choice Requires="a14">
           <p:sp>
             <p:nvSpPr>
               <p:cNvPr id="18" name="CaixaDeTexto 17">
@@ -4898,6 +4909,7 @@
               </a:bodyPr>
               <a:lstStyle/>
               <a:p>
+                <a:pPr/>
                 <a14:m>
                   <m:oMathPara xmlns:m="http://schemas.openxmlformats.org/officeDocument/2006/math">
                     <m:oMathParaPr>
@@ -4956,7 +4968,7 @@
             </p:txBody>
           </p:sp>
         </mc:Choice>
-        <mc:Fallback>
+        <mc:Fallback xmlns="">
           <p:sp>
             <p:nvSpPr>
               <p:cNvPr id="18" name="CaixaDeTexto 17">
@@ -5001,8 +5013,8 @@
           </p:sp>
         </mc:Fallback>
       </mc:AlternateContent>
-      <mc:AlternateContent xmlns:mc="http://schemas.openxmlformats.org/markup-compatibility/2006">
-        <mc:Choice xmlns:a14="http://schemas.microsoft.com/office/drawing/2010/main" Requires="a14">
+      <mc:AlternateContent xmlns:mc="http://schemas.openxmlformats.org/markup-compatibility/2006" xmlns:a14="http://schemas.microsoft.com/office/drawing/2010/main">
+        <mc:Choice Requires="a14">
           <p:sp>
             <p:nvSpPr>
               <p:cNvPr id="19" name="CaixaDeTexto 18">
@@ -5031,6 +5043,7 @@
               </a:bodyPr>
               <a:lstStyle/>
               <a:p>
+                <a:pPr/>
                 <a14:m>
                   <m:oMathPara xmlns:m="http://schemas.openxmlformats.org/officeDocument/2006/math">
                     <m:oMathParaPr>
@@ -5089,7 +5102,7 @@
             </p:txBody>
           </p:sp>
         </mc:Choice>
-        <mc:Fallback>
+        <mc:Fallback xmlns="">
           <p:sp>
             <p:nvSpPr>
               <p:cNvPr id="19" name="CaixaDeTexto 18">
@@ -5134,8 +5147,8 @@
           </p:sp>
         </mc:Fallback>
       </mc:AlternateContent>
-      <mc:AlternateContent xmlns:mc="http://schemas.openxmlformats.org/markup-compatibility/2006">
-        <mc:Choice xmlns:a14="http://schemas.microsoft.com/office/drawing/2010/main" Requires="a14">
+      <mc:AlternateContent xmlns:mc="http://schemas.openxmlformats.org/markup-compatibility/2006" xmlns:a14="http://schemas.microsoft.com/office/drawing/2010/main">
+        <mc:Choice Requires="a14">
           <p:sp>
             <p:nvSpPr>
               <p:cNvPr id="20" name="CaixaDeTexto 19">
@@ -5164,6 +5177,7 @@
               </a:bodyPr>
               <a:lstStyle/>
               <a:p>
+                <a:pPr/>
                 <a14:m>
                   <m:oMathPara xmlns:m="http://schemas.openxmlformats.org/officeDocument/2006/math">
                     <m:oMathParaPr>
@@ -5222,7 +5236,7 @@
             </p:txBody>
           </p:sp>
         </mc:Choice>
-        <mc:Fallback>
+        <mc:Fallback xmlns="">
           <p:sp>
             <p:nvSpPr>
               <p:cNvPr id="20" name="CaixaDeTexto 19">
@@ -5355,8 +5369,8 @@
           </a:fontRef>
         </p:style>
       </p:cxnSp>
-      <mc:AlternateContent xmlns:mc="http://schemas.openxmlformats.org/markup-compatibility/2006">
-        <mc:Choice xmlns:a14="http://schemas.microsoft.com/office/drawing/2010/main" Requires="a14">
+      <mc:AlternateContent xmlns:mc="http://schemas.openxmlformats.org/markup-compatibility/2006" xmlns:a14="http://schemas.microsoft.com/office/drawing/2010/main">
+        <mc:Choice Requires="a14">
           <p:sp>
             <p:nvSpPr>
               <p:cNvPr id="8" name="CaixaDeTexto 7">
@@ -5857,7 +5871,7 @@
             </p:txBody>
           </p:sp>
         </mc:Choice>
-        <mc:Fallback>
+        <mc:Fallback xmlns="">
           <p:sp>
             <p:nvSpPr>
               <p:cNvPr id="8" name="CaixaDeTexto 7">
@@ -5902,8 +5916,8 @@
           </p:sp>
         </mc:Fallback>
       </mc:AlternateContent>
-      <mc:AlternateContent xmlns:mc="http://schemas.openxmlformats.org/markup-compatibility/2006">
-        <mc:Choice xmlns:a14="http://schemas.microsoft.com/office/drawing/2010/main" Requires="a14">
+      <mc:AlternateContent xmlns:mc="http://schemas.openxmlformats.org/markup-compatibility/2006" xmlns:a14="http://schemas.microsoft.com/office/drawing/2010/main">
+        <mc:Choice Requires="a14">
           <p:sp>
             <p:nvSpPr>
               <p:cNvPr id="9" name="CaixaDeTexto 8">
@@ -6003,7 +6017,7 @@
             </p:txBody>
           </p:sp>
         </mc:Choice>
-        <mc:Fallback>
+        <mc:Fallback xmlns="">
           <p:sp>
             <p:nvSpPr>
               <p:cNvPr id="9" name="CaixaDeTexto 8">
@@ -6105,11 +6119,11 @@
   <p:clrMapOvr>
     <a:masterClrMapping/>
   </p:clrMapOvr>
-  <mc:AlternateContent xmlns:mc="http://schemas.openxmlformats.org/markup-compatibility/2006">
-    <mc:Choice xmlns:p14="http://schemas.microsoft.com/office/powerpoint/2010/main" Requires="p14">
+  <mc:AlternateContent xmlns:mc="http://schemas.openxmlformats.org/markup-compatibility/2006" xmlns:p14="http://schemas.microsoft.com/office/powerpoint/2010/main">
+    <mc:Choice Requires="p14">
       <p:transition p14:dur="250" advTm="2000"/>
     </mc:Choice>
-    <mc:Fallback>
+    <mc:Fallback xmlns="">
       <p:transition advTm="2000"/>
     </mc:Fallback>
   </mc:AlternateContent>
@@ -6139,8 +6153,8 @@
           <a:chExt cx="0" cy="0"/>
         </a:xfrm>
       </p:grpSpPr>
-      <mc:AlternateContent xmlns:mc="http://schemas.openxmlformats.org/markup-compatibility/2006">
-        <mc:Choice xmlns:a14="http://schemas.microsoft.com/office/drawing/2010/main" Requires="a14">
+      <mc:AlternateContent xmlns:mc="http://schemas.openxmlformats.org/markup-compatibility/2006" xmlns:a14="http://schemas.microsoft.com/office/drawing/2010/main">
+        <mc:Choice Requires="a14">
           <p:sp>
             <p:nvSpPr>
               <p:cNvPr id="4" name="Elipse 3">
@@ -6250,7 +6264,7 @@
             </p:txBody>
           </p:sp>
         </mc:Choice>
-        <mc:Fallback>
+        <mc:Fallback xmlns="">
           <p:sp>
             <p:nvSpPr>
               <p:cNvPr id="4" name="Elipse 3">
@@ -6302,8 +6316,8 @@
           </p:sp>
         </mc:Fallback>
       </mc:AlternateContent>
-      <mc:AlternateContent xmlns:mc="http://schemas.openxmlformats.org/markup-compatibility/2006">
-        <mc:Choice xmlns:a14="http://schemas.microsoft.com/office/drawing/2010/main" Requires="a14">
+      <mc:AlternateContent xmlns:mc="http://schemas.openxmlformats.org/markup-compatibility/2006" xmlns:a14="http://schemas.microsoft.com/office/drawing/2010/main">
+        <mc:Choice Requires="a14">
           <p:sp>
             <p:nvSpPr>
               <p:cNvPr id="2" name="Elipse 1">
@@ -6413,7 +6427,7 @@
             </p:txBody>
           </p:sp>
         </mc:Choice>
-        <mc:Fallback>
+        <mc:Fallback xmlns="">
           <p:sp>
             <p:nvSpPr>
               <p:cNvPr id="2" name="Elipse 1">
@@ -6465,8 +6479,8 @@
           </p:sp>
         </mc:Fallback>
       </mc:AlternateContent>
-      <mc:AlternateContent xmlns:mc="http://schemas.openxmlformats.org/markup-compatibility/2006">
-        <mc:Choice xmlns:a14="http://schemas.microsoft.com/office/drawing/2010/main" Requires="a14">
+      <mc:AlternateContent xmlns:mc="http://schemas.openxmlformats.org/markup-compatibility/2006" xmlns:a14="http://schemas.microsoft.com/office/drawing/2010/main">
+        <mc:Choice Requires="a14">
           <p:sp>
             <p:nvSpPr>
               <p:cNvPr id="3" name="CaixaDeTexto 2">
@@ -6495,6 +6509,7 @@
               </a:bodyPr>
               <a:lstStyle/>
               <a:p>
+                <a:pPr/>
                 <a14:m>
                   <m:oMathPara xmlns:m="http://schemas.openxmlformats.org/officeDocument/2006/math">
                     <m:oMathParaPr>
@@ -6553,7 +6568,7 @@
             </p:txBody>
           </p:sp>
         </mc:Choice>
-        <mc:Fallback>
+        <mc:Fallback xmlns="">
           <p:sp>
             <p:nvSpPr>
               <p:cNvPr id="3" name="CaixaDeTexto 2">
@@ -6598,8 +6613,8 @@
           </p:sp>
         </mc:Fallback>
       </mc:AlternateContent>
-      <mc:AlternateContent xmlns:mc="http://schemas.openxmlformats.org/markup-compatibility/2006">
-        <mc:Choice xmlns:a14="http://schemas.microsoft.com/office/drawing/2010/main" Requires="a14">
+      <mc:AlternateContent xmlns:mc="http://schemas.openxmlformats.org/markup-compatibility/2006" xmlns:a14="http://schemas.microsoft.com/office/drawing/2010/main">
+        <mc:Choice Requires="a14">
           <p:sp>
             <p:nvSpPr>
               <p:cNvPr id="5" name="CaixaDeTexto 4">
@@ -6628,6 +6643,7 @@
               </a:bodyPr>
               <a:lstStyle/>
               <a:p>
+                <a:pPr/>
                 <a14:m>
                   <m:oMathPara xmlns:m="http://schemas.openxmlformats.org/officeDocument/2006/math">
                     <m:oMathParaPr>
@@ -6686,7 +6702,7 @@
             </p:txBody>
           </p:sp>
         </mc:Choice>
-        <mc:Fallback>
+        <mc:Fallback xmlns="">
           <p:sp>
             <p:nvSpPr>
               <p:cNvPr id="5" name="CaixaDeTexto 4">
@@ -6731,8 +6747,8 @@
           </p:sp>
         </mc:Fallback>
       </mc:AlternateContent>
-      <mc:AlternateContent xmlns:mc="http://schemas.openxmlformats.org/markup-compatibility/2006">
-        <mc:Choice xmlns:a14="http://schemas.microsoft.com/office/drawing/2010/main" Requires="a14">
+      <mc:AlternateContent xmlns:mc="http://schemas.openxmlformats.org/markup-compatibility/2006" xmlns:a14="http://schemas.microsoft.com/office/drawing/2010/main">
+        <mc:Choice Requires="a14">
           <p:sp>
             <p:nvSpPr>
               <p:cNvPr id="6" name="CaixaDeTexto 5">
@@ -6761,6 +6777,7 @@
               </a:bodyPr>
               <a:lstStyle/>
               <a:p>
+                <a:pPr/>
                 <a14:m>
                   <m:oMathPara xmlns:m="http://schemas.openxmlformats.org/officeDocument/2006/math">
                     <m:oMathParaPr>
@@ -6819,7 +6836,7 @@
             </p:txBody>
           </p:sp>
         </mc:Choice>
-        <mc:Fallback>
+        <mc:Fallback xmlns="">
           <p:sp>
             <p:nvSpPr>
               <p:cNvPr id="6" name="CaixaDeTexto 5">
@@ -6864,8 +6881,8 @@
           </p:sp>
         </mc:Fallback>
       </mc:AlternateContent>
-      <mc:AlternateContent xmlns:mc="http://schemas.openxmlformats.org/markup-compatibility/2006">
-        <mc:Choice xmlns:a14="http://schemas.microsoft.com/office/drawing/2010/main" Requires="a14">
+      <mc:AlternateContent xmlns:mc="http://schemas.openxmlformats.org/markup-compatibility/2006" xmlns:a14="http://schemas.microsoft.com/office/drawing/2010/main">
+        <mc:Choice Requires="a14">
           <p:sp>
             <p:nvSpPr>
               <p:cNvPr id="14" name="CaixaDeTexto 13">
@@ -6894,6 +6911,7 @@
               </a:bodyPr>
               <a:lstStyle/>
               <a:p>
+                <a:pPr/>
                 <a14:m>
                   <m:oMathPara xmlns:m="http://schemas.openxmlformats.org/officeDocument/2006/math">
                     <m:oMathParaPr>
@@ -6952,7 +6970,7 @@
             </p:txBody>
           </p:sp>
         </mc:Choice>
-        <mc:Fallback>
+        <mc:Fallback xmlns="">
           <p:sp>
             <p:nvSpPr>
               <p:cNvPr id="14" name="CaixaDeTexto 13">
@@ -7085,8 +7103,8 @@
           </a:fontRef>
         </p:style>
       </p:cxnSp>
-      <mc:AlternateContent xmlns:mc="http://schemas.openxmlformats.org/markup-compatibility/2006">
-        <mc:Choice xmlns:a14="http://schemas.microsoft.com/office/drawing/2010/main" Requires="a14">
+      <mc:AlternateContent xmlns:mc="http://schemas.openxmlformats.org/markup-compatibility/2006" xmlns:a14="http://schemas.microsoft.com/office/drawing/2010/main">
+        <mc:Choice Requires="a14">
           <p:sp>
             <p:nvSpPr>
               <p:cNvPr id="17" name="CaixaDeTexto 16">
@@ -7115,6 +7133,7 @@
               </a:bodyPr>
               <a:lstStyle/>
               <a:p>
+                <a:pPr/>
                 <a14:m>
                   <m:oMathPara xmlns:m="http://schemas.openxmlformats.org/officeDocument/2006/math">
                     <m:oMathParaPr>
@@ -7173,7 +7192,7 @@
             </p:txBody>
           </p:sp>
         </mc:Choice>
-        <mc:Fallback>
+        <mc:Fallback xmlns="">
           <p:sp>
             <p:nvSpPr>
               <p:cNvPr id="17" name="CaixaDeTexto 16">
@@ -7218,8 +7237,8 @@
           </p:sp>
         </mc:Fallback>
       </mc:AlternateContent>
-      <mc:AlternateContent xmlns:mc="http://schemas.openxmlformats.org/markup-compatibility/2006">
-        <mc:Choice xmlns:a14="http://schemas.microsoft.com/office/drawing/2010/main" Requires="a14">
+      <mc:AlternateContent xmlns:mc="http://schemas.openxmlformats.org/markup-compatibility/2006" xmlns:a14="http://schemas.microsoft.com/office/drawing/2010/main">
+        <mc:Choice Requires="a14">
           <p:sp>
             <p:nvSpPr>
               <p:cNvPr id="18" name="CaixaDeTexto 17">
@@ -7248,6 +7267,7 @@
               </a:bodyPr>
               <a:lstStyle/>
               <a:p>
+                <a:pPr/>
                 <a14:m>
                   <m:oMathPara xmlns:m="http://schemas.openxmlformats.org/officeDocument/2006/math">
                     <m:oMathParaPr>
@@ -7306,7 +7326,7 @@
             </p:txBody>
           </p:sp>
         </mc:Choice>
-        <mc:Fallback>
+        <mc:Fallback xmlns="">
           <p:sp>
             <p:nvSpPr>
               <p:cNvPr id="18" name="CaixaDeTexto 17">
@@ -7351,8 +7371,8 @@
           </p:sp>
         </mc:Fallback>
       </mc:AlternateContent>
-      <mc:AlternateContent xmlns:mc="http://schemas.openxmlformats.org/markup-compatibility/2006">
-        <mc:Choice xmlns:a14="http://schemas.microsoft.com/office/drawing/2010/main" Requires="a14">
+      <mc:AlternateContent xmlns:mc="http://schemas.openxmlformats.org/markup-compatibility/2006" xmlns:a14="http://schemas.microsoft.com/office/drawing/2010/main">
+        <mc:Choice Requires="a14">
           <p:sp>
             <p:nvSpPr>
               <p:cNvPr id="19" name="CaixaDeTexto 18">
@@ -7381,6 +7401,7 @@
               </a:bodyPr>
               <a:lstStyle/>
               <a:p>
+                <a:pPr/>
                 <a14:m>
                   <m:oMathPara xmlns:m="http://schemas.openxmlformats.org/officeDocument/2006/math">
                     <m:oMathParaPr>
@@ -7439,7 +7460,7 @@
             </p:txBody>
           </p:sp>
         </mc:Choice>
-        <mc:Fallback>
+        <mc:Fallback xmlns="">
           <p:sp>
             <p:nvSpPr>
               <p:cNvPr id="19" name="CaixaDeTexto 18">
@@ -7484,8 +7505,8 @@
           </p:sp>
         </mc:Fallback>
       </mc:AlternateContent>
-      <mc:AlternateContent xmlns:mc="http://schemas.openxmlformats.org/markup-compatibility/2006">
-        <mc:Choice xmlns:a14="http://schemas.microsoft.com/office/drawing/2010/main" Requires="a14">
+      <mc:AlternateContent xmlns:mc="http://schemas.openxmlformats.org/markup-compatibility/2006" xmlns:a14="http://schemas.microsoft.com/office/drawing/2010/main">
+        <mc:Choice Requires="a14">
           <p:sp>
             <p:nvSpPr>
               <p:cNvPr id="20" name="CaixaDeTexto 19">
@@ -7514,6 +7535,7 @@
               </a:bodyPr>
               <a:lstStyle/>
               <a:p>
+                <a:pPr/>
                 <a14:m>
                   <m:oMathPara xmlns:m="http://schemas.openxmlformats.org/officeDocument/2006/math">
                     <m:oMathParaPr>
@@ -7572,7 +7594,7 @@
             </p:txBody>
           </p:sp>
         </mc:Choice>
-        <mc:Fallback>
+        <mc:Fallback xmlns="">
           <p:sp>
             <p:nvSpPr>
               <p:cNvPr id="20" name="CaixaDeTexto 19">
@@ -7705,8 +7727,8 @@
           </a:fontRef>
         </p:style>
       </p:cxnSp>
-      <mc:AlternateContent xmlns:mc="http://schemas.openxmlformats.org/markup-compatibility/2006">
-        <mc:Choice xmlns:a14="http://schemas.microsoft.com/office/drawing/2010/main" Requires="a14">
+      <mc:AlternateContent xmlns:mc="http://schemas.openxmlformats.org/markup-compatibility/2006" xmlns:a14="http://schemas.microsoft.com/office/drawing/2010/main">
+        <mc:Choice Requires="a14">
           <p:sp>
             <p:nvSpPr>
               <p:cNvPr id="12" name="CaixaDeTexto 11">
@@ -7806,7 +7828,7 @@
             </p:txBody>
           </p:sp>
         </mc:Choice>
-        <mc:Fallback>
+        <mc:Fallback xmlns="">
           <p:sp>
             <p:nvSpPr>
               <p:cNvPr id="12" name="CaixaDeTexto 11">
@@ -7851,8 +7873,8 @@
           </p:sp>
         </mc:Fallback>
       </mc:AlternateContent>
-      <mc:AlternateContent xmlns:mc="http://schemas.openxmlformats.org/markup-compatibility/2006">
-        <mc:Choice xmlns:a14="http://schemas.microsoft.com/office/drawing/2010/main" Requires="a14">
+      <mc:AlternateContent xmlns:mc="http://schemas.openxmlformats.org/markup-compatibility/2006" xmlns:a14="http://schemas.microsoft.com/office/drawing/2010/main">
+        <mc:Choice Requires="a14">
           <p:sp>
             <p:nvSpPr>
               <p:cNvPr id="13" name="CaixaDeTexto 12">
@@ -7952,7 +7974,7 @@
             </p:txBody>
           </p:sp>
         </mc:Choice>
-        <mc:Fallback>
+        <mc:Fallback xmlns="">
           <p:sp>
             <p:nvSpPr>
               <p:cNvPr id="13" name="CaixaDeTexto 12">
@@ -8054,13 +8076,13 @@
   <p:clrMapOvr>
     <a:masterClrMapping/>
   </p:clrMapOvr>
-  <mc:AlternateContent xmlns:mc="http://schemas.openxmlformats.org/markup-compatibility/2006">
-    <mc:Choice xmlns:p14="http://schemas.microsoft.com/office/powerpoint/2010/main" Requires="p14">
+  <mc:AlternateContent xmlns:mc="http://schemas.openxmlformats.org/markup-compatibility/2006" xmlns:p14="http://schemas.microsoft.com/office/powerpoint/2010/main">
+    <mc:Choice Requires="p14">
       <p:transition p14:dur="250" advTm="2000">
         <p:fade/>
       </p:transition>
     </mc:Choice>
-    <mc:Fallback>
+    <mc:Fallback xmlns="">
       <p:transition advTm="2000">
         <p:fade/>
       </p:transition>
@@ -8092,8 +8114,8 @@
           <a:chExt cx="0" cy="0"/>
         </a:xfrm>
       </p:grpSpPr>
-      <mc:AlternateContent xmlns:mc="http://schemas.openxmlformats.org/markup-compatibility/2006">
-        <mc:Choice xmlns:a14="http://schemas.microsoft.com/office/drawing/2010/main" Requires="a14">
+      <mc:AlternateContent xmlns:mc="http://schemas.openxmlformats.org/markup-compatibility/2006" xmlns:a14="http://schemas.microsoft.com/office/drawing/2010/main">
+        <mc:Choice Requires="a14">
           <p:sp>
             <p:nvSpPr>
               <p:cNvPr id="4" name="Elipse 3">
@@ -8203,7 +8225,7 @@
             </p:txBody>
           </p:sp>
         </mc:Choice>
-        <mc:Fallback>
+        <mc:Fallback xmlns="">
           <p:sp>
             <p:nvSpPr>
               <p:cNvPr id="4" name="Elipse 3">
@@ -8255,8 +8277,8 @@
           </p:sp>
         </mc:Fallback>
       </mc:AlternateContent>
-      <mc:AlternateContent xmlns:mc="http://schemas.openxmlformats.org/markup-compatibility/2006">
-        <mc:Choice xmlns:a14="http://schemas.microsoft.com/office/drawing/2010/main" Requires="a14">
+      <mc:AlternateContent xmlns:mc="http://schemas.openxmlformats.org/markup-compatibility/2006" xmlns:a14="http://schemas.microsoft.com/office/drawing/2010/main">
+        <mc:Choice Requires="a14">
           <p:sp>
             <p:nvSpPr>
               <p:cNvPr id="2" name="Elipse 1">
@@ -8366,7 +8388,7 @@
             </p:txBody>
           </p:sp>
         </mc:Choice>
-        <mc:Fallback>
+        <mc:Fallback xmlns="">
           <p:sp>
             <p:nvSpPr>
               <p:cNvPr id="2" name="Elipse 1">
@@ -8418,8 +8440,8 @@
           </p:sp>
         </mc:Fallback>
       </mc:AlternateContent>
-      <mc:AlternateContent xmlns:mc="http://schemas.openxmlformats.org/markup-compatibility/2006">
-        <mc:Choice xmlns:a14="http://schemas.microsoft.com/office/drawing/2010/main" Requires="a14">
+      <mc:AlternateContent xmlns:mc="http://schemas.openxmlformats.org/markup-compatibility/2006" xmlns:a14="http://schemas.microsoft.com/office/drawing/2010/main">
+        <mc:Choice Requires="a14">
           <p:sp>
             <p:nvSpPr>
               <p:cNvPr id="3" name="CaixaDeTexto 2">
@@ -8448,6 +8470,7 @@
               </a:bodyPr>
               <a:lstStyle/>
               <a:p>
+                <a:pPr/>
                 <a14:m>
                   <m:oMathPara xmlns:m="http://schemas.openxmlformats.org/officeDocument/2006/math">
                     <m:oMathParaPr>
@@ -8506,7 +8529,7 @@
             </p:txBody>
           </p:sp>
         </mc:Choice>
-        <mc:Fallback>
+        <mc:Fallback xmlns="">
           <p:sp>
             <p:nvSpPr>
               <p:cNvPr id="3" name="CaixaDeTexto 2">
@@ -8551,8 +8574,8 @@
           </p:sp>
         </mc:Fallback>
       </mc:AlternateContent>
-      <mc:AlternateContent xmlns:mc="http://schemas.openxmlformats.org/markup-compatibility/2006">
-        <mc:Choice xmlns:a14="http://schemas.microsoft.com/office/drawing/2010/main" Requires="a14">
+      <mc:AlternateContent xmlns:mc="http://schemas.openxmlformats.org/markup-compatibility/2006" xmlns:a14="http://schemas.microsoft.com/office/drawing/2010/main">
+        <mc:Choice Requires="a14">
           <p:sp>
             <p:nvSpPr>
               <p:cNvPr id="5" name="CaixaDeTexto 4">
@@ -8581,6 +8604,7 @@
               </a:bodyPr>
               <a:lstStyle/>
               <a:p>
+                <a:pPr/>
                 <a14:m>
                   <m:oMathPara xmlns:m="http://schemas.openxmlformats.org/officeDocument/2006/math">
                     <m:oMathParaPr>
@@ -8639,7 +8663,7 @@
             </p:txBody>
           </p:sp>
         </mc:Choice>
-        <mc:Fallback>
+        <mc:Fallback xmlns="">
           <p:sp>
             <p:nvSpPr>
               <p:cNvPr id="5" name="CaixaDeTexto 4">
@@ -8684,8 +8708,8 @@
           </p:sp>
         </mc:Fallback>
       </mc:AlternateContent>
-      <mc:AlternateContent xmlns:mc="http://schemas.openxmlformats.org/markup-compatibility/2006">
-        <mc:Choice xmlns:a14="http://schemas.microsoft.com/office/drawing/2010/main" Requires="a14">
+      <mc:AlternateContent xmlns:mc="http://schemas.openxmlformats.org/markup-compatibility/2006" xmlns:a14="http://schemas.microsoft.com/office/drawing/2010/main">
+        <mc:Choice Requires="a14">
           <p:sp>
             <p:nvSpPr>
               <p:cNvPr id="6" name="CaixaDeTexto 5">
@@ -8714,6 +8738,7 @@
               </a:bodyPr>
               <a:lstStyle/>
               <a:p>
+                <a:pPr/>
                 <a14:m>
                   <m:oMathPara xmlns:m="http://schemas.openxmlformats.org/officeDocument/2006/math">
                     <m:oMathParaPr>
@@ -8772,7 +8797,7 @@
             </p:txBody>
           </p:sp>
         </mc:Choice>
-        <mc:Fallback>
+        <mc:Fallback xmlns="">
           <p:sp>
             <p:nvSpPr>
               <p:cNvPr id="6" name="CaixaDeTexto 5">
@@ -8817,8 +8842,8 @@
           </p:sp>
         </mc:Fallback>
       </mc:AlternateContent>
-      <mc:AlternateContent xmlns:mc="http://schemas.openxmlformats.org/markup-compatibility/2006">
-        <mc:Choice xmlns:a14="http://schemas.microsoft.com/office/drawing/2010/main" Requires="a14">
+      <mc:AlternateContent xmlns:mc="http://schemas.openxmlformats.org/markup-compatibility/2006" xmlns:a14="http://schemas.microsoft.com/office/drawing/2010/main">
+        <mc:Choice Requires="a14">
           <p:sp>
             <p:nvSpPr>
               <p:cNvPr id="14" name="CaixaDeTexto 13">
@@ -8847,6 +8872,7 @@
               </a:bodyPr>
               <a:lstStyle/>
               <a:p>
+                <a:pPr/>
                 <a14:m>
                   <m:oMathPara xmlns:m="http://schemas.openxmlformats.org/officeDocument/2006/math">
                     <m:oMathParaPr>
@@ -8905,7 +8931,7 @@
             </p:txBody>
           </p:sp>
         </mc:Choice>
-        <mc:Fallback>
+        <mc:Fallback xmlns="">
           <p:sp>
             <p:nvSpPr>
               <p:cNvPr id="14" name="CaixaDeTexto 13">
@@ -9038,8 +9064,8 @@
           </a:fontRef>
         </p:style>
       </p:cxnSp>
-      <mc:AlternateContent xmlns:mc="http://schemas.openxmlformats.org/markup-compatibility/2006">
-        <mc:Choice xmlns:a14="http://schemas.microsoft.com/office/drawing/2010/main" Requires="a14">
+      <mc:AlternateContent xmlns:mc="http://schemas.openxmlformats.org/markup-compatibility/2006" xmlns:a14="http://schemas.microsoft.com/office/drawing/2010/main">
+        <mc:Choice Requires="a14">
           <p:sp>
             <p:nvSpPr>
               <p:cNvPr id="17" name="CaixaDeTexto 16">
@@ -9068,6 +9094,7 @@
               </a:bodyPr>
               <a:lstStyle/>
               <a:p>
+                <a:pPr/>
                 <a14:m>
                   <m:oMathPara xmlns:m="http://schemas.openxmlformats.org/officeDocument/2006/math">
                     <m:oMathParaPr>
@@ -9126,7 +9153,7 @@
             </p:txBody>
           </p:sp>
         </mc:Choice>
-        <mc:Fallback>
+        <mc:Fallback xmlns="">
           <p:sp>
             <p:nvSpPr>
               <p:cNvPr id="17" name="CaixaDeTexto 16">
@@ -9171,8 +9198,8 @@
           </p:sp>
         </mc:Fallback>
       </mc:AlternateContent>
-      <mc:AlternateContent xmlns:mc="http://schemas.openxmlformats.org/markup-compatibility/2006">
-        <mc:Choice xmlns:a14="http://schemas.microsoft.com/office/drawing/2010/main" Requires="a14">
+      <mc:AlternateContent xmlns:mc="http://schemas.openxmlformats.org/markup-compatibility/2006" xmlns:a14="http://schemas.microsoft.com/office/drawing/2010/main">
+        <mc:Choice Requires="a14">
           <p:sp>
             <p:nvSpPr>
               <p:cNvPr id="18" name="CaixaDeTexto 17">
@@ -9201,6 +9228,7 @@
               </a:bodyPr>
               <a:lstStyle/>
               <a:p>
+                <a:pPr/>
                 <a14:m>
                   <m:oMathPara xmlns:m="http://schemas.openxmlformats.org/officeDocument/2006/math">
                     <m:oMathParaPr>
@@ -9259,7 +9287,7 @@
             </p:txBody>
           </p:sp>
         </mc:Choice>
-        <mc:Fallback>
+        <mc:Fallback xmlns="">
           <p:sp>
             <p:nvSpPr>
               <p:cNvPr id="18" name="CaixaDeTexto 17">
@@ -9304,8 +9332,8 @@
           </p:sp>
         </mc:Fallback>
       </mc:AlternateContent>
-      <mc:AlternateContent xmlns:mc="http://schemas.openxmlformats.org/markup-compatibility/2006">
-        <mc:Choice xmlns:a14="http://schemas.microsoft.com/office/drawing/2010/main" Requires="a14">
+      <mc:AlternateContent xmlns:mc="http://schemas.openxmlformats.org/markup-compatibility/2006" xmlns:a14="http://schemas.microsoft.com/office/drawing/2010/main">
+        <mc:Choice Requires="a14">
           <p:sp>
             <p:nvSpPr>
               <p:cNvPr id="19" name="CaixaDeTexto 18">
@@ -9334,6 +9362,7 @@
               </a:bodyPr>
               <a:lstStyle/>
               <a:p>
+                <a:pPr/>
                 <a14:m>
                   <m:oMathPara xmlns:m="http://schemas.openxmlformats.org/officeDocument/2006/math">
                     <m:oMathParaPr>
@@ -9392,7 +9421,7 @@
             </p:txBody>
           </p:sp>
         </mc:Choice>
-        <mc:Fallback>
+        <mc:Fallback xmlns="">
           <p:sp>
             <p:nvSpPr>
               <p:cNvPr id="19" name="CaixaDeTexto 18">
@@ -9437,8 +9466,8 @@
           </p:sp>
         </mc:Fallback>
       </mc:AlternateContent>
-      <mc:AlternateContent xmlns:mc="http://schemas.openxmlformats.org/markup-compatibility/2006">
-        <mc:Choice xmlns:a14="http://schemas.microsoft.com/office/drawing/2010/main" Requires="a14">
+      <mc:AlternateContent xmlns:mc="http://schemas.openxmlformats.org/markup-compatibility/2006" xmlns:a14="http://schemas.microsoft.com/office/drawing/2010/main">
+        <mc:Choice Requires="a14">
           <p:sp>
             <p:nvSpPr>
               <p:cNvPr id="20" name="CaixaDeTexto 19">
@@ -9467,6 +9496,7 @@
               </a:bodyPr>
               <a:lstStyle/>
               <a:p>
+                <a:pPr/>
                 <a14:m>
                   <m:oMathPara xmlns:m="http://schemas.openxmlformats.org/officeDocument/2006/math">
                     <m:oMathParaPr>
@@ -9525,7 +9555,7 @@
             </p:txBody>
           </p:sp>
         </mc:Choice>
-        <mc:Fallback>
+        <mc:Fallback xmlns="">
           <p:sp>
             <p:nvSpPr>
               <p:cNvPr id="20" name="CaixaDeTexto 19">
@@ -9658,8 +9688,8 @@
           </a:fontRef>
         </p:style>
       </p:cxnSp>
-      <mc:AlternateContent xmlns:mc="http://schemas.openxmlformats.org/markup-compatibility/2006">
-        <mc:Choice xmlns:a14="http://schemas.microsoft.com/office/drawing/2010/main" Requires="a14">
+      <mc:AlternateContent xmlns:mc="http://schemas.openxmlformats.org/markup-compatibility/2006" xmlns:a14="http://schemas.microsoft.com/office/drawing/2010/main">
+        <mc:Choice Requires="a14">
           <p:sp>
             <p:nvSpPr>
               <p:cNvPr id="8" name="Elipse 7">
@@ -9769,7 +9799,7 @@
             </p:txBody>
           </p:sp>
         </mc:Choice>
-        <mc:Fallback>
+        <mc:Fallback xmlns="">
           <p:sp>
             <p:nvSpPr>
               <p:cNvPr id="8" name="Elipse 7">
@@ -9821,8 +9851,8 @@
           </p:sp>
         </mc:Fallback>
       </mc:AlternateContent>
-      <mc:AlternateContent xmlns:mc="http://schemas.openxmlformats.org/markup-compatibility/2006">
-        <mc:Choice xmlns:a14="http://schemas.microsoft.com/office/drawing/2010/main" Requires="a14">
+      <mc:AlternateContent xmlns:mc="http://schemas.openxmlformats.org/markup-compatibility/2006" xmlns:a14="http://schemas.microsoft.com/office/drawing/2010/main">
+        <mc:Choice Requires="a14">
           <p:sp>
             <p:nvSpPr>
               <p:cNvPr id="28" name="CaixaDeTexto 27">
@@ -9922,7 +9952,7 @@
             </p:txBody>
           </p:sp>
         </mc:Choice>
-        <mc:Fallback>
+        <mc:Fallback xmlns="">
           <p:sp>
             <p:nvSpPr>
               <p:cNvPr id="28" name="CaixaDeTexto 27">
@@ -9967,8 +9997,8 @@
           </p:sp>
         </mc:Fallback>
       </mc:AlternateContent>
-      <mc:AlternateContent xmlns:mc="http://schemas.openxmlformats.org/markup-compatibility/2006">
-        <mc:Choice xmlns:a14="http://schemas.microsoft.com/office/drawing/2010/main" Requires="a14">
+      <mc:AlternateContent xmlns:mc="http://schemas.openxmlformats.org/markup-compatibility/2006" xmlns:a14="http://schemas.microsoft.com/office/drawing/2010/main">
+        <mc:Choice Requires="a14">
           <p:sp>
             <p:nvSpPr>
               <p:cNvPr id="30" name="CaixaDeTexto 29">
@@ -10068,7 +10098,7 @@
             </p:txBody>
           </p:sp>
         </mc:Choice>
-        <mc:Fallback>
+        <mc:Fallback xmlns="">
           <p:sp>
             <p:nvSpPr>
               <p:cNvPr id="30" name="CaixaDeTexto 29">
@@ -10170,11 +10200,11 @@
   <p:clrMapOvr>
     <a:masterClrMapping/>
   </p:clrMapOvr>
-  <mc:AlternateContent xmlns:mc="http://schemas.openxmlformats.org/markup-compatibility/2006">
-    <mc:Choice xmlns:p14="http://schemas.microsoft.com/office/powerpoint/2010/main" Requires="p14">
+  <mc:AlternateContent xmlns:mc="http://schemas.openxmlformats.org/markup-compatibility/2006" xmlns:p14="http://schemas.microsoft.com/office/powerpoint/2010/main">
+    <mc:Choice Requires="p14">
       <p:transition p14:dur="250" advTm="2000"/>
     </mc:Choice>
-    <mc:Fallback>
+    <mc:Fallback xmlns="">
       <p:transition advTm="2000"/>
     </mc:Fallback>
   </mc:AlternateContent>
@@ -10204,8 +10234,8 @@
           <a:chExt cx="0" cy="0"/>
         </a:xfrm>
       </p:grpSpPr>
-      <mc:AlternateContent xmlns:mc="http://schemas.openxmlformats.org/markup-compatibility/2006">
-        <mc:Choice xmlns:a14="http://schemas.microsoft.com/office/drawing/2010/main" Requires="a14">
+      <mc:AlternateContent xmlns:mc="http://schemas.openxmlformats.org/markup-compatibility/2006" xmlns:a14="http://schemas.microsoft.com/office/drawing/2010/main">
+        <mc:Choice Requires="a14">
           <p:sp>
             <p:nvSpPr>
               <p:cNvPr id="4" name="Elipse 3">
@@ -10315,7 +10345,7 @@
             </p:txBody>
           </p:sp>
         </mc:Choice>
-        <mc:Fallback>
+        <mc:Fallback xmlns="">
           <p:sp>
             <p:nvSpPr>
               <p:cNvPr id="4" name="Elipse 3">
@@ -10367,8 +10397,8 @@
           </p:sp>
         </mc:Fallback>
       </mc:AlternateContent>
-      <mc:AlternateContent xmlns:mc="http://schemas.openxmlformats.org/markup-compatibility/2006">
-        <mc:Choice xmlns:a14="http://schemas.microsoft.com/office/drawing/2010/main" Requires="a14">
+      <mc:AlternateContent xmlns:mc="http://schemas.openxmlformats.org/markup-compatibility/2006" xmlns:a14="http://schemas.microsoft.com/office/drawing/2010/main">
+        <mc:Choice Requires="a14">
           <p:sp>
             <p:nvSpPr>
               <p:cNvPr id="2" name="Elipse 1">
@@ -10478,7 +10508,7 @@
             </p:txBody>
           </p:sp>
         </mc:Choice>
-        <mc:Fallback>
+        <mc:Fallback xmlns="">
           <p:sp>
             <p:nvSpPr>
               <p:cNvPr id="2" name="Elipse 1">
@@ -10530,8 +10560,8 @@
           </p:sp>
         </mc:Fallback>
       </mc:AlternateContent>
-      <mc:AlternateContent xmlns:mc="http://schemas.openxmlformats.org/markup-compatibility/2006">
-        <mc:Choice xmlns:a14="http://schemas.microsoft.com/office/drawing/2010/main" Requires="a14">
+      <mc:AlternateContent xmlns:mc="http://schemas.openxmlformats.org/markup-compatibility/2006" xmlns:a14="http://schemas.microsoft.com/office/drawing/2010/main">
+        <mc:Choice Requires="a14">
           <p:sp>
             <p:nvSpPr>
               <p:cNvPr id="3" name="CaixaDeTexto 2">
@@ -10560,6 +10590,7 @@
               </a:bodyPr>
               <a:lstStyle/>
               <a:p>
+                <a:pPr/>
                 <a14:m>
                   <m:oMathPara xmlns:m="http://schemas.openxmlformats.org/officeDocument/2006/math">
                     <m:oMathParaPr>
@@ -10618,7 +10649,7 @@
             </p:txBody>
           </p:sp>
         </mc:Choice>
-        <mc:Fallback>
+        <mc:Fallback xmlns="">
           <p:sp>
             <p:nvSpPr>
               <p:cNvPr id="3" name="CaixaDeTexto 2">
@@ -10663,8 +10694,8 @@
           </p:sp>
         </mc:Fallback>
       </mc:AlternateContent>
-      <mc:AlternateContent xmlns:mc="http://schemas.openxmlformats.org/markup-compatibility/2006">
-        <mc:Choice xmlns:a14="http://schemas.microsoft.com/office/drawing/2010/main" Requires="a14">
+      <mc:AlternateContent xmlns:mc="http://schemas.openxmlformats.org/markup-compatibility/2006" xmlns:a14="http://schemas.microsoft.com/office/drawing/2010/main">
+        <mc:Choice Requires="a14">
           <p:sp>
             <p:nvSpPr>
               <p:cNvPr id="5" name="CaixaDeTexto 4">
@@ -10693,6 +10724,7 @@
               </a:bodyPr>
               <a:lstStyle/>
               <a:p>
+                <a:pPr/>
                 <a14:m>
                   <m:oMathPara xmlns:m="http://schemas.openxmlformats.org/officeDocument/2006/math">
                     <m:oMathParaPr>
@@ -10751,7 +10783,7 @@
             </p:txBody>
           </p:sp>
         </mc:Choice>
-        <mc:Fallback>
+        <mc:Fallback xmlns="">
           <p:sp>
             <p:nvSpPr>
               <p:cNvPr id="5" name="CaixaDeTexto 4">
@@ -10796,8 +10828,8 @@
           </p:sp>
         </mc:Fallback>
       </mc:AlternateContent>
-      <mc:AlternateContent xmlns:mc="http://schemas.openxmlformats.org/markup-compatibility/2006">
-        <mc:Choice xmlns:a14="http://schemas.microsoft.com/office/drawing/2010/main" Requires="a14">
+      <mc:AlternateContent xmlns:mc="http://schemas.openxmlformats.org/markup-compatibility/2006" xmlns:a14="http://schemas.microsoft.com/office/drawing/2010/main">
+        <mc:Choice Requires="a14">
           <p:sp>
             <p:nvSpPr>
               <p:cNvPr id="6" name="CaixaDeTexto 5">
@@ -10826,6 +10858,7 @@
               </a:bodyPr>
               <a:lstStyle/>
               <a:p>
+                <a:pPr/>
                 <a14:m>
                   <m:oMathPara xmlns:m="http://schemas.openxmlformats.org/officeDocument/2006/math">
                     <m:oMathParaPr>
@@ -10884,7 +10917,7 @@
             </p:txBody>
           </p:sp>
         </mc:Choice>
-        <mc:Fallback>
+        <mc:Fallback xmlns="">
           <p:sp>
             <p:nvSpPr>
               <p:cNvPr id="6" name="CaixaDeTexto 5">
@@ -10929,8 +10962,8 @@
           </p:sp>
         </mc:Fallback>
       </mc:AlternateContent>
-      <mc:AlternateContent xmlns:mc="http://schemas.openxmlformats.org/markup-compatibility/2006">
-        <mc:Choice xmlns:a14="http://schemas.microsoft.com/office/drawing/2010/main" Requires="a14">
+      <mc:AlternateContent xmlns:mc="http://schemas.openxmlformats.org/markup-compatibility/2006" xmlns:a14="http://schemas.microsoft.com/office/drawing/2010/main">
+        <mc:Choice Requires="a14">
           <p:sp>
             <p:nvSpPr>
               <p:cNvPr id="14" name="CaixaDeTexto 13">
@@ -10959,6 +10992,7 @@
               </a:bodyPr>
               <a:lstStyle/>
               <a:p>
+                <a:pPr/>
                 <a14:m>
                   <m:oMathPara xmlns:m="http://schemas.openxmlformats.org/officeDocument/2006/math">
                     <m:oMathParaPr>
@@ -11017,7 +11051,7 @@
             </p:txBody>
           </p:sp>
         </mc:Choice>
-        <mc:Fallback>
+        <mc:Fallback xmlns="">
           <p:sp>
             <p:nvSpPr>
               <p:cNvPr id="14" name="CaixaDeTexto 13">
@@ -11150,8 +11184,8 @@
           </a:fontRef>
         </p:style>
       </p:cxnSp>
-      <mc:AlternateContent xmlns:mc="http://schemas.openxmlformats.org/markup-compatibility/2006">
-        <mc:Choice xmlns:a14="http://schemas.microsoft.com/office/drawing/2010/main" Requires="a14">
+      <mc:AlternateContent xmlns:mc="http://schemas.openxmlformats.org/markup-compatibility/2006" xmlns:a14="http://schemas.microsoft.com/office/drawing/2010/main">
+        <mc:Choice Requires="a14">
           <p:sp>
             <p:nvSpPr>
               <p:cNvPr id="17" name="CaixaDeTexto 16">
@@ -11180,6 +11214,7 @@
               </a:bodyPr>
               <a:lstStyle/>
               <a:p>
+                <a:pPr/>
                 <a14:m>
                   <m:oMathPara xmlns:m="http://schemas.openxmlformats.org/officeDocument/2006/math">
                     <m:oMathParaPr>
@@ -11238,7 +11273,7 @@
             </p:txBody>
           </p:sp>
         </mc:Choice>
-        <mc:Fallback>
+        <mc:Fallback xmlns="">
           <p:sp>
             <p:nvSpPr>
               <p:cNvPr id="17" name="CaixaDeTexto 16">
@@ -11283,8 +11318,8 @@
           </p:sp>
         </mc:Fallback>
       </mc:AlternateContent>
-      <mc:AlternateContent xmlns:mc="http://schemas.openxmlformats.org/markup-compatibility/2006">
-        <mc:Choice xmlns:a14="http://schemas.microsoft.com/office/drawing/2010/main" Requires="a14">
+      <mc:AlternateContent xmlns:mc="http://schemas.openxmlformats.org/markup-compatibility/2006" xmlns:a14="http://schemas.microsoft.com/office/drawing/2010/main">
+        <mc:Choice Requires="a14">
           <p:sp>
             <p:nvSpPr>
               <p:cNvPr id="18" name="CaixaDeTexto 17">
@@ -11313,6 +11348,7 @@
               </a:bodyPr>
               <a:lstStyle/>
               <a:p>
+                <a:pPr/>
                 <a14:m>
                   <m:oMathPara xmlns:m="http://schemas.openxmlformats.org/officeDocument/2006/math">
                     <m:oMathParaPr>
@@ -11371,7 +11407,7 @@
             </p:txBody>
           </p:sp>
         </mc:Choice>
-        <mc:Fallback>
+        <mc:Fallback xmlns="">
           <p:sp>
             <p:nvSpPr>
               <p:cNvPr id="18" name="CaixaDeTexto 17">
@@ -11416,8 +11452,8 @@
           </p:sp>
         </mc:Fallback>
       </mc:AlternateContent>
-      <mc:AlternateContent xmlns:mc="http://schemas.openxmlformats.org/markup-compatibility/2006">
-        <mc:Choice xmlns:a14="http://schemas.microsoft.com/office/drawing/2010/main" Requires="a14">
+      <mc:AlternateContent xmlns:mc="http://schemas.openxmlformats.org/markup-compatibility/2006" xmlns:a14="http://schemas.microsoft.com/office/drawing/2010/main">
+        <mc:Choice Requires="a14">
           <p:sp>
             <p:nvSpPr>
               <p:cNvPr id="19" name="CaixaDeTexto 18">
@@ -11446,6 +11482,7 @@
               </a:bodyPr>
               <a:lstStyle/>
               <a:p>
+                <a:pPr/>
                 <a14:m>
                   <m:oMathPara xmlns:m="http://schemas.openxmlformats.org/officeDocument/2006/math">
                     <m:oMathParaPr>
@@ -11504,7 +11541,7 @@
             </p:txBody>
           </p:sp>
         </mc:Choice>
-        <mc:Fallback>
+        <mc:Fallback xmlns="">
           <p:sp>
             <p:nvSpPr>
               <p:cNvPr id="19" name="CaixaDeTexto 18">
@@ -11549,8 +11586,8 @@
           </p:sp>
         </mc:Fallback>
       </mc:AlternateContent>
-      <mc:AlternateContent xmlns:mc="http://schemas.openxmlformats.org/markup-compatibility/2006">
-        <mc:Choice xmlns:a14="http://schemas.microsoft.com/office/drawing/2010/main" Requires="a14">
+      <mc:AlternateContent xmlns:mc="http://schemas.openxmlformats.org/markup-compatibility/2006" xmlns:a14="http://schemas.microsoft.com/office/drawing/2010/main">
+        <mc:Choice Requires="a14">
           <p:sp>
             <p:nvSpPr>
               <p:cNvPr id="20" name="CaixaDeTexto 19">
@@ -11579,6 +11616,7 @@
               </a:bodyPr>
               <a:lstStyle/>
               <a:p>
+                <a:pPr/>
                 <a14:m>
                   <m:oMathPara xmlns:m="http://schemas.openxmlformats.org/officeDocument/2006/math">
                     <m:oMathParaPr>
@@ -11637,7 +11675,7 @@
             </p:txBody>
           </p:sp>
         </mc:Choice>
-        <mc:Fallback>
+        <mc:Fallback xmlns="">
           <p:sp>
             <p:nvSpPr>
               <p:cNvPr id="20" name="CaixaDeTexto 19">
@@ -11770,8 +11808,8 @@
           </a:fontRef>
         </p:style>
       </p:cxnSp>
-      <mc:AlternateContent xmlns:mc="http://schemas.openxmlformats.org/markup-compatibility/2006">
-        <mc:Choice xmlns:a14="http://schemas.microsoft.com/office/drawing/2010/main" Requires="a14">
+      <mc:AlternateContent xmlns:mc="http://schemas.openxmlformats.org/markup-compatibility/2006" xmlns:a14="http://schemas.microsoft.com/office/drawing/2010/main">
+        <mc:Choice Requires="a14">
           <p:sp>
             <p:nvSpPr>
               <p:cNvPr id="8" name="Elipse 7">
@@ -11881,7 +11919,7 @@
             </p:txBody>
           </p:sp>
         </mc:Choice>
-        <mc:Fallback>
+        <mc:Fallback xmlns="">
           <p:sp>
             <p:nvSpPr>
               <p:cNvPr id="8" name="Elipse 7">
@@ -11933,8 +11971,8 @@
           </p:sp>
         </mc:Fallback>
       </mc:AlternateContent>
-      <mc:AlternateContent xmlns:mc="http://schemas.openxmlformats.org/markup-compatibility/2006">
-        <mc:Choice xmlns:a14="http://schemas.microsoft.com/office/drawing/2010/main" Requires="a14">
+      <mc:AlternateContent xmlns:mc="http://schemas.openxmlformats.org/markup-compatibility/2006" xmlns:a14="http://schemas.microsoft.com/office/drawing/2010/main">
+        <mc:Choice Requires="a14">
           <p:sp>
             <p:nvSpPr>
               <p:cNvPr id="28" name="CaixaDeTexto 27">
@@ -12034,7 +12072,7 @@
             </p:txBody>
           </p:sp>
         </mc:Choice>
-        <mc:Fallback>
+        <mc:Fallback xmlns="">
           <p:sp>
             <p:nvSpPr>
               <p:cNvPr id="28" name="CaixaDeTexto 27">
@@ -12079,8 +12117,8 @@
           </p:sp>
         </mc:Fallback>
       </mc:AlternateContent>
-      <mc:AlternateContent xmlns:mc="http://schemas.openxmlformats.org/markup-compatibility/2006">
-        <mc:Choice xmlns:a14="http://schemas.microsoft.com/office/drawing/2010/main" Requires="a14">
+      <mc:AlternateContent xmlns:mc="http://schemas.openxmlformats.org/markup-compatibility/2006" xmlns:a14="http://schemas.microsoft.com/office/drawing/2010/main">
+        <mc:Choice Requires="a14">
           <p:sp>
             <p:nvSpPr>
               <p:cNvPr id="30" name="CaixaDeTexto 29">
@@ -12180,7 +12218,7 @@
             </p:txBody>
           </p:sp>
         </mc:Choice>
-        <mc:Fallback>
+        <mc:Fallback xmlns="">
           <p:sp>
             <p:nvSpPr>
               <p:cNvPr id="30" name="CaixaDeTexto 29">
@@ -12225,8 +12263,8 @@
           </p:sp>
         </mc:Fallback>
       </mc:AlternateContent>
-      <mc:AlternateContent xmlns:mc="http://schemas.openxmlformats.org/markup-compatibility/2006">
-        <mc:Choice xmlns:a14="http://schemas.microsoft.com/office/drawing/2010/main" Requires="a14">
+      <mc:AlternateContent xmlns:mc="http://schemas.openxmlformats.org/markup-compatibility/2006" xmlns:a14="http://schemas.microsoft.com/office/drawing/2010/main">
+        <mc:Choice Requires="a14">
           <p:sp>
             <p:nvSpPr>
               <p:cNvPr id="7" name="CaixaDeTexto 6">
@@ -12575,7 +12613,7 @@
             </p:txBody>
           </p:sp>
         </mc:Choice>
-        <mc:Fallback>
+        <mc:Fallback xmlns="">
           <p:sp>
             <p:nvSpPr>
               <p:cNvPr id="7" name="CaixaDeTexto 6">
@@ -12713,8 +12751,8 @@
           </a:fontRef>
         </p:style>
       </p:cxnSp>
-      <mc:AlternateContent xmlns:mc="http://schemas.openxmlformats.org/markup-compatibility/2006">
-        <mc:Choice xmlns:a14="http://schemas.microsoft.com/office/drawing/2010/main" Requires="a14">
+      <mc:AlternateContent xmlns:mc="http://schemas.openxmlformats.org/markup-compatibility/2006" xmlns:a14="http://schemas.microsoft.com/office/drawing/2010/main">
+        <mc:Choice Requires="a14">
           <p:sp>
             <p:nvSpPr>
               <p:cNvPr id="11" name="CaixaDeTexto 10">
@@ -12746,6 +12784,7 @@
               </a:bodyPr>
               <a:lstStyle/>
               <a:p>
+                <a:pPr/>
                 <a14:m>
                   <m:oMathPara xmlns:m="http://schemas.openxmlformats.org/officeDocument/2006/math">
                     <m:oMathParaPr>
@@ -12798,7 +12837,7 @@
             </p:txBody>
           </p:sp>
         </mc:Choice>
-        <mc:Fallback>
+        <mc:Fallback xmlns="">
           <p:sp>
             <p:nvSpPr>
               <p:cNvPr id="11" name="CaixaDeTexto 10">
@@ -12892,8 +12931,8 @@
           </a:fontRef>
         </p:style>
       </p:cxnSp>
-      <mc:AlternateContent xmlns:mc="http://schemas.openxmlformats.org/markup-compatibility/2006">
-        <mc:Choice xmlns:a14="http://schemas.microsoft.com/office/drawing/2010/main" Requires="a14">
+      <mc:AlternateContent xmlns:mc="http://schemas.openxmlformats.org/markup-compatibility/2006" xmlns:a14="http://schemas.microsoft.com/office/drawing/2010/main">
+        <mc:Choice Requires="a14">
           <p:sp>
             <p:nvSpPr>
               <p:cNvPr id="23" name="CaixaDeTexto 22">
@@ -12925,6 +12964,7 @@
               </a:bodyPr>
               <a:lstStyle/>
               <a:p>
+                <a:pPr/>
                 <a14:m>
                   <m:oMathPara xmlns:m="http://schemas.openxmlformats.org/officeDocument/2006/math">
                     <m:oMathParaPr>
@@ -12977,7 +13017,7 @@
             </p:txBody>
           </p:sp>
         </mc:Choice>
-        <mc:Fallback>
+        <mc:Fallback xmlns="">
           <p:sp>
             <p:nvSpPr>
               <p:cNvPr id="23" name="CaixaDeTexto 22">
@@ -13035,11 +13075,11 @@
   <p:clrMapOvr>
     <a:masterClrMapping/>
   </p:clrMapOvr>
-  <mc:AlternateContent xmlns:mc="http://schemas.openxmlformats.org/markup-compatibility/2006">
-    <mc:Choice xmlns:p14="http://schemas.microsoft.com/office/powerpoint/2010/main" Requires="p14">
+  <mc:AlternateContent xmlns:mc="http://schemas.openxmlformats.org/markup-compatibility/2006" xmlns:p14="http://schemas.microsoft.com/office/powerpoint/2010/main">
+    <mc:Choice Requires="p14">
       <p:transition p14:dur="250" advTm="2000"/>
     </mc:Choice>
-    <mc:Fallback>
+    <mc:Fallback xmlns="">
       <p:transition advTm="2000"/>
     </mc:Fallback>
   </mc:AlternateContent>
@@ -13069,8 +13109,8 @@
           <a:chExt cx="0" cy="0"/>
         </a:xfrm>
       </p:grpSpPr>
-      <mc:AlternateContent xmlns:mc="http://schemas.openxmlformats.org/markup-compatibility/2006">
-        <mc:Choice xmlns:a14="http://schemas.microsoft.com/office/drawing/2010/main" Requires="a14">
+      <mc:AlternateContent xmlns:mc="http://schemas.openxmlformats.org/markup-compatibility/2006" xmlns:a14="http://schemas.microsoft.com/office/drawing/2010/main">
+        <mc:Choice Requires="a14">
           <p:sp>
             <p:nvSpPr>
               <p:cNvPr id="4" name="Elipse 3">
@@ -13180,7 +13220,7 @@
             </p:txBody>
           </p:sp>
         </mc:Choice>
-        <mc:Fallback>
+        <mc:Fallback xmlns="">
           <p:sp>
             <p:nvSpPr>
               <p:cNvPr id="4" name="Elipse 3">
@@ -13232,8 +13272,8 @@
           </p:sp>
         </mc:Fallback>
       </mc:AlternateContent>
-      <mc:AlternateContent xmlns:mc="http://schemas.openxmlformats.org/markup-compatibility/2006">
-        <mc:Choice xmlns:a14="http://schemas.microsoft.com/office/drawing/2010/main" Requires="a14">
+      <mc:AlternateContent xmlns:mc="http://schemas.openxmlformats.org/markup-compatibility/2006" xmlns:a14="http://schemas.microsoft.com/office/drawing/2010/main">
+        <mc:Choice Requires="a14">
           <p:sp>
             <p:nvSpPr>
               <p:cNvPr id="2" name="Elipse 1">
@@ -13343,7 +13383,7 @@
             </p:txBody>
           </p:sp>
         </mc:Choice>
-        <mc:Fallback>
+        <mc:Fallback xmlns="">
           <p:sp>
             <p:nvSpPr>
               <p:cNvPr id="2" name="Elipse 1">
@@ -13395,8 +13435,8 @@
           </p:sp>
         </mc:Fallback>
       </mc:AlternateContent>
-      <mc:AlternateContent xmlns:mc="http://schemas.openxmlformats.org/markup-compatibility/2006">
-        <mc:Choice xmlns:a14="http://schemas.microsoft.com/office/drawing/2010/main" Requires="a14">
+      <mc:AlternateContent xmlns:mc="http://schemas.openxmlformats.org/markup-compatibility/2006" xmlns:a14="http://schemas.microsoft.com/office/drawing/2010/main">
+        <mc:Choice Requires="a14">
           <p:sp>
             <p:nvSpPr>
               <p:cNvPr id="3" name="CaixaDeTexto 2">
@@ -13425,6 +13465,7 @@
               </a:bodyPr>
               <a:lstStyle/>
               <a:p>
+                <a:pPr/>
                 <a14:m>
                   <m:oMathPara xmlns:m="http://schemas.openxmlformats.org/officeDocument/2006/math">
                     <m:oMathParaPr>
@@ -13483,7 +13524,7 @@
             </p:txBody>
           </p:sp>
         </mc:Choice>
-        <mc:Fallback>
+        <mc:Fallback xmlns="">
           <p:sp>
             <p:nvSpPr>
               <p:cNvPr id="3" name="CaixaDeTexto 2">
@@ -13528,8 +13569,8 @@
           </p:sp>
         </mc:Fallback>
       </mc:AlternateContent>
-      <mc:AlternateContent xmlns:mc="http://schemas.openxmlformats.org/markup-compatibility/2006">
-        <mc:Choice xmlns:a14="http://schemas.microsoft.com/office/drawing/2010/main" Requires="a14">
+      <mc:AlternateContent xmlns:mc="http://schemas.openxmlformats.org/markup-compatibility/2006" xmlns:a14="http://schemas.microsoft.com/office/drawing/2010/main">
+        <mc:Choice Requires="a14">
           <p:sp>
             <p:nvSpPr>
               <p:cNvPr id="5" name="CaixaDeTexto 4">
@@ -13558,6 +13599,7 @@
               </a:bodyPr>
               <a:lstStyle/>
               <a:p>
+                <a:pPr/>
                 <a14:m>
                   <m:oMathPara xmlns:m="http://schemas.openxmlformats.org/officeDocument/2006/math">
                     <m:oMathParaPr>
@@ -13616,7 +13658,7 @@
             </p:txBody>
           </p:sp>
         </mc:Choice>
-        <mc:Fallback>
+        <mc:Fallback xmlns="">
           <p:sp>
             <p:nvSpPr>
               <p:cNvPr id="5" name="CaixaDeTexto 4">
@@ -13661,8 +13703,8 @@
           </p:sp>
         </mc:Fallback>
       </mc:AlternateContent>
-      <mc:AlternateContent xmlns:mc="http://schemas.openxmlformats.org/markup-compatibility/2006">
-        <mc:Choice xmlns:a14="http://schemas.microsoft.com/office/drawing/2010/main" Requires="a14">
+      <mc:AlternateContent xmlns:mc="http://schemas.openxmlformats.org/markup-compatibility/2006" xmlns:a14="http://schemas.microsoft.com/office/drawing/2010/main">
+        <mc:Choice Requires="a14">
           <p:sp>
             <p:nvSpPr>
               <p:cNvPr id="6" name="CaixaDeTexto 5">
@@ -13691,6 +13733,7 @@
               </a:bodyPr>
               <a:lstStyle/>
               <a:p>
+                <a:pPr/>
                 <a14:m>
                   <m:oMathPara xmlns:m="http://schemas.openxmlformats.org/officeDocument/2006/math">
                     <m:oMathParaPr>
@@ -13749,7 +13792,7 @@
             </p:txBody>
           </p:sp>
         </mc:Choice>
-        <mc:Fallback>
+        <mc:Fallback xmlns="">
           <p:sp>
             <p:nvSpPr>
               <p:cNvPr id="6" name="CaixaDeTexto 5">
@@ -13794,8 +13837,8 @@
           </p:sp>
         </mc:Fallback>
       </mc:AlternateContent>
-      <mc:AlternateContent xmlns:mc="http://schemas.openxmlformats.org/markup-compatibility/2006">
-        <mc:Choice xmlns:a14="http://schemas.microsoft.com/office/drawing/2010/main" Requires="a14">
+      <mc:AlternateContent xmlns:mc="http://schemas.openxmlformats.org/markup-compatibility/2006" xmlns:a14="http://schemas.microsoft.com/office/drawing/2010/main">
+        <mc:Choice Requires="a14">
           <p:sp>
             <p:nvSpPr>
               <p:cNvPr id="14" name="CaixaDeTexto 13">
@@ -13824,6 +13867,7 @@
               </a:bodyPr>
               <a:lstStyle/>
               <a:p>
+                <a:pPr/>
                 <a14:m>
                   <m:oMathPara xmlns:m="http://schemas.openxmlformats.org/officeDocument/2006/math">
                     <m:oMathParaPr>
@@ -13882,7 +13926,7 @@
             </p:txBody>
           </p:sp>
         </mc:Choice>
-        <mc:Fallback>
+        <mc:Fallback xmlns="">
           <p:sp>
             <p:nvSpPr>
               <p:cNvPr id="14" name="CaixaDeTexto 13">
@@ -14015,8 +14059,8 @@
           </a:fontRef>
         </p:style>
       </p:cxnSp>
-      <mc:AlternateContent xmlns:mc="http://schemas.openxmlformats.org/markup-compatibility/2006">
-        <mc:Choice xmlns:a14="http://schemas.microsoft.com/office/drawing/2010/main" Requires="a14">
+      <mc:AlternateContent xmlns:mc="http://schemas.openxmlformats.org/markup-compatibility/2006" xmlns:a14="http://schemas.microsoft.com/office/drawing/2010/main">
+        <mc:Choice Requires="a14">
           <p:sp>
             <p:nvSpPr>
               <p:cNvPr id="17" name="CaixaDeTexto 16">
@@ -14045,6 +14089,7 @@
               </a:bodyPr>
               <a:lstStyle/>
               <a:p>
+                <a:pPr/>
                 <a14:m>
                   <m:oMathPara xmlns:m="http://schemas.openxmlformats.org/officeDocument/2006/math">
                     <m:oMathParaPr>
@@ -14103,7 +14148,7 @@
             </p:txBody>
           </p:sp>
         </mc:Choice>
-        <mc:Fallback>
+        <mc:Fallback xmlns="">
           <p:sp>
             <p:nvSpPr>
               <p:cNvPr id="17" name="CaixaDeTexto 16">
@@ -14148,8 +14193,8 @@
           </p:sp>
         </mc:Fallback>
       </mc:AlternateContent>
-      <mc:AlternateContent xmlns:mc="http://schemas.openxmlformats.org/markup-compatibility/2006">
-        <mc:Choice xmlns:a14="http://schemas.microsoft.com/office/drawing/2010/main" Requires="a14">
+      <mc:AlternateContent xmlns:mc="http://schemas.openxmlformats.org/markup-compatibility/2006" xmlns:a14="http://schemas.microsoft.com/office/drawing/2010/main">
+        <mc:Choice Requires="a14">
           <p:sp>
             <p:nvSpPr>
               <p:cNvPr id="18" name="CaixaDeTexto 17">
@@ -14178,6 +14223,7 @@
               </a:bodyPr>
               <a:lstStyle/>
               <a:p>
+                <a:pPr/>
                 <a14:m>
                   <m:oMathPara xmlns:m="http://schemas.openxmlformats.org/officeDocument/2006/math">
                     <m:oMathParaPr>
@@ -14236,7 +14282,7 @@
             </p:txBody>
           </p:sp>
         </mc:Choice>
-        <mc:Fallback>
+        <mc:Fallback xmlns="">
           <p:sp>
             <p:nvSpPr>
               <p:cNvPr id="18" name="CaixaDeTexto 17">
@@ -14281,8 +14327,8 @@
           </p:sp>
         </mc:Fallback>
       </mc:AlternateContent>
-      <mc:AlternateContent xmlns:mc="http://schemas.openxmlformats.org/markup-compatibility/2006">
-        <mc:Choice xmlns:a14="http://schemas.microsoft.com/office/drawing/2010/main" Requires="a14">
+      <mc:AlternateContent xmlns:mc="http://schemas.openxmlformats.org/markup-compatibility/2006" xmlns:a14="http://schemas.microsoft.com/office/drawing/2010/main">
+        <mc:Choice Requires="a14">
           <p:sp>
             <p:nvSpPr>
               <p:cNvPr id="19" name="CaixaDeTexto 18">
@@ -14311,6 +14357,7 @@
               </a:bodyPr>
               <a:lstStyle/>
               <a:p>
+                <a:pPr/>
                 <a14:m>
                   <m:oMathPara xmlns:m="http://schemas.openxmlformats.org/officeDocument/2006/math">
                     <m:oMathParaPr>
@@ -14369,7 +14416,7 @@
             </p:txBody>
           </p:sp>
         </mc:Choice>
-        <mc:Fallback>
+        <mc:Fallback xmlns="">
           <p:sp>
             <p:nvSpPr>
               <p:cNvPr id="19" name="CaixaDeTexto 18">
@@ -14414,8 +14461,8 @@
           </p:sp>
         </mc:Fallback>
       </mc:AlternateContent>
-      <mc:AlternateContent xmlns:mc="http://schemas.openxmlformats.org/markup-compatibility/2006">
-        <mc:Choice xmlns:a14="http://schemas.microsoft.com/office/drawing/2010/main" Requires="a14">
+      <mc:AlternateContent xmlns:mc="http://schemas.openxmlformats.org/markup-compatibility/2006" xmlns:a14="http://schemas.microsoft.com/office/drawing/2010/main">
+        <mc:Choice Requires="a14">
           <p:sp>
             <p:nvSpPr>
               <p:cNvPr id="20" name="CaixaDeTexto 19">
@@ -14444,6 +14491,7 @@
               </a:bodyPr>
               <a:lstStyle/>
               <a:p>
+                <a:pPr/>
                 <a14:m>
                   <m:oMathPara xmlns:m="http://schemas.openxmlformats.org/officeDocument/2006/math">
                     <m:oMathParaPr>
@@ -14502,7 +14550,7 @@
             </p:txBody>
           </p:sp>
         </mc:Choice>
-        <mc:Fallback>
+        <mc:Fallback xmlns="">
           <p:sp>
             <p:nvSpPr>
               <p:cNvPr id="20" name="CaixaDeTexto 19">
@@ -14635,8 +14683,8 @@
           </a:fontRef>
         </p:style>
       </p:cxnSp>
-      <mc:AlternateContent xmlns:mc="http://schemas.openxmlformats.org/markup-compatibility/2006">
-        <mc:Choice xmlns:a14="http://schemas.microsoft.com/office/drawing/2010/main" Requires="a14">
+      <mc:AlternateContent xmlns:mc="http://schemas.openxmlformats.org/markup-compatibility/2006" xmlns:a14="http://schemas.microsoft.com/office/drawing/2010/main">
+        <mc:Choice Requires="a14">
           <p:sp>
             <p:nvSpPr>
               <p:cNvPr id="8" name="Elipse 7">
@@ -14746,7 +14794,7 @@
             </p:txBody>
           </p:sp>
         </mc:Choice>
-        <mc:Fallback>
+        <mc:Fallback xmlns="">
           <p:sp>
             <p:nvSpPr>
               <p:cNvPr id="8" name="Elipse 7">
@@ -14798,8 +14846,8 @@
           </p:sp>
         </mc:Fallback>
       </mc:AlternateContent>
-      <mc:AlternateContent xmlns:mc="http://schemas.openxmlformats.org/markup-compatibility/2006">
-        <mc:Choice xmlns:a14="http://schemas.microsoft.com/office/drawing/2010/main" Requires="a14">
+      <mc:AlternateContent xmlns:mc="http://schemas.openxmlformats.org/markup-compatibility/2006" xmlns:a14="http://schemas.microsoft.com/office/drawing/2010/main">
+        <mc:Choice Requires="a14">
           <p:sp>
             <p:nvSpPr>
               <p:cNvPr id="28" name="CaixaDeTexto 27">
@@ -14899,7 +14947,7 @@
             </p:txBody>
           </p:sp>
         </mc:Choice>
-        <mc:Fallback>
+        <mc:Fallback xmlns="">
           <p:sp>
             <p:nvSpPr>
               <p:cNvPr id="28" name="CaixaDeTexto 27">
@@ -14944,8 +14992,8 @@
           </p:sp>
         </mc:Fallback>
       </mc:AlternateContent>
-      <mc:AlternateContent xmlns:mc="http://schemas.openxmlformats.org/markup-compatibility/2006">
-        <mc:Choice xmlns:a14="http://schemas.microsoft.com/office/drawing/2010/main" Requires="a14">
+      <mc:AlternateContent xmlns:mc="http://schemas.openxmlformats.org/markup-compatibility/2006" xmlns:a14="http://schemas.microsoft.com/office/drawing/2010/main">
+        <mc:Choice Requires="a14">
           <p:sp>
             <p:nvSpPr>
               <p:cNvPr id="30" name="CaixaDeTexto 29">
@@ -15045,7 +15093,7 @@
             </p:txBody>
           </p:sp>
         </mc:Choice>
-        <mc:Fallback>
+        <mc:Fallback xmlns="">
           <p:sp>
             <p:nvSpPr>
               <p:cNvPr id="30" name="CaixaDeTexto 29">
@@ -15090,8 +15138,8 @@
           </p:sp>
         </mc:Fallback>
       </mc:AlternateContent>
-      <mc:AlternateContent xmlns:mc="http://schemas.openxmlformats.org/markup-compatibility/2006">
-        <mc:Choice xmlns:a14="http://schemas.microsoft.com/office/drawing/2010/main" Requires="a14">
+      <mc:AlternateContent xmlns:mc="http://schemas.openxmlformats.org/markup-compatibility/2006" xmlns:a14="http://schemas.microsoft.com/office/drawing/2010/main">
+        <mc:Choice Requires="a14">
           <p:sp>
             <p:nvSpPr>
               <p:cNvPr id="7" name="CaixaDeTexto 6">
@@ -15377,7 +15425,7 @@
             </p:txBody>
           </p:sp>
         </mc:Choice>
-        <mc:Fallback>
+        <mc:Fallback xmlns="">
           <p:sp>
             <p:nvSpPr>
               <p:cNvPr id="7" name="CaixaDeTexto 6">
@@ -15422,8 +15470,8 @@
           </p:sp>
         </mc:Fallback>
       </mc:AlternateContent>
-      <mc:AlternateContent xmlns:mc="http://schemas.openxmlformats.org/markup-compatibility/2006">
-        <mc:Choice xmlns:a14="http://schemas.microsoft.com/office/drawing/2010/main" Requires="a14">
+      <mc:AlternateContent xmlns:mc="http://schemas.openxmlformats.org/markup-compatibility/2006" xmlns:a14="http://schemas.microsoft.com/office/drawing/2010/main">
+        <mc:Choice Requires="a14">
           <p:sp>
             <p:nvSpPr>
               <p:cNvPr id="9" name="CaixaDeTexto 8">
@@ -15687,7 +15735,7 @@
             </p:txBody>
           </p:sp>
         </mc:Choice>
-        <mc:Fallback>
+        <mc:Fallback xmlns="">
           <p:sp>
             <p:nvSpPr>
               <p:cNvPr id="9" name="CaixaDeTexto 8">
@@ -15789,11 +15837,11 @@
   <p:clrMapOvr>
     <a:masterClrMapping/>
   </p:clrMapOvr>
-  <mc:AlternateContent xmlns:mc="http://schemas.openxmlformats.org/markup-compatibility/2006">
-    <mc:Choice xmlns:p14="http://schemas.microsoft.com/office/powerpoint/2010/main" Requires="p14">
+  <mc:AlternateContent xmlns:mc="http://schemas.openxmlformats.org/markup-compatibility/2006" xmlns:p14="http://schemas.microsoft.com/office/powerpoint/2010/main">
+    <mc:Choice Requires="p14">
       <p:transition p14:dur="250" advTm="2000"/>
     </mc:Choice>
-    <mc:Fallback>
+    <mc:Fallback xmlns="">
       <p:transition advTm="2000"/>
     </mc:Fallback>
   </mc:AlternateContent>
@@ -15823,8 +15871,8 @@
           <a:chExt cx="0" cy="0"/>
         </a:xfrm>
       </p:grpSpPr>
-      <mc:AlternateContent xmlns:mc="http://schemas.openxmlformats.org/markup-compatibility/2006">
-        <mc:Choice xmlns:a14="http://schemas.microsoft.com/office/drawing/2010/main" Requires="a14">
+      <mc:AlternateContent xmlns:mc="http://schemas.openxmlformats.org/markup-compatibility/2006" xmlns:a14="http://schemas.microsoft.com/office/drawing/2010/main">
+        <mc:Choice Requires="a14">
           <p:sp>
             <p:nvSpPr>
               <p:cNvPr id="4" name="Elipse 3">
@@ -15934,7 +15982,7 @@
             </p:txBody>
           </p:sp>
         </mc:Choice>
-        <mc:Fallback>
+        <mc:Fallback xmlns="">
           <p:sp>
             <p:nvSpPr>
               <p:cNvPr id="4" name="Elipse 3">
@@ -15986,8 +16034,8 @@
           </p:sp>
         </mc:Fallback>
       </mc:AlternateContent>
-      <mc:AlternateContent xmlns:mc="http://schemas.openxmlformats.org/markup-compatibility/2006">
-        <mc:Choice xmlns:a14="http://schemas.microsoft.com/office/drawing/2010/main" Requires="a14">
+      <mc:AlternateContent xmlns:mc="http://schemas.openxmlformats.org/markup-compatibility/2006" xmlns:a14="http://schemas.microsoft.com/office/drawing/2010/main">
+        <mc:Choice Requires="a14">
           <p:sp>
             <p:nvSpPr>
               <p:cNvPr id="2" name="Elipse 1">
@@ -16097,7 +16145,7 @@
             </p:txBody>
           </p:sp>
         </mc:Choice>
-        <mc:Fallback>
+        <mc:Fallback xmlns="">
           <p:sp>
             <p:nvSpPr>
               <p:cNvPr id="2" name="Elipse 1">
@@ -16149,8 +16197,8 @@
           </p:sp>
         </mc:Fallback>
       </mc:AlternateContent>
-      <mc:AlternateContent xmlns:mc="http://schemas.openxmlformats.org/markup-compatibility/2006">
-        <mc:Choice xmlns:a14="http://schemas.microsoft.com/office/drawing/2010/main" Requires="a14">
+      <mc:AlternateContent xmlns:mc="http://schemas.openxmlformats.org/markup-compatibility/2006" xmlns:a14="http://schemas.microsoft.com/office/drawing/2010/main">
+        <mc:Choice Requires="a14">
           <p:sp>
             <p:nvSpPr>
               <p:cNvPr id="3" name="CaixaDeTexto 2">
@@ -16179,6 +16227,7 @@
               </a:bodyPr>
               <a:lstStyle/>
               <a:p>
+                <a:pPr/>
                 <a14:m>
                   <m:oMathPara xmlns:m="http://schemas.openxmlformats.org/officeDocument/2006/math">
                     <m:oMathParaPr>
@@ -16237,7 +16286,7 @@
             </p:txBody>
           </p:sp>
         </mc:Choice>
-        <mc:Fallback>
+        <mc:Fallback xmlns="">
           <p:sp>
             <p:nvSpPr>
               <p:cNvPr id="3" name="CaixaDeTexto 2">
@@ -16282,8 +16331,8 @@
           </p:sp>
         </mc:Fallback>
       </mc:AlternateContent>
-      <mc:AlternateContent xmlns:mc="http://schemas.openxmlformats.org/markup-compatibility/2006">
-        <mc:Choice xmlns:a14="http://schemas.microsoft.com/office/drawing/2010/main" Requires="a14">
+      <mc:AlternateContent xmlns:mc="http://schemas.openxmlformats.org/markup-compatibility/2006" xmlns:a14="http://schemas.microsoft.com/office/drawing/2010/main">
+        <mc:Choice Requires="a14">
           <p:sp>
             <p:nvSpPr>
               <p:cNvPr id="5" name="CaixaDeTexto 4">
@@ -16312,6 +16361,7 @@
               </a:bodyPr>
               <a:lstStyle/>
               <a:p>
+                <a:pPr/>
                 <a14:m>
                   <m:oMathPara xmlns:m="http://schemas.openxmlformats.org/officeDocument/2006/math">
                     <m:oMathParaPr>
@@ -16370,7 +16420,7 @@
             </p:txBody>
           </p:sp>
         </mc:Choice>
-        <mc:Fallback>
+        <mc:Fallback xmlns="">
           <p:sp>
             <p:nvSpPr>
               <p:cNvPr id="5" name="CaixaDeTexto 4">
@@ -16415,8 +16465,8 @@
           </p:sp>
         </mc:Fallback>
       </mc:AlternateContent>
-      <mc:AlternateContent xmlns:mc="http://schemas.openxmlformats.org/markup-compatibility/2006">
-        <mc:Choice xmlns:a14="http://schemas.microsoft.com/office/drawing/2010/main" Requires="a14">
+      <mc:AlternateContent xmlns:mc="http://schemas.openxmlformats.org/markup-compatibility/2006" xmlns:a14="http://schemas.microsoft.com/office/drawing/2010/main">
+        <mc:Choice Requires="a14">
           <p:sp>
             <p:nvSpPr>
               <p:cNvPr id="6" name="CaixaDeTexto 5">
@@ -16445,6 +16495,7 @@
               </a:bodyPr>
               <a:lstStyle/>
               <a:p>
+                <a:pPr/>
                 <a14:m>
                   <m:oMathPara xmlns:m="http://schemas.openxmlformats.org/officeDocument/2006/math">
                     <m:oMathParaPr>
@@ -16503,7 +16554,7 @@
             </p:txBody>
           </p:sp>
         </mc:Choice>
-        <mc:Fallback>
+        <mc:Fallback xmlns="">
           <p:sp>
             <p:nvSpPr>
               <p:cNvPr id="6" name="CaixaDeTexto 5">
@@ -16548,8 +16599,8 @@
           </p:sp>
         </mc:Fallback>
       </mc:AlternateContent>
-      <mc:AlternateContent xmlns:mc="http://schemas.openxmlformats.org/markup-compatibility/2006">
-        <mc:Choice xmlns:a14="http://schemas.microsoft.com/office/drawing/2010/main" Requires="a14">
+      <mc:AlternateContent xmlns:mc="http://schemas.openxmlformats.org/markup-compatibility/2006" xmlns:a14="http://schemas.microsoft.com/office/drawing/2010/main">
+        <mc:Choice Requires="a14">
           <p:sp>
             <p:nvSpPr>
               <p:cNvPr id="14" name="CaixaDeTexto 13">
@@ -16578,6 +16629,7 @@
               </a:bodyPr>
               <a:lstStyle/>
               <a:p>
+                <a:pPr/>
                 <a14:m>
                   <m:oMathPara xmlns:m="http://schemas.openxmlformats.org/officeDocument/2006/math">
                     <m:oMathParaPr>
@@ -16636,7 +16688,7 @@
             </p:txBody>
           </p:sp>
         </mc:Choice>
-        <mc:Fallback>
+        <mc:Fallback xmlns="">
           <p:sp>
             <p:nvSpPr>
               <p:cNvPr id="14" name="CaixaDeTexto 13">
@@ -16769,8 +16821,8 @@
           </a:fontRef>
         </p:style>
       </p:cxnSp>
-      <mc:AlternateContent xmlns:mc="http://schemas.openxmlformats.org/markup-compatibility/2006">
-        <mc:Choice xmlns:a14="http://schemas.microsoft.com/office/drawing/2010/main" Requires="a14">
+      <mc:AlternateContent xmlns:mc="http://schemas.openxmlformats.org/markup-compatibility/2006" xmlns:a14="http://schemas.microsoft.com/office/drawing/2010/main">
+        <mc:Choice Requires="a14">
           <p:sp>
             <p:nvSpPr>
               <p:cNvPr id="17" name="CaixaDeTexto 16">
@@ -16799,6 +16851,7 @@
               </a:bodyPr>
               <a:lstStyle/>
               <a:p>
+                <a:pPr/>
                 <a14:m>
                   <m:oMathPara xmlns:m="http://schemas.openxmlformats.org/officeDocument/2006/math">
                     <m:oMathParaPr>
@@ -16857,7 +16910,7 @@
             </p:txBody>
           </p:sp>
         </mc:Choice>
-        <mc:Fallback>
+        <mc:Fallback xmlns="">
           <p:sp>
             <p:nvSpPr>
               <p:cNvPr id="17" name="CaixaDeTexto 16">
@@ -16902,8 +16955,8 @@
           </p:sp>
         </mc:Fallback>
       </mc:AlternateContent>
-      <mc:AlternateContent xmlns:mc="http://schemas.openxmlformats.org/markup-compatibility/2006">
-        <mc:Choice xmlns:a14="http://schemas.microsoft.com/office/drawing/2010/main" Requires="a14">
+      <mc:AlternateContent xmlns:mc="http://schemas.openxmlformats.org/markup-compatibility/2006" xmlns:a14="http://schemas.microsoft.com/office/drawing/2010/main">
+        <mc:Choice Requires="a14">
           <p:sp>
             <p:nvSpPr>
               <p:cNvPr id="18" name="CaixaDeTexto 17">
@@ -16932,6 +16985,7 @@
               </a:bodyPr>
               <a:lstStyle/>
               <a:p>
+                <a:pPr/>
                 <a14:m>
                   <m:oMathPara xmlns:m="http://schemas.openxmlformats.org/officeDocument/2006/math">
                     <m:oMathParaPr>
@@ -16990,7 +17044,7 @@
             </p:txBody>
           </p:sp>
         </mc:Choice>
-        <mc:Fallback>
+        <mc:Fallback xmlns="">
           <p:sp>
             <p:nvSpPr>
               <p:cNvPr id="18" name="CaixaDeTexto 17">
@@ -17035,8 +17089,8 @@
           </p:sp>
         </mc:Fallback>
       </mc:AlternateContent>
-      <mc:AlternateContent xmlns:mc="http://schemas.openxmlformats.org/markup-compatibility/2006">
-        <mc:Choice xmlns:a14="http://schemas.microsoft.com/office/drawing/2010/main" Requires="a14">
+      <mc:AlternateContent xmlns:mc="http://schemas.openxmlformats.org/markup-compatibility/2006" xmlns:a14="http://schemas.microsoft.com/office/drawing/2010/main">
+        <mc:Choice Requires="a14">
           <p:sp>
             <p:nvSpPr>
               <p:cNvPr id="19" name="CaixaDeTexto 18">
@@ -17065,6 +17119,7 @@
               </a:bodyPr>
               <a:lstStyle/>
               <a:p>
+                <a:pPr/>
                 <a14:m>
                   <m:oMathPara xmlns:m="http://schemas.openxmlformats.org/officeDocument/2006/math">
                     <m:oMathParaPr>
@@ -17123,7 +17178,7 @@
             </p:txBody>
           </p:sp>
         </mc:Choice>
-        <mc:Fallback>
+        <mc:Fallback xmlns="">
           <p:sp>
             <p:nvSpPr>
               <p:cNvPr id="19" name="CaixaDeTexto 18">
@@ -17168,8 +17223,8 @@
           </p:sp>
         </mc:Fallback>
       </mc:AlternateContent>
-      <mc:AlternateContent xmlns:mc="http://schemas.openxmlformats.org/markup-compatibility/2006">
-        <mc:Choice xmlns:a14="http://schemas.microsoft.com/office/drawing/2010/main" Requires="a14">
+      <mc:AlternateContent xmlns:mc="http://schemas.openxmlformats.org/markup-compatibility/2006" xmlns:a14="http://schemas.microsoft.com/office/drawing/2010/main">
+        <mc:Choice Requires="a14">
           <p:sp>
             <p:nvSpPr>
               <p:cNvPr id="20" name="CaixaDeTexto 19">
@@ -17198,6 +17253,7 @@
               </a:bodyPr>
               <a:lstStyle/>
               <a:p>
+                <a:pPr/>
                 <a14:m>
                   <m:oMathPara xmlns:m="http://schemas.openxmlformats.org/officeDocument/2006/math">
                     <m:oMathParaPr>
@@ -17256,7 +17312,7 @@
             </p:txBody>
           </p:sp>
         </mc:Choice>
-        <mc:Fallback>
+        <mc:Fallback xmlns="">
           <p:sp>
             <p:nvSpPr>
               <p:cNvPr id="20" name="CaixaDeTexto 19">
@@ -17389,8 +17445,8 @@
           </a:fontRef>
         </p:style>
       </p:cxnSp>
-      <mc:AlternateContent xmlns:mc="http://schemas.openxmlformats.org/markup-compatibility/2006">
-        <mc:Choice xmlns:a14="http://schemas.microsoft.com/office/drawing/2010/main" Requires="a14">
+      <mc:AlternateContent xmlns:mc="http://schemas.openxmlformats.org/markup-compatibility/2006" xmlns:a14="http://schemas.microsoft.com/office/drawing/2010/main">
+        <mc:Choice Requires="a14">
           <p:sp>
             <p:nvSpPr>
               <p:cNvPr id="8" name="Elipse 7">
@@ -17500,7 +17556,7 @@
             </p:txBody>
           </p:sp>
         </mc:Choice>
-        <mc:Fallback>
+        <mc:Fallback xmlns="">
           <p:sp>
             <p:nvSpPr>
               <p:cNvPr id="8" name="Elipse 7">
@@ -17552,8 +17608,8 @@
           </p:sp>
         </mc:Fallback>
       </mc:AlternateContent>
-      <mc:AlternateContent xmlns:mc="http://schemas.openxmlformats.org/markup-compatibility/2006">
-        <mc:Choice xmlns:a14="http://schemas.microsoft.com/office/drawing/2010/main" Requires="a14">
+      <mc:AlternateContent xmlns:mc="http://schemas.openxmlformats.org/markup-compatibility/2006" xmlns:a14="http://schemas.microsoft.com/office/drawing/2010/main">
+        <mc:Choice Requires="a14">
           <p:sp>
             <p:nvSpPr>
               <p:cNvPr id="28" name="CaixaDeTexto 27">
@@ -17653,7 +17709,7 @@
             </p:txBody>
           </p:sp>
         </mc:Choice>
-        <mc:Fallback>
+        <mc:Fallback xmlns="">
           <p:sp>
             <p:nvSpPr>
               <p:cNvPr id="28" name="CaixaDeTexto 27">
@@ -17698,8 +17754,8 @@
           </p:sp>
         </mc:Fallback>
       </mc:AlternateContent>
-      <mc:AlternateContent xmlns:mc="http://schemas.openxmlformats.org/markup-compatibility/2006">
-        <mc:Choice xmlns:a14="http://schemas.microsoft.com/office/drawing/2010/main" Requires="a14">
+      <mc:AlternateContent xmlns:mc="http://schemas.openxmlformats.org/markup-compatibility/2006" xmlns:a14="http://schemas.microsoft.com/office/drawing/2010/main">
+        <mc:Choice Requires="a14">
           <p:sp>
             <p:nvSpPr>
               <p:cNvPr id="30" name="CaixaDeTexto 29">
@@ -17799,7 +17855,7 @@
             </p:txBody>
           </p:sp>
         </mc:Choice>
-        <mc:Fallback>
+        <mc:Fallback xmlns="">
           <p:sp>
             <p:nvSpPr>
               <p:cNvPr id="30" name="CaixaDeTexto 29">
@@ -17844,8 +17900,8 @@
           </p:sp>
         </mc:Fallback>
       </mc:AlternateContent>
-      <mc:AlternateContent xmlns:mc="http://schemas.openxmlformats.org/markup-compatibility/2006">
-        <mc:Choice xmlns:a14="http://schemas.microsoft.com/office/drawing/2010/main" Requires="a14">
+      <mc:AlternateContent xmlns:mc="http://schemas.openxmlformats.org/markup-compatibility/2006" xmlns:a14="http://schemas.microsoft.com/office/drawing/2010/main">
+        <mc:Choice Requires="a14">
           <p:sp>
             <p:nvSpPr>
               <p:cNvPr id="10" name="CaixaDeTexto 9">
@@ -17874,6 +17930,7 @@
               </a:bodyPr>
               <a:lstStyle/>
               <a:p>
+                <a:pPr/>
                 <a14:m>
                   <m:oMathPara xmlns:m="http://schemas.openxmlformats.org/officeDocument/2006/math">
                     <m:oMathParaPr>
@@ -17932,7 +17989,7 @@
             </p:txBody>
           </p:sp>
         </mc:Choice>
-        <mc:Fallback>
+        <mc:Fallback xmlns="">
           <p:sp>
             <p:nvSpPr>
               <p:cNvPr id="10" name="CaixaDeTexto 9">
@@ -17977,8 +18034,8 @@
           </p:sp>
         </mc:Fallback>
       </mc:AlternateContent>
-      <mc:AlternateContent xmlns:mc="http://schemas.openxmlformats.org/markup-compatibility/2006">
-        <mc:Choice xmlns:a14="http://schemas.microsoft.com/office/drawing/2010/main" Requires="a14">
+      <mc:AlternateContent xmlns:mc="http://schemas.openxmlformats.org/markup-compatibility/2006" xmlns:a14="http://schemas.microsoft.com/office/drawing/2010/main">
+        <mc:Choice Requires="a14">
           <p:sp>
             <p:nvSpPr>
               <p:cNvPr id="11" name="CaixaDeTexto 10">
@@ -18007,6 +18064,7 @@
               </a:bodyPr>
               <a:lstStyle/>
               <a:p>
+                <a:pPr/>
                 <a14:m>
                   <m:oMathPara xmlns:m="http://schemas.openxmlformats.org/officeDocument/2006/math">
                     <m:oMathParaPr>
@@ -18065,7 +18123,7 @@
             </p:txBody>
           </p:sp>
         </mc:Choice>
-        <mc:Fallback>
+        <mc:Fallback xmlns="">
           <p:sp>
             <p:nvSpPr>
               <p:cNvPr id="11" name="CaixaDeTexto 10">
@@ -18110,8 +18168,8 @@
           </p:sp>
         </mc:Fallback>
       </mc:AlternateContent>
-      <mc:AlternateContent xmlns:mc="http://schemas.openxmlformats.org/markup-compatibility/2006">
-        <mc:Choice xmlns:a14="http://schemas.microsoft.com/office/drawing/2010/main" Requires="a14">
+      <mc:AlternateContent xmlns:mc="http://schemas.openxmlformats.org/markup-compatibility/2006" xmlns:a14="http://schemas.microsoft.com/office/drawing/2010/main">
+        <mc:Choice Requires="a14">
           <p:sp>
             <p:nvSpPr>
               <p:cNvPr id="12" name="CaixaDeTexto 11">
@@ -18140,6 +18198,7 @@
               </a:bodyPr>
               <a:lstStyle/>
               <a:p>
+                <a:pPr/>
                 <a14:m>
                   <m:oMathPara xmlns:m="http://schemas.openxmlformats.org/officeDocument/2006/math">
                     <m:oMathParaPr>
@@ -18198,7 +18257,7 @@
             </p:txBody>
           </p:sp>
         </mc:Choice>
-        <mc:Fallback>
+        <mc:Fallback xmlns="">
           <p:sp>
             <p:nvSpPr>
               <p:cNvPr id="12" name="CaixaDeTexto 11">
@@ -18243,8 +18302,8 @@
           </p:sp>
         </mc:Fallback>
       </mc:AlternateContent>
-      <mc:AlternateContent xmlns:mc="http://schemas.openxmlformats.org/markup-compatibility/2006">
-        <mc:Choice xmlns:a14="http://schemas.microsoft.com/office/drawing/2010/main" Requires="a14">
+      <mc:AlternateContent xmlns:mc="http://schemas.openxmlformats.org/markup-compatibility/2006" xmlns:a14="http://schemas.microsoft.com/office/drawing/2010/main">
+        <mc:Choice Requires="a14">
           <p:sp>
             <p:nvSpPr>
               <p:cNvPr id="13" name="CaixaDeTexto 12">
@@ -18273,6 +18332,7 @@
               </a:bodyPr>
               <a:lstStyle/>
               <a:p>
+                <a:pPr/>
                 <a14:m>
                   <m:oMathPara xmlns:m="http://schemas.openxmlformats.org/officeDocument/2006/math">
                     <m:oMathParaPr>
@@ -18331,7 +18391,7 @@
             </p:txBody>
           </p:sp>
         </mc:Choice>
-        <mc:Fallback>
+        <mc:Fallback xmlns="">
           <p:sp>
             <p:nvSpPr>
               <p:cNvPr id="13" name="CaixaDeTexto 12">
@@ -18521,13 +18581,13 @@
   <p:clrMapOvr>
     <a:masterClrMapping/>
   </p:clrMapOvr>
-  <mc:AlternateContent xmlns:mc="http://schemas.openxmlformats.org/markup-compatibility/2006">
-    <mc:Choice xmlns:p14="http://schemas.microsoft.com/office/powerpoint/2010/main" Requires="p14">
+  <mc:AlternateContent xmlns:mc="http://schemas.openxmlformats.org/markup-compatibility/2006" xmlns:p14="http://schemas.microsoft.com/office/powerpoint/2010/main">
+    <mc:Choice Requires="p14">
       <p:transition p14:dur="250" advTm="2000">
         <p:fade/>
       </p:transition>
     </mc:Choice>
-    <mc:Fallback>
+    <mc:Fallback xmlns="">
       <p:transition advTm="2000">
         <p:fade/>
       </p:transition>
@@ -18559,8 +18619,8 @@
           <a:chExt cx="0" cy="0"/>
         </a:xfrm>
       </p:grpSpPr>
-      <mc:AlternateContent xmlns:mc="http://schemas.openxmlformats.org/markup-compatibility/2006">
-        <mc:Choice xmlns:a14="http://schemas.microsoft.com/office/drawing/2010/main" Requires="a14">
+      <mc:AlternateContent xmlns:mc="http://schemas.openxmlformats.org/markup-compatibility/2006" xmlns:a14="http://schemas.microsoft.com/office/drawing/2010/main">
+        <mc:Choice Requires="a14">
           <p:sp>
             <p:nvSpPr>
               <p:cNvPr id="4" name="Elipse 3">
@@ -18670,7 +18730,7 @@
             </p:txBody>
           </p:sp>
         </mc:Choice>
-        <mc:Fallback>
+        <mc:Fallback xmlns="">
           <p:sp>
             <p:nvSpPr>
               <p:cNvPr id="4" name="Elipse 3">
@@ -18722,8 +18782,8 @@
           </p:sp>
         </mc:Fallback>
       </mc:AlternateContent>
-      <mc:AlternateContent xmlns:mc="http://schemas.openxmlformats.org/markup-compatibility/2006">
-        <mc:Choice xmlns:a14="http://schemas.microsoft.com/office/drawing/2010/main" Requires="a14">
+      <mc:AlternateContent xmlns:mc="http://schemas.openxmlformats.org/markup-compatibility/2006" xmlns:a14="http://schemas.microsoft.com/office/drawing/2010/main">
+        <mc:Choice Requires="a14">
           <p:sp>
             <p:nvSpPr>
               <p:cNvPr id="2" name="Elipse 1">
@@ -18833,7 +18893,7 @@
             </p:txBody>
           </p:sp>
         </mc:Choice>
-        <mc:Fallback>
+        <mc:Fallback xmlns="">
           <p:sp>
             <p:nvSpPr>
               <p:cNvPr id="2" name="Elipse 1">
@@ -18885,8 +18945,8 @@
           </p:sp>
         </mc:Fallback>
       </mc:AlternateContent>
-      <mc:AlternateContent xmlns:mc="http://schemas.openxmlformats.org/markup-compatibility/2006">
-        <mc:Choice xmlns:a14="http://schemas.microsoft.com/office/drawing/2010/main" Requires="a14">
+      <mc:AlternateContent xmlns:mc="http://schemas.openxmlformats.org/markup-compatibility/2006" xmlns:a14="http://schemas.microsoft.com/office/drawing/2010/main">
+        <mc:Choice Requires="a14">
           <p:sp>
             <p:nvSpPr>
               <p:cNvPr id="3" name="CaixaDeTexto 2">
@@ -18915,6 +18975,7 @@
               </a:bodyPr>
               <a:lstStyle/>
               <a:p>
+                <a:pPr/>
                 <a14:m>
                   <m:oMathPara xmlns:m="http://schemas.openxmlformats.org/officeDocument/2006/math">
                     <m:oMathParaPr>
@@ -18973,7 +19034,7 @@
             </p:txBody>
           </p:sp>
         </mc:Choice>
-        <mc:Fallback>
+        <mc:Fallback xmlns="">
           <p:sp>
             <p:nvSpPr>
               <p:cNvPr id="3" name="CaixaDeTexto 2">
@@ -19018,8 +19079,8 @@
           </p:sp>
         </mc:Fallback>
       </mc:AlternateContent>
-      <mc:AlternateContent xmlns:mc="http://schemas.openxmlformats.org/markup-compatibility/2006">
-        <mc:Choice xmlns:a14="http://schemas.microsoft.com/office/drawing/2010/main" Requires="a14">
+      <mc:AlternateContent xmlns:mc="http://schemas.openxmlformats.org/markup-compatibility/2006" xmlns:a14="http://schemas.microsoft.com/office/drawing/2010/main">
+        <mc:Choice Requires="a14">
           <p:sp>
             <p:nvSpPr>
               <p:cNvPr id="5" name="CaixaDeTexto 4">
@@ -19048,6 +19109,7 @@
               </a:bodyPr>
               <a:lstStyle/>
               <a:p>
+                <a:pPr/>
                 <a14:m>
                   <m:oMathPara xmlns:m="http://schemas.openxmlformats.org/officeDocument/2006/math">
                     <m:oMathParaPr>
@@ -19106,7 +19168,7 @@
             </p:txBody>
           </p:sp>
         </mc:Choice>
-        <mc:Fallback>
+        <mc:Fallback xmlns="">
           <p:sp>
             <p:nvSpPr>
               <p:cNvPr id="5" name="CaixaDeTexto 4">
@@ -19151,8 +19213,8 @@
           </p:sp>
         </mc:Fallback>
       </mc:AlternateContent>
-      <mc:AlternateContent xmlns:mc="http://schemas.openxmlformats.org/markup-compatibility/2006">
-        <mc:Choice xmlns:a14="http://schemas.microsoft.com/office/drawing/2010/main" Requires="a14">
+      <mc:AlternateContent xmlns:mc="http://schemas.openxmlformats.org/markup-compatibility/2006" xmlns:a14="http://schemas.microsoft.com/office/drawing/2010/main">
+        <mc:Choice Requires="a14">
           <p:sp>
             <p:nvSpPr>
               <p:cNvPr id="6" name="CaixaDeTexto 5">
@@ -19181,6 +19243,7 @@
               </a:bodyPr>
               <a:lstStyle/>
               <a:p>
+                <a:pPr/>
                 <a14:m>
                   <m:oMathPara xmlns:m="http://schemas.openxmlformats.org/officeDocument/2006/math">
                     <m:oMathParaPr>
@@ -19239,7 +19302,7 @@
             </p:txBody>
           </p:sp>
         </mc:Choice>
-        <mc:Fallback>
+        <mc:Fallback xmlns="">
           <p:sp>
             <p:nvSpPr>
               <p:cNvPr id="6" name="CaixaDeTexto 5">
@@ -19284,8 +19347,8 @@
           </p:sp>
         </mc:Fallback>
       </mc:AlternateContent>
-      <mc:AlternateContent xmlns:mc="http://schemas.openxmlformats.org/markup-compatibility/2006">
-        <mc:Choice xmlns:a14="http://schemas.microsoft.com/office/drawing/2010/main" Requires="a14">
+      <mc:AlternateContent xmlns:mc="http://schemas.openxmlformats.org/markup-compatibility/2006" xmlns:a14="http://schemas.microsoft.com/office/drawing/2010/main">
+        <mc:Choice Requires="a14">
           <p:sp>
             <p:nvSpPr>
               <p:cNvPr id="14" name="CaixaDeTexto 13">
@@ -19314,6 +19377,7 @@
               </a:bodyPr>
               <a:lstStyle/>
               <a:p>
+                <a:pPr/>
                 <a14:m>
                   <m:oMathPara xmlns:m="http://schemas.openxmlformats.org/officeDocument/2006/math">
                     <m:oMathParaPr>
@@ -19372,7 +19436,7 @@
             </p:txBody>
           </p:sp>
         </mc:Choice>
-        <mc:Fallback>
+        <mc:Fallback xmlns="">
           <p:sp>
             <p:nvSpPr>
               <p:cNvPr id="14" name="CaixaDeTexto 13">
@@ -19505,8 +19569,8 @@
           </a:fontRef>
         </p:style>
       </p:cxnSp>
-      <mc:AlternateContent xmlns:mc="http://schemas.openxmlformats.org/markup-compatibility/2006">
-        <mc:Choice xmlns:a14="http://schemas.microsoft.com/office/drawing/2010/main" Requires="a14">
+      <mc:AlternateContent xmlns:mc="http://schemas.openxmlformats.org/markup-compatibility/2006" xmlns:a14="http://schemas.microsoft.com/office/drawing/2010/main">
+        <mc:Choice Requires="a14">
           <p:sp>
             <p:nvSpPr>
               <p:cNvPr id="17" name="CaixaDeTexto 16">
@@ -19535,6 +19599,7 @@
               </a:bodyPr>
               <a:lstStyle/>
               <a:p>
+                <a:pPr/>
                 <a14:m>
                   <m:oMathPara xmlns:m="http://schemas.openxmlformats.org/officeDocument/2006/math">
                     <m:oMathParaPr>
@@ -19593,7 +19658,7 @@
             </p:txBody>
           </p:sp>
         </mc:Choice>
-        <mc:Fallback>
+        <mc:Fallback xmlns="">
           <p:sp>
             <p:nvSpPr>
               <p:cNvPr id="17" name="CaixaDeTexto 16">
@@ -19638,8 +19703,8 @@
           </p:sp>
         </mc:Fallback>
       </mc:AlternateContent>
-      <mc:AlternateContent xmlns:mc="http://schemas.openxmlformats.org/markup-compatibility/2006">
-        <mc:Choice xmlns:a14="http://schemas.microsoft.com/office/drawing/2010/main" Requires="a14">
+      <mc:AlternateContent xmlns:mc="http://schemas.openxmlformats.org/markup-compatibility/2006" xmlns:a14="http://schemas.microsoft.com/office/drawing/2010/main">
+        <mc:Choice Requires="a14">
           <p:sp>
             <p:nvSpPr>
               <p:cNvPr id="18" name="CaixaDeTexto 17">
@@ -19668,6 +19733,7 @@
               </a:bodyPr>
               <a:lstStyle/>
               <a:p>
+                <a:pPr/>
                 <a14:m>
                   <m:oMathPara xmlns:m="http://schemas.openxmlformats.org/officeDocument/2006/math">
                     <m:oMathParaPr>
@@ -19726,7 +19792,7 @@
             </p:txBody>
           </p:sp>
         </mc:Choice>
-        <mc:Fallback>
+        <mc:Fallback xmlns="">
           <p:sp>
             <p:nvSpPr>
               <p:cNvPr id="18" name="CaixaDeTexto 17">
@@ -19771,8 +19837,8 @@
           </p:sp>
         </mc:Fallback>
       </mc:AlternateContent>
-      <mc:AlternateContent xmlns:mc="http://schemas.openxmlformats.org/markup-compatibility/2006">
-        <mc:Choice xmlns:a14="http://schemas.microsoft.com/office/drawing/2010/main" Requires="a14">
+      <mc:AlternateContent xmlns:mc="http://schemas.openxmlformats.org/markup-compatibility/2006" xmlns:a14="http://schemas.microsoft.com/office/drawing/2010/main">
+        <mc:Choice Requires="a14">
           <p:sp>
             <p:nvSpPr>
               <p:cNvPr id="19" name="CaixaDeTexto 18">
@@ -19801,6 +19867,7 @@
               </a:bodyPr>
               <a:lstStyle/>
               <a:p>
+                <a:pPr/>
                 <a14:m>
                   <m:oMathPara xmlns:m="http://schemas.openxmlformats.org/officeDocument/2006/math">
                     <m:oMathParaPr>
@@ -19859,7 +19926,7 @@
             </p:txBody>
           </p:sp>
         </mc:Choice>
-        <mc:Fallback>
+        <mc:Fallback xmlns="">
           <p:sp>
             <p:nvSpPr>
               <p:cNvPr id="19" name="CaixaDeTexto 18">
@@ -19904,8 +19971,8 @@
           </p:sp>
         </mc:Fallback>
       </mc:AlternateContent>
-      <mc:AlternateContent xmlns:mc="http://schemas.openxmlformats.org/markup-compatibility/2006">
-        <mc:Choice xmlns:a14="http://schemas.microsoft.com/office/drawing/2010/main" Requires="a14">
+      <mc:AlternateContent xmlns:mc="http://schemas.openxmlformats.org/markup-compatibility/2006" xmlns:a14="http://schemas.microsoft.com/office/drawing/2010/main">
+        <mc:Choice Requires="a14">
           <p:sp>
             <p:nvSpPr>
               <p:cNvPr id="20" name="CaixaDeTexto 19">
@@ -19934,6 +20001,7 @@
               </a:bodyPr>
               <a:lstStyle/>
               <a:p>
+                <a:pPr/>
                 <a14:m>
                   <m:oMathPara xmlns:m="http://schemas.openxmlformats.org/officeDocument/2006/math">
                     <m:oMathParaPr>
@@ -19992,7 +20060,7 @@
             </p:txBody>
           </p:sp>
         </mc:Choice>
-        <mc:Fallback>
+        <mc:Fallback xmlns="">
           <p:sp>
             <p:nvSpPr>
               <p:cNvPr id="20" name="CaixaDeTexto 19">
@@ -20125,8 +20193,8 @@
           </a:fontRef>
         </p:style>
       </p:cxnSp>
-      <mc:AlternateContent xmlns:mc="http://schemas.openxmlformats.org/markup-compatibility/2006">
-        <mc:Choice xmlns:a14="http://schemas.microsoft.com/office/drawing/2010/main" Requires="a14">
+      <mc:AlternateContent xmlns:mc="http://schemas.openxmlformats.org/markup-compatibility/2006" xmlns:a14="http://schemas.microsoft.com/office/drawing/2010/main">
+        <mc:Choice Requires="a14">
           <p:sp>
             <p:nvSpPr>
               <p:cNvPr id="8" name="Elipse 7">
@@ -20236,7 +20304,7 @@
             </p:txBody>
           </p:sp>
         </mc:Choice>
-        <mc:Fallback>
+        <mc:Fallback xmlns="">
           <p:sp>
             <p:nvSpPr>
               <p:cNvPr id="8" name="Elipse 7">
@@ -20288,8 +20356,8 @@
           </p:sp>
         </mc:Fallback>
       </mc:AlternateContent>
-      <mc:AlternateContent xmlns:mc="http://schemas.openxmlformats.org/markup-compatibility/2006">
-        <mc:Choice xmlns:a14="http://schemas.microsoft.com/office/drawing/2010/main" Requires="a14">
+      <mc:AlternateContent xmlns:mc="http://schemas.openxmlformats.org/markup-compatibility/2006" xmlns:a14="http://schemas.microsoft.com/office/drawing/2010/main">
+        <mc:Choice Requires="a14">
           <p:sp>
             <p:nvSpPr>
               <p:cNvPr id="28" name="CaixaDeTexto 27">
@@ -20389,7 +20457,7 @@
             </p:txBody>
           </p:sp>
         </mc:Choice>
-        <mc:Fallback>
+        <mc:Fallback xmlns="">
           <p:sp>
             <p:nvSpPr>
               <p:cNvPr id="28" name="CaixaDeTexto 27">
@@ -20434,8 +20502,8 @@
           </p:sp>
         </mc:Fallback>
       </mc:AlternateContent>
-      <mc:AlternateContent xmlns:mc="http://schemas.openxmlformats.org/markup-compatibility/2006">
-        <mc:Choice xmlns:a14="http://schemas.microsoft.com/office/drawing/2010/main" Requires="a14">
+      <mc:AlternateContent xmlns:mc="http://schemas.openxmlformats.org/markup-compatibility/2006" xmlns:a14="http://schemas.microsoft.com/office/drawing/2010/main">
+        <mc:Choice Requires="a14">
           <p:sp>
             <p:nvSpPr>
               <p:cNvPr id="30" name="CaixaDeTexto 29">
@@ -20535,7 +20603,7 @@
             </p:txBody>
           </p:sp>
         </mc:Choice>
-        <mc:Fallback>
+        <mc:Fallback xmlns="">
           <p:sp>
             <p:nvSpPr>
               <p:cNvPr id="30" name="CaixaDeTexto 29">
@@ -20580,8 +20648,8 @@
           </p:sp>
         </mc:Fallback>
       </mc:AlternateContent>
-      <mc:AlternateContent xmlns:mc="http://schemas.openxmlformats.org/markup-compatibility/2006">
-        <mc:Choice xmlns:a14="http://schemas.microsoft.com/office/drawing/2010/main" Requires="a14">
+      <mc:AlternateContent xmlns:mc="http://schemas.openxmlformats.org/markup-compatibility/2006" xmlns:a14="http://schemas.microsoft.com/office/drawing/2010/main">
+        <mc:Choice Requires="a14">
           <p:sp>
             <p:nvSpPr>
               <p:cNvPr id="10" name="CaixaDeTexto 9">
@@ -20610,6 +20678,7 @@
               </a:bodyPr>
               <a:lstStyle/>
               <a:p>
+                <a:pPr/>
                 <a14:m>
                   <m:oMathPara xmlns:m="http://schemas.openxmlformats.org/officeDocument/2006/math">
                     <m:oMathParaPr>
@@ -20668,7 +20737,7 @@
             </p:txBody>
           </p:sp>
         </mc:Choice>
-        <mc:Fallback>
+        <mc:Fallback xmlns="">
           <p:sp>
             <p:nvSpPr>
               <p:cNvPr id="10" name="CaixaDeTexto 9">
@@ -20713,8 +20782,8 @@
           </p:sp>
         </mc:Fallback>
       </mc:AlternateContent>
-      <mc:AlternateContent xmlns:mc="http://schemas.openxmlformats.org/markup-compatibility/2006">
-        <mc:Choice xmlns:a14="http://schemas.microsoft.com/office/drawing/2010/main" Requires="a14">
+      <mc:AlternateContent xmlns:mc="http://schemas.openxmlformats.org/markup-compatibility/2006" xmlns:a14="http://schemas.microsoft.com/office/drawing/2010/main">
+        <mc:Choice Requires="a14">
           <p:sp>
             <p:nvSpPr>
               <p:cNvPr id="11" name="CaixaDeTexto 10">
@@ -20743,6 +20812,7 @@
               </a:bodyPr>
               <a:lstStyle/>
               <a:p>
+                <a:pPr/>
                 <a14:m>
                   <m:oMathPara xmlns:m="http://schemas.openxmlformats.org/officeDocument/2006/math">
                     <m:oMathParaPr>
@@ -20801,7 +20871,7 @@
             </p:txBody>
           </p:sp>
         </mc:Choice>
-        <mc:Fallback>
+        <mc:Fallback xmlns="">
           <p:sp>
             <p:nvSpPr>
               <p:cNvPr id="11" name="CaixaDeTexto 10">
@@ -20846,8 +20916,8 @@
           </p:sp>
         </mc:Fallback>
       </mc:AlternateContent>
-      <mc:AlternateContent xmlns:mc="http://schemas.openxmlformats.org/markup-compatibility/2006">
-        <mc:Choice xmlns:a14="http://schemas.microsoft.com/office/drawing/2010/main" Requires="a14">
+      <mc:AlternateContent xmlns:mc="http://schemas.openxmlformats.org/markup-compatibility/2006" xmlns:a14="http://schemas.microsoft.com/office/drawing/2010/main">
+        <mc:Choice Requires="a14">
           <p:sp>
             <p:nvSpPr>
               <p:cNvPr id="12" name="CaixaDeTexto 11">
@@ -20876,6 +20946,7 @@
               </a:bodyPr>
               <a:lstStyle/>
               <a:p>
+                <a:pPr/>
                 <a14:m>
                   <m:oMathPara xmlns:m="http://schemas.openxmlformats.org/officeDocument/2006/math">
                     <m:oMathParaPr>
@@ -20934,7 +21005,7 @@
             </p:txBody>
           </p:sp>
         </mc:Choice>
-        <mc:Fallback>
+        <mc:Fallback xmlns="">
           <p:sp>
             <p:nvSpPr>
               <p:cNvPr id="12" name="CaixaDeTexto 11">
@@ -20979,8 +21050,8 @@
           </p:sp>
         </mc:Fallback>
       </mc:AlternateContent>
-      <mc:AlternateContent xmlns:mc="http://schemas.openxmlformats.org/markup-compatibility/2006">
-        <mc:Choice xmlns:a14="http://schemas.microsoft.com/office/drawing/2010/main" Requires="a14">
+      <mc:AlternateContent xmlns:mc="http://schemas.openxmlformats.org/markup-compatibility/2006" xmlns:a14="http://schemas.microsoft.com/office/drawing/2010/main">
+        <mc:Choice Requires="a14">
           <p:sp>
             <p:nvSpPr>
               <p:cNvPr id="13" name="CaixaDeTexto 12">
@@ -21009,6 +21080,7 @@
               </a:bodyPr>
               <a:lstStyle/>
               <a:p>
+                <a:pPr/>
                 <a14:m>
                   <m:oMathPara xmlns:m="http://schemas.openxmlformats.org/officeDocument/2006/math">
                     <m:oMathParaPr>
@@ -21067,7 +21139,7 @@
             </p:txBody>
           </p:sp>
         </mc:Choice>
-        <mc:Fallback>
+        <mc:Fallback xmlns="">
           <p:sp>
             <p:nvSpPr>
               <p:cNvPr id="13" name="CaixaDeTexto 12">
@@ -21200,8 +21272,8 @@
           </a:fontRef>
         </p:style>
       </p:cxnSp>
-      <mc:AlternateContent xmlns:mc="http://schemas.openxmlformats.org/markup-compatibility/2006">
-        <mc:Choice xmlns:a14="http://schemas.microsoft.com/office/drawing/2010/main" Requires="a14">
+      <mc:AlternateContent xmlns:mc="http://schemas.openxmlformats.org/markup-compatibility/2006" xmlns:a14="http://schemas.microsoft.com/office/drawing/2010/main">
+        <mc:Choice Requires="a14">
           <p:sp>
             <p:nvSpPr>
               <p:cNvPr id="7" name="CaixaDeTexto 6">
@@ -21702,7 +21774,7 @@
             </p:txBody>
           </p:sp>
         </mc:Choice>
-        <mc:Fallback>
+        <mc:Fallback xmlns="">
           <p:sp>
             <p:nvSpPr>
               <p:cNvPr id="7" name="CaixaDeTexto 6">
@@ -21804,11 +21876,11 @@
   <p:clrMapOvr>
     <a:masterClrMapping/>
   </p:clrMapOvr>
-  <mc:AlternateContent xmlns:mc="http://schemas.openxmlformats.org/markup-compatibility/2006">
-    <mc:Choice xmlns:p14="http://schemas.microsoft.com/office/powerpoint/2010/main" Requires="p14">
+  <mc:AlternateContent xmlns:mc="http://schemas.openxmlformats.org/markup-compatibility/2006" xmlns:p14="http://schemas.microsoft.com/office/powerpoint/2010/main">
+    <mc:Choice Requires="p14">
       <p:transition p14:dur="250" advTm="2000"/>
     </mc:Choice>
-    <mc:Fallback>
+    <mc:Fallback xmlns="">
       <p:transition advTm="2000"/>
     </mc:Fallback>
   </mc:AlternateContent>
@@ -21838,8 +21910,8 @@
           <a:chExt cx="0" cy="0"/>
         </a:xfrm>
       </p:grpSpPr>
-      <mc:AlternateContent xmlns:mc="http://schemas.openxmlformats.org/markup-compatibility/2006">
-        <mc:Choice xmlns:a14="http://schemas.microsoft.com/office/drawing/2010/main" Requires="a14">
+      <mc:AlternateContent xmlns:mc="http://schemas.openxmlformats.org/markup-compatibility/2006" xmlns:a14="http://schemas.microsoft.com/office/drawing/2010/main">
+        <mc:Choice Requires="a14">
           <p:sp>
             <p:nvSpPr>
               <p:cNvPr id="4" name="Elipse 3">
@@ -21949,7 +22021,7 @@
             </p:txBody>
           </p:sp>
         </mc:Choice>
-        <mc:Fallback>
+        <mc:Fallback xmlns="">
           <p:sp>
             <p:nvSpPr>
               <p:cNvPr id="4" name="Elipse 3">
@@ -22001,8 +22073,8 @@
           </p:sp>
         </mc:Fallback>
       </mc:AlternateContent>
-      <mc:AlternateContent xmlns:mc="http://schemas.openxmlformats.org/markup-compatibility/2006">
-        <mc:Choice xmlns:a14="http://schemas.microsoft.com/office/drawing/2010/main" Requires="a14">
+      <mc:AlternateContent xmlns:mc="http://schemas.openxmlformats.org/markup-compatibility/2006" xmlns:a14="http://schemas.microsoft.com/office/drawing/2010/main">
+        <mc:Choice Requires="a14">
           <p:sp>
             <p:nvSpPr>
               <p:cNvPr id="2" name="Elipse 1">
@@ -22112,7 +22184,7 @@
             </p:txBody>
           </p:sp>
         </mc:Choice>
-        <mc:Fallback>
+        <mc:Fallback xmlns="">
           <p:sp>
             <p:nvSpPr>
               <p:cNvPr id="2" name="Elipse 1">
@@ -22164,8 +22236,8 @@
           </p:sp>
         </mc:Fallback>
       </mc:AlternateContent>
-      <mc:AlternateContent xmlns:mc="http://schemas.openxmlformats.org/markup-compatibility/2006">
-        <mc:Choice xmlns:a14="http://schemas.microsoft.com/office/drawing/2010/main" Requires="a14">
+      <mc:AlternateContent xmlns:mc="http://schemas.openxmlformats.org/markup-compatibility/2006" xmlns:a14="http://schemas.microsoft.com/office/drawing/2010/main">
+        <mc:Choice Requires="a14">
           <p:sp>
             <p:nvSpPr>
               <p:cNvPr id="3" name="CaixaDeTexto 2">
@@ -22194,6 +22266,7 @@
               </a:bodyPr>
               <a:lstStyle/>
               <a:p>
+                <a:pPr/>
                 <a14:m>
                   <m:oMathPara xmlns:m="http://schemas.openxmlformats.org/officeDocument/2006/math">
                     <m:oMathParaPr>
@@ -22252,7 +22325,7 @@
             </p:txBody>
           </p:sp>
         </mc:Choice>
-        <mc:Fallback>
+        <mc:Fallback xmlns="">
           <p:sp>
             <p:nvSpPr>
               <p:cNvPr id="3" name="CaixaDeTexto 2">
@@ -22297,8 +22370,8 @@
           </p:sp>
         </mc:Fallback>
       </mc:AlternateContent>
-      <mc:AlternateContent xmlns:mc="http://schemas.openxmlformats.org/markup-compatibility/2006">
-        <mc:Choice xmlns:a14="http://schemas.microsoft.com/office/drawing/2010/main" Requires="a14">
+      <mc:AlternateContent xmlns:mc="http://schemas.openxmlformats.org/markup-compatibility/2006" xmlns:a14="http://schemas.microsoft.com/office/drawing/2010/main">
+        <mc:Choice Requires="a14">
           <p:sp>
             <p:nvSpPr>
               <p:cNvPr id="5" name="CaixaDeTexto 4">
@@ -22327,6 +22400,7 @@
               </a:bodyPr>
               <a:lstStyle/>
               <a:p>
+                <a:pPr/>
                 <a14:m>
                   <m:oMathPara xmlns:m="http://schemas.openxmlformats.org/officeDocument/2006/math">
                     <m:oMathParaPr>
@@ -22385,7 +22459,7 @@
             </p:txBody>
           </p:sp>
         </mc:Choice>
-        <mc:Fallback>
+        <mc:Fallback xmlns="">
           <p:sp>
             <p:nvSpPr>
               <p:cNvPr id="5" name="CaixaDeTexto 4">
@@ -22430,8 +22504,8 @@
           </p:sp>
         </mc:Fallback>
       </mc:AlternateContent>
-      <mc:AlternateContent xmlns:mc="http://schemas.openxmlformats.org/markup-compatibility/2006">
-        <mc:Choice xmlns:a14="http://schemas.microsoft.com/office/drawing/2010/main" Requires="a14">
+      <mc:AlternateContent xmlns:mc="http://schemas.openxmlformats.org/markup-compatibility/2006" xmlns:a14="http://schemas.microsoft.com/office/drawing/2010/main">
+        <mc:Choice Requires="a14">
           <p:sp>
             <p:nvSpPr>
               <p:cNvPr id="6" name="CaixaDeTexto 5">
@@ -22460,6 +22534,7 @@
               </a:bodyPr>
               <a:lstStyle/>
               <a:p>
+                <a:pPr/>
                 <a14:m>
                   <m:oMathPara xmlns:m="http://schemas.openxmlformats.org/officeDocument/2006/math">
                     <m:oMathParaPr>
@@ -22518,7 +22593,7 @@
             </p:txBody>
           </p:sp>
         </mc:Choice>
-        <mc:Fallback>
+        <mc:Fallback xmlns="">
           <p:sp>
             <p:nvSpPr>
               <p:cNvPr id="6" name="CaixaDeTexto 5">
@@ -22563,8 +22638,8 @@
           </p:sp>
         </mc:Fallback>
       </mc:AlternateContent>
-      <mc:AlternateContent xmlns:mc="http://schemas.openxmlformats.org/markup-compatibility/2006">
-        <mc:Choice xmlns:a14="http://schemas.microsoft.com/office/drawing/2010/main" Requires="a14">
+      <mc:AlternateContent xmlns:mc="http://schemas.openxmlformats.org/markup-compatibility/2006" xmlns:a14="http://schemas.microsoft.com/office/drawing/2010/main">
+        <mc:Choice Requires="a14">
           <p:sp>
             <p:nvSpPr>
               <p:cNvPr id="14" name="CaixaDeTexto 13">
@@ -22593,6 +22668,7 @@
               </a:bodyPr>
               <a:lstStyle/>
               <a:p>
+                <a:pPr/>
                 <a14:m>
                   <m:oMathPara xmlns:m="http://schemas.openxmlformats.org/officeDocument/2006/math">
                     <m:oMathParaPr>
@@ -22651,7 +22727,7 @@
             </p:txBody>
           </p:sp>
         </mc:Choice>
-        <mc:Fallback>
+        <mc:Fallback xmlns="">
           <p:sp>
             <p:nvSpPr>
               <p:cNvPr id="14" name="CaixaDeTexto 13">
@@ -22784,8 +22860,8 @@
           </a:fontRef>
         </p:style>
       </p:cxnSp>
-      <mc:AlternateContent xmlns:mc="http://schemas.openxmlformats.org/markup-compatibility/2006">
-        <mc:Choice xmlns:a14="http://schemas.microsoft.com/office/drawing/2010/main" Requires="a14">
+      <mc:AlternateContent xmlns:mc="http://schemas.openxmlformats.org/markup-compatibility/2006" xmlns:a14="http://schemas.microsoft.com/office/drawing/2010/main">
+        <mc:Choice Requires="a14">
           <p:sp>
             <p:nvSpPr>
               <p:cNvPr id="17" name="CaixaDeTexto 16">
@@ -22814,6 +22890,7 @@
               </a:bodyPr>
               <a:lstStyle/>
               <a:p>
+                <a:pPr/>
                 <a14:m>
                   <m:oMathPara xmlns:m="http://schemas.openxmlformats.org/officeDocument/2006/math">
                     <m:oMathParaPr>
@@ -22872,7 +22949,7 @@
             </p:txBody>
           </p:sp>
         </mc:Choice>
-        <mc:Fallback>
+        <mc:Fallback xmlns="">
           <p:sp>
             <p:nvSpPr>
               <p:cNvPr id="17" name="CaixaDeTexto 16">
@@ -22917,8 +22994,8 @@
           </p:sp>
         </mc:Fallback>
       </mc:AlternateContent>
-      <mc:AlternateContent xmlns:mc="http://schemas.openxmlformats.org/markup-compatibility/2006">
-        <mc:Choice xmlns:a14="http://schemas.microsoft.com/office/drawing/2010/main" Requires="a14">
+      <mc:AlternateContent xmlns:mc="http://schemas.openxmlformats.org/markup-compatibility/2006" xmlns:a14="http://schemas.microsoft.com/office/drawing/2010/main">
+        <mc:Choice Requires="a14">
           <p:sp>
             <p:nvSpPr>
               <p:cNvPr id="18" name="CaixaDeTexto 17">
@@ -22947,6 +23024,7 @@
               </a:bodyPr>
               <a:lstStyle/>
               <a:p>
+                <a:pPr/>
                 <a14:m>
                   <m:oMathPara xmlns:m="http://schemas.openxmlformats.org/officeDocument/2006/math">
                     <m:oMathParaPr>
@@ -23005,7 +23083,7 @@
             </p:txBody>
           </p:sp>
         </mc:Choice>
-        <mc:Fallback>
+        <mc:Fallback xmlns="">
           <p:sp>
             <p:nvSpPr>
               <p:cNvPr id="18" name="CaixaDeTexto 17">
@@ -23050,8 +23128,8 @@
           </p:sp>
         </mc:Fallback>
       </mc:AlternateContent>
-      <mc:AlternateContent xmlns:mc="http://schemas.openxmlformats.org/markup-compatibility/2006">
-        <mc:Choice xmlns:a14="http://schemas.microsoft.com/office/drawing/2010/main" Requires="a14">
+      <mc:AlternateContent xmlns:mc="http://schemas.openxmlformats.org/markup-compatibility/2006" xmlns:a14="http://schemas.microsoft.com/office/drawing/2010/main">
+        <mc:Choice Requires="a14">
           <p:sp>
             <p:nvSpPr>
               <p:cNvPr id="19" name="CaixaDeTexto 18">
@@ -23080,6 +23158,7 @@
               </a:bodyPr>
               <a:lstStyle/>
               <a:p>
+                <a:pPr/>
                 <a14:m>
                   <m:oMathPara xmlns:m="http://schemas.openxmlformats.org/officeDocument/2006/math">
                     <m:oMathParaPr>
@@ -23138,7 +23217,7 @@
             </p:txBody>
           </p:sp>
         </mc:Choice>
-        <mc:Fallback>
+        <mc:Fallback xmlns="">
           <p:sp>
             <p:nvSpPr>
               <p:cNvPr id="19" name="CaixaDeTexto 18">
@@ -23183,8 +23262,8 @@
           </p:sp>
         </mc:Fallback>
       </mc:AlternateContent>
-      <mc:AlternateContent xmlns:mc="http://schemas.openxmlformats.org/markup-compatibility/2006">
-        <mc:Choice xmlns:a14="http://schemas.microsoft.com/office/drawing/2010/main" Requires="a14">
+      <mc:AlternateContent xmlns:mc="http://schemas.openxmlformats.org/markup-compatibility/2006" xmlns:a14="http://schemas.microsoft.com/office/drawing/2010/main">
+        <mc:Choice Requires="a14">
           <p:sp>
             <p:nvSpPr>
               <p:cNvPr id="20" name="CaixaDeTexto 19">
@@ -23213,6 +23292,7 @@
               </a:bodyPr>
               <a:lstStyle/>
               <a:p>
+                <a:pPr/>
                 <a14:m>
                   <m:oMathPara xmlns:m="http://schemas.openxmlformats.org/officeDocument/2006/math">
                     <m:oMathParaPr>
@@ -23271,7 +23351,7 @@
             </p:txBody>
           </p:sp>
         </mc:Choice>
-        <mc:Fallback>
+        <mc:Fallback xmlns="">
           <p:sp>
             <p:nvSpPr>
               <p:cNvPr id="20" name="CaixaDeTexto 19">
@@ -23404,8 +23484,8 @@
           </a:fontRef>
         </p:style>
       </p:cxnSp>
-      <mc:AlternateContent xmlns:mc="http://schemas.openxmlformats.org/markup-compatibility/2006">
-        <mc:Choice xmlns:a14="http://schemas.microsoft.com/office/drawing/2010/main" Requires="a14">
+      <mc:AlternateContent xmlns:mc="http://schemas.openxmlformats.org/markup-compatibility/2006" xmlns:a14="http://schemas.microsoft.com/office/drawing/2010/main">
+        <mc:Choice Requires="a14">
           <p:sp>
             <p:nvSpPr>
               <p:cNvPr id="8" name="Elipse 7">
@@ -23515,7 +23595,7 @@
             </p:txBody>
           </p:sp>
         </mc:Choice>
-        <mc:Fallback>
+        <mc:Fallback xmlns="">
           <p:sp>
             <p:nvSpPr>
               <p:cNvPr id="8" name="Elipse 7">
@@ -23567,8 +23647,8 @@
           </p:sp>
         </mc:Fallback>
       </mc:AlternateContent>
-      <mc:AlternateContent xmlns:mc="http://schemas.openxmlformats.org/markup-compatibility/2006">
-        <mc:Choice xmlns:a14="http://schemas.microsoft.com/office/drawing/2010/main" Requires="a14">
+      <mc:AlternateContent xmlns:mc="http://schemas.openxmlformats.org/markup-compatibility/2006" xmlns:a14="http://schemas.microsoft.com/office/drawing/2010/main">
+        <mc:Choice Requires="a14">
           <p:sp>
             <p:nvSpPr>
               <p:cNvPr id="28" name="CaixaDeTexto 27">
@@ -23668,7 +23748,7 @@
             </p:txBody>
           </p:sp>
         </mc:Choice>
-        <mc:Fallback>
+        <mc:Fallback xmlns="">
           <p:sp>
             <p:nvSpPr>
               <p:cNvPr id="28" name="CaixaDeTexto 27">
@@ -23713,8 +23793,8 @@
           </p:sp>
         </mc:Fallback>
       </mc:AlternateContent>
-      <mc:AlternateContent xmlns:mc="http://schemas.openxmlformats.org/markup-compatibility/2006">
-        <mc:Choice xmlns:a14="http://schemas.microsoft.com/office/drawing/2010/main" Requires="a14">
+      <mc:AlternateContent xmlns:mc="http://schemas.openxmlformats.org/markup-compatibility/2006" xmlns:a14="http://schemas.microsoft.com/office/drawing/2010/main">
+        <mc:Choice Requires="a14">
           <p:sp>
             <p:nvSpPr>
               <p:cNvPr id="30" name="CaixaDeTexto 29">
@@ -23814,7 +23894,7 @@
             </p:txBody>
           </p:sp>
         </mc:Choice>
-        <mc:Fallback>
+        <mc:Fallback xmlns="">
           <p:sp>
             <p:nvSpPr>
               <p:cNvPr id="30" name="CaixaDeTexto 29">
@@ -23859,8 +23939,8 @@
           </p:sp>
         </mc:Fallback>
       </mc:AlternateContent>
-      <mc:AlternateContent xmlns:mc="http://schemas.openxmlformats.org/markup-compatibility/2006">
-        <mc:Choice xmlns:a14="http://schemas.microsoft.com/office/drawing/2010/main" Requires="a14">
+      <mc:AlternateContent xmlns:mc="http://schemas.openxmlformats.org/markup-compatibility/2006" xmlns:a14="http://schemas.microsoft.com/office/drawing/2010/main">
+        <mc:Choice Requires="a14">
           <p:sp>
             <p:nvSpPr>
               <p:cNvPr id="10" name="CaixaDeTexto 9">
@@ -23889,6 +23969,7 @@
               </a:bodyPr>
               <a:lstStyle/>
               <a:p>
+                <a:pPr/>
                 <a14:m>
                   <m:oMathPara xmlns:m="http://schemas.openxmlformats.org/officeDocument/2006/math">
                     <m:oMathParaPr>
@@ -23947,7 +24028,7 @@
             </p:txBody>
           </p:sp>
         </mc:Choice>
-        <mc:Fallback>
+        <mc:Fallback xmlns="">
           <p:sp>
             <p:nvSpPr>
               <p:cNvPr id="10" name="CaixaDeTexto 9">
@@ -23992,8 +24073,8 @@
           </p:sp>
         </mc:Fallback>
       </mc:AlternateContent>
-      <mc:AlternateContent xmlns:mc="http://schemas.openxmlformats.org/markup-compatibility/2006">
-        <mc:Choice xmlns:a14="http://schemas.microsoft.com/office/drawing/2010/main" Requires="a14">
+      <mc:AlternateContent xmlns:mc="http://schemas.openxmlformats.org/markup-compatibility/2006" xmlns:a14="http://schemas.microsoft.com/office/drawing/2010/main">
+        <mc:Choice Requires="a14">
           <p:sp>
             <p:nvSpPr>
               <p:cNvPr id="11" name="CaixaDeTexto 10">
@@ -24022,6 +24103,7 @@
               </a:bodyPr>
               <a:lstStyle/>
               <a:p>
+                <a:pPr/>
                 <a14:m>
                   <m:oMathPara xmlns:m="http://schemas.openxmlformats.org/officeDocument/2006/math">
                     <m:oMathParaPr>
@@ -24080,7 +24162,7 @@
             </p:txBody>
           </p:sp>
         </mc:Choice>
-        <mc:Fallback>
+        <mc:Fallback xmlns="">
           <p:sp>
             <p:nvSpPr>
               <p:cNvPr id="11" name="CaixaDeTexto 10">
@@ -24125,8 +24207,8 @@
           </p:sp>
         </mc:Fallback>
       </mc:AlternateContent>
-      <mc:AlternateContent xmlns:mc="http://schemas.openxmlformats.org/markup-compatibility/2006">
-        <mc:Choice xmlns:a14="http://schemas.microsoft.com/office/drawing/2010/main" Requires="a14">
+      <mc:AlternateContent xmlns:mc="http://schemas.openxmlformats.org/markup-compatibility/2006" xmlns:a14="http://schemas.microsoft.com/office/drawing/2010/main">
+        <mc:Choice Requires="a14">
           <p:sp>
             <p:nvSpPr>
               <p:cNvPr id="12" name="CaixaDeTexto 11">
@@ -24155,6 +24237,7 @@
               </a:bodyPr>
               <a:lstStyle/>
               <a:p>
+                <a:pPr/>
                 <a14:m>
                   <m:oMathPara xmlns:m="http://schemas.openxmlformats.org/officeDocument/2006/math">
                     <m:oMathParaPr>
@@ -24213,7 +24296,7 @@
             </p:txBody>
           </p:sp>
         </mc:Choice>
-        <mc:Fallback>
+        <mc:Fallback xmlns="">
           <p:sp>
             <p:nvSpPr>
               <p:cNvPr id="12" name="CaixaDeTexto 11">
@@ -24258,8 +24341,8 @@
           </p:sp>
         </mc:Fallback>
       </mc:AlternateContent>
-      <mc:AlternateContent xmlns:mc="http://schemas.openxmlformats.org/markup-compatibility/2006">
-        <mc:Choice xmlns:a14="http://schemas.microsoft.com/office/drawing/2010/main" Requires="a14">
+      <mc:AlternateContent xmlns:mc="http://schemas.openxmlformats.org/markup-compatibility/2006" xmlns:a14="http://schemas.microsoft.com/office/drawing/2010/main">
+        <mc:Choice Requires="a14">
           <p:sp>
             <p:nvSpPr>
               <p:cNvPr id="13" name="CaixaDeTexto 12">
@@ -24288,6 +24371,7 @@
               </a:bodyPr>
               <a:lstStyle/>
               <a:p>
+                <a:pPr/>
                 <a14:m>
                   <m:oMathPara xmlns:m="http://schemas.openxmlformats.org/officeDocument/2006/math">
                     <m:oMathParaPr>
@@ -24346,7 +24430,7 @@
             </p:txBody>
           </p:sp>
         </mc:Choice>
-        <mc:Fallback>
+        <mc:Fallback xmlns="">
           <p:sp>
             <p:nvSpPr>
               <p:cNvPr id="13" name="CaixaDeTexto 12">
@@ -24479,8 +24563,8 @@
           </a:fontRef>
         </p:style>
       </p:cxnSp>
-      <mc:AlternateContent xmlns:mc="http://schemas.openxmlformats.org/markup-compatibility/2006">
-        <mc:Choice xmlns:a14="http://schemas.microsoft.com/office/drawing/2010/main" Requires="a14">
+      <mc:AlternateContent xmlns:mc="http://schemas.openxmlformats.org/markup-compatibility/2006" xmlns:a14="http://schemas.microsoft.com/office/drawing/2010/main">
+        <mc:Choice Requires="a14">
           <p:sp>
             <p:nvSpPr>
               <p:cNvPr id="9" name="CaixaDeTexto 8">
@@ -24580,7 +24664,7 @@
             </p:txBody>
           </p:sp>
         </mc:Choice>
-        <mc:Fallback>
+        <mc:Fallback xmlns="">
           <p:sp>
             <p:nvSpPr>
               <p:cNvPr id="9" name="CaixaDeTexto 8">
@@ -24682,13 +24766,13 @@
   <p:clrMapOvr>
     <a:masterClrMapping/>
   </p:clrMapOvr>
-  <mc:AlternateContent xmlns:mc="http://schemas.openxmlformats.org/markup-compatibility/2006">
-    <mc:Choice xmlns:p14="http://schemas.microsoft.com/office/powerpoint/2010/main" Requires="p14">
+  <mc:AlternateContent xmlns:mc="http://schemas.openxmlformats.org/markup-compatibility/2006" xmlns:p14="http://schemas.microsoft.com/office/powerpoint/2010/main">
+    <mc:Choice Requires="p14">
       <p:transition p14:dur="250" advTm="2000">
         <p:fade/>
       </p:transition>
     </mc:Choice>
-    <mc:Fallback>
+    <mc:Fallback xmlns="">
       <p:transition advTm="2000">
         <p:fade/>
       </p:transition>
@@ -24720,8 +24804,8 @@
           <a:chExt cx="0" cy="0"/>
         </a:xfrm>
       </p:grpSpPr>
-      <mc:AlternateContent xmlns:mc="http://schemas.openxmlformats.org/markup-compatibility/2006">
-        <mc:Choice xmlns:a14="http://schemas.microsoft.com/office/drawing/2010/main" Requires="a14">
+      <mc:AlternateContent xmlns:mc="http://schemas.openxmlformats.org/markup-compatibility/2006" xmlns:a14="http://schemas.microsoft.com/office/drawing/2010/main">
+        <mc:Choice Requires="a14">
           <p:sp>
             <p:nvSpPr>
               <p:cNvPr id="4" name="Elipse 3">
@@ -24831,7 +24915,7 @@
             </p:txBody>
           </p:sp>
         </mc:Choice>
-        <mc:Fallback>
+        <mc:Fallback xmlns="">
           <p:sp>
             <p:nvSpPr>
               <p:cNvPr id="4" name="Elipse 3">
@@ -24883,8 +24967,8 @@
           </p:sp>
         </mc:Fallback>
       </mc:AlternateContent>
-      <mc:AlternateContent xmlns:mc="http://schemas.openxmlformats.org/markup-compatibility/2006">
-        <mc:Choice xmlns:a14="http://schemas.microsoft.com/office/drawing/2010/main" Requires="a14">
+      <mc:AlternateContent xmlns:mc="http://schemas.openxmlformats.org/markup-compatibility/2006" xmlns:a14="http://schemas.microsoft.com/office/drawing/2010/main">
+        <mc:Choice Requires="a14">
           <p:sp>
             <p:nvSpPr>
               <p:cNvPr id="29" name="Elipse 28">
@@ -24974,7 +25058,7 @@
             </p:txBody>
           </p:sp>
         </mc:Choice>
-        <mc:Fallback>
+        <mc:Fallback xmlns="">
           <p:sp>
             <p:nvSpPr>
               <p:cNvPr id="29" name="Elipse 28">
@@ -25070,8 +25154,8 @@
           </a:fontRef>
         </p:style>
       </p:cxnSp>
-      <mc:AlternateContent xmlns:mc="http://schemas.openxmlformats.org/markup-compatibility/2006">
-        <mc:Choice xmlns:a14="http://schemas.microsoft.com/office/drawing/2010/main" Requires="a14">
+      <mc:AlternateContent xmlns:mc="http://schemas.openxmlformats.org/markup-compatibility/2006" xmlns:a14="http://schemas.microsoft.com/office/drawing/2010/main">
+        <mc:Choice Requires="a14">
           <p:sp>
             <p:nvSpPr>
               <p:cNvPr id="40" name="CaixaDeTexto 39">
@@ -25100,6 +25184,7 @@
               </a:bodyPr>
               <a:lstStyle/>
               <a:p>
+                <a:pPr/>
                 <a14:m>
                   <m:oMathPara xmlns:m="http://schemas.openxmlformats.org/officeDocument/2006/math">
                     <m:oMathParaPr>
@@ -25139,7 +25224,7 @@
             </p:txBody>
           </p:sp>
         </mc:Choice>
-        <mc:Fallback>
+        <mc:Fallback xmlns="">
           <p:sp>
             <p:nvSpPr>
               <p:cNvPr id="40" name="CaixaDeTexto 39">
@@ -25184,8 +25269,8 @@
           </p:sp>
         </mc:Fallback>
       </mc:AlternateContent>
-      <mc:AlternateContent xmlns:mc="http://schemas.openxmlformats.org/markup-compatibility/2006">
-        <mc:Choice xmlns:a14="http://schemas.microsoft.com/office/drawing/2010/main" Requires="a14">
+      <mc:AlternateContent xmlns:mc="http://schemas.openxmlformats.org/markup-compatibility/2006" xmlns:a14="http://schemas.microsoft.com/office/drawing/2010/main">
+        <mc:Choice Requires="a14">
           <p:sp>
             <p:nvSpPr>
               <p:cNvPr id="2" name="Elipse 1">
@@ -25295,7 +25380,7 @@
             </p:txBody>
           </p:sp>
         </mc:Choice>
-        <mc:Fallback>
+        <mc:Fallback xmlns="">
           <p:sp>
             <p:nvSpPr>
               <p:cNvPr id="2" name="Elipse 1">
@@ -25347,8 +25432,8 @@
           </p:sp>
         </mc:Fallback>
       </mc:AlternateContent>
-      <mc:AlternateContent xmlns:mc="http://schemas.openxmlformats.org/markup-compatibility/2006">
-        <mc:Choice xmlns:a14="http://schemas.microsoft.com/office/drawing/2010/main" Requires="a14">
+      <mc:AlternateContent xmlns:mc="http://schemas.openxmlformats.org/markup-compatibility/2006" xmlns:a14="http://schemas.microsoft.com/office/drawing/2010/main">
+        <mc:Choice Requires="a14">
           <p:sp>
             <p:nvSpPr>
               <p:cNvPr id="3" name="CaixaDeTexto 2">
@@ -25377,6 +25462,7 @@
               </a:bodyPr>
               <a:lstStyle/>
               <a:p>
+                <a:pPr/>
                 <a14:m>
                   <m:oMathPara xmlns:m="http://schemas.openxmlformats.org/officeDocument/2006/math">
                     <m:oMathParaPr>
@@ -25435,7 +25521,7 @@
             </p:txBody>
           </p:sp>
         </mc:Choice>
-        <mc:Fallback>
+        <mc:Fallback xmlns="">
           <p:sp>
             <p:nvSpPr>
               <p:cNvPr id="3" name="CaixaDeTexto 2">
@@ -25480,8 +25566,8 @@
           </p:sp>
         </mc:Fallback>
       </mc:AlternateContent>
-      <mc:AlternateContent xmlns:mc="http://schemas.openxmlformats.org/markup-compatibility/2006">
-        <mc:Choice xmlns:a14="http://schemas.microsoft.com/office/drawing/2010/main" Requires="a14">
+      <mc:AlternateContent xmlns:mc="http://schemas.openxmlformats.org/markup-compatibility/2006" xmlns:a14="http://schemas.microsoft.com/office/drawing/2010/main">
+        <mc:Choice Requires="a14">
           <p:sp>
             <p:nvSpPr>
               <p:cNvPr id="5" name="CaixaDeTexto 4">
@@ -25510,6 +25596,7 @@
               </a:bodyPr>
               <a:lstStyle/>
               <a:p>
+                <a:pPr/>
                 <a14:m>
                   <m:oMathPara xmlns:m="http://schemas.openxmlformats.org/officeDocument/2006/math">
                     <m:oMathParaPr>
@@ -25568,7 +25655,7 @@
             </p:txBody>
           </p:sp>
         </mc:Choice>
-        <mc:Fallback>
+        <mc:Fallback xmlns="">
           <p:sp>
             <p:nvSpPr>
               <p:cNvPr id="5" name="CaixaDeTexto 4">
@@ -25613,8 +25700,8 @@
           </p:sp>
         </mc:Fallback>
       </mc:AlternateContent>
-      <mc:AlternateContent xmlns:mc="http://schemas.openxmlformats.org/markup-compatibility/2006">
-        <mc:Choice xmlns:a14="http://schemas.microsoft.com/office/drawing/2010/main" Requires="a14">
+      <mc:AlternateContent xmlns:mc="http://schemas.openxmlformats.org/markup-compatibility/2006" xmlns:a14="http://schemas.microsoft.com/office/drawing/2010/main">
+        <mc:Choice Requires="a14">
           <p:sp>
             <p:nvSpPr>
               <p:cNvPr id="6" name="CaixaDeTexto 5">
@@ -25643,6 +25730,7 @@
               </a:bodyPr>
               <a:lstStyle/>
               <a:p>
+                <a:pPr/>
                 <a14:m>
                   <m:oMathPara xmlns:m="http://schemas.openxmlformats.org/officeDocument/2006/math">
                     <m:oMathParaPr>
@@ -25701,7 +25789,7 @@
             </p:txBody>
           </p:sp>
         </mc:Choice>
-        <mc:Fallback>
+        <mc:Fallback xmlns="">
           <p:sp>
             <p:nvSpPr>
               <p:cNvPr id="6" name="CaixaDeTexto 5">
@@ -25746,8 +25834,8 @@
           </p:sp>
         </mc:Fallback>
       </mc:AlternateContent>
-      <mc:AlternateContent xmlns:mc="http://schemas.openxmlformats.org/markup-compatibility/2006">
-        <mc:Choice xmlns:a14="http://schemas.microsoft.com/office/drawing/2010/main" Requires="a14">
+      <mc:AlternateContent xmlns:mc="http://schemas.openxmlformats.org/markup-compatibility/2006" xmlns:a14="http://schemas.microsoft.com/office/drawing/2010/main">
+        <mc:Choice Requires="a14">
           <p:sp>
             <p:nvSpPr>
               <p:cNvPr id="14" name="CaixaDeTexto 13">
@@ -25776,6 +25864,7 @@
               </a:bodyPr>
               <a:lstStyle/>
               <a:p>
+                <a:pPr/>
                 <a14:m>
                   <m:oMathPara xmlns:m="http://schemas.openxmlformats.org/officeDocument/2006/math">
                     <m:oMathParaPr>
@@ -25834,7 +25923,7 @@
             </p:txBody>
           </p:sp>
         </mc:Choice>
-        <mc:Fallback>
+        <mc:Fallback xmlns="">
           <p:sp>
             <p:nvSpPr>
               <p:cNvPr id="14" name="CaixaDeTexto 13">
@@ -25967,8 +26056,8 @@
           </a:fontRef>
         </p:style>
       </p:cxnSp>
-      <mc:AlternateContent xmlns:mc="http://schemas.openxmlformats.org/markup-compatibility/2006">
-        <mc:Choice xmlns:a14="http://schemas.microsoft.com/office/drawing/2010/main" Requires="a14">
+      <mc:AlternateContent xmlns:mc="http://schemas.openxmlformats.org/markup-compatibility/2006" xmlns:a14="http://schemas.microsoft.com/office/drawing/2010/main">
+        <mc:Choice Requires="a14">
           <p:sp>
             <p:nvSpPr>
               <p:cNvPr id="17" name="CaixaDeTexto 16">
@@ -25997,6 +26086,7 @@
               </a:bodyPr>
               <a:lstStyle/>
               <a:p>
+                <a:pPr/>
                 <a14:m>
                   <m:oMathPara xmlns:m="http://schemas.openxmlformats.org/officeDocument/2006/math">
                     <m:oMathParaPr>
@@ -26055,7 +26145,7 @@
             </p:txBody>
           </p:sp>
         </mc:Choice>
-        <mc:Fallback>
+        <mc:Fallback xmlns="">
           <p:sp>
             <p:nvSpPr>
               <p:cNvPr id="17" name="CaixaDeTexto 16">
@@ -26100,8 +26190,8 @@
           </p:sp>
         </mc:Fallback>
       </mc:AlternateContent>
-      <mc:AlternateContent xmlns:mc="http://schemas.openxmlformats.org/markup-compatibility/2006">
-        <mc:Choice xmlns:a14="http://schemas.microsoft.com/office/drawing/2010/main" Requires="a14">
+      <mc:AlternateContent xmlns:mc="http://schemas.openxmlformats.org/markup-compatibility/2006" xmlns:a14="http://schemas.microsoft.com/office/drawing/2010/main">
+        <mc:Choice Requires="a14">
           <p:sp>
             <p:nvSpPr>
               <p:cNvPr id="18" name="CaixaDeTexto 17">
@@ -26130,6 +26220,7 @@
               </a:bodyPr>
               <a:lstStyle/>
               <a:p>
+                <a:pPr/>
                 <a14:m>
                   <m:oMathPara xmlns:m="http://schemas.openxmlformats.org/officeDocument/2006/math">
                     <m:oMathParaPr>
@@ -26188,7 +26279,7 @@
             </p:txBody>
           </p:sp>
         </mc:Choice>
-        <mc:Fallback>
+        <mc:Fallback xmlns="">
           <p:sp>
             <p:nvSpPr>
               <p:cNvPr id="18" name="CaixaDeTexto 17">
@@ -26233,8 +26324,8 @@
           </p:sp>
         </mc:Fallback>
       </mc:AlternateContent>
-      <mc:AlternateContent xmlns:mc="http://schemas.openxmlformats.org/markup-compatibility/2006">
-        <mc:Choice xmlns:a14="http://schemas.microsoft.com/office/drawing/2010/main" Requires="a14">
+      <mc:AlternateContent xmlns:mc="http://schemas.openxmlformats.org/markup-compatibility/2006" xmlns:a14="http://schemas.microsoft.com/office/drawing/2010/main">
+        <mc:Choice Requires="a14">
           <p:sp>
             <p:nvSpPr>
               <p:cNvPr id="19" name="CaixaDeTexto 18">
@@ -26263,6 +26354,7 @@
               </a:bodyPr>
               <a:lstStyle/>
               <a:p>
+                <a:pPr/>
                 <a14:m>
                   <m:oMathPara xmlns:m="http://schemas.openxmlformats.org/officeDocument/2006/math">
                     <m:oMathParaPr>
@@ -26321,7 +26413,7 @@
             </p:txBody>
           </p:sp>
         </mc:Choice>
-        <mc:Fallback>
+        <mc:Fallback xmlns="">
           <p:sp>
             <p:nvSpPr>
               <p:cNvPr id="19" name="CaixaDeTexto 18">
@@ -26366,8 +26458,8 @@
           </p:sp>
         </mc:Fallback>
       </mc:AlternateContent>
-      <mc:AlternateContent xmlns:mc="http://schemas.openxmlformats.org/markup-compatibility/2006">
-        <mc:Choice xmlns:a14="http://schemas.microsoft.com/office/drawing/2010/main" Requires="a14">
+      <mc:AlternateContent xmlns:mc="http://schemas.openxmlformats.org/markup-compatibility/2006" xmlns:a14="http://schemas.microsoft.com/office/drawing/2010/main">
+        <mc:Choice Requires="a14">
           <p:sp>
             <p:nvSpPr>
               <p:cNvPr id="20" name="CaixaDeTexto 19">
@@ -26396,6 +26488,7 @@
               </a:bodyPr>
               <a:lstStyle/>
               <a:p>
+                <a:pPr/>
                 <a14:m>
                   <m:oMathPara xmlns:m="http://schemas.openxmlformats.org/officeDocument/2006/math">
                     <m:oMathParaPr>
@@ -26454,7 +26547,7 @@
             </p:txBody>
           </p:sp>
         </mc:Choice>
-        <mc:Fallback>
+        <mc:Fallback xmlns="">
           <p:sp>
             <p:nvSpPr>
               <p:cNvPr id="20" name="CaixaDeTexto 19">
@@ -26631,8 +26724,8 @@
           </a:fontRef>
         </p:style>
       </p:cxnSp>
-      <mc:AlternateContent xmlns:mc="http://schemas.openxmlformats.org/markup-compatibility/2006">
-        <mc:Choice xmlns:a14="http://schemas.microsoft.com/office/drawing/2010/main" Requires="a14">
+      <mc:AlternateContent xmlns:mc="http://schemas.openxmlformats.org/markup-compatibility/2006" xmlns:a14="http://schemas.microsoft.com/office/drawing/2010/main">
+        <mc:Choice Requires="a14">
           <p:sp>
             <p:nvSpPr>
               <p:cNvPr id="10" name="CaixaDeTexto 9">
@@ -26661,6 +26754,7 @@
               </a:bodyPr>
               <a:lstStyle/>
               <a:p>
+                <a:pPr/>
                 <a14:m>
                   <m:oMathPara xmlns:m="http://schemas.openxmlformats.org/officeDocument/2006/math">
                     <m:oMathParaPr>
@@ -26700,7 +26794,7 @@
             </p:txBody>
           </p:sp>
         </mc:Choice>
-        <mc:Fallback>
+        <mc:Fallback xmlns="">
           <p:sp>
             <p:nvSpPr>
               <p:cNvPr id="10" name="CaixaDeTexto 9">
@@ -26745,8 +26839,8 @@
           </p:sp>
         </mc:Fallback>
       </mc:AlternateContent>
-      <mc:AlternateContent xmlns:mc="http://schemas.openxmlformats.org/markup-compatibility/2006">
-        <mc:Choice xmlns:a14="http://schemas.microsoft.com/office/drawing/2010/main" Requires="a14">
+      <mc:AlternateContent xmlns:mc="http://schemas.openxmlformats.org/markup-compatibility/2006" xmlns:a14="http://schemas.microsoft.com/office/drawing/2010/main">
+        <mc:Choice Requires="a14">
           <p:sp>
             <p:nvSpPr>
               <p:cNvPr id="8" name="Elipse 7">
@@ -26856,7 +26950,7 @@
             </p:txBody>
           </p:sp>
         </mc:Choice>
-        <mc:Fallback>
+        <mc:Fallback xmlns="">
           <p:sp>
             <p:nvSpPr>
               <p:cNvPr id="8" name="Elipse 7">
@@ -26908,8 +27002,8 @@
           </p:sp>
         </mc:Fallback>
       </mc:AlternateContent>
-      <mc:AlternateContent xmlns:mc="http://schemas.openxmlformats.org/markup-compatibility/2006">
-        <mc:Choice xmlns:a14="http://schemas.microsoft.com/office/drawing/2010/main" Requires="a14">
+      <mc:AlternateContent xmlns:mc="http://schemas.openxmlformats.org/markup-compatibility/2006" xmlns:a14="http://schemas.microsoft.com/office/drawing/2010/main">
+        <mc:Choice Requires="a14">
           <p:sp>
             <p:nvSpPr>
               <p:cNvPr id="12" name="CaixaDeTexto 11">
@@ -26938,6 +27032,7 @@
               </a:bodyPr>
               <a:lstStyle/>
               <a:p>
+                <a:pPr/>
                 <a14:m>
                   <m:oMathPara xmlns:m="http://schemas.openxmlformats.org/officeDocument/2006/math">
                     <m:oMathParaPr>
@@ -26996,7 +27091,7 @@
             </p:txBody>
           </p:sp>
         </mc:Choice>
-        <mc:Fallback>
+        <mc:Fallback xmlns="">
           <p:sp>
             <p:nvSpPr>
               <p:cNvPr id="12" name="CaixaDeTexto 11">
@@ -27041,8 +27136,8 @@
           </p:sp>
         </mc:Fallback>
       </mc:AlternateContent>
-      <mc:AlternateContent xmlns:mc="http://schemas.openxmlformats.org/markup-compatibility/2006">
-        <mc:Choice xmlns:a14="http://schemas.microsoft.com/office/drawing/2010/main" Requires="a14">
+      <mc:AlternateContent xmlns:mc="http://schemas.openxmlformats.org/markup-compatibility/2006" xmlns:a14="http://schemas.microsoft.com/office/drawing/2010/main">
+        <mc:Choice Requires="a14">
           <p:sp>
             <p:nvSpPr>
               <p:cNvPr id="13" name="CaixaDeTexto 12">
@@ -27071,6 +27166,7 @@
               </a:bodyPr>
               <a:lstStyle/>
               <a:p>
+                <a:pPr/>
                 <a14:m>
                   <m:oMathPara xmlns:m="http://schemas.openxmlformats.org/officeDocument/2006/math">
                     <m:oMathParaPr>
@@ -27129,7 +27225,7 @@
             </p:txBody>
           </p:sp>
         </mc:Choice>
-        <mc:Fallback>
+        <mc:Fallback xmlns="">
           <p:sp>
             <p:nvSpPr>
               <p:cNvPr id="13" name="CaixaDeTexto 12">
@@ -27174,8 +27270,8 @@
           </p:sp>
         </mc:Fallback>
       </mc:AlternateContent>
-      <mc:AlternateContent xmlns:mc="http://schemas.openxmlformats.org/markup-compatibility/2006">
-        <mc:Choice xmlns:a14="http://schemas.microsoft.com/office/drawing/2010/main" Requires="a14">
+      <mc:AlternateContent xmlns:mc="http://schemas.openxmlformats.org/markup-compatibility/2006" xmlns:a14="http://schemas.microsoft.com/office/drawing/2010/main">
+        <mc:Choice Requires="a14">
           <p:sp>
             <p:nvSpPr>
               <p:cNvPr id="23" name="CaixaDeTexto 22">
@@ -27204,6 +27300,7 @@
               </a:bodyPr>
               <a:lstStyle/>
               <a:p>
+                <a:pPr/>
                 <a14:m>
                   <m:oMathPara xmlns:m="http://schemas.openxmlformats.org/officeDocument/2006/math">
                     <m:oMathParaPr>
@@ -27262,7 +27359,7 @@
             </p:txBody>
           </p:sp>
         </mc:Choice>
-        <mc:Fallback>
+        <mc:Fallback xmlns="">
           <p:sp>
             <p:nvSpPr>
               <p:cNvPr id="23" name="CaixaDeTexto 22">
@@ -27307,8 +27404,8 @@
           </p:sp>
         </mc:Fallback>
       </mc:AlternateContent>
-      <mc:AlternateContent xmlns:mc="http://schemas.openxmlformats.org/markup-compatibility/2006">
-        <mc:Choice xmlns:a14="http://schemas.microsoft.com/office/drawing/2010/main" Requires="a14">
+      <mc:AlternateContent xmlns:mc="http://schemas.openxmlformats.org/markup-compatibility/2006" xmlns:a14="http://schemas.microsoft.com/office/drawing/2010/main">
+        <mc:Choice Requires="a14">
           <p:sp>
             <p:nvSpPr>
               <p:cNvPr id="24" name="CaixaDeTexto 23">
@@ -27337,6 +27434,7 @@
               </a:bodyPr>
               <a:lstStyle/>
               <a:p>
+                <a:pPr/>
                 <a14:m>
                   <m:oMathPara xmlns:m="http://schemas.openxmlformats.org/officeDocument/2006/math">
                     <m:oMathParaPr>
@@ -27395,7 +27493,7 @@
             </p:txBody>
           </p:sp>
         </mc:Choice>
-        <mc:Fallback>
+        <mc:Fallback xmlns="">
           <p:sp>
             <p:nvSpPr>
               <p:cNvPr id="24" name="CaixaDeTexto 23">
@@ -27572,8 +27670,8 @@
           </a:fontRef>
         </p:style>
       </p:cxnSp>
-      <mc:AlternateContent xmlns:mc="http://schemas.openxmlformats.org/markup-compatibility/2006">
-        <mc:Choice xmlns:a14="http://schemas.microsoft.com/office/drawing/2010/main" Requires="a14">
+      <mc:AlternateContent xmlns:mc="http://schemas.openxmlformats.org/markup-compatibility/2006" xmlns:a14="http://schemas.microsoft.com/office/drawing/2010/main">
+        <mc:Choice Requires="a14">
           <p:sp>
             <p:nvSpPr>
               <p:cNvPr id="32" name="CaixaDeTexto 31">
@@ -27602,6 +27700,7 @@
               </a:bodyPr>
               <a:lstStyle/>
               <a:p>
+                <a:pPr/>
                 <a14:m>
                   <m:oMathPara xmlns:m="http://schemas.openxmlformats.org/officeDocument/2006/math">
                     <m:oMathParaPr>
@@ -27641,7 +27740,7 @@
             </p:txBody>
           </p:sp>
         </mc:Choice>
-        <mc:Fallback>
+        <mc:Fallback xmlns="">
           <p:sp>
             <p:nvSpPr>
               <p:cNvPr id="32" name="CaixaDeTexto 31">
@@ -27686,8 +27785,8 @@
           </p:sp>
         </mc:Fallback>
       </mc:AlternateContent>
-      <mc:AlternateContent xmlns:mc="http://schemas.openxmlformats.org/markup-compatibility/2006">
-        <mc:Choice xmlns:a14="http://schemas.microsoft.com/office/drawing/2010/main" Requires="a14">
+      <mc:AlternateContent xmlns:mc="http://schemas.openxmlformats.org/markup-compatibility/2006" xmlns:a14="http://schemas.microsoft.com/office/drawing/2010/main">
+        <mc:Choice Requires="a14">
           <p:sp>
             <p:nvSpPr>
               <p:cNvPr id="33" name="CaixaDeTexto 32">
@@ -27787,7 +27886,7 @@
             </p:txBody>
           </p:sp>
         </mc:Choice>
-        <mc:Fallback>
+        <mc:Fallback xmlns="">
           <p:sp>
             <p:nvSpPr>
               <p:cNvPr id="33" name="CaixaDeTexto 32">
@@ -27832,8 +27931,8 @@
           </p:sp>
         </mc:Fallback>
       </mc:AlternateContent>
-      <mc:AlternateContent xmlns:mc="http://schemas.openxmlformats.org/markup-compatibility/2006">
-        <mc:Choice xmlns:a14="http://schemas.microsoft.com/office/drawing/2010/main" Requires="a14">
+      <mc:AlternateContent xmlns:mc="http://schemas.openxmlformats.org/markup-compatibility/2006" xmlns:a14="http://schemas.microsoft.com/office/drawing/2010/main">
+        <mc:Choice Requires="a14">
           <p:sp>
             <p:nvSpPr>
               <p:cNvPr id="34" name="CaixaDeTexto 33">
@@ -27933,7 +28032,7 @@
             </p:txBody>
           </p:sp>
         </mc:Choice>
-        <mc:Fallback>
+        <mc:Fallback xmlns="">
           <p:sp>
             <p:nvSpPr>
               <p:cNvPr id="34" name="CaixaDeTexto 33">
@@ -27978,8 +28077,8 @@
           </p:sp>
         </mc:Fallback>
       </mc:AlternateContent>
-      <mc:AlternateContent xmlns:mc="http://schemas.openxmlformats.org/markup-compatibility/2006">
-        <mc:Choice xmlns:a14="http://schemas.microsoft.com/office/drawing/2010/main" Requires="a14">
+      <mc:AlternateContent xmlns:mc="http://schemas.openxmlformats.org/markup-compatibility/2006" xmlns:a14="http://schemas.microsoft.com/office/drawing/2010/main">
+        <mc:Choice Requires="a14">
           <p:sp>
             <p:nvSpPr>
               <p:cNvPr id="35" name="CaixaDeTexto 34">
@@ -28079,7 +28178,7 @@
             </p:txBody>
           </p:sp>
         </mc:Choice>
-        <mc:Fallback>
+        <mc:Fallback xmlns="">
           <p:sp>
             <p:nvSpPr>
               <p:cNvPr id="35" name="CaixaDeTexto 34">
@@ -28181,11 +28280,11 @@
   <p:clrMapOvr>
     <a:masterClrMapping/>
   </p:clrMapOvr>
-  <mc:AlternateContent xmlns:mc="http://schemas.openxmlformats.org/markup-compatibility/2006">
-    <mc:Choice xmlns:p14="http://schemas.microsoft.com/office/powerpoint/2010/main" Requires="p14">
+  <mc:AlternateContent xmlns:mc="http://schemas.openxmlformats.org/markup-compatibility/2006" xmlns:p14="http://schemas.microsoft.com/office/powerpoint/2010/main">
+    <mc:Choice Requires="p14">
       <p:transition p14:dur="250" advTm="2000"/>
     </mc:Choice>
-    <mc:Fallback>
+    <mc:Fallback xmlns="">
       <p:transition advTm="2000"/>
     </mc:Fallback>
   </mc:AlternateContent>
@@ -28215,8 +28314,8 @@
           <a:chExt cx="0" cy="0"/>
         </a:xfrm>
       </p:grpSpPr>
-      <mc:AlternateContent xmlns:mc="http://schemas.openxmlformats.org/markup-compatibility/2006">
-        <mc:Choice xmlns:a14="http://schemas.microsoft.com/office/drawing/2010/main" Requires="a14">
+      <mc:AlternateContent xmlns:mc="http://schemas.openxmlformats.org/markup-compatibility/2006" xmlns:a14="http://schemas.microsoft.com/office/drawing/2010/main">
+        <mc:Choice Requires="a14">
           <p:sp>
             <p:nvSpPr>
               <p:cNvPr id="4" name="Elipse 3">
@@ -28326,7 +28425,7 @@
             </p:txBody>
           </p:sp>
         </mc:Choice>
-        <mc:Fallback>
+        <mc:Fallback xmlns="">
           <p:sp>
             <p:nvSpPr>
               <p:cNvPr id="4" name="Elipse 3">
@@ -28378,8 +28477,8 @@
           </p:sp>
         </mc:Fallback>
       </mc:AlternateContent>
-      <mc:AlternateContent xmlns:mc="http://schemas.openxmlformats.org/markup-compatibility/2006">
-        <mc:Choice xmlns:a14="http://schemas.microsoft.com/office/drawing/2010/main" Requires="a14">
+      <mc:AlternateContent xmlns:mc="http://schemas.openxmlformats.org/markup-compatibility/2006" xmlns:a14="http://schemas.microsoft.com/office/drawing/2010/main">
+        <mc:Choice Requires="a14">
           <p:sp>
             <p:nvSpPr>
               <p:cNvPr id="29" name="Elipse 28">
@@ -28469,7 +28568,7 @@
             </p:txBody>
           </p:sp>
         </mc:Choice>
-        <mc:Fallback>
+        <mc:Fallback xmlns="">
           <p:sp>
             <p:nvSpPr>
               <p:cNvPr id="29" name="Elipse 28">
@@ -28565,8 +28664,8 @@
           </a:fontRef>
         </p:style>
       </p:cxnSp>
-      <mc:AlternateContent xmlns:mc="http://schemas.openxmlformats.org/markup-compatibility/2006">
-        <mc:Choice xmlns:a14="http://schemas.microsoft.com/office/drawing/2010/main" Requires="a14">
+      <mc:AlternateContent xmlns:mc="http://schemas.openxmlformats.org/markup-compatibility/2006" xmlns:a14="http://schemas.microsoft.com/office/drawing/2010/main">
+        <mc:Choice Requires="a14">
           <p:sp>
             <p:nvSpPr>
               <p:cNvPr id="40" name="CaixaDeTexto 39">
@@ -28595,6 +28694,7 @@
               </a:bodyPr>
               <a:lstStyle/>
               <a:p>
+                <a:pPr/>
                 <a14:m>
                   <m:oMathPara xmlns:m="http://schemas.openxmlformats.org/officeDocument/2006/math">
                     <m:oMathParaPr>
@@ -28634,7 +28734,7 @@
             </p:txBody>
           </p:sp>
         </mc:Choice>
-        <mc:Fallback>
+        <mc:Fallback xmlns="">
           <p:sp>
             <p:nvSpPr>
               <p:cNvPr id="40" name="CaixaDeTexto 39">
@@ -28679,8 +28779,8 @@
           </p:sp>
         </mc:Fallback>
       </mc:AlternateContent>
-      <mc:AlternateContent xmlns:mc="http://schemas.openxmlformats.org/markup-compatibility/2006">
-        <mc:Choice xmlns:a14="http://schemas.microsoft.com/office/drawing/2010/main" Requires="a14">
+      <mc:AlternateContent xmlns:mc="http://schemas.openxmlformats.org/markup-compatibility/2006" xmlns:a14="http://schemas.microsoft.com/office/drawing/2010/main">
+        <mc:Choice Requires="a14">
           <p:sp>
             <p:nvSpPr>
               <p:cNvPr id="2" name="Elipse 1">
@@ -28790,7 +28890,7 @@
             </p:txBody>
           </p:sp>
         </mc:Choice>
-        <mc:Fallback>
+        <mc:Fallback xmlns="">
           <p:sp>
             <p:nvSpPr>
               <p:cNvPr id="2" name="Elipse 1">
@@ -28842,8 +28942,8 @@
           </p:sp>
         </mc:Fallback>
       </mc:AlternateContent>
-      <mc:AlternateContent xmlns:mc="http://schemas.openxmlformats.org/markup-compatibility/2006">
-        <mc:Choice xmlns:a14="http://schemas.microsoft.com/office/drawing/2010/main" Requires="a14">
+      <mc:AlternateContent xmlns:mc="http://schemas.openxmlformats.org/markup-compatibility/2006" xmlns:a14="http://schemas.microsoft.com/office/drawing/2010/main">
+        <mc:Choice Requires="a14">
           <p:sp>
             <p:nvSpPr>
               <p:cNvPr id="3" name="CaixaDeTexto 2">
@@ -28872,6 +28972,7 @@
               </a:bodyPr>
               <a:lstStyle/>
               <a:p>
+                <a:pPr/>
                 <a14:m>
                   <m:oMathPara xmlns:m="http://schemas.openxmlformats.org/officeDocument/2006/math">
                     <m:oMathParaPr>
@@ -28930,7 +29031,7 @@
             </p:txBody>
           </p:sp>
         </mc:Choice>
-        <mc:Fallback>
+        <mc:Fallback xmlns="">
           <p:sp>
             <p:nvSpPr>
               <p:cNvPr id="3" name="CaixaDeTexto 2">
@@ -28975,8 +29076,8 @@
           </p:sp>
         </mc:Fallback>
       </mc:AlternateContent>
-      <mc:AlternateContent xmlns:mc="http://schemas.openxmlformats.org/markup-compatibility/2006">
-        <mc:Choice xmlns:a14="http://schemas.microsoft.com/office/drawing/2010/main" Requires="a14">
+      <mc:AlternateContent xmlns:mc="http://schemas.openxmlformats.org/markup-compatibility/2006" xmlns:a14="http://schemas.microsoft.com/office/drawing/2010/main">
+        <mc:Choice Requires="a14">
           <p:sp>
             <p:nvSpPr>
               <p:cNvPr id="5" name="CaixaDeTexto 4">
@@ -29005,6 +29106,7 @@
               </a:bodyPr>
               <a:lstStyle/>
               <a:p>
+                <a:pPr/>
                 <a14:m>
                   <m:oMathPara xmlns:m="http://schemas.openxmlformats.org/officeDocument/2006/math">
                     <m:oMathParaPr>
@@ -29063,7 +29165,7 @@
             </p:txBody>
           </p:sp>
         </mc:Choice>
-        <mc:Fallback>
+        <mc:Fallback xmlns="">
           <p:sp>
             <p:nvSpPr>
               <p:cNvPr id="5" name="CaixaDeTexto 4">
@@ -29108,8 +29210,8 @@
           </p:sp>
         </mc:Fallback>
       </mc:AlternateContent>
-      <mc:AlternateContent xmlns:mc="http://schemas.openxmlformats.org/markup-compatibility/2006">
-        <mc:Choice xmlns:a14="http://schemas.microsoft.com/office/drawing/2010/main" Requires="a14">
+      <mc:AlternateContent xmlns:mc="http://schemas.openxmlformats.org/markup-compatibility/2006" xmlns:a14="http://schemas.microsoft.com/office/drawing/2010/main">
+        <mc:Choice Requires="a14">
           <p:sp>
             <p:nvSpPr>
               <p:cNvPr id="6" name="CaixaDeTexto 5">
@@ -29138,6 +29240,7 @@
               </a:bodyPr>
               <a:lstStyle/>
               <a:p>
+                <a:pPr/>
                 <a14:m>
                   <m:oMathPara xmlns:m="http://schemas.openxmlformats.org/officeDocument/2006/math">
                     <m:oMathParaPr>
@@ -29196,7 +29299,7 @@
             </p:txBody>
           </p:sp>
         </mc:Choice>
-        <mc:Fallback>
+        <mc:Fallback xmlns="">
           <p:sp>
             <p:nvSpPr>
               <p:cNvPr id="6" name="CaixaDeTexto 5">
@@ -29241,8 +29344,8 @@
           </p:sp>
         </mc:Fallback>
       </mc:AlternateContent>
-      <mc:AlternateContent xmlns:mc="http://schemas.openxmlformats.org/markup-compatibility/2006">
-        <mc:Choice xmlns:a14="http://schemas.microsoft.com/office/drawing/2010/main" Requires="a14">
+      <mc:AlternateContent xmlns:mc="http://schemas.openxmlformats.org/markup-compatibility/2006" xmlns:a14="http://schemas.microsoft.com/office/drawing/2010/main">
+        <mc:Choice Requires="a14">
           <p:sp>
             <p:nvSpPr>
               <p:cNvPr id="14" name="CaixaDeTexto 13">
@@ -29271,6 +29374,7 @@
               </a:bodyPr>
               <a:lstStyle/>
               <a:p>
+                <a:pPr/>
                 <a14:m>
                   <m:oMathPara xmlns:m="http://schemas.openxmlformats.org/officeDocument/2006/math">
                     <m:oMathParaPr>
@@ -29329,7 +29433,7 @@
             </p:txBody>
           </p:sp>
         </mc:Choice>
-        <mc:Fallback>
+        <mc:Fallback xmlns="">
           <p:sp>
             <p:nvSpPr>
               <p:cNvPr id="14" name="CaixaDeTexto 13">
@@ -29462,8 +29566,8 @@
           </a:fontRef>
         </p:style>
       </p:cxnSp>
-      <mc:AlternateContent xmlns:mc="http://schemas.openxmlformats.org/markup-compatibility/2006">
-        <mc:Choice xmlns:a14="http://schemas.microsoft.com/office/drawing/2010/main" Requires="a14">
+      <mc:AlternateContent xmlns:mc="http://schemas.openxmlformats.org/markup-compatibility/2006" xmlns:a14="http://schemas.microsoft.com/office/drawing/2010/main">
+        <mc:Choice Requires="a14">
           <p:sp>
             <p:nvSpPr>
               <p:cNvPr id="17" name="CaixaDeTexto 16">
@@ -29492,6 +29596,7 @@
               </a:bodyPr>
               <a:lstStyle/>
               <a:p>
+                <a:pPr/>
                 <a14:m>
                   <m:oMathPara xmlns:m="http://schemas.openxmlformats.org/officeDocument/2006/math">
                     <m:oMathParaPr>
@@ -29550,7 +29655,7 @@
             </p:txBody>
           </p:sp>
         </mc:Choice>
-        <mc:Fallback>
+        <mc:Fallback xmlns="">
           <p:sp>
             <p:nvSpPr>
               <p:cNvPr id="17" name="CaixaDeTexto 16">
@@ -29595,8 +29700,8 @@
           </p:sp>
         </mc:Fallback>
       </mc:AlternateContent>
-      <mc:AlternateContent xmlns:mc="http://schemas.openxmlformats.org/markup-compatibility/2006">
-        <mc:Choice xmlns:a14="http://schemas.microsoft.com/office/drawing/2010/main" Requires="a14">
+      <mc:AlternateContent xmlns:mc="http://schemas.openxmlformats.org/markup-compatibility/2006" xmlns:a14="http://schemas.microsoft.com/office/drawing/2010/main">
+        <mc:Choice Requires="a14">
           <p:sp>
             <p:nvSpPr>
               <p:cNvPr id="18" name="CaixaDeTexto 17">
@@ -29625,6 +29730,7 @@
               </a:bodyPr>
               <a:lstStyle/>
               <a:p>
+                <a:pPr/>
                 <a14:m>
                   <m:oMathPara xmlns:m="http://schemas.openxmlformats.org/officeDocument/2006/math">
                     <m:oMathParaPr>
@@ -29683,7 +29789,7 @@
             </p:txBody>
           </p:sp>
         </mc:Choice>
-        <mc:Fallback>
+        <mc:Fallback xmlns="">
           <p:sp>
             <p:nvSpPr>
               <p:cNvPr id="18" name="CaixaDeTexto 17">
@@ -29728,8 +29834,8 @@
           </p:sp>
         </mc:Fallback>
       </mc:AlternateContent>
-      <mc:AlternateContent xmlns:mc="http://schemas.openxmlformats.org/markup-compatibility/2006">
-        <mc:Choice xmlns:a14="http://schemas.microsoft.com/office/drawing/2010/main" Requires="a14">
+      <mc:AlternateContent xmlns:mc="http://schemas.openxmlformats.org/markup-compatibility/2006" xmlns:a14="http://schemas.microsoft.com/office/drawing/2010/main">
+        <mc:Choice Requires="a14">
           <p:sp>
             <p:nvSpPr>
               <p:cNvPr id="19" name="CaixaDeTexto 18">
@@ -29758,6 +29864,7 @@
               </a:bodyPr>
               <a:lstStyle/>
               <a:p>
+                <a:pPr/>
                 <a14:m>
                   <m:oMathPara xmlns:m="http://schemas.openxmlformats.org/officeDocument/2006/math">
                     <m:oMathParaPr>
@@ -29816,7 +29923,7 @@
             </p:txBody>
           </p:sp>
         </mc:Choice>
-        <mc:Fallback>
+        <mc:Fallback xmlns="">
           <p:sp>
             <p:nvSpPr>
               <p:cNvPr id="19" name="CaixaDeTexto 18">
@@ -29861,8 +29968,8 @@
           </p:sp>
         </mc:Fallback>
       </mc:AlternateContent>
-      <mc:AlternateContent xmlns:mc="http://schemas.openxmlformats.org/markup-compatibility/2006">
-        <mc:Choice xmlns:a14="http://schemas.microsoft.com/office/drawing/2010/main" Requires="a14">
+      <mc:AlternateContent xmlns:mc="http://schemas.openxmlformats.org/markup-compatibility/2006" xmlns:a14="http://schemas.microsoft.com/office/drawing/2010/main">
+        <mc:Choice Requires="a14">
           <p:sp>
             <p:nvSpPr>
               <p:cNvPr id="20" name="CaixaDeTexto 19">
@@ -29891,6 +29998,7 @@
               </a:bodyPr>
               <a:lstStyle/>
               <a:p>
+                <a:pPr/>
                 <a14:m>
                   <m:oMathPara xmlns:m="http://schemas.openxmlformats.org/officeDocument/2006/math">
                     <m:oMathParaPr>
@@ -29949,7 +30057,7 @@
             </p:txBody>
           </p:sp>
         </mc:Choice>
-        <mc:Fallback>
+        <mc:Fallback xmlns="">
           <p:sp>
             <p:nvSpPr>
               <p:cNvPr id="20" name="CaixaDeTexto 19">
@@ -30126,8 +30234,8 @@
           </a:fontRef>
         </p:style>
       </p:cxnSp>
-      <mc:AlternateContent xmlns:mc="http://schemas.openxmlformats.org/markup-compatibility/2006">
-        <mc:Choice xmlns:a14="http://schemas.microsoft.com/office/drawing/2010/main" Requires="a14">
+      <mc:AlternateContent xmlns:mc="http://schemas.openxmlformats.org/markup-compatibility/2006" xmlns:a14="http://schemas.microsoft.com/office/drawing/2010/main">
+        <mc:Choice Requires="a14">
           <p:sp>
             <p:nvSpPr>
               <p:cNvPr id="10" name="CaixaDeTexto 9">
@@ -30156,6 +30264,7 @@
               </a:bodyPr>
               <a:lstStyle/>
               <a:p>
+                <a:pPr/>
                 <a14:m>
                   <m:oMathPara xmlns:m="http://schemas.openxmlformats.org/officeDocument/2006/math">
                     <m:oMathParaPr>
@@ -30195,7 +30304,7 @@
             </p:txBody>
           </p:sp>
         </mc:Choice>
-        <mc:Fallback>
+        <mc:Fallback xmlns="">
           <p:sp>
             <p:nvSpPr>
               <p:cNvPr id="10" name="CaixaDeTexto 9">
@@ -30240,8 +30349,8 @@
           </p:sp>
         </mc:Fallback>
       </mc:AlternateContent>
-      <mc:AlternateContent xmlns:mc="http://schemas.openxmlformats.org/markup-compatibility/2006">
-        <mc:Choice xmlns:a14="http://schemas.microsoft.com/office/drawing/2010/main" Requires="a14">
+      <mc:AlternateContent xmlns:mc="http://schemas.openxmlformats.org/markup-compatibility/2006" xmlns:a14="http://schemas.microsoft.com/office/drawing/2010/main">
+        <mc:Choice Requires="a14">
           <p:sp>
             <p:nvSpPr>
               <p:cNvPr id="8" name="Elipse 7">
@@ -30351,7 +30460,7 @@
             </p:txBody>
           </p:sp>
         </mc:Choice>
-        <mc:Fallback>
+        <mc:Fallback xmlns="">
           <p:sp>
             <p:nvSpPr>
               <p:cNvPr id="8" name="Elipse 7">
@@ -30403,8 +30512,8 @@
           </p:sp>
         </mc:Fallback>
       </mc:AlternateContent>
-      <mc:AlternateContent xmlns:mc="http://schemas.openxmlformats.org/markup-compatibility/2006">
-        <mc:Choice xmlns:a14="http://schemas.microsoft.com/office/drawing/2010/main" Requires="a14">
+      <mc:AlternateContent xmlns:mc="http://schemas.openxmlformats.org/markup-compatibility/2006" xmlns:a14="http://schemas.microsoft.com/office/drawing/2010/main">
+        <mc:Choice Requires="a14">
           <p:sp>
             <p:nvSpPr>
               <p:cNvPr id="12" name="CaixaDeTexto 11">
@@ -30433,6 +30542,7 @@
               </a:bodyPr>
               <a:lstStyle/>
               <a:p>
+                <a:pPr/>
                 <a14:m>
                   <m:oMathPara xmlns:m="http://schemas.openxmlformats.org/officeDocument/2006/math">
                     <m:oMathParaPr>
@@ -30491,7 +30601,7 @@
             </p:txBody>
           </p:sp>
         </mc:Choice>
-        <mc:Fallback>
+        <mc:Fallback xmlns="">
           <p:sp>
             <p:nvSpPr>
               <p:cNvPr id="12" name="CaixaDeTexto 11">
@@ -30536,8 +30646,8 @@
           </p:sp>
         </mc:Fallback>
       </mc:AlternateContent>
-      <mc:AlternateContent xmlns:mc="http://schemas.openxmlformats.org/markup-compatibility/2006">
-        <mc:Choice xmlns:a14="http://schemas.microsoft.com/office/drawing/2010/main" Requires="a14">
+      <mc:AlternateContent xmlns:mc="http://schemas.openxmlformats.org/markup-compatibility/2006" xmlns:a14="http://schemas.microsoft.com/office/drawing/2010/main">
+        <mc:Choice Requires="a14">
           <p:sp>
             <p:nvSpPr>
               <p:cNvPr id="13" name="CaixaDeTexto 12">
@@ -30566,6 +30676,7 @@
               </a:bodyPr>
               <a:lstStyle/>
               <a:p>
+                <a:pPr/>
                 <a14:m>
                   <m:oMathPara xmlns:m="http://schemas.openxmlformats.org/officeDocument/2006/math">
                     <m:oMathParaPr>
@@ -30624,7 +30735,7 @@
             </p:txBody>
           </p:sp>
         </mc:Choice>
-        <mc:Fallback>
+        <mc:Fallback xmlns="">
           <p:sp>
             <p:nvSpPr>
               <p:cNvPr id="13" name="CaixaDeTexto 12">
@@ -30669,8 +30780,8 @@
           </p:sp>
         </mc:Fallback>
       </mc:AlternateContent>
-      <mc:AlternateContent xmlns:mc="http://schemas.openxmlformats.org/markup-compatibility/2006">
-        <mc:Choice xmlns:a14="http://schemas.microsoft.com/office/drawing/2010/main" Requires="a14">
+      <mc:AlternateContent xmlns:mc="http://schemas.openxmlformats.org/markup-compatibility/2006" xmlns:a14="http://schemas.microsoft.com/office/drawing/2010/main">
+        <mc:Choice Requires="a14">
           <p:sp>
             <p:nvSpPr>
               <p:cNvPr id="23" name="CaixaDeTexto 22">
@@ -30699,6 +30810,7 @@
               </a:bodyPr>
               <a:lstStyle/>
               <a:p>
+                <a:pPr/>
                 <a14:m>
                   <m:oMathPara xmlns:m="http://schemas.openxmlformats.org/officeDocument/2006/math">
                     <m:oMathParaPr>
@@ -30757,7 +30869,7 @@
             </p:txBody>
           </p:sp>
         </mc:Choice>
-        <mc:Fallback>
+        <mc:Fallback xmlns="">
           <p:sp>
             <p:nvSpPr>
               <p:cNvPr id="23" name="CaixaDeTexto 22">
@@ -30802,8 +30914,8 @@
           </p:sp>
         </mc:Fallback>
       </mc:AlternateContent>
-      <mc:AlternateContent xmlns:mc="http://schemas.openxmlformats.org/markup-compatibility/2006">
-        <mc:Choice xmlns:a14="http://schemas.microsoft.com/office/drawing/2010/main" Requires="a14">
+      <mc:AlternateContent xmlns:mc="http://schemas.openxmlformats.org/markup-compatibility/2006" xmlns:a14="http://schemas.microsoft.com/office/drawing/2010/main">
+        <mc:Choice Requires="a14">
           <p:sp>
             <p:nvSpPr>
               <p:cNvPr id="24" name="CaixaDeTexto 23">
@@ -30832,6 +30944,7 @@
               </a:bodyPr>
               <a:lstStyle/>
               <a:p>
+                <a:pPr/>
                 <a14:m>
                   <m:oMathPara xmlns:m="http://schemas.openxmlformats.org/officeDocument/2006/math">
                     <m:oMathParaPr>
@@ -30890,7 +31003,7 @@
             </p:txBody>
           </p:sp>
         </mc:Choice>
-        <mc:Fallback>
+        <mc:Fallback xmlns="">
           <p:sp>
             <p:nvSpPr>
               <p:cNvPr id="24" name="CaixaDeTexto 23">
@@ -31067,8 +31180,8 @@
           </a:fontRef>
         </p:style>
       </p:cxnSp>
-      <mc:AlternateContent xmlns:mc="http://schemas.openxmlformats.org/markup-compatibility/2006">
-        <mc:Choice xmlns:a14="http://schemas.microsoft.com/office/drawing/2010/main" Requires="a14">
+      <mc:AlternateContent xmlns:mc="http://schemas.openxmlformats.org/markup-compatibility/2006" xmlns:a14="http://schemas.microsoft.com/office/drawing/2010/main">
+        <mc:Choice Requires="a14">
           <p:sp>
             <p:nvSpPr>
               <p:cNvPr id="32" name="CaixaDeTexto 31">
@@ -31097,6 +31210,7 @@
               </a:bodyPr>
               <a:lstStyle/>
               <a:p>
+                <a:pPr/>
                 <a14:m>
                   <m:oMathPara xmlns:m="http://schemas.openxmlformats.org/officeDocument/2006/math">
                     <m:oMathParaPr>
@@ -31136,7 +31250,7 @@
             </p:txBody>
           </p:sp>
         </mc:Choice>
-        <mc:Fallback>
+        <mc:Fallback xmlns="">
           <p:sp>
             <p:nvSpPr>
               <p:cNvPr id="32" name="CaixaDeTexto 31">
@@ -31285,8 +31399,8 @@
           </a:p>
         </p:txBody>
       </p:sp>
-      <mc:AlternateContent xmlns:mc="http://schemas.openxmlformats.org/markup-compatibility/2006">
-        <mc:Choice xmlns:a14="http://schemas.microsoft.com/office/drawing/2010/main" Requires="a14">
+      <mc:AlternateContent xmlns:mc="http://schemas.openxmlformats.org/markup-compatibility/2006" xmlns:a14="http://schemas.microsoft.com/office/drawing/2010/main">
+        <mc:Choice Requires="a14">
           <p:sp>
             <p:nvSpPr>
               <p:cNvPr id="35" name="CaixaDeTexto 34">
@@ -31386,7 +31500,7 @@
             </p:txBody>
           </p:sp>
         </mc:Choice>
-        <mc:Fallback>
+        <mc:Fallback xmlns="">
           <p:sp>
             <p:nvSpPr>
               <p:cNvPr id="35" name="CaixaDeTexto 34">
@@ -31431,8 +31545,8 @@
           </p:sp>
         </mc:Fallback>
       </mc:AlternateContent>
-      <mc:AlternateContent xmlns:mc="http://schemas.openxmlformats.org/markup-compatibility/2006">
-        <mc:Choice xmlns:a14="http://schemas.microsoft.com/office/drawing/2010/main" Requires="a14">
+      <mc:AlternateContent xmlns:mc="http://schemas.openxmlformats.org/markup-compatibility/2006" xmlns:a14="http://schemas.microsoft.com/office/drawing/2010/main">
+        <mc:Choice Requires="a14">
           <p:sp>
             <p:nvSpPr>
               <p:cNvPr id="36" name="CaixaDeTexto 35">
@@ -31532,7 +31646,7 @@
             </p:txBody>
           </p:sp>
         </mc:Choice>
-        <mc:Fallback>
+        <mc:Fallback xmlns="">
           <p:sp>
             <p:nvSpPr>
               <p:cNvPr id="36" name="CaixaDeTexto 35">
@@ -31577,8 +31691,8 @@
           </p:sp>
         </mc:Fallback>
       </mc:AlternateContent>
-      <mc:AlternateContent xmlns:mc="http://schemas.openxmlformats.org/markup-compatibility/2006">
-        <mc:Choice xmlns:a14="http://schemas.microsoft.com/office/drawing/2010/main" Requires="a14">
+      <mc:AlternateContent xmlns:mc="http://schemas.openxmlformats.org/markup-compatibility/2006" xmlns:a14="http://schemas.microsoft.com/office/drawing/2010/main">
+        <mc:Choice Requires="a14">
           <p:sp>
             <p:nvSpPr>
               <p:cNvPr id="37" name="CaixaDeTexto 36">
@@ -31678,7 +31792,7 @@
             </p:txBody>
           </p:sp>
         </mc:Choice>
-        <mc:Fallback>
+        <mc:Fallback xmlns="">
           <p:sp>
             <p:nvSpPr>
               <p:cNvPr id="37" name="CaixaDeTexto 36">
@@ -31767,8 +31881,8 @@
           </a:fontRef>
         </p:style>
       </p:cxnSp>
-      <mc:AlternateContent xmlns:mc="http://schemas.openxmlformats.org/markup-compatibility/2006">
-        <mc:Choice xmlns:a14="http://schemas.microsoft.com/office/drawing/2010/main" Requires="a14">
+      <mc:AlternateContent xmlns:mc="http://schemas.openxmlformats.org/markup-compatibility/2006" xmlns:a14="http://schemas.microsoft.com/office/drawing/2010/main">
+        <mc:Choice Requires="a14">
           <p:sp>
             <p:nvSpPr>
               <p:cNvPr id="39" name="CaixaDeTexto 38">
@@ -31830,7 +31944,7 @@
             </p:txBody>
           </p:sp>
         </mc:Choice>
-        <mc:Fallback>
+        <mc:Fallback xmlns="">
           <p:sp>
             <p:nvSpPr>
               <p:cNvPr id="39" name="CaixaDeTexto 38">
@@ -31875,8 +31989,8 @@
           </p:sp>
         </mc:Fallback>
       </mc:AlternateContent>
-      <mc:AlternateContent xmlns:mc="http://schemas.openxmlformats.org/markup-compatibility/2006">
-        <mc:Choice xmlns:a14="http://schemas.microsoft.com/office/drawing/2010/main" Requires="a14">
+      <mc:AlternateContent xmlns:mc="http://schemas.openxmlformats.org/markup-compatibility/2006" xmlns:a14="http://schemas.microsoft.com/office/drawing/2010/main">
+        <mc:Choice Requires="a14">
           <p:sp>
             <p:nvSpPr>
               <p:cNvPr id="41" name="CaixaDeTexto 40">
@@ -31967,7 +32081,7 @@
             </p:txBody>
           </p:sp>
         </mc:Choice>
-        <mc:Fallback>
+        <mc:Fallback xmlns="">
           <p:sp>
             <p:nvSpPr>
               <p:cNvPr id="41" name="CaixaDeTexto 40">
@@ -32069,11 +32183,11 @@
   <p:clrMapOvr>
     <a:masterClrMapping/>
   </p:clrMapOvr>
-  <mc:AlternateContent xmlns:mc="http://schemas.openxmlformats.org/markup-compatibility/2006">
-    <mc:Choice xmlns:p14="http://schemas.microsoft.com/office/powerpoint/2010/main" Requires="p14">
+  <mc:AlternateContent xmlns:mc="http://schemas.openxmlformats.org/markup-compatibility/2006" xmlns:p14="http://schemas.microsoft.com/office/powerpoint/2010/main">
+    <mc:Choice Requires="p14">
       <p:transition p14:dur="250" advTm="3000"/>
     </mc:Choice>
-    <mc:Fallback>
+    <mc:Fallback xmlns="">
       <p:transition advTm="3000"/>
     </mc:Fallback>
   </mc:AlternateContent>
@@ -32103,8 +32217,8 @@
           <a:chExt cx="0" cy="0"/>
         </a:xfrm>
       </p:grpSpPr>
-      <mc:AlternateContent xmlns:mc="http://schemas.openxmlformats.org/markup-compatibility/2006">
-        <mc:Choice xmlns:a14="http://schemas.microsoft.com/office/drawing/2010/main" Requires="a14">
+      <mc:AlternateContent xmlns:mc="http://schemas.openxmlformats.org/markup-compatibility/2006" xmlns:a14="http://schemas.microsoft.com/office/drawing/2010/main">
+        <mc:Choice Requires="a14">
           <p:sp>
             <p:nvSpPr>
               <p:cNvPr id="4" name="Elipse 3">
@@ -32214,7 +32328,7 @@
             </p:txBody>
           </p:sp>
         </mc:Choice>
-        <mc:Fallback>
+        <mc:Fallback xmlns="">
           <p:sp>
             <p:nvSpPr>
               <p:cNvPr id="4" name="Elipse 3">
@@ -32266,8 +32380,8 @@
           </p:sp>
         </mc:Fallback>
       </mc:AlternateContent>
-      <mc:AlternateContent xmlns:mc="http://schemas.openxmlformats.org/markup-compatibility/2006">
-        <mc:Choice xmlns:a14="http://schemas.microsoft.com/office/drawing/2010/main" Requires="a14">
+      <mc:AlternateContent xmlns:mc="http://schemas.openxmlformats.org/markup-compatibility/2006" xmlns:a14="http://schemas.microsoft.com/office/drawing/2010/main">
+        <mc:Choice Requires="a14">
           <p:sp>
             <p:nvSpPr>
               <p:cNvPr id="16" name="CaixaDeTexto 15">
@@ -32567,7 +32681,7 @@
             </p:txBody>
           </p:sp>
         </mc:Choice>
-        <mc:Fallback>
+        <mc:Fallback xmlns="">
           <p:sp>
             <p:nvSpPr>
               <p:cNvPr id="16" name="CaixaDeTexto 15">
@@ -32669,14 +32783,2515 @@
   <p:clrMapOvr>
     <a:masterClrMapping/>
   </p:clrMapOvr>
-  <mc:AlternateContent xmlns:mc="http://schemas.openxmlformats.org/markup-compatibility/2006">
-    <mc:Choice xmlns:p14="http://schemas.microsoft.com/office/powerpoint/2010/main" Requires="p14">
+  <mc:AlternateContent xmlns:mc="http://schemas.openxmlformats.org/markup-compatibility/2006" xmlns:p14="http://schemas.microsoft.com/office/powerpoint/2010/main">
+    <mc:Choice Requires="p14">
       <p:transition p14:dur="250" advTm="2000"/>
     </mc:Choice>
-    <mc:Fallback>
+    <mc:Fallback xmlns="">
       <p:transition advTm="2000"/>
     </mc:Fallback>
   </mc:AlternateContent>
+</p:sld>
+</file>
+
+<file path=ppt/slides/slide20.xml><?xml version="1.0" encoding="utf-8"?>
+<p:sld xmlns:a="http://schemas.openxmlformats.org/drawingml/2006/main" xmlns:r="http://schemas.openxmlformats.org/officeDocument/2006/relationships" xmlns:p="http://schemas.openxmlformats.org/presentationml/2006/main">
+  <p:cSld>
+    <p:spTree>
+      <p:nvGrpSpPr>
+        <p:cNvPr id="1" name=""/>
+        <p:cNvGrpSpPr/>
+        <p:nvPr/>
+      </p:nvGrpSpPr>
+      <p:grpSpPr>
+        <a:xfrm>
+          <a:off x="0" y="0"/>
+          <a:ext cx="0" cy="0"/>
+          <a:chOff x="0" y="0"/>
+          <a:chExt cx="0" cy="0"/>
+        </a:xfrm>
+      </p:grpSpPr>
+      <p:sp>
+        <p:nvSpPr>
+          <p:cNvPr id="4" name="Retângulo 3">
+            <a:extLst>
+              <a:ext uri="{FF2B5EF4-FFF2-40B4-BE49-F238E27FC236}">
+                <a16:creationId xmlns:a16="http://schemas.microsoft.com/office/drawing/2014/main" id="{EB57A4AB-18B5-1CFF-E33C-52B42E9B11B1}"/>
+              </a:ext>
+            </a:extLst>
+          </p:cNvPr>
+          <p:cNvSpPr/>
+          <p:nvPr/>
+        </p:nvSpPr>
+        <p:spPr>
+          <a:xfrm>
+            <a:off x="2981740" y="2282023"/>
+            <a:ext cx="874644" cy="842839"/>
+          </a:xfrm>
+          <a:prstGeom prst="rect">
+            <a:avLst/>
+          </a:prstGeom>
+          <a:solidFill>
+            <a:schemeClr val="accent1">
+              <a:lumMod val="20000"/>
+              <a:lumOff val="80000"/>
+            </a:schemeClr>
+          </a:solidFill>
+        </p:spPr>
+        <p:style>
+          <a:lnRef idx="2">
+            <a:schemeClr val="accent1">
+              <a:shade val="15000"/>
+            </a:schemeClr>
+          </a:lnRef>
+          <a:fillRef idx="1">
+            <a:schemeClr val="accent1"/>
+          </a:fillRef>
+          <a:effectRef idx="0">
+            <a:schemeClr val="accent1"/>
+          </a:effectRef>
+          <a:fontRef idx="minor">
+            <a:schemeClr val="lt1"/>
+          </a:fontRef>
+        </p:style>
+        <p:txBody>
+          <a:bodyPr rtlCol="0" anchor="ctr"/>
+          <a:lstStyle/>
+          <a:p>
+            <a:pPr algn="ctr"/>
+            <a:r>
+              <a:rPr lang="pt-BR" sz="1400" b="1" i="1">
+                <a:solidFill>
+                  <a:schemeClr val="tx1"/>
+                </a:solidFill>
+              </a:rPr>
+              <a:t>Weak</a:t>
+            </a:r>
+          </a:p>
+          <a:p>
+            <a:pPr algn="ctr"/>
+            <a:r>
+              <a:rPr lang="pt-BR" sz="1400" b="1" i="1">
+                <a:solidFill>
+                  <a:schemeClr val="tx1"/>
+                </a:solidFill>
+              </a:rPr>
+              <a:t>Learner</a:t>
+            </a:r>
+            <a:br>
+              <a:rPr lang="pt-BR" sz="1400" b="1" i="1">
+                <a:solidFill>
+                  <a:schemeClr val="tx1"/>
+                </a:solidFill>
+              </a:rPr>
+            </a:br>
+            <a:r>
+              <a:rPr lang="pt-BR" sz="1400" b="1" i="1">
+                <a:solidFill>
+                  <a:schemeClr val="tx1"/>
+                </a:solidFill>
+              </a:rPr>
+              <a:t>1</a:t>
+            </a:r>
+          </a:p>
+        </p:txBody>
+      </p:sp>
+      <p:sp>
+        <p:nvSpPr>
+          <p:cNvPr id="5" name="Retângulo 4">
+            <a:extLst>
+              <a:ext uri="{FF2B5EF4-FFF2-40B4-BE49-F238E27FC236}">
+                <a16:creationId xmlns:a16="http://schemas.microsoft.com/office/drawing/2014/main" id="{D02E2478-DA03-5C4C-EA22-1EEE73A2510D}"/>
+              </a:ext>
+            </a:extLst>
+          </p:cNvPr>
+          <p:cNvSpPr/>
+          <p:nvPr/>
+        </p:nvSpPr>
+        <p:spPr>
+          <a:xfrm>
+            <a:off x="5203250" y="2280075"/>
+            <a:ext cx="874644" cy="842839"/>
+          </a:xfrm>
+          <a:prstGeom prst="rect">
+            <a:avLst/>
+          </a:prstGeom>
+          <a:solidFill>
+            <a:schemeClr val="accent1">
+              <a:lumMod val="20000"/>
+              <a:lumOff val="80000"/>
+            </a:schemeClr>
+          </a:solidFill>
+        </p:spPr>
+        <p:style>
+          <a:lnRef idx="2">
+            <a:schemeClr val="accent1">
+              <a:shade val="15000"/>
+            </a:schemeClr>
+          </a:lnRef>
+          <a:fillRef idx="1">
+            <a:schemeClr val="accent1"/>
+          </a:fillRef>
+          <a:effectRef idx="0">
+            <a:schemeClr val="accent1"/>
+          </a:effectRef>
+          <a:fontRef idx="minor">
+            <a:schemeClr val="lt1"/>
+          </a:fontRef>
+        </p:style>
+        <p:txBody>
+          <a:bodyPr rtlCol="0" anchor="ctr"/>
+          <a:lstStyle/>
+          <a:p>
+            <a:pPr algn="ctr"/>
+            <a:r>
+              <a:rPr lang="pt-BR" sz="1400" b="1" i="1">
+                <a:solidFill>
+                  <a:schemeClr val="tx1"/>
+                </a:solidFill>
+              </a:rPr>
+              <a:t>Weak</a:t>
+            </a:r>
+          </a:p>
+          <a:p>
+            <a:pPr algn="ctr"/>
+            <a:r>
+              <a:rPr lang="pt-BR" sz="1400" b="1" i="1">
+                <a:solidFill>
+                  <a:schemeClr val="tx1"/>
+                </a:solidFill>
+              </a:rPr>
+              <a:t>Learner</a:t>
+            </a:r>
+            <a:br>
+              <a:rPr lang="pt-BR" sz="1400" b="1" i="1">
+                <a:solidFill>
+                  <a:schemeClr val="tx1"/>
+                </a:solidFill>
+              </a:rPr>
+            </a:br>
+            <a:r>
+              <a:rPr lang="pt-BR" sz="1400" b="1" i="1">
+                <a:solidFill>
+                  <a:schemeClr val="tx1"/>
+                </a:solidFill>
+              </a:rPr>
+              <a:t>2</a:t>
+            </a:r>
+          </a:p>
+        </p:txBody>
+      </p:sp>
+      <p:sp>
+        <p:nvSpPr>
+          <p:cNvPr id="6" name="Retângulo 5">
+            <a:extLst>
+              <a:ext uri="{FF2B5EF4-FFF2-40B4-BE49-F238E27FC236}">
+                <a16:creationId xmlns:a16="http://schemas.microsoft.com/office/drawing/2014/main" id="{50DF744D-0987-E3D6-285E-1755D96A9121}"/>
+              </a:ext>
+            </a:extLst>
+          </p:cNvPr>
+          <p:cNvSpPr/>
+          <p:nvPr/>
+        </p:nvSpPr>
+        <p:spPr>
+          <a:xfrm>
+            <a:off x="7347783" y="2280074"/>
+            <a:ext cx="874644" cy="842839"/>
+          </a:xfrm>
+          <a:prstGeom prst="rect">
+            <a:avLst/>
+          </a:prstGeom>
+          <a:solidFill>
+            <a:schemeClr val="accent1">
+              <a:lumMod val="20000"/>
+              <a:lumOff val="80000"/>
+            </a:schemeClr>
+          </a:solidFill>
+        </p:spPr>
+        <p:style>
+          <a:lnRef idx="2">
+            <a:schemeClr val="accent1">
+              <a:shade val="15000"/>
+            </a:schemeClr>
+          </a:lnRef>
+          <a:fillRef idx="1">
+            <a:schemeClr val="accent1"/>
+          </a:fillRef>
+          <a:effectRef idx="0">
+            <a:schemeClr val="accent1"/>
+          </a:effectRef>
+          <a:fontRef idx="minor">
+            <a:schemeClr val="lt1"/>
+          </a:fontRef>
+        </p:style>
+        <p:txBody>
+          <a:bodyPr rtlCol="0" anchor="ctr"/>
+          <a:lstStyle/>
+          <a:p>
+            <a:pPr algn="ctr"/>
+            <a:r>
+              <a:rPr lang="pt-BR" sz="1400" b="1" i="1">
+                <a:solidFill>
+                  <a:schemeClr val="tx1"/>
+                </a:solidFill>
+              </a:rPr>
+              <a:t>Weak</a:t>
+            </a:r>
+          </a:p>
+          <a:p>
+            <a:pPr algn="ctr"/>
+            <a:r>
+              <a:rPr lang="pt-BR" sz="1400" b="1" i="1">
+                <a:solidFill>
+                  <a:schemeClr val="tx1"/>
+                </a:solidFill>
+              </a:rPr>
+              <a:t>Learner</a:t>
+            </a:r>
+            <a:br>
+              <a:rPr lang="pt-BR" sz="1400" b="1" i="1">
+                <a:solidFill>
+                  <a:schemeClr val="tx1"/>
+                </a:solidFill>
+              </a:rPr>
+            </a:br>
+            <a:r>
+              <a:rPr lang="pt-BR" sz="1400" b="1" i="1">
+                <a:solidFill>
+                  <a:schemeClr val="tx1"/>
+                </a:solidFill>
+              </a:rPr>
+              <a:t>3</a:t>
+            </a:r>
+          </a:p>
+        </p:txBody>
+      </p:sp>
+      <mc:AlternateContent xmlns:mc="http://schemas.openxmlformats.org/markup-compatibility/2006">
+        <mc:Choice xmlns:a14="http://schemas.microsoft.com/office/drawing/2010/main" Requires="a14">
+          <p:sp>
+            <p:nvSpPr>
+              <p:cNvPr id="7" name="CaixaDeTexto 6">
+                <a:extLst>
+                  <a:ext uri="{FF2B5EF4-FFF2-40B4-BE49-F238E27FC236}">
+                    <a16:creationId xmlns:a16="http://schemas.microsoft.com/office/drawing/2014/main" id="{2796FEFC-5C27-5B91-7B54-9D1A8CA8A417}"/>
+                  </a:ext>
+                </a:extLst>
+              </p:cNvPr>
+              <p:cNvSpPr txBox="1"/>
+              <p:nvPr/>
+            </p:nvSpPr>
+            <p:spPr>
+              <a:xfrm>
+                <a:off x="1487770" y="3364244"/>
+                <a:ext cx="367986" cy="369332"/>
+              </a:xfrm>
+              <a:prstGeom prst="rect">
+                <a:avLst/>
+              </a:prstGeom>
+              <a:noFill/>
+            </p:spPr>
+            <p:txBody>
+              <a:bodyPr wrap="none" rtlCol="0">
+                <a:spAutoFit/>
+              </a:bodyPr>
+              <a:lstStyle/>
+              <a:p>
+                <a14:m>
+                  <m:oMathPara xmlns:m="http://schemas.openxmlformats.org/officeDocument/2006/math">
+                    <m:oMathParaPr>
+                      <m:jc m:val="centerGroup"/>
+                    </m:oMathParaPr>
+                    <m:oMath xmlns:m="http://schemas.openxmlformats.org/officeDocument/2006/math">
+                      <m:r>
+                        <a:rPr lang="pt-BR" b="1" i="1" smtClean="0">
+                          <a:latin typeface="Cambria Math" panose="02040503050406030204" pitchFamily="18" charset="0"/>
+                        </a:rPr>
+                        <m:t>𝒙</m:t>
+                      </m:r>
+                    </m:oMath>
+                  </m:oMathPara>
+                </a14:m>
+                <a:endParaRPr lang="pt-BR" b="1"/>
+              </a:p>
+            </p:txBody>
+          </p:sp>
+        </mc:Choice>
+        <mc:Fallback>
+          <p:sp>
+            <p:nvSpPr>
+              <p:cNvPr id="7" name="CaixaDeTexto 6">
+                <a:extLst>
+                  <a:ext uri="{FF2B5EF4-FFF2-40B4-BE49-F238E27FC236}">
+                    <a16:creationId xmlns:a16="http://schemas.microsoft.com/office/drawing/2014/main" id="{2796FEFC-5C27-5B91-7B54-9D1A8CA8A417}"/>
+                  </a:ext>
+                </a:extLst>
+              </p:cNvPr>
+              <p:cNvSpPr txBox="1">
+                <a:spLocks noRot="1" noChangeAspect="1" noMove="1" noResize="1" noEditPoints="1" noAdjustHandles="1" noChangeArrowheads="1" noChangeShapeType="1" noTextEdit="1"/>
+              </p:cNvSpPr>
+              <p:nvPr/>
+            </p:nvSpPr>
+            <p:spPr>
+              <a:xfrm>
+                <a:off x="1487770" y="3364244"/>
+                <a:ext cx="367986" cy="369332"/>
+              </a:xfrm>
+              <a:prstGeom prst="rect">
+                <a:avLst/>
+              </a:prstGeom>
+              <a:blipFill>
+                <a:blip r:embed="rId2"/>
+                <a:stretch>
+                  <a:fillRect/>
+                </a:stretch>
+              </a:blipFill>
+            </p:spPr>
+            <p:txBody>
+              <a:bodyPr/>
+              <a:lstStyle/>
+              <a:p>
+                <a:r>
+                  <a:rPr lang="pt-BR">
+                    <a:noFill/>
+                  </a:rPr>
+                  <a:t> </a:t>
+                </a:r>
+              </a:p>
+            </p:txBody>
+          </p:sp>
+        </mc:Fallback>
+      </mc:AlternateContent>
+      <p:cxnSp>
+        <p:nvCxnSpPr>
+          <p:cNvPr id="13" name="Conector: Angulado 12">
+            <a:extLst>
+              <a:ext uri="{FF2B5EF4-FFF2-40B4-BE49-F238E27FC236}">
+                <a16:creationId xmlns:a16="http://schemas.microsoft.com/office/drawing/2014/main" id="{19DF8110-59C1-8B6E-5478-F9E47674C9BD}"/>
+              </a:ext>
+            </a:extLst>
+          </p:cNvPr>
+          <p:cNvCxnSpPr>
+            <a:cxnSpLocks/>
+            <a:stCxn id="4" idx="3"/>
+          </p:cNvCxnSpPr>
+          <p:nvPr/>
+        </p:nvCxnSpPr>
+        <p:spPr>
+          <a:xfrm flipV="1">
+            <a:off x="3856384" y="1387435"/>
+            <a:ext cx="196818" cy="1316008"/>
+          </a:xfrm>
+          <a:prstGeom prst="bentConnector2">
+            <a:avLst/>
+          </a:prstGeom>
+          <a:ln w="28575">
+            <a:solidFill>
+              <a:schemeClr val="accent6"/>
+            </a:solidFill>
+          </a:ln>
+        </p:spPr>
+        <p:style>
+          <a:lnRef idx="1">
+            <a:schemeClr val="accent1"/>
+          </a:lnRef>
+          <a:fillRef idx="0">
+            <a:schemeClr val="accent1"/>
+          </a:fillRef>
+          <a:effectRef idx="0">
+            <a:schemeClr val="accent1"/>
+          </a:effectRef>
+          <a:fontRef idx="minor">
+            <a:schemeClr val="tx1"/>
+          </a:fontRef>
+        </p:style>
+      </p:cxnSp>
+      <p:cxnSp>
+        <p:nvCxnSpPr>
+          <p:cNvPr id="16" name="Conector reto 15">
+            <a:extLst>
+              <a:ext uri="{FF2B5EF4-FFF2-40B4-BE49-F238E27FC236}">
+                <a16:creationId xmlns:a16="http://schemas.microsoft.com/office/drawing/2014/main" id="{CFC466E6-B303-362E-23EA-7E685343C8C2}"/>
+              </a:ext>
+            </a:extLst>
+          </p:cNvPr>
+          <p:cNvCxnSpPr>
+            <a:cxnSpLocks/>
+          </p:cNvCxnSpPr>
+          <p:nvPr/>
+        </p:nvCxnSpPr>
+        <p:spPr>
+          <a:xfrm flipV="1">
+            <a:off x="1813560" y="3577443"/>
+            <a:ext cx="5064270" cy="1947"/>
+          </a:xfrm>
+          <a:prstGeom prst="line">
+            <a:avLst/>
+          </a:prstGeom>
+          <a:ln w="28575">
+            <a:solidFill>
+              <a:srgbClr val="C00000"/>
+            </a:solidFill>
+          </a:ln>
+        </p:spPr>
+        <p:style>
+          <a:lnRef idx="1">
+            <a:schemeClr val="accent1"/>
+          </a:lnRef>
+          <a:fillRef idx="0">
+            <a:schemeClr val="accent1"/>
+          </a:fillRef>
+          <a:effectRef idx="0">
+            <a:schemeClr val="accent1"/>
+          </a:effectRef>
+          <a:fontRef idx="minor">
+            <a:schemeClr val="tx1"/>
+          </a:fontRef>
+        </p:style>
+      </p:cxnSp>
+      <p:cxnSp>
+        <p:nvCxnSpPr>
+          <p:cNvPr id="18" name="Conector: Angulado 17">
+            <a:extLst>
+              <a:ext uri="{FF2B5EF4-FFF2-40B4-BE49-F238E27FC236}">
+                <a16:creationId xmlns:a16="http://schemas.microsoft.com/office/drawing/2014/main" id="{1C9FF76D-8D0E-427A-2528-D47BBF5ED89E}"/>
+              </a:ext>
+            </a:extLst>
+          </p:cNvPr>
+          <p:cNvCxnSpPr>
+            <a:cxnSpLocks/>
+            <a:endCxn id="6" idx="1"/>
+          </p:cNvCxnSpPr>
+          <p:nvPr/>
+        </p:nvCxnSpPr>
+        <p:spPr>
+          <a:xfrm rot="5400000" flipH="1" flipV="1">
+            <a:off x="6666783" y="2912543"/>
+            <a:ext cx="892048" cy="469953"/>
+          </a:xfrm>
+          <a:prstGeom prst="bentConnector2">
+            <a:avLst/>
+          </a:prstGeom>
+          <a:ln w="28575">
+            <a:solidFill>
+              <a:srgbClr val="C00000"/>
+            </a:solidFill>
+            <a:tailEnd type="triangle"/>
+          </a:ln>
+        </p:spPr>
+        <p:style>
+          <a:lnRef idx="1">
+            <a:schemeClr val="accent1"/>
+          </a:lnRef>
+          <a:fillRef idx="0">
+            <a:schemeClr val="accent1"/>
+          </a:fillRef>
+          <a:effectRef idx="0">
+            <a:schemeClr val="accent1"/>
+          </a:effectRef>
+          <a:fontRef idx="minor">
+            <a:schemeClr val="tx1"/>
+          </a:fontRef>
+        </p:style>
+      </p:cxnSp>
+      <p:cxnSp>
+        <p:nvCxnSpPr>
+          <p:cNvPr id="22" name="Conector: Angulado 21">
+            <a:extLst>
+              <a:ext uri="{FF2B5EF4-FFF2-40B4-BE49-F238E27FC236}">
+                <a16:creationId xmlns:a16="http://schemas.microsoft.com/office/drawing/2014/main" id="{946152EF-C1AF-8D4D-455F-6B3A78F012E1}"/>
+              </a:ext>
+            </a:extLst>
+          </p:cNvPr>
+          <p:cNvCxnSpPr>
+            <a:cxnSpLocks/>
+            <a:endCxn id="5" idx="1"/>
+          </p:cNvCxnSpPr>
+          <p:nvPr/>
+        </p:nvCxnSpPr>
+        <p:spPr>
+          <a:xfrm rot="5400000" flipH="1" flipV="1">
+            <a:off x="4529165" y="2903358"/>
+            <a:ext cx="875948" cy="472222"/>
+          </a:xfrm>
+          <a:prstGeom prst="bentConnector2">
+            <a:avLst/>
+          </a:prstGeom>
+          <a:ln w="28575">
+            <a:solidFill>
+              <a:srgbClr val="C00000"/>
+            </a:solidFill>
+            <a:tailEnd type="triangle"/>
+          </a:ln>
+        </p:spPr>
+        <p:style>
+          <a:lnRef idx="1">
+            <a:schemeClr val="accent1"/>
+          </a:lnRef>
+          <a:fillRef idx="0">
+            <a:schemeClr val="accent1"/>
+          </a:fillRef>
+          <a:effectRef idx="0">
+            <a:schemeClr val="accent1"/>
+          </a:effectRef>
+          <a:fontRef idx="minor">
+            <a:schemeClr val="tx1"/>
+          </a:fontRef>
+        </p:style>
+      </p:cxnSp>
+      <p:cxnSp>
+        <p:nvCxnSpPr>
+          <p:cNvPr id="23" name="Conector: Angulado 22">
+            <a:extLst>
+              <a:ext uri="{FF2B5EF4-FFF2-40B4-BE49-F238E27FC236}">
+                <a16:creationId xmlns:a16="http://schemas.microsoft.com/office/drawing/2014/main" id="{E24E460E-359A-CE73-3423-320831944D05}"/>
+              </a:ext>
+            </a:extLst>
+          </p:cNvPr>
+          <p:cNvCxnSpPr>
+            <a:cxnSpLocks/>
+            <a:endCxn id="4" idx="1"/>
+          </p:cNvCxnSpPr>
+          <p:nvPr/>
+        </p:nvCxnSpPr>
+        <p:spPr>
+          <a:xfrm rot="5400000" flipH="1" flipV="1">
+            <a:off x="2307655" y="2905306"/>
+            <a:ext cx="875948" cy="472222"/>
+          </a:xfrm>
+          <a:prstGeom prst="bentConnector2">
+            <a:avLst/>
+          </a:prstGeom>
+          <a:ln w="28575">
+            <a:solidFill>
+              <a:srgbClr val="C00000"/>
+            </a:solidFill>
+            <a:tailEnd type="triangle"/>
+          </a:ln>
+        </p:spPr>
+        <p:style>
+          <a:lnRef idx="1">
+            <a:schemeClr val="accent1"/>
+          </a:lnRef>
+          <a:fillRef idx="0">
+            <a:schemeClr val="accent1"/>
+          </a:fillRef>
+          <a:effectRef idx="0">
+            <a:schemeClr val="accent1"/>
+          </a:effectRef>
+          <a:fontRef idx="minor">
+            <a:schemeClr val="tx1"/>
+          </a:fontRef>
+        </p:style>
+      </p:cxnSp>
+      <p:cxnSp>
+        <p:nvCxnSpPr>
+          <p:cNvPr id="27" name="Conector: Angulado 26">
+            <a:extLst>
+              <a:ext uri="{FF2B5EF4-FFF2-40B4-BE49-F238E27FC236}">
+                <a16:creationId xmlns:a16="http://schemas.microsoft.com/office/drawing/2014/main" id="{74D129FE-F605-DBB3-DEF0-E976EEB34CE1}"/>
+              </a:ext>
+            </a:extLst>
+          </p:cNvPr>
+          <p:cNvCxnSpPr>
+            <a:cxnSpLocks/>
+            <a:stCxn id="5" idx="3"/>
+          </p:cNvCxnSpPr>
+          <p:nvPr/>
+        </p:nvCxnSpPr>
+        <p:spPr>
+          <a:xfrm flipV="1">
+            <a:off x="6077894" y="1783949"/>
+            <a:ext cx="240478" cy="917546"/>
+          </a:xfrm>
+          <a:prstGeom prst="bentConnector2">
+            <a:avLst/>
+          </a:prstGeom>
+          <a:ln w="28575">
+            <a:solidFill>
+              <a:schemeClr val="accent4">
+                <a:lumMod val="75000"/>
+              </a:schemeClr>
+            </a:solidFill>
+          </a:ln>
+        </p:spPr>
+        <p:style>
+          <a:lnRef idx="1">
+            <a:schemeClr val="accent1"/>
+          </a:lnRef>
+          <a:fillRef idx="0">
+            <a:schemeClr val="accent1"/>
+          </a:fillRef>
+          <a:effectRef idx="0">
+            <a:schemeClr val="accent1"/>
+          </a:effectRef>
+          <a:fontRef idx="minor">
+            <a:schemeClr val="tx1"/>
+          </a:fontRef>
+        </p:style>
+      </p:cxnSp>
+      <mc:AlternateContent xmlns:mc="http://schemas.openxmlformats.org/markup-compatibility/2006">
+        <mc:Choice xmlns:a14="http://schemas.microsoft.com/office/drawing/2010/main" Requires="a14">
+          <p:sp>
+            <p:nvSpPr>
+              <p:cNvPr id="32" name="Elipse 31">
+                <a:extLst>
+                  <a:ext uri="{FF2B5EF4-FFF2-40B4-BE49-F238E27FC236}">
+                    <a16:creationId xmlns:a16="http://schemas.microsoft.com/office/drawing/2014/main" id="{6083DBF8-17BD-9865-DB2D-EFBB2B651A04}"/>
+                  </a:ext>
+                </a:extLst>
+              </p:cNvPr>
+              <p:cNvSpPr/>
+              <p:nvPr/>
+            </p:nvSpPr>
+            <p:spPr>
+              <a:xfrm>
+                <a:off x="9812974" y="2521495"/>
+                <a:ext cx="360000" cy="360000"/>
+              </a:xfrm>
+              <a:prstGeom prst="ellipse">
+                <a:avLst/>
+              </a:prstGeom>
+              <a:solidFill>
+                <a:schemeClr val="bg1"/>
+              </a:solidFill>
+            </p:spPr>
+            <p:style>
+              <a:lnRef idx="2">
+                <a:schemeClr val="accent1">
+                  <a:shade val="15000"/>
+                </a:schemeClr>
+              </a:lnRef>
+              <a:fillRef idx="1">
+                <a:schemeClr val="accent1"/>
+              </a:fillRef>
+              <a:effectRef idx="0">
+                <a:schemeClr val="accent1"/>
+              </a:effectRef>
+              <a:fontRef idx="minor">
+                <a:schemeClr val="lt1"/>
+              </a:fontRef>
+            </p:style>
+            <p:txBody>
+              <a:bodyPr rtlCol="0" anchor="ctr"/>
+              <a:lstStyle/>
+              <a:p>
+                <a:pPr algn="ctr"/>
+                <a14:m>
+                  <m:oMathPara xmlns:m="http://schemas.openxmlformats.org/officeDocument/2006/math">
+                    <m:oMathParaPr>
+                      <m:jc m:val="centerGroup"/>
+                    </m:oMathParaPr>
+                    <m:oMath xmlns:m="http://schemas.openxmlformats.org/officeDocument/2006/math">
+                      <m:r>
+                        <a:rPr lang="pt-BR" b="0" i="0" smtClean="0">
+                          <a:solidFill>
+                            <a:schemeClr val="tx1"/>
+                          </a:solidFill>
+                          <a:latin typeface="Cambria Math" panose="02040503050406030204" pitchFamily="18" charset="0"/>
+                        </a:rPr>
+                        <m:t> </m:t>
+                      </m:r>
+                      <m:r>
+                        <m:rPr>
+                          <m:sty m:val="p"/>
+                        </m:rPr>
+                        <a:rPr lang="pt-BR" b="0" i="0" smtClean="0">
+                          <a:solidFill>
+                            <a:schemeClr val="tx1"/>
+                          </a:solidFill>
+                          <a:latin typeface="Cambria Math" panose="02040503050406030204" pitchFamily="18" charset="0"/>
+                        </a:rPr>
+                        <m:t>Σ</m:t>
+                      </m:r>
+                    </m:oMath>
+                  </m:oMathPara>
+                </a14:m>
+                <a:endParaRPr lang="pt-BR">
+                  <a:solidFill>
+                    <a:schemeClr val="tx1"/>
+                  </a:solidFill>
+                </a:endParaRPr>
+              </a:p>
+            </p:txBody>
+          </p:sp>
+        </mc:Choice>
+        <mc:Fallback>
+          <p:sp>
+            <p:nvSpPr>
+              <p:cNvPr id="32" name="Elipse 31">
+                <a:extLst>
+                  <a:ext uri="{FF2B5EF4-FFF2-40B4-BE49-F238E27FC236}">
+                    <a16:creationId xmlns:a16="http://schemas.microsoft.com/office/drawing/2014/main" id="{6083DBF8-17BD-9865-DB2D-EFBB2B651A04}"/>
+                  </a:ext>
+                </a:extLst>
+              </p:cNvPr>
+              <p:cNvSpPr>
+                <a:spLocks noRot="1" noChangeAspect="1" noMove="1" noResize="1" noEditPoints="1" noAdjustHandles="1" noChangeArrowheads="1" noChangeShapeType="1" noTextEdit="1"/>
+              </p:cNvSpPr>
+              <p:nvPr/>
+            </p:nvSpPr>
+            <p:spPr>
+              <a:xfrm>
+                <a:off x="9812974" y="2521495"/>
+                <a:ext cx="360000" cy="360000"/>
+              </a:xfrm>
+              <a:prstGeom prst="ellipse">
+                <a:avLst/>
+              </a:prstGeom>
+              <a:blipFill>
+                <a:blip r:embed="rId3"/>
+                <a:stretch>
+                  <a:fillRect/>
+                </a:stretch>
+              </a:blipFill>
+            </p:spPr>
+            <p:txBody>
+              <a:bodyPr/>
+              <a:lstStyle/>
+              <a:p>
+                <a:r>
+                  <a:rPr lang="pt-BR">
+                    <a:noFill/>
+                  </a:rPr>
+                  <a:t> </a:t>
+                </a:r>
+              </a:p>
+            </p:txBody>
+          </p:sp>
+        </mc:Fallback>
+      </mc:AlternateContent>
+      <p:cxnSp>
+        <p:nvCxnSpPr>
+          <p:cNvPr id="36" name="Conector: Angulado 35">
+            <a:extLst>
+              <a:ext uri="{FF2B5EF4-FFF2-40B4-BE49-F238E27FC236}">
+                <a16:creationId xmlns:a16="http://schemas.microsoft.com/office/drawing/2014/main" id="{004210CC-7550-E4A2-122B-AE9F6D38437E}"/>
+              </a:ext>
+            </a:extLst>
+          </p:cNvPr>
+          <p:cNvCxnSpPr>
+            <a:cxnSpLocks/>
+          </p:cNvCxnSpPr>
+          <p:nvPr/>
+        </p:nvCxnSpPr>
+        <p:spPr>
+          <a:xfrm>
+            <a:off x="6306180" y="1783949"/>
+            <a:ext cx="1384940" cy="496971"/>
+          </a:xfrm>
+          <a:prstGeom prst="bentConnector3">
+            <a:avLst>
+              <a:gd name="adj1" fmla="val 100252"/>
+            </a:avLst>
+          </a:prstGeom>
+          <a:ln w="28575">
+            <a:solidFill>
+              <a:schemeClr val="accent4">
+                <a:lumMod val="75000"/>
+              </a:schemeClr>
+            </a:solidFill>
+            <a:tailEnd type="triangle"/>
+          </a:ln>
+        </p:spPr>
+        <p:style>
+          <a:lnRef idx="1">
+            <a:schemeClr val="accent1"/>
+          </a:lnRef>
+          <a:fillRef idx="0">
+            <a:schemeClr val="accent1"/>
+          </a:fillRef>
+          <a:effectRef idx="0">
+            <a:schemeClr val="accent1"/>
+          </a:effectRef>
+          <a:fontRef idx="minor">
+            <a:schemeClr val="tx1"/>
+          </a:fontRef>
+        </p:style>
+      </p:cxnSp>
+      <p:cxnSp>
+        <p:nvCxnSpPr>
+          <p:cNvPr id="41" name="Conector: Angulado 40">
+            <a:extLst>
+              <a:ext uri="{FF2B5EF4-FFF2-40B4-BE49-F238E27FC236}">
+                <a16:creationId xmlns:a16="http://schemas.microsoft.com/office/drawing/2014/main" id="{293FACEA-62DC-E76D-4470-912EB8EC8A72}"/>
+              </a:ext>
+            </a:extLst>
+          </p:cNvPr>
+          <p:cNvCxnSpPr>
+            <a:cxnSpLocks/>
+          </p:cNvCxnSpPr>
+          <p:nvPr/>
+        </p:nvCxnSpPr>
+        <p:spPr>
+          <a:xfrm>
+            <a:off x="4041010" y="1389975"/>
+            <a:ext cx="3944750" cy="880785"/>
+          </a:xfrm>
+          <a:prstGeom prst="bentConnector3">
+            <a:avLst>
+              <a:gd name="adj1" fmla="val 99966"/>
+            </a:avLst>
+          </a:prstGeom>
+          <a:ln w="28575">
+            <a:solidFill>
+              <a:schemeClr val="accent6"/>
+            </a:solidFill>
+            <a:tailEnd type="triangle"/>
+          </a:ln>
+        </p:spPr>
+        <p:style>
+          <a:lnRef idx="1">
+            <a:schemeClr val="accent1"/>
+          </a:lnRef>
+          <a:fillRef idx="0">
+            <a:schemeClr val="accent1"/>
+          </a:fillRef>
+          <a:effectRef idx="0">
+            <a:schemeClr val="accent1"/>
+          </a:effectRef>
+          <a:fontRef idx="minor">
+            <a:schemeClr val="tx1"/>
+          </a:fontRef>
+        </p:style>
+      </p:cxnSp>
+      <p:cxnSp>
+        <p:nvCxnSpPr>
+          <p:cNvPr id="46" name="Conector de Seta Reta 45">
+            <a:extLst>
+              <a:ext uri="{FF2B5EF4-FFF2-40B4-BE49-F238E27FC236}">
+                <a16:creationId xmlns:a16="http://schemas.microsoft.com/office/drawing/2014/main" id="{4E849C38-A70F-2CDD-0D36-ABC7CD1648DF}"/>
+              </a:ext>
+            </a:extLst>
+          </p:cNvPr>
+          <p:cNvCxnSpPr>
+            <a:endCxn id="5" idx="0"/>
+          </p:cNvCxnSpPr>
+          <p:nvPr/>
+        </p:nvCxnSpPr>
+        <p:spPr>
+          <a:xfrm>
+            <a:off x="5640572" y="1385487"/>
+            <a:ext cx="0" cy="894588"/>
+          </a:xfrm>
+          <a:prstGeom prst="straightConnector1">
+            <a:avLst/>
+          </a:prstGeom>
+          <a:ln w="28575">
+            <a:solidFill>
+              <a:schemeClr val="accent6"/>
+            </a:solidFill>
+            <a:tailEnd type="triangle"/>
+          </a:ln>
+        </p:spPr>
+        <p:style>
+          <a:lnRef idx="1">
+            <a:schemeClr val="accent1"/>
+          </a:lnRef>
+          <a:fillRef idx="0">
+            <a:schemeClr val="accent1"/>
+          </a:fillRef>
+          <a:effectRef idx="0">
+            <a:schemeClr val="accent1"/>
+          </a:effectRef>
+          <a:fontRef idx="minor">
+            <a:schemeClr val="tx1"/>
+          </a:fontRef>
+        </p:style>
+      </p:cxnSp>
+      <p:cxnSp>
+        <p:nvCxnSpPr>
+          <p:cNvPr id="47" name="Conector de Seta Reta 46">
+            <a:extLst>
+              <a:ext uri="{FF2B5EF4-FFF2-40B4-BE49-F238E27FC236}">
+                <a16:creationId xmlns:a16="http://schemas.microsoft.com/office/drawing/2014/main" id="{79E1719E-8AF2-0FFB-D69B-B4349130A65C}"/>
+              </a:ext>
+            </a:extLst>
+          </p:cNvPr>
+          <p:cNvCxnSpPr>
+            <a:cxnSpLocks/>
+            <a:stCxn id="6" idx="3"/>
+            <a:endCxn id="32" idx="2"/>
+          </p:cNvCxnSpPr>
+          <p:nvPr/>
+        </p:nvCxnSpPr>
+        <p:spPr>
+          <a:xfrm>
+            <a:off x="8222427" y="2701494"/>
+            <a:ext cx="1590547" cy="1"/>
+          </a:xfrm>
+          <a:prstGeom prst="straightConnector1">
+            <a:avLst/>
+          </a:prstGeom>
+          <a:ln w="28575">
+            <a:solidFill>
+              <a:schemeClr val="tx1"/>
+            </a:solidFill>
+            <a:tailEnd type="triangle"/>
+          </a:ln>
+        </p:spPr>
+        <p:style>
+          <a:lnRef idx="1">
+            <a:schemeClr val="accent1"/>
+          </a:lnRef>
+          <a:fillRef idx="0">
+            <a:schemeClr val="accent1"/>
+          </a:fillRef>
+          <a:effectRef idx="0">
+            <a:schemeClr val="accent1"/>
+          </a:effectRef>
+          <a:fontRef idx="minor">
+            <a:schemeClr val="tx1"/>
+          </a:fontRef>
+        </p:style>
+      </p:cxnSp>
+      <p:cxnSp>
+        <p:nvCxnSpPr>
+          <p:cNvPr id="52" name="Conector reto 51">
+            <a:extLst>
+              <a:ext uri="{FF2B5EF4-FFF2-40B4-BE49-F238E27FC236}">
+                <a16:creationId xmlns:a16="http://schemas.microsoft.com/office/drawing/2014/main" id="{0D336122-CFE3-5218-1106-51FE67478090}"/>
+              </a:ext>
+            </a:extLst>
+          </p:cNvPr>
+          <p:cNvCxnSpPr>
+            <a:cxnSpLocks/>
+          </p:cNvCxnSpPr>
+          <p:nvPr/>
+        </p:nvCxnSpPr>
+        <p:spPr>
+          <a:xfrm flipV="1">
+            <a:off x="7602989" y="1783672"/>
+            <a:ext cx="1358908" cy="277"/>
+          </a:xfrm>
+          <a:prstGeom prst="line">
+            <a:avLst/>
+          </a:prstGeom>
+          <a:ln w="28575">
+            <a:solidFill>
+              <a:schemeClr val="accent4">
+                <a:lumMod val="75000"/>
+              </a:schemeClr>
+            </a:solidFill>
+          </a:ln>
+        </p:spPr>
+        <p:style>
+          <a:lnRef idx="1">
+            <a:schemeClr val="accent1"/>
+          </a:lnRef>
+          <a:fillRef idx="0">
+            <a:schemeClr val="accent1"/>
+          </a:fillRef>
+          <a:effectRef idx="0">
+            <a:schemeClr val="accent1"/>
+          </a:effectRef>
+          <a:fontRef idx="minor">
+            <a:schemeClr val="tx1"/>
+          </a:fontRef>
+        </p:style>
+      </p:cxnSp>
+      <p:cxnSp>
+        <p:nvCxnSpPr>
+          <p:cNvPr id="55" name="Conector de Seta Reta 54">
+            <a:extLst>
+              <a:ext uri="{FF2B5EF4-FFF2-40B4-BE49-F238E27FC236}">
+                <a16:creationId xmlns:a16="http://schemas.microsoft.com/office/drawing/2014/main" id="{72B8BDBB-F794-F045-C59D-FF1D97617D59}"/>
+              </a:ext>
+            </a:extLst>
+          </p:cNvPr>
+          <p:cNvCxnSpPr>
+            <a:cxnSpLocks/>
+            <a:endCxn id="32" idx="1"/>
+          </p:cNvCxnSpPr>
+          <p:nvPr/>
+        </p:nvCxnSpPr>
+        <p:spPr>
+          <a:xfrm>
+            <a:off x="8944554" y="1782254"/>
+            <a:ext cx="921141" cy="791962"/>
+          </a:xfrm>
+          <a:prstGeom prst="straightConnector1">
+            <a:avLst/>
+          </a:prstGeom>
+          <a:ln w="28575">
+            <a:solidFill>
+              <a:schemeClr val="accent4">
+                <a:lumMod val="75000"/>
+              </a:schemeClr>
+            </a:solidFill>
+            <a:tailEnd type="triangle"/>
+          </a:ln>
+        </p:spPr>
+        <p:style>
+          <a:lnRef idx="1">
+            <a:schemeClr val="accent1"/>
+          </a:lnRef>
+          <a:fillRef idx="0">
+            <a:schemeClr val="accent1"/>
+          </a:fillRef>
+          <a:effectRef idx="0">
+            <a:schemeClr val="accent1"/>
+          </a:effectRef>
+          <a:fontRef idx="minor">
+            <a:schemeClr val="tx1"/>
+          </a:fontRef>
+        </p:style>
+      </p:cxnSp>
+      <p:cxnSp>
+        <p:nvCxnSpPr>
+          <p:cNvPr id="58" name="Conector: Angulado 57">
+            <a:extLst>
+              <a:ext uri="{FF2B5EF4-FFF2-40B4-BE49-F238E27FC236}">
+                <a16:creationId xmlns:a16="http://schemas.microsoft.com/office/drawing/2014/main" id="{9FB7201A-E715-0EF8-C58C-1E902AEB37E9}"/>
+              </a:ext>
+            </a:extLst>
+          </p:cNvPr>
+          <p:cNvCxnSpPr>
+            <a:cxnSpLocks/>
+            <a:endCxn id="32" idx="0"/>
+          </p:cNvCxnSpPr>
+          <p:nvPr/>
+        </p:nvCxnSpPr>
+        <p:spPr>
+          <a:xfrm>
+            <a:off x="7985760" y="1391920"/>
+            <a:ext cx="2007214" cy="1129575"/>
+          </a:xfrm>
+          <a:prstGeom prst="bentConnector2">
+            <a:avLst/>
+          </a:prstGeom>
+          <a:ln w="28575">
+            <a:solidFill>
+              <a:schemeClr val="accent6"/>
+            </a:solidFill>
+            <a:tailEnd type="triangle"/>
+          </a:ln>
+        </p:spPr>
+        <p:style>
+          <a:lnRef idx="1">
+            <a:schemeClr val="accent1"/>
+          </a:lnRef>
+          <a:fillRef idx="0">
+            <a:schemeClr val="accent1"/>
+          </a:fillRef>
+          <a:effectRef idx="0">
+            <a:schemeClr val="accent1"/>
+          </a:effectRef>
+          <a:fontRef idx="minor">
+            <a:schemeClr val="tx1"/>
+          </a:fontRef>
+        </p:style>
+      </p:cxnSp>
+      <p:grpSp>
+        <p:nvGrpSpPr>
+          <p:cNvPr id="104" name="Agrupar 103">
+            <a:extLst>
+              <a:ext uri="{FF2B5EF4-FFF2-40B4-BE49-F238E27FC236}">
+                <a16:creationId xmlns:a16="http://schemas.microsoft.com/office/drawing/2014/main" id="{6B5034C7-40E3-1A9F-FB52-F58F3D52AFB6}"/>
+              </a:ext>
+            </a:extLst>
+          </p:cNvPr>
+          <p:cNvGrpSpPr/>
+          <p:nvPr/>
+        </p:nvGrpSpPr>
+        <p:grpSpPr>
+          <a:xfrm>
+            <a:off x="4689821" y="1211456"/>
+            <a:ext cx="429880" cy="351045"/>
+            <a:chOff x="4355748" y="1209865"/>
+            <a:chExt cx="429880" cy="351045"/>
+          </a:xfrm>
+        </p:grpSpPr>
+        <p:sp>
+          <p:nvSpPr>
+            <p:cNvPr id="72" name="Triângulo isósceles 71">
+              <a:extLst>
+                <a:ext uri="{FF2B5EF4-FFF2-40B4-BE49-F238E27FC236}">
+                  <a16:creationId xmlns:a16="http://schemas.microsoft.com/office/drawing/2014/main" id="{B8BD9633-CD7E-6040-3E07-CA614F0C0AD8}"/>
+                </a:ext>
+              </a:extLst>
+            </p:cNvPr>
+            <p:cNvSpPr/>
+            <p:nvPr/>
+          </p:nvSpPr>
+          <p:spPr>
+            <a:xfrm rot="5400000">
+              <a:off x="4442491" y="1217773"/>
+              <a:ext cx="340360" cy="345914"/>
+            </a:xfrm>
+            <a:prstGeom prst="triangle">
+              <a:avLst/>
+            </a:prstGeom>
+            <a:solidFill>
+              <a:schemeClr val="bg1"/>
+            </a:solidFill>
+            <a:ln>
+              <a:solidFill>
+                <a:schemeClr val="accent6"/>
+              </a:solidFill>
+            </a:ln>
+          </p:spPr>
+          <p:style>
+            <a:lnRef idx="2">
+              <a:schemeClr val="accent1">
+                <a:shade val="15000"/>
+              </a:schemeClr>
+            </a:lnRef>
+            <a:fillRef idx="1">
+              <a:schemeClr val="accent1"/>
+            </a:fillRef>
+            <a:effectRef idx="0">
+              <a:schemeClr val="accent1"/>
+            </a:effectRef>
+            <a:fontRef idx="minor">
+              <a:schemeClr val="lt1"/>
+            </a:fontRef>
+          </p:style>
+          <p:txBody>
+            <a:bodyPr rtlCol="0" anchor="ctr"/>
+            <a:lstStyle/>
+            <a:p>
+              <a:pPr algn="ctr"/>
+              <a:endParaRPr lang="pt-BR"/>
+            </a:p>
+          </p:txBody>
+        </p:sp>
+        <mc:AlternateContent xmlns:mc="http://schemas.openxmlformats.org/markup-compatibility/2006">
+          <mc:Choice xmlns:a14="http://schemas.microsoft.com/office/drawing/2010/main" Requires="a14">
+            <p:sp>
+              <p:nvSpPr>
+                <p:cNvPr id="75" name="CaixaDeTexto 74">
+                  <a:extLst>
+                    <a:ext uri="{FF2B5EF4-FFF2-40B4-BE49-F238E27FC236}">
+                      <a16:creationId xmlns:a16="http://schemas.microsoft.com/office/drawing/2014/main" id="{F38C0BA8-D679-E840-603E-EF45988E697E}"/>
+                    </a:ext>
+                  </a:extLst>
+                </p:cNvPr>
+                <p:cNvSpPr txBox="1"/>
+                <p:nvPr/>
+              </p:nvSpPr>
+              <p:spPr>
+                <a:xfrm>
+                  <a:off x="4355748" y="1209865"/>
+                  <a:ext cx="402738" cy="307777"/>
+                </a:xfrm>
+                <a:prstGeom prst="rect">
+                  <a:avLst/>
+                </a:prstGeom>
+                <a:noFill/>
+              </p:spPr>
+              <p:txBody>
+                <a:bodyPr wrap="none" rtlCol="0">
+                  <a:spAutoFit/>
+                </a:bodyPr>
+                <a:lstStyle/>
+                <a:p>
+                  <a14:m>
+                    <m:oMathPara xmlns:m="http://schemas.openxmlformats.org/officeDocument/2006/math">
+                      <m:oMathParaPr>
+                        <m:jc m:val="centerGroup"/>
+                      </m:oMathParaPr>
+                      <m:oMath xmlns:m="http://schemas.openxmlformats.org/officeDocument/2006/math">
+                        <m:sSub>
+                          <m:sSubPr>
+                            <m:ctrlPr>
+                              <a:rPr lang="pt-BR" sz="1400" b="0" i="1" smtClean="0">
+                                <a:latin typeface="Cambria Math" panose="02040503050406030204" pitchFamily="18" charset="0"/>
+                              </a:rPr>
+                            </m:ctrlPr>
+                          </m:sSubPr>
+                          <m:e>
+                            <m:r>
+                              <a:rPr lang="pt-BR" sz="1400" b="0" i="1" smtClean="0">
+                                <a:latin typeface="Cambria Math" panose="02040503050406030204" pitchFamily="18" charset="0"/>
+                              </a:rPr>
+                              <m:t>𝑎</m:t>
+                            </m:r>
+                          </m:e>
+                          <m:sub>
+                            <m:r>
+                              <a:rPr lang="pt-BR" sz="1400" b="0" i="1" smtClean="0">
+                                <a:latin typeface="Cambria Math" panose="02040503050406030204" pitchFamily="18" charset="0"/>
+                              </a:rPr>
+                              <m:t>1</m:t>
+                            </m:r>
+                          </m:sub>
+                        </m:sSub>
+                      </m:oMath>
+                    </m:oMathPara>
+                  </a14:m>
+                  <a:endParaRPr lang="pt-BR" sz="1400"/>
+                </a:p>
+              </p:txBody>
+            </p:sp>
+          </mc:Choice>
+          <mc:Fallback>
+            <p:sp>
+              <p:nvSpPr>
+                <p:cNvPr id="75" name="CaixaDeTexto 74">
+                  <a:extLst>
+                    <a:ext uri="{FF2B5EF4-FFF2-40B4-BE49-F238E27FC236}">
+                      <a16:creationId xmlns:a16="http://schemas.microsoft.com/office/drawing/2014/main" id="{F38C0BA8-D679-E840-603E-EF45988E697E}"/>
+                    </a:ext>
+                  </a:extLst>
+                </p:cNvPr>
+                <p:cNvSpPr txBox="1">
+                  <a:spLocks noRot="1" noChangeAspect="1" noMove="1" noResize="1" noEditPoints="1" noAdjustHandles="1" noChangeArrowheads="1" noChangeShapeType="1" noTextEdit="1"/>
+                </p:cNvSpPr>
+                <p:nvPr/>
+              </p:nvSpPr>
+              <p:spPr>
+                <a:xfrm>
+                  <a:off x="4355748" y="1209865"/>
+                  <a:ext cx="402738" cy="307777"/>
+                </a:xfrm>
+                <a:prstGeom prst="rect">
+                  <a:avLst/>
+                </a:prstGeom>
+                <a:blipFill>
+                  <a:blip r:embed="rId4"/>
+                  <a:stretch>
+                    <a:fillRect/>
+                  </a:stretch>
+                </a:blipFill>
+              </p:spPr>
+              <p:txBody>
+                <a:bodyPr/>
+                <a:lstStyle/>
+                <a:p>
+                  <a:r>
+                    <a:rPr lang="pt-BR">
+                      <a:noFill/>
+                    </a:rPr>
+                    <a:t> </a:t>
+                  </a:r>
+                </a:p>
+              </p:txBody>
+            </p:sp>
+          </mc:Fallback>
+        </mc:AlternateContent>
+      </p:grpSp>
+      <p:grpSp>
+        <p:nvGrpSpPr>
+          <p:cNvPr id="103" name="Agrupar 102">
+            <a:extLst>
+              <a:ext uri="{FF2B5EF4-FFF2-40B4-BE49-F238E27FC236}">
+                <a16:creationId xmlns:a16="http://schemas.microsoft.com/office/drawing/2014/main" id="{D84EDB57-F9E2-F0E8-8A7F-DDC1A23BBEB0}"/>
+              </a:ext>
+            </a:extLst>
+          </p:cNvPr>
+          <p:cNvGrpSpPr/>
+          <p:nvPr/>
+        </p:nvGrpSpPr>
+        <p:grpSpPr>
+          <a:xfrm>
+            <a:off x="6957953" y="1595293"/>
+            <a:ext cx="432511" cy="357141"/>
+            <a:chOff x="6192551" y="1598002"/>
+            <a:chExt cx="432511" cy="357141"/>
+          </a:xfrm>
+        </p:grpSpPr>
+        <p:sp>
+          <p:nvSpPr>
+            <p:cNvPr id="73" name="Triângulo isósceles 72">
+              <a:extLst>
+                <a:ext uri="{FF2B5EF4-FFF2-40B4-BE49-F238E27FC236}">
+                  <a16:creationId xmlns:a16="http://schemas.microsoft.com/office/drawing/2014/main" id="{B94AE239-774E-EFB0-FBBD-85668EEEB5B2}"/>
+                </a:ext>
+              </a:extLst>
+            </p:cNvPr>
+            <p:cNvSpPr/>
+            <p:nvPr/>
+          </p:nvSpPr>
+          <p:spPr>
+            <a:xfrm rot="5400000">
+              <a:off x="6281925" y="1612006"/>
+              <a:ext cx="340360" cy="345914"/>
+            </a:xfrm>
+            <a:prstGeom prst="triangle">
+              <a:avLst/>
+            </a:prstGeom>
+            <a:solidFill>
+              <a:schemeClr val="bg1"/>
+            </a:solidFill>
+            <a:ln>
+              <a:solidFill>
+                <a:schemeClr val="accent4">
+                  <a:lumMod val="75000"/>
+                </a:schemeClr>
+              </a:solidFill>
+            </a:ln>
+          </p:spPr>
+          <p:style>
+            <a:lnRef idx="2">
+              <a:schemeClr val="accent1">
+                <a:shade val="15000"/>
+              </a:schemeClr>
+            </a:lnRef>
+            <a:fillRef idx="1">
+              <a:schemeClr val="accent1"/>
+            </a:fillRef>
+            <a:effectRef idx="0">
+              <a:schemeClr val="accent1"/>
+            </a:effectRef>
+            <a:fontRef idx="minor">
+              <a:schemeClr val="lt1"/>
+            </a:fontRef>
+          </p:style>
+          <p:txBody>
+            <a:bodyPr rtlCol="0" anchor="ctr"/>
+            <a:lstStyle/>
+            <a:p>
+              <a:pPr algn="ctr"/>
+              <a:endParaRPr lang="pt-BR"/>
+            </a:p>
+          </p:txBody>
+        </p:sp>
+        <mc:AlternateContent xmlns:mc="http://schemas.openxmlformats.org/markup-compatibility/2006">
+          <mc:Choice xmlns:a14="http://schemas.microsoft.com/office/drawing/2010/main" Requires="a14">
+            <p:sp>
+              <p:nvSpPr>
+                <p:cNvPr id="76" name="CaixaDeTexto 75">
+                  <a:extLst>
+                    <a:ext uri="{FF2B5EF4-FFF2-40B4-BE49-F238E27FC236}">
+                      <a16:creationId xmlns:a16="http://schemas.microsoft.com/office/drawing/2014/main" id="{11AA1A51-7119-BCD9-3057-695D73DF07FF}"/>
+                    </a:ext>
+                  </a:extLst>
+                </p:cNvPr>
+                <p:cNvSpPr txBox="1"/>
+                <p:nvPr/>
+              </p:nvSpPr>
+              <p:spPr>
+                <a:xfrm>
+                  <a:off x="6192551" y="1598002"/>
+                  <a:ext cx="406906" cy="307777"/>
+                </a:xfrm>
+                <a:prstGeom prst="rect">
+                  <a:avLst/>
+                </a:prstGeom>
+                <a:noFill/>
+              </p:spPr>
+              <p:txBody>
+                <a:bodyPr wrap="none" rtlCol="0">
+                  <a:spAutoFit/>
+                </a:bodyPr>
+                <a:lstStyle/>
+                <a:p>
+                  <a14:m>
+                    <m:oMathPara xmlns:m="http://schemas.openxmlformats.org/officeDocument/2006/math">
+                      <m:oMathParaPr>
+                        <m:jc m:val="centerGroup"/>
+                      </m:oMathParaPr>
+                      <m:oMath xmlns:m="http://schemas.openxmlformats.org/officeDocument/2006/math">
+                        <m:sSub>
+                          <m:sSubPr>
+                            <m:ctrlPr>
+                              <a:rPr lang="pt-BR" sz="1400" b="0" i="1" smtClean="0">
+                                <a:latin typeface="Cambria Math" panose="02040503050406030204" pitchFamily="18" charset="0"/>
+                              </a:rPr>
+                            </m:ctrlPr>
+                          </m:sSubPr>
+                          <m:e>
+                            <m:r>
+                              <a:rPr lang="pt-BR" sz="1400" b="0" i="1" smtClean="0">
+                                <a:latin typeface="Cambria Math" panose="02040503050406030204" pitchFamily="18" charset="0"/>
+                              </a:rPr>
+                              <m:t>𝑎</m:t>
+                            </m:r>
+                          </m:e>
+                          <m:sub>
+                            <m:r>
+                              <a:rPr lang="pt-BR" sz="1400" b="0" i="1" smtClean="0">
+                                <a:latin typeface="Cambria Math" panose="02040503050406030204" pitchFamily="18" charset="0"/>
+                              </a:rPr>
+                              <m:t>2</m:t>
+                            </m:r>
+                          </m:sub>
+                        </m:sSub>
+                      </m:oMath>
+                    </m:oMathPara>
+                  </a14:m>
+                  <a:endParaRPr lang="pt-BR" sz="1400"/>
+                </a:p>
+              </p:txBody>
+            </p:sp>
+          </mc:Choice>
+          <mc:Fallback>
+            <p:sp>
+              <p:nvSpPr>
+                <p:cNvPr id="76" name="CaixaDeTexto 75">
+                  <a:extLst>
+                    <a:ext uri="{FF2B5EF4-FFF2-40B4-BE49-F238E27FC236}">
+                      <a16:creationId xmlns:a16="http://schemas.microsoft.com/office/drawing/2014/main" id="{11AA1A51-7119-BCD9-3057-695D73DF07FF}"/>
+                    </a:ext>
+                  </a:extLst>
+                </p:cNvPr>
+                <p:cNvSpPr txBox="1">
+                  <a:spLocks noRot="1" noChangeAspect="1" noMove="1" noResize="1" noEditPoints="1" noAdjustHandles="1" noChangeArrowheads="1" noChangeShapeType="1" noTextEdit="1"/>
+                </p:cNvSpPr>
+                <p:nvPr/>
+              </p:nvSpPr>
+              <p:spPr>
+                <a:xfrm>
+                  <a:off x="6192551" y="1598002"/>
+                  <a:ext cx="406906" cy="307777"/>
+                </a:xfrm>
+                <a:prstGeom prst="rect">
+                  <a:avLst/>
+                </a:prstGeom>
+                <a:blipFill>
+                  <a:blip r:embed="rId5"/>
+                  <a:stretch>
+                    <a:fillRect/>
+                  </a:stretch>
+                </a:blipFill>
+              </p:spPr>
+              <p:txBody>
+                <a:bodyPr/>
+                <a:lstStyle/>
+                <a:p>
+                  <a:r>
+                    <a:rPr lang="pt-BR">
+                      <a:noFill/>
+                    </a:rPr>
+                    <a:t> </a:t>
+                  </a:r>
+                </a:p>
+              </p:txBody>
+            </p:sp>
+          </mc:Fallback>
+        </mc:AlternateContent>
+      </p:grpSp>
+      <p:grpSp>
+        <p:nvGrpSpPr>
+          <p:cNvPr id="106" name="Agrupar 105">
+            <a:extLst>
+              <a:ext uri="{FF2B5EF4-FFF2-40B4-BE49-F238E27FC236}">
+                <a16:creationId xmlns:a16="http://schemas.microsoft.com/office/drawing/2014/main" id="{BB29815E-1A6B-456A-FA5F-3649A9F5D331}"/>
+              </a:ext>
+            </a:extLst>
+          </p:cNvPr>
+          <p:cNvGrpSpPr/>
+          <p:nvPr/>
+        </p:nvGrpSpPr>
+        <p:grpSpPr>
+          <a:xfrm>
+            <a:off x="9051371" y="2510548"/>
+            <a:ext cx="426486" cy="358585"/>
+            <a:chOff x="7795834" y="2509956"/>
+            <a:chExt cx="426486" cy="358585"/>
+          </a:xfrm>
+        </p:grpSpPr>
+        <p:sp>
+          <p:nvSpPr>
+            <p:cNvPr id="74" name="Triângulo isósceles 73">
+              <a:extLst>
+                <a:ext uri="{FF2B5EF4-FFF2-40B4-BE49-F238E27FC236}">
+                  <a16:creationId xmlns:a16="http://schemas.microsoft.com/office/drawing/2014/main" id="{8789981B-4901-74F8-2B88-B1A8BCCF0FD4}"/>
+                </a:ext>
+              </a:extLst>
+            </p:cNvPr>
+            <p:cNvSpPr/>
+            <p:nvPr/>
+          </p:nvSpPr>
+          <p:spPr>
+            <a:xfrm rot="5400000">
+              <a:off x="7879183" y="2525404"/>
+              <a:ext cx="340360" cy="345914"/>
+            </a:xfrm>
+            <a:prstGeom prst="triangle">
+              <a:avLst/>
+            </a:prstGeom>
+            <a:solidFill>
+              <a:schemeClr val="bg1"/>
+            </a:solidFill>
+            <a:ln>
+              <a:solidFill>
+                <a:schemeClr val="tx1"/>
+              </a:solidFill>
+            </a:ln>
+          </p:spPr>
+          <p:style>
+            <a:lnRef idx="2">
+              <a:schemeClr val="accent1">
+                <a:shade val="15000"/>
+              </a:schemeClr>
+            </a:lnRef>
+            <a:fillRef idx="1">
+              <a:schemeClr val="accent1"/>
+            </a:fillRef>
+            <a:effectRef idx="0">
+              <a:schemeClr val="accent1"/>
+            </a:effectRef>
+            <a:fontRef idx="minor">
+              <a:schemeClr val="lt1"/>
+            </a:fontRef>
+          </p:style>
+          <p:txBody>
+            <a:bodyPr rtlCol="0" anchor="ctr"/>
+            <a:lstStyle/>
+            <a:p>
+              <a:pPr algn="ctr"/>
+              <a:endParaRPr lang="pt-BR"/>
+            </a:p>
+          </p:txBody>
+        </p:sp>
+        <mc:AlternateContent xmlns:mc="http://schemas.openxmlformats.org/markup-compatibility/2006">
+          <mc:Choice xmlns:a14="http://schemas.microsoft.com/office/drawing/2010/main" Requires="a14">
+            <p:sp>
+              <p:nvSpPr>
+                <p:cNvPr id="77" name="CaixaDeTexto 76">
+                  <a:extLst>
+                    <a:ext uri="{FF2B5EF4-FFF2-40B4-BE49-F238E27FC236}">
+                      <a16:creationId xmlns:a16="http://schemas.microsoft.com/office/drawing/2014/main" id="{0309FE81-BB02-8B78-9C0D-15BF28AF0CA8}"/>
+                    </a:ext>
+                  </a:extLst>
+                </p:cNvPr>
+                <p:cNvSpPr txBox="1"/>
+                <p:nvPr/>
+              </p:nvSpPr>
+              <p:spPr>
+                <a:xfrm>
+                  <a:off x="7795834" y="2509956"/>
+                  <a:ext cx="406906" cy="307777"/>
+                </a:xfrm>
+                <a:prstGeom prst="rect">
+                  <a:avLst/>
+                </a:prstGeom>
+                <a:noFill/>
+              </p:spPr>
+              <p:txBody>
+                <a:bodyPr wrap="none" rtlCol="0">
+                  <a:spAutoFit/>
+                </a:bodyPr>
+                <a:lstStyle/>
+                <a:p>
+                  <a14:m>
+                    <m:oMathPara xmlns:m="http://schemas.openxmlformats.org/officeDocument/2006/math">
+                      <m:oMathParaPr>
+                        <m:jc m:val="centerGroup"/>
+                      </m:oMathParaPr>
+                      <m:oMath xmlns:m="http://schemas.openxmlformats.org/officeDocument/2006/math">
+                        <m:sSub>
+                          <m:sSubPr>
+                            <m:ctrlPr>
+                              <a:rPr lang="pt-BR" sz="1400" b="0" i="1" smtClean="0">
+                                <a:latin typeface="Cambria Math" panose="02040503050406030204" pitchFamily="18" charset="0"/>
+                              </a:rPr>
+                            </m:ctrlPr>
+                          </m:sSubPr>
+                          <m:e>
+                            <m:r>
+                              <a:rPr lang="pt-BR" sz="1400" b="0" i="1" smtClean="0">
+                                <a:latin typeface="Cambria Math" panose="02040503050406030204" pitchFamily="18" charset="0"/>
+                              </a:rPr>
+                              <m:t>𝑎</m:t>
+                            </m:r>
+                          </m:e>
+                          <m:sub>
+                            <m:r>
+                              <a:rPr lang="pt-BR" sz="1400" b="0" i="1" smtClean="0">
+                                <a:latin typeface="Cambria Math" panose="02040503050406030204" pitchFamily="18" charset="0"/>
+                              </a:rPr>
+                              <m:t>3</m:t>
+                            </m:r>
+                          </m:sub>
+                        </m:sSub>
+                      </m:oMath>
+                    </m:oMathPara>
+                  </a14:m>
+                  <a:endParaRPr lang="pt-BR" sz="1400"/>
+                </a:p>
+              </p:txBody>
+            </p:sp>
+          </mc:Choice>
+          <mc:Fallback>
+            <p:sp>
+              <p:nvSpPr>
+                <p:cNvPr id="77" name="CaixaDeTexto 76">
+                  <a:extLst>
+                    <a:ext uri="{FF2B5EF4-FFF2-40B4-BE49-F238E27FC236}">
+                      <a16:creationId xmlns:a16="http://schemas.microsoft.com/office/drawing/2014/main" id="{0309FE81-BB02-8B78-9C0D-15BF28AF0CA8}"/>
+                    </a:ext>
+                  </a:extLst>
+                </p:cNvPr>
+                <p:cNvSpPr txBox="1">
+                  <a:spLocks noRot="1" noChangeAspect="1" noMove="1" noResize="1" noEditPoints="1" noAdjustHandles="1" noChangeArrowheads="1" noChangeShapeType="1" noTextEdit="1"/>
+                </p:cNvSpPr>
+                <p:nvPr/>
+              </p:nvSpPr>
+              <p:spPr>
+                <a:xfrm>
+                  <a:off x="7795834" y="2509956"/>
+                  <a:ext cx="406906" cy="307777"/>
+                </a:xfrm>
+                <a:prstGeom prst="rect">
+                  <a:avLst/>
+                </a:prstGeom>
+                <a:blipFill>
+                  <a:blip r:embed="rId6"/>
+                  <a:stretch>
+                    <a:fillRect/>
+                  </a:stretch>
+                </a:blipFill>
+              </p:spPr>
+              <p:txBody>
+                <a:bodyPr/>
+                <a:lstStyle/>
+                <a:p>
+                  <a:r>
+                    <a:rPr lang="pt-BR">
+                      <a:noFill/>
+                    </a:rPr>
+                    <a:t> </a:t>
+                  </a:r>
+                </a:p>
+              </p:txBody>
+            </p:sp>
+          </mc:Fallback>
+        </mc:AlternateContent>
+      </p:grpSp>
+      <p:cxnSp>
+        <p:nvCxnSpPr>
+          <p:cNvPr id="80" name="Conector de Seta Reta 79">
+            <a:extLst>
+              <a:ext uri="{FF2B5EF4-FFF2-40B4-BE49-F238E27FC236}">
+                <a16:creationId xmlns:a16="http://schemas.microsoft.com/office/drawing/2014/main" id="{D7602313-A8F6-4FF1-C6F6-2539610A7374}"/>
+              </a:ext>
+            </a:extLst>
+          </p:cNvPr>
+          <p:cNvCxnSpPr>
+            <a:cxnSpLocks/>
+            <a:stCxn id="32" idx="6"/>
+          </p:cNvCxnSpPr>
+          <p:nvPr/>
+        </p:nvCxnSpPr>
+        <p:spPr>
+          <a:xfrm flipV="1">
+            <a:off x="10172974" y="2696413"/>
+            <a:ext cx="561508" cy="5082"/>
+          </a:xfrm>
+          <a:prstGeom prst="straightConnector1">
+            <a:avLst/>
+          </a:prstGeom>
+          <a:ln w="28575">
+            <a:solidFill>
+              <a:schemeClr val="accent1"/>
+            </a:solidFill>
+            <a:tailEnd type="triangle"/>
+          </a:ln>
+        </p:spPr>
+        <p:style>
+          <a:lnRef idx="1">
+            <a:schemeClr val="accent1"/>
+          </a:lnRef>
+          <a:fillRef idx="0">
+            <a:schemeClr val="accent1"/>
+          </a:fillRef>
+          <a:effectRef idx="0">
+            <a:schemeClr val="accent1"/>
+          </a:effectRef>
+          <a:fontRef idx="minor">
+            <a:schemeClr val="tx1"/>
+          </a:fontRef>
+        </p:style>
+      </p:cxnSp>
+      <mc:AlternateContent xmlns:mc="http://schemas.openxmlformats.org/markup-compatibility/2006">
+        <mc:Choice xmlns:a14="http://schemas.microsoft.com/office/drawing/2010/main" Requires="a14">
+          <p:sp>
+            <p:nvSpPr>
+              <p:cNvPr id="91" name="CaixaDeTexto 90">
+                <a:extLst>
+                  <a:ext uri="{FF2B5EF4-FFF2-40B4-BE49-F238E27FC236}">
+                    <a16:creationId xmlns:a16="http://schemas.microsoft.com/office/drawing/2014/main" id="{0385D5E0-C8A7-AFC8-04DA-48FCF038A38A}"/>
+                  </a:ext>
+                </a:extLst>
+              </p:cNvPr>
+              <p:cNvSpPr txBox="1"/>
+              <p:nvPr/>
+            </p:nvSpPr>
+            <p:spPr>
+              <a:xfrm>
+                <a:off x="10671716" y="2512044"/>
+                <a:ext cx="653128" cy="338554"/>
+              </a:xfrm>
+              <a:prstGeom prst="rect">
+                <a:avLst/>
+              </a:prstGeom>
+              <a:noFill/>
+            </p:spPr>
+            <p:txBody>
+              <a:bodyPr wrap="none" rtlCol="0">
+                <a:spAutoFit/>
+              </a:bodyPr>
+              <a:lstStyle/>
+              <a:p>
+                <a14:m>
+                  <m:oMathPara xmlns:m="http://schemas.openxmlformats.org/officeDocument/2006/math">
+                    <m:oMathParaPr>
+                      <m:jc m:val="centerGroup"/>
+                    </m:oMathParaPr>
+                    <m:oMath xmlns:m="http://schemas.openxmlformats.org/officeDocument/2006/math">
+                      <m:r>
+                        <a:rPr lang="pt-BR" sz="1600" b="0" i="1" smtClean="0">
+                          <a:latin typeface="Cambria Math" panose="02040503050406030204" pitchFamily="18" charset="0"/>
+                        </a:rPr>
+                        <m:t>𝐹</m:t>
+                      </m:r>
+                      <m:d>
+                        <m:dPr>
+                          <m:ctrlPr>
+                            <a:rPr lang="pt-BR" sz="1600" b="0" i="1" smtClean="0">
+                              <a:latin typeface="Cambria Math" panose="02040503050406030204" pitchFamily="18" charset="0"/>
+                            </a:rPr>
+                          </m:ctrlPr>
+                        </m:dPr>
+                        <m:e>
+                          <m:r>
+                            <a:rPr lang="pt-BR" sz="1600" b="1" i="1" smtClean="0">
+                              <a:latin typeface="Cambria Math" panose="02040503050406030204" pitchFamily="18" charset="0"/>
+                            </a:rPr>
+                            <m:t>𝒙</m:t>
+                          </m:r>
+                        </m:e>
+                      </m:d>
+                    </m:oMath>
+                  </m:oMathPara>
+                </a14:m>
+                <a:endParaRPr lang="pt-BR" sz="1600"/>
+              </a:p>
+            </p:txBody>
+          </p:sp>
+        </mc:Choice>
+        <mc:Fallback>
+          <p:sp>
+            <p:nvSpPr>
+              <p:cNvPr id="91" name="CaixaDeTexto 90">
+                <a:extLst>
+                  <a:ext uri="{FF2B5EF4-FFF2-40B4-BE49-F238E27FC236}">
+                    <a16:creationId xmlns:a16="http://schemas.microsoft.com/office/drawing/2014/main" id="{0385D5E0-C8A7-AFC8-04DA-48FCF038A38A}"/>
+                  </a:ext>
+                </a:extLst>
+              </p:cNvPr>
+              <p:cNvSpPr txBox="1">
+                <a:spLocks noRot="1" noChangeAspect="1" noMove="1" noResize="1" noEditPoints="1" noAdjustHandles="1" noChangeArrowheads="1" noChangeShapeType="1" noTextEdit="1"/>
+              </p:cNvSpPr>
+              <p:nvPr/>
+            </p:nvSpPr>
+            <p:spPr>
+              <a:xfrm>
+                <a:off x="10671716" y="2512044"/>
+                <a:ext cx="653128" cy="338554"/>
+              </a:xfrm>
+              <a:prstGeom prst="rect">
+                <a:avLst/>
+              </a:prstGeom>
+              <a:blipFill>
+                <a:blip r:embed="rId7"/>
+                <a:stretch>
+                  <a:fillRect/>
+                </a:stretch>
+              </a:blipFill>
+            </p:spPr>
+            <p:txBody>
+              <a:bodyPr/>
+              <a:lstStyle/>
+              <a:p>
+                <a:r>
+                  <a:rPr lang="pt-BR">
+                    <a:noFill/>
+                  </a:rPr>
+                  <a:t> </a:t>
+                </a:r>
+              </a:p>
+            </p:txBody>
+          </p:sp>
+        </mc:Fallback>
+      </mc:AlternateContent>
+      <mc:AlternateContent xmlns:mc="http://schemas.openxmlformats.org/markup-compatibility/2006">
+        <mc:Choice xmlns:a14="http://schemas.microsoft.com/office/drawing/2010/main" Requires="a14">
+          <p:sp>
+            <p:nvSpPr>
+              <p:cNvPr id="101" name="CaixaDeTexto 100">
+                <a:extLst>
+                  <a:ext uri="{FF2B5EF4-FFF2-40B4-BE49-F238E27FC236}">
+                    <a16:creationId xmlns:a16="http://schemas.microsoft.com/office/drawing/2014/main" id="{FA0A03D1-5FC1-E8FE-F93A-AC77DC7730E8}"/>
+                  </a:ext>
+                </a:extLst>
+              </p:cNvPr>
+              <p:cNvSpPr txBox="1"/>
+              <p:nvPr/>
+            </p:nvSpPr>
+            <p:spPr>
+              <a:xfrm>
+                <a:off x="3989840" y="1115665"/>
+                <a:ext cx="825611" cy="276999"/>
+              </a:xfrm>
+              <a:prstGeom prst="rect">
+                <a:avLst/>
+              </a:prstGeom>
+              <a:noFill/>
+            </p:spPr>
+            <p:txBody>
+              <a:bodyPr wrap="none" rtlCol="0">
+                <a:spAutoFit/>
+              </a:bodyPr>
+              <a:lstStyle/>
+              <a:p>
+                <a14:m>
+                  <m:oMathPara xmlns:m="http://schemas.openxmlformats.org/officeDocument/2006/math">
+                    <m:oMathParaPr>
+                      <m:jc m:val="centerGroup"/>
+                    </m:oMathParaPr>
+                    <m:oMath xmlns:m="http://schemas.openxmlformats.org/officeDocument/2006/math">
+                      <m:sSub>
+                        <m:sSubPr>
+                          <m:ctrlPr>
+                            <a:rPr lang="pt-BR" sz="1200" b="0" i="1" smtClean="0">
+                              <a:solidFill>
+                                <a:schemeClr val="accent6"/>
+                              </a:solidFill>
+                              <a:latin typeface="Cambria Math" panose="02040503050406030204" pitchFamily="18" charset="0"/>
+                            </a:rPr>
+                          </m:ctrlPr>
+                        </m:sSubPr>
+                        <m:e>
+                          <m:r>
+                            <a:rPr lang="pt-BR" sz="1200" b="0" i="1" smtClean="0">
+                              <a:solidFill>
+                                <a:schemeClr val="accent6"/>
+                              </a:solidFill>
+                              <a:latin typeface="Cambria Math" panose="02040503050406030204" pitchFamily="18" charset="0"/>
+                            </a:rPr>
+                            <m:t>𝜙</m:t>
+                          </m:r>
+                        </m:e>
+                        <m:sub>
+                          <m:r>
+                            <a:rPr lang="pt-BR" sz="1200" b="0" i="1" smtClean="0">
+                              <a:solidFill>
+                                <a:schemeClr val="accent6"/>
+                              </a:solidFill>
+                              <a:latin typeface="Cambria Math" panose="02040503050406030204" pitchFamily="18" charset="0"/>
+                            </a:rPr>
+                            <m:t>1</m:t>
+                          </m:r>
+                        </m:sub>
+                      </m:sSub>
+                      <m:d>
+                        <m:dPr>
+                          <m:ctrlPr>
+                            <a:rPr lang="pt-BR" sz="1200" b="0" i="1" smtClean="0">
+                              <a:solidFill>
+                                <a:schemeClr val="accent6"/>
+                              </a:solidFill>
+                              <a:latin typeface="Cambria Math" panose="02040503050406030204" pitchFamily="18" charset="0"/>
+                            </a:rPr>
+                          </m:ctrlPr>
+                        </m:dPr>
+                        <m:e>
+                          <m:r>
+                            <a:rPr lang="pt-BR" sz="1200" b="1" i="1" smtClean="0">
+                              <a:solidFill>
+                                <a:schemeClr val="accent6"/>
+                              </a:solidFill>
+                              <a:latin typeface="Cambria Math" panose="02040503050406030204" pitchFamily="18" charset="0"/>
+                            </a:rPr>
+                            <m:t>𝒙</m:t>
+                          </m:r>
+                          <m:r>
+                            <a:rPr lang="pt-BR" sz="1200" b="0" i="1" smtClean="0">
+                              <a:solidFill>
+                                <a:schemeClr val="accent6"/>
+                              </a:solidFill>
+                              <a:latin typeface="Cambria Math" panose="02040503050406030204" pitchFamily="18" charset="0"/>
+                            </a:rPr>
+                            <m:t>;</m:t>
+                          </m:r>
+                          <m:sSub>
+                            <m:sSubPr>
+                              <m:ctrlPr>
+                                <a:rPr lang="pt-BR" sz="1200" b="0" i="1" smtClean="0">
+                                  <a:solidFill>
+                                    <a:schemeClr val="accent6"/>
+                                  </a:solidFill>
+                                  <a:latin typeface="Cambria Math" panose="02040503050406030204" pitchFamily="18" charset="0"/>
+                                </a:rPr>
+                              </m:ctrlPr>
+                            </m:sSubPr>
+                            <m:e>
+                              <m:r>
+                                <a:rPr lang="pt-BR" sz="1200" b="0" i="1" smtClean="0">
+                                  <a:solidFill>
+                                    <a:schemeClr val="accent6"/>
+                                  </a:solidFill>
+                                  <a:latin typeface="Cambria Math" panose="02040503050406030204" pitchFamily="18" charset="0"/>
+                                </a:rPr>
+                                <m:t>𝜃</m:t>
+                              </m:r>
+                            </m:e>
+                            <m:sub>
+                              <m:r>
+                                <a:rPr lang="pt-BR" sz="1200" b="0" i="1" smtClean="0">
+                                  <a:solidFill>
+                                    <a:schemeClr val="accent6"/>
+                                  </a:solidFill>
+                                  <a:latin typeface="Cambria Math" panose="02040503050406030204" pitchFamily="18" charset="0"/>
+                                </a:rPr>
+                                <m:t>1</m:t>
+                              </m:r>
+                            </m:sub>
+                          </m:sSub>
+                        </m:e>
+                      </m:d>
+                    </m:oMath>
+                  </m:oMathPara>
+                </a14:m>
+                <a:endParaRPr lang="pt-BR" sz="1200">
+                  <a:solidFill>
+                    <a:schemeClr val="accent6"/>
+                  </a:solidFill>
+                </a:endParaRPr>
+              </a:p>
+            </p:txBody>
+          </p:sp>
+        </mc:Choice>
+        <mc:Fallback>
+          <p:sp>
+            <p:nvSpPr>
+              <p:cNvPr id="101" name="CaixaDeTexto 100">
+                <a:extLst>
+                  <a:ext uri="{FF2B5EF4-FFF2-40B4-BE49-F238E27FC236}">
+                    <a16:creationId xmlns:a16="http://schemas.microsoft.com/office/drawing/2014/main" id="{FA0A03D1-5FC1-E8FE-F93A-AC77DC7730E8}"/>
+                  </a:ext>
+                </a:extLst>
+              </p:cNvPr>
+              <p:cNvSpPr txBox="1">
+                <a:spLocks noRot="1" noChangeAspect="1" noMove="1" noResize="1" noEditPoints="1" noAdjustHandles="1" noChangeArrowheads="1" noChangeShapeType="1" noTextEdit="1"/>
+              </p:cNvSpPr>
+              <p:nvPr/>
+            </p:nvSpPr>
+            <p:spPr>
+              <a:xfrm>
+                <a:off x="3989840" y="1115665"/>
+                <a:ext cx="825611" cy="276999"/>
+              </a:xfrm>
+              <a:prstGeom prst="rect">
+                <a:avLst/>
+              </a:prstGeom>
+              <a:blipFill>
+                <a:blip r:embed="rId8"/>
+                <a:stretch>
+                  <a:fillRect b="-4444"/>
+                </a:stretch>
+              </a:blipFill>
+            </p:spPr>
+            <p:txBody>
+              <a:bodyPr/>
+              <a:lstStyle/>
+              <a:p>
+                <a:r>
+                  <a:rPr lang="pt-BR">
+                    <a:noFill/>
+                  </a:rPr>
+                  <a:t> </a:t>
+                </a:r>
+              </a:p>
+            </p:txBody>
+          </p:sp>
+        </mc:Fallback>
+      </mc:AlternateContent>
+      <mc:AlternateContent xmlns:mc="http://schemas.openxmlformats.org/markup-compatibility/2006">
+        <mc:Choice xmlns:a14="http://schemas.microsoft.com/office/drawing/2010/main" Requires="a14">
+          <p:sp>
+            <p:nvSpPr>
+              <p:cNvPr id="102" name="CaixaDeTexto 101">
+                <a:extLst>
+                  <a:ext uri="{FF2B5EF4-FFF2-40B4-BE49-F238E27FC236}">
+                    <a16:creationId xmlns:a16="http://schemas.microsoft.com/office/drawing/2014/main" id="{B8A895FE-9088-9056-4977-10F0380E4715}"/>
+                  </a:ext>
+                </a:extLst>
+              </p:cNvPr>
+              <p:cNvSpPr txBox="1"/>
+              <p:nvPr/>
+            </p:nvSpPr>
+            <p:spPr>
+              <a:xfrm>
+                <a:off x="6241697" y="1520644"/>
+                <a:ext cx="832792" cy="276999"/>
+              </a:xfrm>
+              <a:prstGeom prst="rect">
+                <a:avLst/>
+              </a:prstGeom>
+              <a:noFill/>
+            </p:spPr>
+            <p:txBody>
+              <a:bodyPr wrap="none" rtlCol="0">
+                <a:spAutoFit/>
+              </a:bodyPr>
+              <a:lstStyle/>
+              <a:p>
+                <a14:m>
+                  <m:oMathPara xmlns:m="http://schemas.openxmlformats.org/officeDocument/2006/math">
+                    <m:oMathParaPr>
+                      <m:jc m:val="centerGroup"/>
+                    </m:oMathParaPr>
+                    <m:oMath xmlns:m="http://schemas.openxmlformats.org/officeDocument/2006/math">
+                      <m:sSub>
+                        <m:sSubPr>
+                          <m:ctrlPr>
+                            <a:rPr lang="pt-BR" sz="1200" b="0" i="1" smtClean="0">
+                              <a:solidFill>
+                                <a:schemeClr val="accent4">
+                                  <a:lumMod val="75000"/>
+                                </a:schemeClr>
+                              </a:solidFill>
+                              <a:latin typeface="Cambria Math" panose="02040503050406030204" pitchFamily="18" charset="0"/>
+                            </a:rPr>
+                          </m:ctrlPr>
+                        </m:sSubPr>
+                        <m:e>
+                          <m:r>
+                            <a:rPr lang="pt-BR" sz="1200" b="0" i="1" smtClean="0">
+                              <a:solidFill>
+                                <a:schemeClr val="accent4">
+                                  <a:lumMod val="75000"/>
+                                </a:schemeClr>
+                              </a:solidFill>
+                              <a:latin typeface="Cambria Math" panose="02040503050406030204" pitchFamily="18" charset="0"/>
+                            </a:rPr>
+                            <m:t>𝜙</m:t>
+                          </m:r>
+                        </m:e>
+                        <m:sub>
+                          <m:r>
+                            <a:rPr lang="pt-BR" sz="1200" b="0" i="1" smtClean="0">
+                              <a:solidFill>
+                                <a:schemeClr val="accent4">
+                                  <a:lumMod val="75000"/>
+                                </a:schemeClr>
+                              </a:solidFill>
+                              <a:latin typeface="Cambria Math" panose="02040503050406030204" pitchFamily="18" charset="0"/>
+                            </a:rPr>
+                            <m:t>2</m:t>
+                          </m:r>
+                        </m:sub>
+                      </m:sSub>
+                      <m:d>
+                        <m:dPr>
+                          <m:ctrlPr>
+                            <a:rPr lang="pt-BR" sz="1200" b="0" i="1" smtClean="0">
+                              <a:solidFill>
+                                <a:schemeClr val="accent4">
+                                  <a:lumMod val="75000"/>
+                                </a:schemeClr>
+                              </a:solidFill>
+                              <a:latin typeface="Cambria Math" panose="02040503050406030204" pitchFamily="18" charset="0"/>
+                            </a:rPr>
+                          </m:ctrlPr>
+                        </m:dPr>
+                        <m:e>
+                          <m:r>
+                            <a:rPr lang="pt-BR" sz="1200" b="1" i="1" smtClean="0">
+                              <a:solidFill>
+                                <a:schemeClr val="accent4">
+                                  <a:lumMod val="75000"/>
+                                </a:schemeClr>
+                              </a:solidFill>
+                              <a:latin typeface="Cambria Math" panose="02040503050406030204" pitchFamily="18" charset="0"/>
+                            </a:rPr>
+                            <m:t>𝒙</m:t>
+                          </m:r>
+                          <m:r>
+                            <a:rPr lang="pt-BR" sz="1200" b="0" i="1" smtClean="0">
+                              <a:solidFill>
+                                <a:schemeClr val="accent4">
+                                  <a:lumMod val="75000"/>
+                                </a:schemeClr>
+                              </a:solidFill>
+                              <a:latin typeface="Cambria Math" panose="02040503050406030204" pitchFamily="18" charset="0"/>
+                            </a:rPr>
+                            <m:t>;</m:t>
+                          </m:r>
+                          <m:sSub>
+                            <m:sSubPr>
+                              <m:ctrlPr>
+                                <a:rPr lang="pt-BR" sz="1200" b="0" i="1" smtClean="0">
+                                  <a:solidFill>
+                                    <a:schemeClr val="accent4">
+                                      <a:lumMod val="75000"/>
+                                    </a:schemeClr>
+                                  </a:solidFill>
+                                  <a:latin typeface="Cambria Math" panose="02040503050406030204" pitchFamily="18" charset="0"/>
+                                </a:rPr>
+                              </m:ctrlPr>
+                            </m:sSubPr>
+                            <m:e>
+                              <m:r>
+                                <a:rPr lang="pt-BR" sz="1200" b="0" i="1" smtClean="0">
+                                  <a:solidFill>
+                                    <a:schemeClr val="accent4">
+                                      <a:lumMod val="75000"/>
+                                    </a:schemeClr>
+                                  </a:solidFill>
+                                  <a:latin typeface="Cambria Math" panose="02040503050406030204" pitchFamily="18" charset="0"/>
+                                </a:rPr>
+                                <m:t>𝜃</m:t>
+                              </m:r>
+                            </m:e>
+                            <m:sub>
+                              <m:r>
+                                <a:rPr lang="pt-BR" sz="1200" b="0" i="1" smtClean="0">
+                                  <a:solidFill>
+                                    <a:schemeClr val="accent4">
+                                      <a:lumMod val="75000"/>
+                                    </a:schemeClr>
+                                  </a:solidFill>
+                                  <a:latin typeface="Cambria Math" panose="02040503050406030204" pitchFamily="18" charset="0"/>
+                                </a:rPr>
+                                <m:t>2</m:t>
+                              </m:r>
+                            </m:sub>
+                          </m:sSub>
+                        </m:e>
+                      </m:d>
+                    </m:oMath>
+                  </m:oMathPara>
+                </a14:m>
+                <a:endParaRPr lang="pt-BR" sz="1200">
+                  <a:solidFill>
+                    <a:schemeClr val="accent4">
+                      <a:lumMod val="75000"/>
+                    </a:schemeClr>
+                  </a:solidFill>
+                </a:endParaRPr>
+              </a:p>
+            </p:txBody>
+          </p:sp>
+        </mc:Choice>
+        <mc:Fallback>
+          <p:sp>
+            <p:nvSpPr>
+              <p:cNvPr id="102" name="CaixaDeTexto 101">
+                <a:extLst>
+                  <a:ext uri="{FF2B5EF4-FFF2-40B4-BE49-F238E27FC236}">
+                    <a16:creationId xmlns:a16="http://schemas.microsoft.com/office/drawing/2014/main" id="{B8A895FE-9088-9056-4977-10F0380E4715}"/>
+                  </a:ext>
+                </a:extLst>
+              </p:cNvPr>
+              <p:cNvSpPr txBox="1">
+                <a:spLocks noRot="1" noChangeAspect="1" noMove="1" noResize="1" noEditPoints="1" noAdjustHandles="1" noChangeArrowheads="1" noChangeShapeType="1" noTextEdit="1"/>
+              </p:cNvSpPr>
+              <p:nvPr/>
+            </p:nvSpPr>
+            <p:spPr>
+              <a:xfrm>
+                <a:off x="6241697" y="1520644"/>
+                <a:ext cx="832792" cy="276999"/>
+              </a:xfrm>
+              <a:prstGeom prst="rect">
+                <a:avLst/>
+              </a:prstGeom>
+              <a:blipFill>
+                <a:blip r:embed="rId9"/>
+                <a:stretch>
+                  <a:fillRect b="-2174"/>
+                </a:stretch>
+              </a:blipFill>
+            </p:spPr>
+            <p:txBody>
+              <a:bodyPr/>
+              <a:lstStyle/>
+              <a:p>
+                <a:r>
+                  <a:rPr lang="pt-BR">
+                    <a:noFill/>
+                  </a:rPr>
+                  <a:t> </a:t>
+                </a:r>
+              </a:p>
+            </p:txBody>
+          </p:sp>
+        </mc:Fallback>
+      </mc:AlternateContent>
+      <mc:AlternateContent xmlns:mc="http://schemas.openxmlformats.org/markup-compatibility/2006">
+        <mc:Choice xmlns:a14="http://schemas.microsoft.com/office/drawing/2010/main" Requires="a14">
+          <p:sp>
+            <p:nvSpPr>
+              <p:cNvPr id="105" name="CaixaDeTexto 104">
+                <a:extLst>
+                  <a:ext uri="{FF2B5EF4-FFF2-40B4-BE49-F238E27FC236}">
+                    <a16:creationId xmlns:a16="http://schemas.microsoft.com/office/drawing/2014/main" id="{DBB12817-973A-6554-054E-6C7FB24329BD}"/>
+                  </a:ext>
+                </a:extLst>
+              </p:cNvPr>
+              <p:cNvSpPr txBox="1"/>
+              <p:nvPr/>
+            </p:nvSpPr>
+            <p:spPr>
+              <a:xfrm>
+                <a:off x="8274076" y="2454329"/>
+                <a:ext cx="832792" cy="276999"/>
+              </a:xfrm>
+              <a:prstGeom prst="rect">
+                <a:avLst/>
+              </a:prstGeom>
+              <a:noFill/>
+            </p:spPr>
+            <p:txBody>
+              <a:bodyPr wrap="none" rtlCol="0">
+                <a:spAutoFit/>
+              </a:bodyPr>
+              <a:lstStyle/>
+              <a:p>
+                <a14:m>
+                  <m:oMathPara xmlns:m="http://schemas.openxmlformats.org/officeDocument/2006/math">
+                    <m:oMathParaPr>
+                      <m:jc m:val="centerGroup"/>
+                    </m:oMathParaPr>
+                    <m:oMath xmlns:m="http://schemas.openxmlformats.org/officeDocument/2006/math">
+                      <m:sSub>
+                        <m:sSubPr>
+                          <m:ctrlPr>
+                            <a:rPr lang="pt-BR" sz="1200" b="0" i="1" smtClean="0">
+                              <a:solidFill>
+                                <a:schemeClr val="tx1"/>
+                              </a:solidFill>
+                              <a:latin typeface="Cambria Math" panose="02040503050406030204" pitchFamily="18" charset="0"/>
+                            </a:rPr>
+                          </m:ctrlPr>
+                        </m:sSubPr>
+                        <m:e>
+                          <m:r>
+                            <a:rPr lang="pt-BR" sz="1200" b="0" i="1" smtClean="0">
+                              <a:solidFill>
+                                <a:schemeClr val="tx1"/>
+                              </a:solidFill>
+                              <a:latin typeface="Cambria Math" panose="02040503050406030204" pitchFamily="18" charset="0"/>
+                            </a:rPr>
+                            <m:t>𝜙</m:t>
+                          </m:r>
+                        </m:e>
+                        <m:sub>
+                          <m:r>
+                            <a:rPr lang="pt-BR" sz="1200" b="0" i="1" smtClean="0">
+                              <a:solidFill>
+                                <a:schemeClr val="tx1"/>
+                              </a:solidFill>
+                              <a:latin typeface="Cambria Math" panose="02040503050406030204" pitchFamily="18" charset="0"/>
+                            </a:rPr>
+                            <m:t>3</m:t>
+                          </m:r>
+                        </m:sub>
+                      </m:sSub>
+                      <m:d>
+                        <m:dPr>
+                          <m:ctrlPr>
+                            <a:rPr lang="pt-BR" sz="1200" b="0" i="1" smtClean="0">
+                              <a:solidFill>
+                                <a:schemeClr val="tx1"/>
+                              </a:solidFill>
+                              <a:latin typeface="Cambria Math" panose="02040503050406030204" pitchFamily="18" charset="0"/>
+                            </a:rPr>
+                          </m:ctrlPr>
+                        </m:dPr>
+                        <m:e>
+                          <m:r>
+                            <a:rPr lang="pt-BR" sz="1200" b="1" i="1" smtClean="0">
+                              <a:solidFill>
+                                <a:schemeClr val="tx1"/>
+                              </a:solidFill>
+                              <a:latin typeface="Cambria Math" panose="02040503050406030204" pitchFamily="18" charset="0"/>
+                            </a:rPr>
+                            <m:t>𝒙</m:t>
+                          </m:r>
+                          <m:r>
+                            <a:rPr lang="pt-BR" sz="1200" b="0" i="1" smtClean="0">
+                              <a:solidFill>
+                                <a:schemeClr val="tx1"/>
+                              </a:solidFill>
+                              <a:latin typeface="Cambria Math" panose="02040503050406030204" pitchFamily="18" charset="0"/>
+                            </a:rPr>
+                            <m:t>;</m:t>
+                          </m:r>
+                          <m:sSub>
+                            <m:sSubPr>
+                              <m:ctrlPr>
+                                <a:rPr lang="pt-BR" sz="1200" b="0" i="1" smtClean="0">
+                                  <a:solidFill>
+                                    <a:schemeClr val="tx1"/>
+                                  </a:solidFill>
+                                  <a:latin typeface="Cambria Math" panose="02040503050406030204" pitchFamily="18" charset="0"/>
+                                </a:rPr>
+                              </m:ctrlPr>
+                            </m:sSubPr>
+                            <m:e>
+                              <m:r>
+                                <a:rPr lang="pt-BR" sz="1200" b="0" i="1" smtClean="0">
+                                  <a:solidFill>
+                                    <a:schemeClr val="tx1"/>
+                                  </a:solidFill>
+                                  <a:latin typeface="Cambria Math" panose="02040503050406030204" pitchFamily="18" charset="0"/>
+                                </a:rPr>
+                                <m:t>𝜃</m:t>
+                              </m:r>
+                            </m:e>
+                            <m:sub>
+                              <m:r>
+                                <a:rPr lang="pt-BR" sz="1200" b="0" i="1" smtClean="0">
+                                  <a:solidFill>
+                                    <a:schemeClr val="tx1"/>
+                                  </a:solidFill>
+                                  <a:latin typeface="Cambria Math" panose="02040503050406030204" pitchFamily="18" charset="0"/>
+                                </a:rPr>
+                                <m:t>3</m:t>
+                              </m:r>
+                            </m:sub>
+                          </m:sSub>
+                        </m:e>
+                      </m:d>
+                    </m:oMath>
+                  </m:oMathPara>
+                </a14:m>
+                <a:endParaRPr lang="pt-BR" sz="1200">
+                  <a:solidFill>
+                    <a:schemeClr val="tx1"/>
+                  </a:solidFill>
+                </a:endParaRPr>
+              </a:p>
+            </p:txBody>
+          </p:sp>
+        </mc:Choice>
+        <mc:Fallback>
+          <p:sp>
+            <p:nvSpPr>
+              <p:cNvPr id="105" name="CaixaDeTexto 104">
+                <a:extLst>
+                  <a:ext uri="{FF2B5EF4-FFF2-40B4-BE49-F238E27FC236}">
+                    <a16:creationId xmlns:a16="http://schemas.microsoft.com/office/drawing/2014/main" id="{DBB12817-973A-6554-054E-6C7FB24329BD}"/>
+                  </a:ext>
+                </a:extLst>
+              </p:cNvPr>
+              <p:cNvSpPr txBox="1">
+                <a:spLocks noRot="1" noChangeAspect="1" noMove="1" noResize="1" noEditPoints="1" noAdjustHandles="1" noChangeArrowheads="1" noChangeShapeType="1" noTextEdit="1"/>
+              </p:cNvSpPr>
+              <p:nvPr/>
+            </p:nvSpPr>
+            <p:spPr>
+              <a:xfrm>
+                <a:off x="8274076" y="2454329"/>
+                <a:ext cx="832792" cy="276999"/>
+              </a:xfrm>
+              <a:prstGeom prst="rect">
+                <a:avLst/>
+              </a:prstGeom>
+              <a:blipFill>
+                <a:blip r:embed="rId10"/>
+                <a:stretch>
+                  <a:fillRect b="-4444"/>
+                </a:stretch>
+              </a:blipFill>
+            </p:spPr>
+            <p:txBody>
+              <a:bodyPr/>
+              <a:lstStyle/>
+              <a:p>
+                <a:r>
+                  <a:rPr lang="pt-BR">
+                    <a:noFill/>
+                  </a:rPr>
+                  <a:t> </a:t>
+                </a:r>
+              </a:p>
+            </p:txBody>
+          </p:sp>
+        </mc:Fallback>
+      </mc:AlternateContent>
+      <p:sp>
+        <p:nvSpPr>
+          <p:cNvPr id="108" name="CaixaDeTexto 107">
+            <a:extLst>
+              <a:ext uri="{FF2B5EF4-FFF2-40B4-BE49-F238E27FC236}">
+                <a16:creationId xmlns:a16="http://schemas.microsoft.com/office/drawing/2014/main" id="{9BC28F92-04A3-3AE0-0F51-216ADCA0B4E4}"/>
+              </a:ext>
+            </a:extLst>
+          </p:cNvPr>
+          <p:cNvSpPr txBox="1"/>
+          <p:nvPr/>
+        </p:nvSpPr>
+        <p:spPr>
+          <a:xfrm>
+            <a:off x="1304739" y="3640945"/>
+            <a:ext cx="734047" cy="307777"/>
+          </a:xfrm>
+          <a:prstGeom prst="rect">
+            <a:avLst/>
+          </a:prstGeom>
+          <a:noFill/>
+        </p:spPr>
+        <p:txBody>
+          <a:bodyPr wrap="none" rtlCol="0">
+            <a:spAutoFit/>
+          </a:bodyPr>
+          <a:lstStyle/>
+          <a:p>
+            <a:r>
+              <a:rPr lang="pt-BR" sz="1400" b="1" i="0">
+                <a:latin typeface="+mj-lt"/>
+              </a:rPr>
+              <a:t>entrada</a:t>
+            </a:r>
+            <a:endParaRPr lang="pt-BR" b="1"/>
+          </a:p>
+        </p:txBody>
+      </p:sp>
+      <p:sp>
+        <p:nvSpPr>
+          <p:cNvPr id="109" name="CaixaDeTexto 108">
+            <a:extLst>
+              <a:ext uri="{FF2B5EF4-FFF2-40B4-BE49-F238E27FC236}">
+                <a16:creationId xmlns:a16="http://schemas.microsoft.com/office/drawing/2014/main" id="{8E19896B-A408-D4D3-038B-55E2BE3591C2}"/>
+              </a:ext>
+            </a:extLst>
+          </p:cNvPr>
+          <p:cNvSpPr txBox="1"/>
+          <p:nvPr/>
+        </p:nvSpPr>
+        <p:spPr>
+          <a:xfrm>
+            <a:off x="10693612" y="2786413"/>
+            <a:ext cx="550151" cy="307777"/>
+          </a:xfrm>
+          <a:prstGeom prst="rect">
+            <a:avLst/>
+          </a:prstGeom>
+          <a:noFill/>
+        </p:spPr>
+        <p:txBody>
+          <a:bodyPr wrap="none" rtlCol="0">
+            <a:spAutoFit/>
+          </a:bodyPr>
+          <a:lstStyle/>
+          <a:p>
+            <a:r>
+              <a:rPr lang="pt-BR" sz="1400" b="1" i="0">
+                <a:latin typeface="+mj-lt"/>
+              </a:rPr>
+              <a:t>saída</a:t>
+            </a:r>
+            <a:endParaRPr lang="pt-BR" b="1"/>
+          </a:p>
+        </p:txBody>
+      </p:sp>
+    </p:spTree>
+    <p:extLst>
+      <p:ext uri="{BB962C8B-B14F-4D97-AF65-F5344CB8AC3E}">
+        <p14:creationId xmlns:p14="http://schemas.microsoft.com/office/powerpoint/2010/main" val="2101553972"/>
+      </p:ext>
+    </p:extLst>
+  </p:cSld>
+  <p:clrMapOvr>
+    <a:masterClrMapping/>
+  </p:clrMapOvr>
 </p:sld>
 </file>
 
@@ -32703,8 +35318,8 @@
           <a:chExt cx="0" cy="0"/>
         </a:xfrm>
       </p:grpSpPr>
-      <mc:AlternateContent xmlns:mc="http://schemas.openxmlformats.org/markup-compatibility/2006">
-        <mc:Choice xmlns:a14="http://schemas.microsoft.com/office/drawing/2010/main" Requires="a14">
+      <mc:AlternateContent xmlns:mc="http://schemas.openxmlformats.org/markup-compatibility/2006" xmlns:a14="http://schemas.microsoft.com/office/drawing/2010/main">
+        <mc:Choice Requires="a14">
           <p:sp>
             <p:nvSpPr>
               <p:cNvPr id="4" name="Elipse 3">
@@ -32814,7 +35429,7 @@
             </p:txBody>
           </p:sp>
         </mc:Choice>
-        <mc:Fallback>
+        <mc:Fallback xmlns="">
           <p:sp>
             <p:nvSpPr>
               <p:cNvPr id="4" name="Elipse 3">
@@ -32866,8 +35481,8 @@
           </p:sp>
         </mc:Fallback>
       </mc:AlternateContent>
-      <mc:AlternateContent xmlns:mc="http://schemas.openxmlformats.org/markup-compatibility/2006">
-        <mc:Choice xmlns:a14="http://schemas.microsoft.com/office/drawing/2010/main" Requires="a14">
+      <mc:AlternateContent xmlns:mc="http://schemas.openxmlformats.org/markup-compatibility/2006" xmlns:a14="http://schemas.microsoft.com/office/drawing/2010/main">
+        <mc:Choice Requires="a14">
           <p:sp>
             <p:nvSpPr>
               <p:cNvPr id="17" name="CaixaDeTexto 16">
@@ -32896,6 +35511,7 @@
               </a:bodyPr>
               <a:lstStyle/>
               <a:p>
+                <a:pPr/>
                 <a14:m>
                   <m:oMathPara xmlns:m="http://schemas.openxmlformats.org/officeDocument/2006/math">
                     <m:oMathParaPr>
@@ -32954,7 +35570,7 @@
             </p:txBody>
           </p:sp>
         </mc:Choice>
-        <mc:Fallback>
+        <mc:Fallback xmlns="">
           <p:sp>
             <p:nvSpPr>
               <p:cNvPr id="17" name="CaixaDeTexto 16">
@@ -32999,8 +35615,8 @@
           </p:sp>
         </mc:Fallback>
       </mc:AlternateContent>
-      <mc:AlternateContent xmlns:mc="http://schemas.openxmlformats.org/markup-compatibility/2006">
-        <mc:Choice xmlns:a14="http://schemas.microsoft.com/office/drawing/2010/main" Requires="a14">
+      <mc:AlternateContent xmlns:mc="http://schemas.openxmlformats.org/markup-compatibility/2006" xmlns:a14="http://schemas.microsoft.com/office/drawing/2010/main">
+        <mc:Choice Requires="a14">
           <p:sp>
             <p:nvSpPr>
               <p:cNvPr id="18" name="CaixaDeTexto 17">
@@ -33029,6 +35645,7 @@
               </a:bodyPr>
               <a:lstStyle/>
               <a:p>
+                <a:pPr/>
                 <a14:m>
                   <m:oMathPara xmlns:m="http://schemas.openxmlformats.org/officeDocument/2006/math">
                     <m:oMathParaPr>
@@ -33087,7 +35704,7 @@
             </p:txBody>
           </p:sp>
         </mc:Choice>
-        <mc:Fallback>
+        <mc:Fallback xmlns="">
           <p:sp>
             <p:nvSpPr>
               <p:cNvPr id="18" name="CaixaDeTexto 17">
@@ -33132,8 +35749,8 @@
           </p:sp>
         </mc:Fallback>
       </mc:AlternateContent>
-      <mc:AlternateContent xmlns:mc="http://schemas.openxmlformats.org/markup-compatibility/2006">
-        <mc:Choice xmlns:a14="http://schemas.microsoft.com/office/drawing/2010/main" Requires="a14">
+      <mc:AlternateContent xmlns:mc="http://schemas.openxmlformats.org/markup-compatibility/2006" xmlns:a14="http://schemas.microsoft.com/office/drawing/2010/main">
+        <mc:Choice Requires="a14">
           <p:sp>
             <p:nvSpPr>
               <p:cNvPr id="19" name="CaixaDeTexto 18">
@@ -33162,6 +35779,7 @@
               </a:bodyPr>
               <a:lstStyle/>
               <a:p>
+                <a:pPr/>
                 <a14:m>
                   <m:oMathPara xmlns:m="http://schemas.openxmlformats.org/officeDocument/2006/math">
                     <m:oMathParaPr>
@@ -33220,7 +35838,7 @@
             </p:txBody>
           </p:sp>
         </mc:Choice>
-        <mc:Fallback>
+        <mc:Fallback xmlns="">
           <p:sp>
             <p:nvSpPr>
               <p:cNvPr id="19" name="CaixaDeTexto 18">
@@ -33265,8 +35883,8 @@
           </p:sp>
         </mc:Fallback>
       </mc:AlternateContent>
-      <mc:AlternateContent xmlns:mc="http://schemas.openxmlformats.org/markup-compatibility/2006">
-        <mc:Choice xmlns:a14="http://schemas.microsoft.com/office/drawing/2010/main" Requires="a14">
+      <mc:AlternateContent xmlns:mc="http://schemas.openxmlformats.org/markup-compatibility/2006" xmlns:a14="http://schemas.microsoft.com/office/drawing/2010/main">
+        <mc:Choice Requires="a14">
           <p:sp>
             <p:nvSpPr>
               <p:cNvPr id="20" name="CaixaDeTexto 19">
@@ -33295,6 +35913,7 @@
               </a:bodyPr>
               <a:lstStyle/>
               <a:p>
+                <a:pPr/>
                 <a14:m>
                   <m:oMathPara xmlns:m="http://schemas.openxmlformats.org/officeDocument/2006/math">
                     <m:oMathParaPr>
@@ -33353,7 +35972,7 @@
             </p:txBody>
           </p:sp>
         </mc:Choice>
-        <mc:Fallback>
+        <mc:Fallback xmlns="">
           <p:sp>
             <p:nvSpPr>
               <p:cNvPr id="20" name="CaixaDeTexto 19">
@@ -33543,13 +36162,13 @@
   <p:clrMapOvr>
     <a:masterClrMapping/>
   </p:clrMapOvr>
-  <mc:AlternateContent xmlns:mc="http://schemas.openxmlformats.org/markup-compatibility/2006">
-    <mc:Choice xmlns:p14="http://schemas.microsoft.com/office/powerpoint/2010/main" Requires="p14">
+  <mc:AlternateContent xmlns:mc="http://schemas.openxmlformats.org/markup-compatibility/2006" xmlns:p14="http://schemas.microsoft.com/office/powerpoint/2010/main">
+    <mc:Choice Requires="p14">
       <p:transition p14:dur="250" advTm="2000">
         <p:fade/>
       </p:transition>
     </mc:Choice>
-    <mc:Fallback>
+    <mc:Fallback xmlns="">
       <p:transition advTm="2000">
         <p:fade/>
       </p:transition>
@@ -33581,8 +36200,8 @@
           <a:chExt cx="0" cy="0"/>
         </a:xfrm>
       </p:grpSpPr>
-      <mc:AlternateContent xmlns:mc="http://schemas.openxmlformats.org/markup-compatibility/2006">
-        <mc:Choice xmlns:a14="http://schemas.microsoft.com/office/drawing/2010/main" Requires="a14">
+      <mc:AlternateContent xmlns:mc="http://schemas.openxmlformats.org/markup-compatibility/2006" xmlns:a14="http://schemas.microsoft.com/office/drawing/2010/main">
+        <mc:Choice Requires="a14">
           <p:sp>
             <p:nvSpPr>
               <p:cNvPr id="4" name="Elipse 3">
@@ -33692,7 +36311,7 @@
             </p:txBody>
           </p:sp>
         </mc:Choice>
-        <mc:Fallback>
+        <mc:Fallback xmlns="">
           <p:sp>
             <p:nvSpPr>
               <p:cNvPr id="4" name="Elipse 3">
@@ -33744,8 +36363,8 @@
           </p:sp>
         </mc:Fallback>
       </mc:AlternateContent>
-      <mc:AlternateContent xmlns:mc="http://schemas.openxmlformats.org/markup-compatibility/2006">
-        <mc:Choice xmlns:a14="http://schemas.microsoft.com/office/drawing/2010/main" Requires="a14">
+      <mc:AlternateContent xmlns:mc="http://schemas.openxmlformats.org/markup-compatibility/2006" xmlns:a14="http://schemas.microsoft.com/office/drawing/2010/main">
+        <mc:Choice Requires="a14">
           <p:sp>
             <p:nvSpPr>
               <p:cNvPr id="17" name="CaixaDeTexto 16">
@@ -33774,6 +36393,7 @@
               </a:bodyPr>
               <a:lstStyle/>
               <a:p>
+                <a:pPr/>
                 <a14:m>
                   <m:oMathPara xmlns:m="http://schemas.openxmlformats.org/officeDocument/2006/math">
                     <m:oMathParaPr>
@@ -33832,7 +36452,7 @@
             </p:txBody>
           </p:sp>
         </mc:Choice>
-        <mc:Fallback>
+        <mc:Fallback xmlns="">
           <p:sp>
             <p:nvSpPr>
               <p:cNvPr id="17" name="CaixaDeTexto 16">
@@ -33877,8 +36497,8 @@
           </p:sp>
         </mc:Fallback>
       </mc:AlternateContent>
-      <mc:AlternateContent xmlns:mc="http://schemas.openxmlformats.org/markup-compatibility/2006">
-        <mc:Choice xmlns:a14="http://schemas.microsoft.com/office/drawing/2010/main" Requires="a14">
+      <mc:AlternateContent xmlns:mc="http://schemas.openxmlformats.org/markup-compatibility/2006" xmlns:a14="http://schemas.microsoft.com/office/drawing/2010/main">
+        <mc:Choice Requires="a14">
           <p:sp>
             <p:nvSpPr>
               <p:cNvPr id="18" name="CaixaDeTexto 17">
@@ -33907,6 +36527,7 @@
               </a:bodyPr>
               <a:lstStyle/>
               <a:p>
+                <a:pPr/>
                 <a14:m>
                   <m:oMathPara xmlns:m="http://schemas.openxmlformats.org/officeDocument/2006/math">
                     <m:oMathParaPr>
@@ -33965,7 +36586,7 @@
             </p:txBody>
           </p:sp>
         </mc:Choice>
-        <mc:Fallback>
+        <mc:Fallback xmlns="">
           <p:sp>
             <p:nvSpPr>
               <p:cNvPr id="18" name="CaixaDeTexto 17">
@@ -34010,8 +36631,8 @@
           </p:sp>
         </mc:Fallback>
       </mc:AlternateContent>
-      <mc:AlternateContent xmlns:mc="http://schemas.openxmlformats.org/markup-compatibility/2006">
-        <mc:Choice xmlns:a14="http://schemas.microsoft.com/office/drawing/2010/main" Requires="a14">
+      <mc:AlternateContent xmlns:mc="http://schemas.openxmlformats.org/markup-compatibility/2006" xmlns:a14="http://schemas.microsoft.com/office/drawing/2010/main">
+        <mc:Choice Requires="a14">
           <p:sp>
             <p:nvSpPr>
               <p:cNvPr id="19" name="CaixaDeTexto 18">
@@ -34040,6 +36661,7 @@
               </a:bodyPr>
               <a:lstStyle/>
               <a:p>
+                <a:pPr/>
                 <a14:m>
                   <m:oMathPara xmlns:m="http://schemas.openxmlformats.org/officeDocument/2006/math">
                     <m:oMathParaPr>
@@ -34098,7 +36720,7 @@
             </p:txBody>
           </p:sp>
         </mc:Choice>
-        <mc:Fallback>
+        <mc:Fallback xmlns="">
           <p:sp>
             <p:nvSpPr>
               <p:cNvPr id="19" name="CaixaDeTexto 18">
@@ -34143,8 +36765,8 @@
           </p:sp>
         </mc:Fallback>
       </mc:AlternateContent>
-      <mc:AlternateContent xmlns:mc="http://schemas.openxmlformats.org/markup-compatibility/2006">
-        <mc:Choice xmlns:a14="http://schemas.microsoft.com/office/drawing/2010/main" Requires="a14">
+      <mc:AlternateContent xmlns:mc="http://schemas.openxmlformats.org/markup-compatibility/2006" xmlns:a14="http://schemas.microsoft.com/office/drawing/2010/main">
+        <mc:Choice Requires="a14">
           <p:sp>
             <p:nvSpPr>
               <p:cNvPr id="20" name="CaixaDeTexto 19">
@@ -34173,6 +36795,7 @@
               </a:bodyPr>
               <a:lstStyle/>
               <a:p>
+                <a:pPr/>
                 <a14:m>
                   <m:oMathPara xmlns:m="http://schemas.openxmlformats.org/officeDocument/2006/math">
                     <m:oMathParaPr>
@@ -34231,7 +36854,7 @@
             </p:txBody>
           </p:sp>
         </mc:Choice>
-        <mc:Fallback>
+        <mc:Fallback xmlns="">
           <p:sp>
             <p:nvSpPr>
               <p:cNvPr id="20" name="CaixaDeTexto 19">
@@ -34364,8 +36987,8 @@
           </a:fontRef>
         </p:style>
       </p:cxnSp>
-      <mc:AlternateContent xmlns:mc="http://schemas.openxmlformats.org/markup-compatibility/2006">
-        <mc:Choice xmlns:a14="http://schemas.microsoft.com/office/drawing/2010/main" Requires="a14">
+      <mc:AlternateContent xmlns:mc="http://schemas.openxmlformats.org/markup-compatibility/2006" xmlns:a14="http://schemas.microsoft.com/office/drawing/2010/main">
+        <mc:Choice Requires="a14">
           <p:sp>
             <p:nvSpPr>
               <p:cNvPr id="2" name="CaixaDeTexto 1">
@@ -34866,7 +37489,7 @@
             </p:txBody>
           </p:sp>
         </mc:Choice>
-        <mc:Fallback>
+        <mc:Fallback xmlns="">
           <p:sp>
             <p:nvSpPr>
               <p:cNvPr id="2" name="CaixaDeTexto 1">
@@ -34968,11 +37591,11 @@
   <p:clrMapOvr>
     <a:masterClrMapping/>
   </p:clrMapOvr>
-  <mc:AlternateContent xmlns:mc="http://schemas.openxmlformats.org/markup-compatibility/2006">
-    <mc:Choice xmlns:p14="http://schemas.microsoft.com/office/powerpoint/2010/main" Requires="p14">
+  <mc:AlternateContent xmlns:mc="http://schemas.openxmlformats.org/markup-compatibility/2006" xmlns:p14="http://schemas.microsoft.com/office/powerpoint/2010/main">
+    <mc:Choice Requires="p14">
       <p:transition p14:dur="250" advTm="2000"/>
     </mc:Choice>
-    <mc:Fallback>
+    <mc:Fallback xmlns="">
       <p:transition advTm="2000"/>
     </mc:Fallback>
   </mc:AlternateContent>
@@ -35002,8 +37625,8 @@
           <a:chExt cx="0" cy="0"/>
         </a:xfrm>
       </p:grpSpPr>
-      <mc:AlternateContent xmlns:mc="http://schemas.openxmlformats.org/markup-compatibility/2006">
-        <mc:Choice xmlns:a14="http://schemas.microsoft.com/office/drawing/2010/main" Requires="a14">
+      <mc:AlternateContent xmlns:mc="http://schemas.openxmlformats.org/markup-compatibility/2006" xmlns:a14="http://schemas.microsoft.com/office/drawing/2010/main">
+        <mc:Choice Requires="a14">
           <p:sp>
             <p:nvSpPr>
               <p:cNvPr id="4" name="Elipse 3">
@@ -35113,7 +37736,7 @@
             </p:txBody>
           </p:sp>
         </mc:Choice>
-        <mc:Fallback>
+        <mc:Fallback xmlns="">
           <p:sp>
             <p:nvSpPr>
               <p:cNvPr id="4" name="Elipse 3">
@@ -35165,8 +37788,8 @@
           </p:sp>
         </mc:Fallback>
       </mc:AlternateContent>
-      <mc:AlternateContent xmlns:mc="http://schemas.openxmlformats.org/markup-compatibility/2006">
-        <mc:Choice xmlns:a14="http://schemas.microsoft.com/office/drawing/2010/main" Requires="a14">
+      <mc:AlternateContent xmlns:mc="http://schemas.openxmlformats.org/markup-compatibility/2006" xmlns:a14="http://schemas.microsoft.com/office/drawing/2010/main">
+        <mc:Choice Requires="a14">
           <p:sp>
             <p:nvSpPr>
               <p:cNvPr id="20" name="CaixaDeTexto 19">
@@ -35195,6 +37818,7 @@
               </a:bodyPr>
               <a:lstStyle/>
               <a:p>
+                <a:pPr/>
                 <a14:m>
                   <m:oMathPara xmlns:m="http://schemas.openxmlformats.org/officeDocument/2006/math">
                     <m:oMathParaPr>
@@ -35253,7 +37877,7 @@
             </p:txBody>
           </p:sp>
         </mc:Choice>
-        <mc:Fallback>
+        <mc:Fallback xmlns="">
           <p:sp>
             <p:nvSpPr>
               <p:cNvPr id="20" name="CaixaDeTexto 19">
@@ -35298,8 +37922,8 @@
           </p:sp>
         </mc:Fallback>
       </mc:AlternateContent>
-      <mc:AlternateContent xmlns:mc="http://schemas.openxmlformats.org/markup-compatibility/2006">
-        <mc:Choice xmlns:a14="http://schemas.microsoft.com/office/drawing/2010/main" Requires="a14">
+      <mc:AlternateContent xmlns:mc="http://schemas.openxmlformats.org/markup-compatibility/2006" xmlns:a14="http://schemas.microsoft.com/office/drawing/2010/main">
+        <mc:Choice Requires="a14">
           <p:sp>
             <p:nvSpPr>
               <p:cNvPr id="21" name="CaixaDeTexto 20">
@@ -35328,6 +37952,7 @@
               </a:bodyPr>
               <a:lstStyle/>
               <a:p>
+                <a:pPr/>
                 <a14:m>
                   <m:oMathPara xmlns:m="http://schemas.openxmlformats.org/officeDocument/2006/math">
                     <m:oMathParaPr>
@@ -35386,7 +38011,7 @@
             </p:txBody>
           </p:sp>
         </mc:Choice>
-        <mc:Fallback>
+        <mc:Fallback xmlns="">
           <p:sp>
             <p:nvSpPr>
               <p:cNvPr id="21" name="CaixaDeTexto 20">
@@ -35431,8 +38056,8 @@
           </p:sp>
         </mc:Fallback>
       </mc:AlternateContent>
-      <mc:AlternateContent xmlns:mc="http://schemas.openxmlformats.org/markup-compatibility/2006">
-        <mc:Choice xmlns:a14="http://schemas.microsoft.com/office/drawing/2010/main" Requires="a14">
+      <mc:AlternateContent xmlns:mc="http://schemas.openxmlformats.org/markup-compatibility/2006" xmlns:a14="http://schemas.microsoft.com/office/drawing/2010/main">
+        <mc:Choice Requires="a14">
           <p:sp>
             <p:nvSpPr>
               <p:cNvPr id="22" name="CaixaDeTexto 21">
@@ -35461,6 +38086,7 @@
               </a:bodyPr>
               <a:lstStyle/>
               <a:p>
+                <a:pPr/>
                 <a14:m>
                   <m:oMathPara xmlns:m="http://schemas.openxmlformats.org/officeDocument/2006/math">
                     <m:oMathParaPr>
@@ -35519,7 +38145,7 @@
             </p:txBody>
           </p:sp>
         </mc:Choice>
-        <mc:Fallback>
+        <mc:Fallback xmlns="">
           <p:sp>
             <p:nvSpPr>
               <p:cNvPr id="22" name="CaixaDeTexto 21">
@@ -35564,8 +38190,8 @@
           </p:sp>
         </mc:Fallback>
       </mc:AlternateContent>
-      <mc:AlternateContent xmlns:mc="http://schemas.openxmlformats.org/markup-compatibility/2006">
-        <mc:Choice xmlns:a14="http://schemas.microsoft.com/office/drawing/2010/main" Requires="a14">
+      <mc:AlternateContent xmlns:mc="http://schemas.openxmlformats.org/markup-compatibility/2006" xmlns:a14="http://schemas.microsoft.com/office/drawing/2010/main">
+        <mc:Choice Requires="a14">
           <p:sp>
             <p:nvSpPr>
               <p:cNvPr id="23" name="CaixaDeTexto 22">
@@ -35594,6 +38220,7 @@
               </a:bodyPr>
               <a:lstStyle/>
               <a:p>
+                <a:pPr/>
                 <a14:m>
                   <m:oMathPara xmlns:m="http://schemas.openxmlformats.org/officeDocument/2006/math">
                     <m:oMathParaPr>
@@ -35652,7 +38279,7 @@
             </p:txBody>
           </p:sp>
         </mc:Choice>
-        <mc:Fallback>
+        <mc:Fallback xmlns="">
           <p:sp>
             <p:nvSpPr>
               <p:cNvPr id="23" name="CaixaDeTexto 22">
@@ -35785,8 +38412,8 @@
           </a:fontRef>
         </p:style>
       </p:cxnSp>
-      <mc:AlternateContent xmlns:mc="http://schemas.openxmlformats.org/markup-compatibility/2006">
-        <mc:Choice xmlns:a14="http://schemas.microsoft.com/office/drawing/2010/main" Requires="a14">
+      <mc:AlternateContent xmlns:mc="http://schemas.openxmlformats.org/markup-compatibility/2006" xmlns:a14="http://schemas.microsoft.com/office/drawing/2010/main">
+        <mc:Choice Requires="a14">
           <p:sp>
             <p:nvSpPr>
               <p:cNvPr id="26" name="CaixaDeTexto 25">
@@ -35886,7 +38513,7 @@
             </p:txBody>
           </p:sp>
         </mc:Choice>
-        <mc:Fallback>
+        <mc:Fallback xmlns="">
           <p:sp>
             <p:nvSpPr>
               <p:cNvPr id="26" name="CaixaDeTexto 25">
@@ -35988,13 +38615,13 @@
   <p:clrMapOvr>
     <a:masterClrMapping/>
   </p:clrMapOvr>
-  <mc:AlternateContent xmlns:mc="http://schemas.openxmlformats.org/markup-compatibility/2006">
-    <mc:Choice xmlns:p14="http://schemas.microsoft.com/office/powerpoint/2010/main" Requires="p14">
+  <mc:AlternateContent xmlns:mc="http://schemas.openxmlformats.org/markup-compatibility/2006" xmlns:p14="http://schemas.microsoft.com/office/powerpoint/2010/main">
+    <mc:Choice Requires="p14">
       <p:transition p14:dur="250" advTm="2000">
         <p:fade/>
       </p:transition>
     </mc:Choice>
-    <mc:Fallback>
+    <mc:Fallback xmlns="">
       <p:transition advTm="2000">
         <p:fade/>
       </p:transition>
@@ -36026,8 +38653,8 @@
           <a:chExt cx="0" cy="0"/>
         </a:xfrm>
       </p:grpSpPr>
-      <mc:AlternateContent xmlns:mc="http://schemas.openxmlformats.org/markup-compatibility/2006">
-        <mc:Choice xmlns:a14="http://schemas.microsoft.com/office/drawing/2010/main" Requires="a14">
+      <mc:AlternateContent xmlns:mc="http://schemas.openxmlformats.org/markup-compatibility/2006" xmlns:a14="http://schemas.microsoft.com/office/drawing/2010/main">
+        <mc:Choice Requires="a14">
           <p:sp>
             <p:nvSpPr>
               <p:cNvPr id="4" name="Elipse 3">
@@ -36137,7 +38764,7 @@
             </p:txBody>
           </p:sp>
         </mc:Choice>
-        <mc:Fallback>
+        <mc:Fallback xmlns="">
           <p:sp>
             <p:nvSpPr>
               <p:cNvPr id="4" name="Elipse 3">
@@ -36189,8 +38816,8 @@
           </p:sp>
         </mc:Fallback>
       </mc:AlternateContent>
-      <mc:AlternateContent xmlns:mc="http://schemas.openxmlformats.org/markup-compatibility/2006">
-        <mc:Choice xmlns:a14="http://schemas.microsoft.com/office/drawing/2010/main" Requires="a14">
+      <mc:AlternateContent xmlns:mc="http://schemas.openxmlformats.org/markup-compatibility/2006" xmlns:a14="http://schemas.microsoft.com/office/drawing/2010/main">
+        <mc:Choice Requires="a14">
           <p:sp>
             <p:nvSpPr>
               <p:cNvPr id="2" name="Elipse 1">
@@ -36300,7 +38927,7 @@
             </p:txBody>
           </p:sp>
         </mc:Choice>
-        <mc:Fallback>
+        <mc:Fallback xmlns="">
           <p:sp>
             <p:nvSpPr>
               <p:cNvPr id="2" name="Elipse 1">
@@ -36352,8 +38979,8 @@
           </p:sp>
         </mc:Fallback>
       </mc:AlternateContent>
-      <mc:AlternateContent xmlns:mc="http://schemas.openxmlformats.org/markup-compatibility/2006">
-        <mc:Choice xmlns:a14="http://schemas.microsoft.com/office/drawing/2010/main" Requires="a14">
+      <mc:AlternateContent xmlns:mc="http://schemas.openxmlformats.org/markup-compatibility/2006" xmlns:a14="http://schemas.microsoft.com/office/drawing/2010/main">
+        <mc:Choice Requires="a14">
           <p:sp>
             <p:nvSpPr>
               <p:cNvPr id="17" name="CaixaDeTexto 16">
@@ -36382,6 +39009,7 @@
               </a:bodyPr>
               <a:lstStyle/>
               <a:p>
+                <a:pPr/>
                 <a14:m>
                   <m:oMathPara xmlns:m="http://schemas.openxmlformats.org/officeDocument/2006/math">
                     <m:oMathParaPr>
@@ -36440,7 +39068,7 @@
             </p:txBody>
           </p:sp>
         </mc:Choice>
-        <mc:Fallback>
+        <mc:Fallback xmlns="">
           <p:sp>
             <p:nvSpPr>
               <p:cNvPr id="17" name="CaixaDeTexto 16">
@@ -36485,8 +39113,8 @@
           </p:sp>
         </mc:Fallback>
       </mc:AlternateContent>
-      <mc:AlternateContent xmlns:mc="http://schemas.openxmlformats.org/markup-compatibility/2006">
-        <mc:Choice xmlns:a14="http://schemas.microsoft.com/office/drawing/2010/main" Requires="a14">
+      <mc:AlternateContent xmlns:mc="http://schemas.openxmlformats.org/markup-compatibility/2006" xmlns:a14="http://schemas.microsoft.com/office/drawing/2010/main">
+        <mc:Choice Requires="a14">
           <p:sp>
             <p:nvSpPr>
               <p:cNvPr id="18" name="CaixaDeTexto 17">
@@ -36515,6 +39143,7 @@
               </a:bodyPr>
               <a:lstStyle/>
               <a:p>
+                <a:pPr/>
                 <a14:m>
                   <m:oMathPara xmlns:m="http://schemas.openxmlformats.org/officeDocument/2006/math">
                     <m:oMathParaPr>
@@ -36573,7 +39202,7 @@
             </p:txBody>
           </p:sp>
         </mc:Choice>
-        <mc:Fallback>
+        <mc:Fallback xmlns="">
           <p:sp>
             <p:nvSpPr>
               <p:cNvPr id="18" name="CaixaDeTexto 17">
@@ -36618,8 +39247,8 @@
           </p:sp>
         </mc:Fallback>
       </mc:AlternateContent>
-      <mc:AlternateContent xmlns:mc="http://schemas.openxmlformats.org/markup-compatibility/2006">
-        <mc:Choice xmlns:a14="http://schemas.microsoft.com/office/drawing/2010/main" Requires="a14">
+      <mc:AlternateContent xmlns:mc="http://schemas.openxmlformats.org/markup-compatibility/2006" xmlns:a14="http://schemas.microsoft.com/office/drawing/2010/main">
+        <mc:Choice Requires="a14">
           <p:sp>
             <p:nvSpPr>
               <p:cNvPr id="19" name="CaixaDeTexto 18">
@@ -36648,6 +39277,7 @@
               </a:bodyPr>
               <a:lstStyle/>
               <a:p>
+                <a:pPr/>
                 <a14:m>
                   <m:oMathPara xmlns:m="http://schemas.openxmlformats.org/officeDocument/2006/math">
                     <m:oMathParaPr>
@@ -36706,7 +39336,7 @@
             </p:txBody>
           </p:sp>
         </mc:Choice>
-        <mc:Fallback>
+        <mc:Fallback xmlns="">
           <p:sp>
             <p:nvSpPr>
               <p:cNvPr id="19" name="CaixaDeTexto 18">
@@ -36751,8 +39381,8 @@
           </p:sp>
         </mc:Fallback>
       </mc:AlternateContent>
-      <mc:AlternateContent xmlns:mc="http://schemas.openxmlformats.org/markup-compatibility/2006">
-        <mc:Choice xmlns:a14="http://schemas.microsoft.com/office/drawing/2010/main" Requires="a14">
+      <mc:AlternateContent xmlns:mc="http://schemas.openxmlformats.org/markup-compatibility/2006" xmlns:a14="http://schemas.microsoft.com/office/drawing/2010/main">
+        <mc:Choice Requires="a14">
           <p:sp>
             <p:nvSpPr>
               <p:cNvPr id="20" name="CaixaDeTexto 19">
@@ -36781,6 +39411,7 @@
               </a:bodyPr>
               <a:lstStyle/>
               <a:p>
+                <a:pPr/>
                 <a14:m>
                   <m:oMathPara xmlns:m="http://schemas.openxmlformats.org/officeDocument/2006/math">
                     <m:oMathParaPr>
@@ -36839,7 +39470,7 @@
             </p:txBody>
           </p:sp>
         </mc:Choice>
-        <mc:Fallback>
+        <mc:Fallback xmlns="">
           <p:sp>
             <p:nvSpPr>
               <p:cNvPr id="20" name="CaixaDeTexto 19">
@@ -36972,8 +39603,8 @@
           </a:fontRef>
         </p:style>
       </p:cxnSp>
-      <mc:AlternateContent xmlns:mc="http://schemas.openxmlformats.org/markup-compatibility/2006">
-        <mc:Choice xmlns:a14="http://schemas.microsoft.com/office/drawing/2010/main" Requires="a14">
+      <mc:AlternateContent xmlns:mc="http://schemas.openxmlformats.org/markup-compatibility/2006" xmlns:a14="http://schemas.microsoft.com/office/drawing/2010/main">
+        <mc:Choice Requires="a14">
           <p:sp>
             <p:nvSpPr>
               <p:cNvPr id="9" name="CaixaDeTexto 8">
@@ -37073,7 +39704,7 @@
             </p:txBody>
           </p:sp>
         </mc:Choice>
-        <mc:Fallback>
+        <mc:Fallback xmlns="">
           <p:sp>
             <p:nvSpPr>
               <p:cNvPr id="9" name="CaixaDeTexto 8">
@@ -37175,11 +39806,11 @@
   <p:clrMapOvr>
     <a:masterClrMapping/>
   </p:clrMapOvr>
-  <mc:AlternateContent xmlns:mc="http://schemas.openxmlformats.org/markup-compatibility/2006">
-    <mc:Choice xmlns:p14="http://schemas.microsoft.com/office/powerpoint/2010/main" Requires="p14">
+  <mc:AlternateContent xmlns:mc="http://schemas.openxmlformats.org/markup-compatibility/2006" xmlns:p14="http://schemas.microsoft.com/office/powerpoint/2010/main">
+    <mc:Choice Requires="p14">
       <p:transition p14:dur="250" advTm="2000"/>
     </mc:Choice>
-    <mc:Fallback>
+    <mc:Fallback xmlns="">
       <p:transition advTm="2000"/>
     </mc:Fallback>
   </mc:AlternateContent>
@@ -37209,8 +39840,8 @@
           <a:chExt cx="0" cy="0"/>
         </a:xfrm>
       </p:grpSpPr>
-      <mc:AlternateContent xmlns:mc="http://schemas.openxmlformats.org/markup-compatibility/2006">
-        <mc:Choice xmlns:a14="http://schemas.microsoft.com/office/drawing/2010/main" Requires="a14">
+      <mc:AlternateContent xmlns:mc="http://schemas.openxmlformats.org/markup-compatibility/2006" xmlns:a14="http://schemas.microsoft.com/office/drawing/2010/main">
+        <mc:Choice Requires="a14">
           <p:sp>
             <p:nvSpPr>
               <p:cNvPr id="4" name="Elipse 3">
@@ -37320,7 +39951,7 @@
             </p:txBody>
           </p:sp>
         </mc:Choice>
-        <mc:Fallback>
+        <mc:Fallback xmlns="">
           <p:sp>
             <p:nvSpPr>
               <p:cNvPr id="4" name="Elipse 3">
@@ -37372,8 +40003,8 @@
           </p:sp>
         </mc:Fallback>
       </mc:AlternateContent>
-      <mc:AlternateContent xmlns:mc="http://schemas.openxmlformats.org/markup-compatibility/2006">
-        <mc:Choice xmlns:a14="http://schemas.microsoft.com/office/drawing/2010/main" Requires="a14">
+      <mc:AlternateContent xmlns:mc="http://schemas.openxmlformats.org/markup-compatibility/2006" xmlns:a14="http://schemas.microsoft.com/office/drawing/2010/main">
+        <mc:Choice Requires="a14">
           <p:sp>
             <p:nvSpPr>
               <p:cNvPr id="2" name="Elipse 1">
@@ -37483,7 +40114,7 @@
             </p:txBody>
           </p:sp>
         </mc:Choice>
-        <mc:Fallback>
+        <mc:Fallback xmlns="">
           <p:sp>
             <p:nvSpPr>
               <p:cNvPr id="2" name="Elipse 1">
@@ -37535,8 +40166,8 @@
           </p:sp>
         </mc:Fallback>
       </mc:AlternateContent>
-      <mc:AlternateContent xmlns:mc="http://schemas.openxmlformats.org/markup-compatibility/2006">
-        <mc:Choice xmlns:a14="http://schemas.microsoft.com/office/drawing/2010/main" Requires="a14">
+      <mc:AlternateContent xmlns:mc="http://schemas.openxmlformats.org/markup-compatibility/2006" xmlns:a14="http://schemas.microsoft.com/office/drawing/2010/main">
+        <mc:Choice Requires="a14">
           <p:sp>
             <p:nvSpPr>
               <p:cNvPr id="17" name="CaixaDeTexto 16">
@@ -37565,6 +40196,7 @@
               </a:bodyPr>
               <a:lstStyle/>
               <a:p>
+                <a:pPr/>
                 <a14:m>
                   <m:oMathPara xmlns:m="http://schemas.openxmlformats.org/officeDocument/2006/math">
                     <m:oMathParaPr>
@@ -37623,7 +40255,7 @@
             </p:txBody>
           </p:sp>
         </mc:Choice>
-        <mc:Fallback>
+        <mc:Fallback xmlns="">
           <p:sp>
             <p:nvSpPr>
               <p:cNvPr id="17" name="CaixaDeTexto 16">
@@ -37668,8 +40300,8 @@
           </p:sp>
         </mc:Fallback>
       </mc:AlternateContent>
-      <mc:AlternateContent xmlns:mc="http://schemas.openxmlformats.org/markup-compatibility/2006">
-        <mc:Choice xmlns:a14="http://schemas.microsoft.com/office/drawing/2010/main" Requires="a14">
+      <mc:AlternateContent xmlns:mc="http://schemas.openxmlformats.org/markup-compatibility/2006" xmlns:a14="http://schemas.microsoft.com/office/drawing/2010/main">
+        <mc:Choice Requires="a14">
           <p:sp>
             <p:nvSpPr>
               <p:cNvPr id="18" name="CaixaDeTexto 17">
@@ -37698,6 +40330,7 @@
               </a:bodyPr>
               <a:lstStyle/>
               <a:p>
+                <a:pPr/>
                 <a14:m>
                   <m:oMathPara xmlns:m="http://schemas.openxmlformats.org/officeDocument/2006/math">
                     <m:oMathParaPr>
@@ -37756,7 +40389,7 @@
             </p:txBody>
           </p:sp>
         </mc:Choice>
-        <mc:Fallback>
+        <mc:Fallback xmlns="">
           <p:sp>
             <p:nvSpPr>
               <p:cNvPr id="18" name="CaixaDeTexto 17">
@@ -37801,8 +40434,8 @@
           </p:sp>
         </mc:Fallback>
       </mc:AlternateContent>
-      <mc:AlternateContent xmlns:mc="http://schemas.openxmlformats.org/markup-compatibility/2006">
-        <mc:Choice xmlns:a14="http://schemas.microsoft.com/office/drawing/2010/main" Requires="a14">
+      <mc:AlternateContent xmlns:mc="http://schemas.openxmlformats.org/markup-compatibility/2006" xmlns:a14="http://schemas.microsoft.com/office/drawing/2010/main">
+        <mc:Choice Requires="a14">
           <p:sp>
             <p:nvSpPr>
               <p:cNvPr id="19" name="CaixaDeTexto 18">
@@ -37831,6 +40464,7 @@
               </a:bodyPr>
               <a:lstStyle/>
               <a:p>
+                <a:pPr/>
                 <a14:m>
                   <m:oMathPara xmlns:m="http://schemas.openxmlformats.org/officeDocument/2006/math">
                     <m:oMathParaPr>
@@ -37889,7 +40523,7 @@
             </p:txBody>
           </p:sp>
         </mc:Choice>
-        <mc:Fallback>
+        <mc:Fallback xmlns="">
           <p:sp>
             <p:nvSpPr>
               <p:cNvPr id="19" name="CaixaDeTexto 18">
@@ -37934,8 +40568,8 @@
           </p:sp>
         </mc:Fallback>
       </mc:AlternateContent>
-      <mc:AlternateContent xmlns:mc="http://schemas.openxmlformats.org/markup-compatibility/2006">
-        <mc:Choice xmlns:a14="http://schemas.microsoft.com/office/drawing/2010/main" Requires="a14">
+      <mc:AlternateContent xmlns:mc="http://schemas.openxmlformats.org/markup-compatibility/2006" xmlns:a14="http://schemas.microsoft.com/office/drawing/2010/main">
+        <mc:Choice Requires="a14">
           <p:sp>
             <p:nvSpPr>
               <p:cNvPr id="20" name="CaixaDeTexto 19">
@@ -37964,6 +40598,7 @@
               </a:bodyPr>
               <a:lstStyle/>
               <a:p>
+                <a:pPr/>
                 <a14:m>
                   <m:oMathPara xmlns:m="http://schemas.openxmlformats.org/officeDocument/2006/math">
                     <m:oMathParaPr>
@@ -38022,7 +40657,7 @@
             </p:txBody>
           </p:sp>
         </mc:Choice>
-        <mc:Fallback>
+        <mc:Fallback xmlns="">
           <p:sp>
             <p:nvSpPr>
               <p:cNvPr id="20" name="CaixaDeTexto 19">
@@ -38155,8 +40790,8 @@
           </a:fontRef>
         </p:style>
       </p:cxnSp>
-      <mc:AlternateContent xmlns:mc="http://schemas.openxmlformats.org/markup-compatibility/2006">
-        <mc:Choice xmlns:a14="http://schemas.microsoft.com/office/drawing/2010/main" Requires="a14">
+      <mc:AlternateContent xmlns:mc="http://schemas.openxmlformats.org/markup-compatibility/2006" xmlns:a14="http://schemas.microsoft.com/office/drawing/2010/main">
+        <mc:Choice Requires="a14">
           <p:sp>
             <p:nvSpPr>
               <p:cNvPr id="8" name="CaixaDeTexto 7">
@@ -38365,7 +41000,7 @@
             </p:txBody>
           </p:sp>
         </mc:Choice>
-        <mc:Fallback>
+        <mc:Fallback xmlns="">
           <p:sp>
             <p:nvSpPr>
               <p:cNvPr id="8" name="CaixaDeTexto 7">
@@ -38410,8 +41045,8 @@
           </p:sp>
         </mc:Fallback>
       </mc:AlternateContent>
-      <mc:AlternateContent xmlns:mc="http://schemas.openxmlformats.org/markup-compatibility/2006">
-        <mc:Choice xmlns:a14="http://schemas.microsoft.com/office/drawing/2010/main" Requires="a14">
+      <mc:AlternateContent xmlns:mc="http://schemas.openxmlformats.org/markup-compatibility/2006" xmlns:a14="http://schemas.microsoft.com/office/drawing/2010/main">
+        <mc:Choice Requires="a14">
           <p:sp>
             <p:nvSpPr>
               <p:cNvPr id="9" name="CaixaDeTexto 8">
@@ -38511,7 +41146,7 @@
             </p:txBody>
           </p:sp>
         </mc:Choice>
-        <mc:Fallback>
+        <mc:Fallback xmlns="">
           <p:sp>
             <p:nvSpPr>
               <p:cNvPr id="9" name="CaixaDeTexto 8">
@@ -38649,8 +41284,8 @@
           </a:fontRef>
         </p:style>
       </p:cxnSp>
-      <mc:AlternateContent xmlns:mc="http://schemas.openxmlformats.org/markup-compatibility/2006">
-        <mc:Choice xmlns:a14="http://schemas.microsoft.com/office/drawing/2010/main" Requires="a14">
+      <mc:AlternateContent xmlns:mc="http://schemas.openxmlformats.org/markup-compatibility/2006" xmlns:a14="http://schemas.microsoft.com/office/drawing/2010/main">
+        <mc:Choice Requires="a14">
           <p:sp>
             <p:nvSpPr>
               <p:cNvPr id="12" name="CaixaDeTexto 11">
@@ -38682,6 +41317,7 @@
               </a:bodyPr>
               <a:lstStyle/>
               <a:p>
+                <a:pPr/>
                 <a14:m>
                   <m:oMathPara xmlns:m="http://schemas.openxmlformats.org/officeDocument/2006/math">
                     <m:oMathParaPr>
@@ -38734,7 +41370,7 @@
             </p:txBody>
           </p:sp>
         </mc:Choice>
-        <mc:Fallback>
+        <mc:Fallback xmlns="">
           <p:sp>
             <p:nvSpPr>
               <p:cNvPr id="12" name="CaixaDeTexto 11">
@@ -38792,11 +41428,11 @@
   <p:clrMapOvr>
     <a:masterClrMapping/>
   </p:clrMapOvr>
-  <mc:AlternateContent xmlns:mc="http://schemas.openxmlformats.org/markup-compatibility/2006">
-    <mc:Choice xmlns:p14="http://schemas.microsoft.com/office/powerpoint/2010/main" Requires="p14">
+  <mc:AlternateContent xmlns:mc="http://schemas.openxmlformats.org/markup-compatibility/2006" xmlns:p14="http://schemas.microsoft.com/office/powerpoint/2010/main">
+    <mc:Choice Requires="p14">
       <p:transition p14:dur="250" advTm="2000"/>
     </mc:Choice>
-    <mc:Fallback>
+    <mc:Fallback xmlns="">
       <p:transition advTm="2000"/>
     </mc:Fallback>
   </mc:AlternateContent>
@@ -38826,8 +41462,8 @@
           <a:chExt cx="0" cy="0"/>
         </a:xfrm>
       </p:grpSpPr>
-      <mc:AlternateContent xmlns:mc="http://schemas.openxmlformats.org/markup-compatibility/2006">
-        <mc:Choice xmlns:a14="http://schemas.microsoft.com/office/drawing/2010/main" Requires="a14">
+      <mc:AlternateContent xmlns:mc="http://schemas.openxmlformats.org/markup-compatibility/2006" xmlns:a14="http://schemas.microsoft.com/office/drawing/2010/main">
+        <mc:Choice Requires="a14">
           <p:sp>
             <p:nvSpPr>
               <p:cNvPr id="4" name="Elipse 3">
@@ -38937,7 +41573,7 @@
             </p:txBody>
           </p:sp>
         </mc:Choice>
-        <mc:Fallback>
+        <mc:Fallback xmlns="">
           <p:sp>
             <p:nvSpPr>
               <p:cNvPr id="4" name="Elipse 3">
@@ -38989,8 +41625,8 @@
           </p:sp>
         </mc:Fallback>
       </mc:AlternateContent>
-      <mc:AlternateContent xmlns:mc="http://schemas.openxmlformats.org/markup-compatibility/2006">
-        <mc:Choice xmlns:a14="http://schemas.microsoft.com/office/drawing/2010/main" Requires="a14">
+      <mc:AlternateContent xmlns:mc="http://schemas.openxmlformats.org/markup-compatibility/2006" xmlns:a14="http://schemas.microsoft.com/office/drawing/2010/main">
+        <mc:Choice Requires="a14">
           <p:sp>
             <p:nvSpPr>
               <p:cNvPr id="2" name="Elipse 1">
@@ -39100,7 +41736,7 @@
             </p:txBody>
           </p:sp>
         </mc:Choice>
-        <mc:Fallback>
+        <mc:Fallback xmlns="">
           <p:sp>
             <p:nvSpPr>
               <p:cNvPr id="2" name="Elipse 1">
@@ -39152,8 +41788,8 @@
           </p:sp>
         </mc:Fallback>
       </mc:AlternateContent>
-      <mc:AlternateContent xmlns:mc="http://schemas.openxmlformats.org/markup-compatibility/2006">
-        <mc:Choice xmlns:a14="http://schemas.microsoft.com/office/drawing/2010/main" Requires="a14">
+      <mc:AlternateContent xmlns:mc="http://schemas.openxmlformats.org/markup-compatibility/2006" xmlns:a14="http://schemas.microsoft.com/office/drawing/2010/main">
+        <mc:Choice Requires="a14">
           <p:sp>
             <p:nvSpPr>
               <p:cNvPr id="17" name="CaixaDeTexto 16">
@@ -39182,6 +41818,7 @@
               </a:bodyPr>
               <a:lstStyle/>
               <a:p>
+                <a:pPr/>
                 <a14:m>
                   <m:oMathPara xmlns:m="http://schemas.openxmlformats.org/officeDocument/2006/math">
                     <m:oMathParaPr>
@@ -39240,7 +41877,7 @@
             </p:txBody>
           </p:sp>
         </mc:Choice>
-        <mc:Fallback>
+        <mc:Fallback xmlns="">
           <p:sp>
             <p:nvSpPr>
               <p:cNvPr id="17" name="CaixaDeTexto 16">
@@ -39285,8 +41922,8 @@
           </p:sp>
         </mc:Fallback>
       </mc:AlternateContent>
-      <mc:AlternateContent xmlns:mc="http://schemas.openxmlformats.org/markup-compatibility/2006">
-        <mc:Choice xmlns:a14="http://schemas.microsoft.com/office/drawing/2010/main" Requires="a14">
+      <mc:AlternateContent xmlns:mc="http://schemas.openxmlformats.org/markup-compatibility/2006" xmlns:a14="http://schemas.microsoft.com/office/drawing/2010/main">
+        <mc:Choice Requires="a14">
           <p:sp>
             <p:nvSpPr>
               <p:cNvPr id="18" name="CaixaDeTexto 17">
@@ -39315,6 +41952,7 @@
               </a:bodyPr>
               <a:lstStyle/>
               <a:p>
+                <a:pPr/>
                 <a14:m>
                   <m:oMathPara xmlns:m="http://schemas.openxmlformats.org/officeDocument/2006/math">
                     <m:oMathParaPr>
@@ -39373,7 +42011,7 @@
             </p:txBody>
           </p:sp>
         </mc:Choice>
-        <mc:Fallback>
+        <mc:Fallback xmlns="">
           <p:sp>
             <p:nvSpPr>
               <p:cNvPr id="18" name="CaixaDeTexto 17">
@@ -39418,8 +42056,8 @@
           </p:sp>
         </mc:Fallback>
       </mc:AlternateContent>
-      <mc:AlternateContent xmlns:mc="http://schemas.openxmlformats.org/markup-compatibility/2006">
-        <mc:Choice xmlns:a14="http://schemas.microsoft.com/office/drawing/2010/main" Requires="a14">
+      <mc:AlternateContent xmlns:mc="http://schemas.openxmlformats.org/markup-compatibility/2006" xmlns:a14="http://schemas.microsoft.com/office/drawing/2010/main">
+        <mc:Choice Requires="a14">
           <p:sp>
             <p:nvSpPr>
               <p:cNvPr id="19" name="CaixaDeTexto 18">
@@ -39448,6 +42086,7 @@
               </a:bodyPr>
               <a:lstStyle/>
               <a:p>
+                <a:pPr/>
                 <a14:m>
                   <m:oMathPara xmlns:m="http://schemas.openxmlformats.org/officeDocument/2006/math">
                     <m:oMathParaPr>
@@ -39506,7 +42145,7 @@
             </p:txBody>
           </p:sp>
         </mc:Choice>
-        <mc:Fallback>
+        <mc:Fallback xmlns="">
           <p:sp>
             <p:nvSpPr>
               <p:cNvPr id="19" name="CaixaDeTexto 18">
@@ -39551,8 +42190,8 @@
           </p:sp>
         </mc:Fallback>
       </mc:AlternateContent>
-      <mc:AlternateContent xmlns:mc="http://schemas.openxmlformats.org/markup-compatibility/2006">
-        <mc:Choice xmlns:a14="http://schemas.microsoft.com/office/drawing/2010/main" Requires="a14">
+      <mc:AlternateContent xmlns:mc="http://schemas.openxmlformats.org/markup-compatibility/2006" xmlns:a14="http://schemas.microsoft.com/office/drawing/2010/main">
+        <mc:Choice Requires="a14">
           <p:sp>
             <p:nvSpPr>
               <p:cNvPr id="20" name="CaixaDeTexto 19">
@@ -39581,6 +42220,7 @@
               </a:bodyPr>
               <a:lstStyle/>
               <a:p>
+                <a:pPr/>
                 <a14:m>
                   <m:oMathPara xmlns:m="http://schemas.openxmlformats.org/officeDocument/2006/math">
                     <m:oMathParaPr>
@@ -39639,7 +42279,7 @@
             </p:txBody>
           </p:sp>
         </mc:Choice>
-        <mc:Fallback>
+        <mc:Fallback xmlns="">
           <p:sp>
             <p:nvSpPr>
               <p:cNvPr id="20" name="CaixaDeTexto 19">
@@ -39772,8 +42412,8 @@
           </a:fontRef>
         </p:style>
       </p:cxnSp>
-      <mc:AlternateContent xmlns:mc="http://schemas.openxmlformats.org/markup-compatibility/2006">
-        <mc:Choice xmlns:a14="http://schemas.microsoft.com/office/drawing/2010/main" Requires="a14">
+      <mc:AlternateContent xmlns:mc="http://schemas.openxmlformats.org/markup-compatibility/2006" xmlns:a14="http://schemas.microsoft.com/office/drawing/2010/main">
+        <mc:Choice Requires="a14">
           <p:sp>
             <p:nvSpPr>
               <p:cNvPr id="3" name="CaixaDeTexto 2">
@@ -40037,7 +42677,7 @@
             </p:txBody>
           </p:sp>
         </mc:Choice>
-        <mc:Fallback>
+        <mc:Fallback xmlns="">
           <p:sp>
             <p:nvSpPr>
               <p:cNvPr id="3" name="CaixaDeTexto 2">
@@ -40082,8 +42722,8 @@
           </p:sp>
         </mc:Fallback>
       </mc:AlternateContent>
-      <mc:AlternateContent xmlns:mc="http://schemas.openxmlformats.org/markup-compatibility/2006">
-        <mc:Choice xmlns:a14="http://schemas.microsoft.com/office/drawing/2010/main" Requires="a14">
+      <mc:AlternateContent xmlns:mc="http://schemas.openxmlformats.org/markup-compatibility/2006" xmlns:a14="http://schemas.microsoft.com/office/drawing/2010/main">
+        <mc:Choice Requires="a14">
           <p:sp>
             <p:nvSpPr>
               <p:cNvPr id="5" name="CaixaDeTexto 4">
@@ -40183,7 +42823,7 @@
             </p:txBody>
           </p:sp>
         </mc:Choice>
-        <mc:Fallback>
+        <mc:Fallback xmlns="">
           <p:sp>
             <p:nvSpPr>
               <p:cNvPr id="5" name="CaixaDeTexto 4">
@@ -40228,8 +42868,8 @@
           </p:sp>
         </mc:Fallback>
       </mc:AlternateContent>
-      <mc:AlternateContent xmlns:mc="http://schemas.openxmlformats.org/markup-compatibility/2006">
-        <mc:Choice xmlns:a14="http://schemas.microsoft.com/office/drawing/2010/main" Requires="a14">
+      <mc:AlternateContent xmlns:mc="http://schemas.openxmlformats.org/markup-compatibility/2006" xmlns:a14="http://schemas.microsoft.com/office/drawing/2010/main">
+        <mc:Choice Requires="a14">
           <p:sp>
             <p:nvSpPr>
               <p:cNvPr id="6" name="CaixaDeTexto 5">
@@ -40411,7 +43051,7 @@
             </p:txBody>
           </p:sp>
         </mc:Choice>
-        <mc:Fallback>
+        <mc:Fallback xmlns="">
           <p:sp>
             <p:nvSpPr>
               <p:cNvPr id="6" name="CaixaDeTexto 5">
@@ -40513,11 +43153,11 @@
   <p:clrMapOvr>
     <a:masterClrMapping/>
   </p:clrMapOvr>
-  <mc:AlternateContent xmlns:mc="http://schemas.openxmlformats.org/markup-compatibility/2006">
-    <mc:Choice xmlns:p14="http://schemas.microsoft.com/office/powerpoint/2010/main" Requires="p14">
+  <mc:AlternateContent xmlns:mc="http://schemas.openxmlformats.org/markup-compatibility/2006" xmlns:p14="http://schemas.microsoft.com/office/powerpoint/2010/main">
+    <mc:Choice Requires="p14">
       <p:transition p14:dur="250" advTm="2000"/>
     </mc:Choice>
-    <mc:Fallback>
+    <mc:Fallback xmlns="">
       <p:transition advTm="2000"/>
     </mc:Fallback>
   </mc:AlternateContent>
@@ -40547,8 +43187,8 @@
           <a:chExt cx="0" cy="0"/>
         </a:xfrm>
       </p:grpSpPr>
-      <mc:AlternateContent xmlns:mc="http://schemas.openxmlformats.org/markup-compatibility/2006">
-        <mc:Choice xmlns:a14="http://schemas.microsoft.com/office/drawing/2010/main" Requires="a14">
+      <mc:AlternateContent xmlns:mc="http://schemas.openxmlformats.org/markup-compatibility/2006" xmlns:a14="http://schemas.microsoft.com/office/drawing/2010/main">
+        <mc:Choice Requires="a14">
           <p:sp>
             <p:nvSpPr>
               <p:cNvPr id="4" name="Elipse 3">
@@ -40658,7 +43298,7 @@
             </p:txBody>
           </p:sp>
         </mc:Choice>
-        <mc:Fallback>
+        <mc:Fallback xmlns="">
           <p:sp>
             <p:nvSpPr>
               <p:cNvPr id="4" name="Elipse 3">
@@ -40710,8 +43350,8 @@
           </p:sp>
         </mc:Fallback>
       </mc:AlternateContent>
-      <mc:AlternateContent xmlns:mc="http://schemas.openxmlformats.org/markup-compatibility/2006">
-        <mc:Choice xmlns:a14="http://schemas.microsoft.com/office/drawing/2010/main" Requires="a14">
+      <mc:AlternateContent xmlns:mc="http://schemas.openxmlformats.org/markup-compatibility/2006" xmlns:a14="http://schemas.microsoft.com/office/drawing/2010/main">
+        <mc:Choice Requires="a14">
           <p:sp>
             <p:nvSpPr>
               <p:cNvPr id="2" name="Elipse 1">
@@ -40821,7 +43461,7 @@
             </p:txBody>
           </p:sp>
         </mc:Choice>
-        <mc:Fallback>
+        <mc:Fallback xmlns="">
           <p:sp>
             <p:nvSpPr>
               <p:cNvPr id="2" name="Elipse 1">
@@ -40873,8 +43513,8 @@
           </p:sp>
         </mc:Fallback>
       </mc:AlternateContent>
-      <mc:AlternateContent xmlns:mc="http://schemas.openxmlformats.org/markup-compatibility/2006">
-        <mc:Choice xmlns:a14="http://schemas.microsoft.com/office/drawing/2010/main" Requires="a14">
+      <mc:AlternateContent xmlns:mc="http://schemas.openxmlformats.org/markup-compatibility/2006" xmlns:a14="http://schemas.microsoft.com/office/drawing/2010/main">
+        <mc:Choice Requires="a14">
           <p:sp>
             <p:nvSpPr>
               <p:cNvPr id="3" name="CaixaDeTexto 2">
@@ -40903,6 +43543,7 @@
               </a:bodyPr>
               <a:lstStyle/>
               <a:p>
+                <a:pPr/>
                 <a14:m>
                   <m:oMathPara xmlns:m="http://schemas.openxmlformats.org/officeDocument/2006/math">
                     <m:oMathParaPr>
@@ -40961,7 +43602,7 @@
             </p:txBody>
           </p:sp>
         </mc:Choice>
-        <mc:Fallback>
+        <mc:Fallback xmlns="">
           <p:sp>
             <p:nvSpPr>
               <p:cNvPr id="3" name="CaixaDeTexto 2">
@@ -41006,8 +43647,8 @@
           </p:sp>
         </mc:Fallback>
       </mc:AlternateContent>
-      <mc:AlternateContent xmlns:mc="http://schemas.openxmlformats.org/markup-compatibility/2006">
-        <mc:Choice xmlns:a14="http://schemas.microsoft.com/office/drawing/2010/main" Requires="a14">
+      <mc:AlternateContent xmlns:mc="http://schemas.openxmlformats.org/markup-compatibility/2006" xmlns:a14="http://schemas.microsoft.com/office/drawing/2010/main">
+        <mc:Choice Requires="a14">
           <p:sp>
             <p:nvSpPr>
               <p:cNvPr id="5" name="CaixaDeTexto 4">
@@ -41036,6 +43677,7 @@
               </a:bodyPr>
               <a:lstStyle/>
               <a:p>
+                <a:pPr/>
                 <a14:m>
                   <m:oMathPara xmlns:m="http://schemas.openxmlformats.org/officeDocument/2006/math">
                     <m:oMathParaPr>
@@ -41094,7 +43736,7 @@
             </p:txBody>
           </p:sp>
         </mc:Choice>
-        <mc:Fallback>
+        <mc:Fallback xmlns="">
           <p:sp>
             <p:nvSpPr>
               <p:cNvPr id="5" name="CaixaDeTexto 4">
@@ -41139,8 +43781,8 @@
           </p:sp>
         </mc:Fallback>
       </mc:AlternateContent>
-      <mc:AlternateContent xmlns:mc="http://schemas.openxmlformats.org/markup-compatibility/2006">
-        <mc:Choice xmlns:a14="http://schemas.microsoft.com/office/drawing/2010/main" Requires="a14">
+      <mc:AlternateContent xmlns:mc="http://schemas.openxmlformats.org/markup-compatibility/2006" xmlns:a14="http://schemas.microsoft.com/office/drawing/2010/main">
+        <mc:Choice Requires="a14">
           <p:sp>
             <p:nvSpPr>
               <p:cNvPr id="6" name="CaixaDeTexto 5">
@@ -41169,6 +43811,7 @@
               </a:bodyPr>
               <a:lstStyle/>
               <a:p>
+                <a:pPr/>
                 <a14:m>
                   <m:oMathPara xmlns:m="http://schemas.openxmlformats.org/officeDocument/2006/math">
                     <m:oMathParaPr>
@@ -41227,7 +43870,7 @@
             </p:txBody>
           </p:sp>
         </mc:Choice>
-        <mc:Fallback>
+        <mc:Fallback xmlns="">
           <p:sp>
             <p:nvSpPr>
               <p:cNvPr id="6" name="CaixaDeTexto 5">
@@ -41272,8 +43915,8 @@
           </p:sp>
         </mc:Fallback>
       </mc:AlternateContent>
-      <mc:AlternateContent xmlns:mc="http://schemas.openxmlformats.org/markup-compatibility/2006">
-        <mc:Choice xmlns:a14="http://schemas.microsoft.com/office/drawing/2010/main" Requires="a14">
+      <mc:AlternateContent xmlns:mc="http://schemas.openxmlformats.org/markup-compatibility/2006" xmlns:a14="http://schemas.microsoft.com/office/drawing/2010/main">
+        <mc:Choice Requires="a14">
           <p:sp>
             <p:nvSpPr>
               <p:cNvPr id="14" name="CaixaDeTexto 13">
@@ -41302,6 +43945,7 @@
               </a:bodyPr>
               <a:lstStyle/>
               <a:p>
+                <a:pPr/>
                 <a14:m>
                   <m:oMathPara xmlns:m="http://schemas.openxmlformats.org/officeDocument/2006/math">
                     <m:oMathParaPr>
@@ -41360,7 +44004,7 @@
             </p:txBody>
           </p:sp>
         </mc:Choice>
-        <mc:Fallback>
+        <mc:Fallback xmlns="">
           <p:sp>
             <p:nvSpPr>
               <p:cNvPr id="14" name="CaixaDeTexto 13">
@@ -41493,8 +44137,8 @@
           </a:fontRef>
         </p:style>
       </p:cxnSp>
-      <mc:AlternateContent xmlns:mc="http://schemas.openxmlformats.org/markup-compatibility/2006">
-        <mc:Choice xmlns:a14="http://schemas.microsoft.com/office/drawing/2010/main" Requires="a14">
+      <mc:AlternateContent xmlns:mc="http://schemas.openxmlformats.org/markup-compatibility/2006" xmlns:a14="http://schemas.microsoft.com/office/drawing/2010/main">
+        <mc:Choice Requires="a14">
           <p:sp>
             <p:nvSpPr>
               <p:cNvPr id="17" name="CaixaDeTexto 16">
@@ -41523,6 +44167,7 @@
               </a:bodyPr>
               <a:lstStyle/>
               <a:p>
+                <a:pPr/>
                 <a14:m>
                   <m:oMathPara xmlns:m="http://schemas.openxmlformats.org/officeDocument/2006/math">
                     <m:oMathParaPr>
@@ -41581,7 +44226,7 @@
             </p:txBody>
           </p:sp>
         </mc:Choice>
-        <mc:Fallback>
+        <mc:Fallback xmlns="">
           <p:sp>
             <p:nvSpPr>
               <p:cNvPr id="17" name="CaixaDeTexto 16">
@@ -41626,8 +44271,8 @@
           </p:sp>
         </mc:Fallback>
       </mc:AlternateContent>
-      <mc:AlternateContent xmlns:mc="http://schemas.openxmlformats.org/markup-compatibility/2006">
-        <mc:Choice xmlns:a14="http://schemas.microsoft.com/office/drawing/2010/main" Requires="a14">
+      <mc:AlternateContent xmlns:mc="http://schemas.openxmlformats.org/markup-compatibility/2006" xmlns:a14="http://schemas.microsoft.com/office/drawing/2010/main">
+        <mc:Choice Requires="a14">
           <p:sp>
             <p:nvSpPr>
               <p:cNvPr id="18" name="CaixaDeTexto 17">
@@ -41656,6 +44301,7 @@
               </a:bodyPr>
               <a:lstStyle/>
               <a:p>
+                <a:pPr/>
                 <a14:m>
                   <m:oMathPara xmlns:m="http://schemas.openxmlformats.org/officeDocument/2006/math">
                     <m:oMathParaPr>
@@ -41714,7 +44360,7 @@
             </p:txBody>
           </p:sp>
         </mc:Choice>
-        <mc:Fallback>
+        <mc:Fallback xmlns="">
           <p:sp>
             <p:nvSpPr>
               <p:cNvPr id="18" name="CaixaDeTexto 17">
@@ -41759,8 +44405,8 @@
           </p:sp>
         </mc:Fallback>
       </mc:AlternateContent>
-      <mc:AlternateContent xmlns:mc="http://schemas.openxmlformats.org/markup-compatibility/2006">
-        <mc:Choice xmlns:a14="http://schemas.microsoft.com/office/drawing/2010/main" Requires="a14">
+      <mc:AlternateContent xmlns:mc="http://schemas.openxmlformats.org/markup-compatibility/2006" xmlns:a14="http://schemas.microsoft.com/office/drawing/2010/main">
+        <mc:Choice Requires="a14">
           <p:sp>
             <p:nvSpPr>
               <p:cNvPr id="19" name="CaixaDeTexto 18">
@@ -41789,6 +44435,7 @@
               </a:bodyPr>
               <a:lstStyle/>
               <a:p>
+                <a:pPr/>
                 <a14:m>
                   <m:oMathPara xmlns:m="http://schemas.openxmlformats.org/officeDocument/2006/math">
                     <m:oMathParaPr>
@@ -41847,7 +44494,7 @@
             </p:txBody>
           </p:sp>
         </mc:Choice>
-        <mc:Fallback>
+        <mc:Fallback xmlns="">
           <p:sp>
             <p:nvSpPr>
               <p:cNvPr id="19" name="CaixaDeTexto 18">
@@ -41892,8 +44539,8 @@
           </p:sp>
         </mc:Fallback>
       </mc:AlternateContent>
-      <mc:AlternateContent xmlns:mc="http://schemas.openxmlformats.org/markup-compatibility/2006">
-        <mc:Choice xmlns:a14="http://schemas.microsoft.com/office/drawing/2010/main" Requires="a14">
+      <mc:AlternateContent xmlns:mc="http://schemas.openxmlformats.org/markup-compatibility/2006" xmlns:a14="http://schemas.microsoft.com/office/drawing/2010/main">
+        <mc:Choice Requires="a14">
           <p:sp>
             <p:nvSpPr>
               <p:cNvPr id="20" name="CaixaDeTexto 19">
@@ -41922,6 +44569,7 @@
               </a:bodyPr>
               <a:lstStyle/>
               <a:p>
+                <a:pPr/>
                 <a14:m>
                   <m:oMathPara xmlns:m="http://schemas.openxmlformats.org/officeDocument/2006/math">
                     <m:oMathParaPr>
@@ -41980,7 +44628,7 @@
             </p:txBody>
           </p:sp>
         </mc:Choice>
-        <mc:Fallback>
+        <mc:Fallback xmlns="">
           <p:sp>
             <p:nvSpPr>
               <p:cNvPr id="20" name="CaixaDeTexto 19">
@@ -42113,8 +44761,8 @@
           </a:fontRef>
         </p:style>
       </p:cxnSp>
-      <mc:AlternateContent xmlns:mc="http://schemas.openxmlformats.org/markup-compatibility/2006">
-        <mc:Choice xmlns:a14="http://schemas.microsoft.com/office/drawing/2010/main" Requires="a14">
+      <mc:AlternateContent xmlns:mc="http://schemas.openxmlformats.org/markup-compatibility/2006" xmlns:a14="http://schemas.microsoft.com/office/drawing/2010/main">
+        <mc:Choice Requires="a14">
           <p:sp>
             <p:nvSpPr>
               <p:cNvPr id="23" name="CaixaDeTexto 22">
@@ -42214,7 +44862,7 @@
             </p:txBody>
           </p:sp>
         </mc:Choice>
-        <mc:Fallback>
+        <mc:Fallback xmlns="">
           <p:sp>
             <p:nvSpPr>
               <p:cNvPr id="23" name="CaixaDeTexto 22">
@@ -42316,13 +44964,13 @@
   <p:clrMapOvr>
     <a:masterClrMapping/>
   </p:clrMapOvr>
-  <mc:AlternateContent xmlns:mc="http://schemas.openxmlformats.org/markup-compatibility/2006">
-    <mc:Choice xmlns:p14="http://schemas.microsoft.com/office/powerpoint/2010/main" Requires="p14">
+  <mc:AlternateContent xmlns:mc="http://schemas.openxmlformats.org/markup-compatibility/2006" xmlns:p14="http://schemas.microsoft.com/office/powerpoint/2010/main">
+    <mc:Choice Requires="p14">
       <p:transition p14:dur="250" advTm="2000">
         <p:fade/>
       </p:transition>
     </mc:Choice>
-    <mc:Fallback>
+    <mc:Fallback xmlns="">
       <p:transition advTm="2000">
         <p:fade/>
       </p:transition>

--- a/adaboost.pptx
+++ b/adaboost.pptx
@@ -25,6 +25,7 @@
     <p:sldId id="265" r:id="rId19"/>
     <p:sldId id="266" r:id="rId20"/>
     <p:sldId id="278" r:id="rId21"/>
+    <p:sldId id="279" r:id="rId22"/>
   </p:sldIdLst>
   <p:sldSz cx="12192000" cy="6858000"/>
   <p:notesSz cx="6858000" cy="9144000"/>
@@ -278,7 +279,7 @@
           <a:p>
             <a:fld id="{D01C6006-A6AF-4E75-8B97-E9B7CBF50D3D}" type="datetimeFigureOut">
               <a:rPr lang="pt-BR" smtClean="0"/>
-              <a:t>21/06/2024</a:t>
+              <a:t>26/06/2024</a:t>
             </a:fld>
             <a:endParaRPr lang="pt-BR"/>
           </a:p>
@@ -476,7 +477,7 @@
           <a:p>
             <a:fld id="{D01C6006-A6AF-4E75-8B97-E9B7CBF50D3D}" type="datetimeFigureOut">
               <a:rPr lang="pt-BR" smtClean="0"/>
-              <a:t>21/06/2024</a:t>
+              <a:t>26/06/2024</a:t>
             </a:fld>
             <a:endParaRPr lang="pt-BR"/>
           </a:p>
@@ -684,7 +685,7 @@
           <a:p>
             <a:fld id="{D01C6006-A6AF-4E75-8B97-E9B7CBF50D3D}" type="datetimeFigureOut">
               <a:rPr lang="pt-BR" smtClean="0"/>
-              <a:t>21/06/2024</a:t>
+              <a:t>26/06/2024</a:t>
             </a:fld>
             <a:endParaRPr lang="pt-BR"/>
           </a:p>
@@ -882,7 +883,7 @@
           <a:p>
             <a:fld id="{D01C6006-A6AF-4E75-8B97-E9B7CBF50D3D}" type="datetimeFigureOut">
               <a:rPr lang="pt-BR" smtClean="0"/>
-              <a:t>21/06/2024</a:t>
+              <a:t>26/06/2024</a:t>
             </a:fld>
             <a:endParaRPr lang="pt-BR"/>
           </a:p>
@@ -1157,7 +1158,7 @@
           <a:p>
             <a:fld id="{D01C6006-A6AF-4E75-8B97-E9B7CBF50D3D}" type="datetimeFigureOut">
               <a:rPr lang="pt-BR" smtClean="0"/>
-              <a:t>21/06/2024</a:t>
+              <a:t>26/06/2024</a:t>
             </a:fld>
             <a:endParaRPr lang="pt-BR"/>
           </a:p>
@@ -1422,7 +1423,7 @@
           <a:p>
             <a:fld id="{D01C6006-A6AF-4E75-8B97-E9B7CBF50D3D}" type="datetimeFigureOut">
               <a:rPr lang="pt-BR" smtClean="0"/>
-              <a:t>21/06/2024</a:t>
+              <a:t>26/06/2024</a:t>
             </a:fld>
             <a:endParaRPr lang="pt-BR"/>
           </a:p>
@@ -1834,7 +1835,7 @@
           <a:p>
             <a:fld id="{D01C6006-A6AF-4E75-8B97-E9B7CBF50D3D}" type="datetimeFigureOut">
               <a:rPr lang="pt-BR" smtClean="0"/>
-              <a:t>21/06/2024</a:t>
+              <a:t>26/06/2024</a:t>
             </a:fld>
             <a:endParaRPr lang="pt-BR"/>
           </a:p>
@@ -1975,7 +1976,7 @@
           <a:p>
             <a:fld id="{D01C6006-A6AF-4E75-8B97-E9B7CBF50D3D}" type="datetimeFigureOut">
               <a:rPr lang="pt-BR" smtClean="0"/>
-              <a:t>21/06/2024</a:t>
+              <a:t>26/06/2024</a:t>
             </a:fld>
             <a:endParaRPr lang="pt-BR"/>
           </a:p>
@@ -2088,7 +2089,7 @@
           <a:p>
             <a:fld id="{D01C6006-A6AF-4E75-8B97-E9B7CBF50D3D}" type="datetimeFigureOut">
               <a:rPr lang="pt-BR" smtClean="0"/>
-              <a:t>21/06/2024</a:t>
+              <a:t>26/06/2024</a:t>
             </a:fld>
             <a:endParaRPr lang="pt-BR"/>
           </a:p>
@@ -2399,7 +2400,7 @@
           <a:p>
             <a:fld id="{D01C6006-A6AF-4E75-8B97-E9B7CBF50D3D}" type="datetimeFigureOut">
               <a:rPr lang="pt-BR" smtClean="0"/>
-              <a:t>21/06/2024</a:t>
+              <a:t>26/06/2024</a:t>
             </a:fld>
             <a:endParaRPr lang="pt-BR"/>
           </a:p>
@@ -2687,7 +2688,7 @@
           <a:p>
             <a:fld id="{D01C6006-A6AF-4E75-8B97-E9B7CBF50D3D}" type="datetimeFigureOut">
               <a:rPr lang="pt-BR" smtClean="0"/>
-              <a:t>21/06/2024</a:t>
+              <a:t>26/06/2024</a:t>
             </a:fld>
             <a:endParaRPr lang="pt-BR"/>
           </a:p>
@@ -2928,7 +2929,7 @@
           <a:p>
             <a:fld id="{D01C6006-A6AF-4E75-8B97-E9B7CBF50D3D}" type="datetimeFigureOut">
               <a:rPr lang="pt-BR" smtClean="0"/>
-              <a:t>21/06/2024</a:t>
+              <a:t>26/06/2024</a:t>
             </a:fld>
             <a:endParaRPr lang="pt-BR"/>
           </a:p>
@@ -33066,8 +33067,8 @@
           </a:p>
         </p:txBody>
       </p:sp>
-      <mc:AlternateContent xmlns:mc="http://schemas.openxmlformats.org/markup-compatibility/2006">
-        <mc:Choice xmlns:a14="http://schemas.microsoft.com/office/drawing/2010/main" Requires="a14">
+      <mc:AlternateContent xmlns:mc="http://schemas.openxmlformats.org/markup-compatibility/2006" xmlns:a14="http://schemas.microsoft.com/office/drawing/2010/main">
+        <mc:Choice Requires="a14">
           <p:sp>
             <p:nvSpPr>
               <p:cNvPr id="7" name="CaixaDeTexto 6">
@@ -33096,6 +33097,7 @@
               </a:bodyPr>
               <a:lstStyle/>
               <a:p>
+                <a:pPr/>
                 <a14:m>
                   <m:oMathPara xmlns:m="http://schemas.openxmlformats.org/officeDocument/2006/math">
                     <m:oMathParaPr>
@@ -33116,7 +33118,7 @@
             </p:txBody>
           </p:sp>
         </mc:Choice>
-        <mc:Fallback>
+        <mc:Fallback xmlns="">
           <p:sp>
             <p:nvSpPr>
               <p:cNvPr id="7" name="CaixaDeTexto 6">
@@ -33429,8 +33431,8 @@
           </a:fontRef>
         </p:style>
       </p:cxnSp>
-      <mc:AlternateContent xmlns:mc="http://schemas.openxmlformats.org/markup-compatibility/2006">
-        <mc:Choice xmlns:a14="http://schemas.microsoft.com/office/drawing/2010/main" Requires="a14">
+      <mc:AlternateContent xmlns:mc="http://schemas.openxmlformats.org/markup-compatibility/2006" xmlns:a14="http://schemas.microsoft.com/office/drawing/2010/main">
+        <mc:Choice Requires="a14">
           <p:sp>
             <p:nvSpPr>
               <p:cNvPr id="32" name="Elipse 31">
@@ -33515,7 +33517,7 @@
             </p:txBody>
           </p:sp>
         </mc:Choice>
-        <mc:Fallback>
+        <mc:Fallback xmlns="">
           <p:sp>
             <p:nvSpPr>
               <p:cNvPr id="32" name="Elipse 31">
@@ -33955,8 +33957,8 @@
             </a:p>
           </p:txBody>
         </p:sp>
-        <mc:AlternateContent xmlns:mc="http://schemas.openxmlformats.org/markup-compatibility/2006">
-          <mc:Choice xmlns:a14="http://schemas.microsoft.com/office/drawing/2010/main" Requires="a14">
+        <mc:AlternateContent xmlns:mc="http://schemas.openxmlformats.org/markup-compatibility/2006" xmlns:a14="http://schemas.microsoft.com/office/drawing/2010/main">
+          <mc:Choice Requires="a14">
             <p:sp>
               <p:nvSpPr>
                 <p:cNvPr id="75" name="CaixaDeTexto 74">
@@ -33985,6 +33987,7 @@
                 </a:bodyPr>
                 <a:lstStyle/>
                 <a:p>
+                  <a:pPr/>
                   <a14:m>
                     <m:oMathPara xmlns:m="http://schemas.openxmlformats.org/officeDocument/2006/math">
                       <m:oMathParaPr>
@@ -34024,7 +34027,7 @@
               </p:txBody>
             </p:sp>
           </mc:Choice>
-          <mc:Fallback>
+          <mc:Fallback xmlns="">
             <p:sp>
               <p:nvSpPr>
                 <p:cNvPr id="75" name="CaixaDeTexto 74">
@@ -34146,8 +34149,8 @@
             </a:p>
           </p:txBody>
         </p:sp>
-        <mc:AlternateContent xmlns:mc="http://schemas.openxmlformats.org/markup-compatibility/2006">
-          <mc:Choice xmlns:a14="http://schemas.microsoft.com/office/drawing/2010/main" Requires="a14">
+        <mc:AlternateContent xmlns:mc="http://schemas.openxmlformats.org/markup-compatibility/2006" xmlns:a14="http://schemas.microsoft.com/office/drawing/2010/main">
+          <mc:Choice Requires="a14">
             <p:sp>
               <p:nvSpPr>
                 <p:cNvPr id="76" name="CaixaDeTexto 75">
@@ -34176,6 +34179,7 @@
                 </a:bodyPr>
                 <a:lstStyle/>
                 <a:p>
+                  <a:pPr/>
                   <a14:m>
                     <m:oMathPara xmlns:m="http://schemas.openxmlformats.org/officeDocument/2006/math">
                       <m:oMathParaPr>
@@ -34215,7 +34219,7 @@
               </p:txBody>
             </p:sp>
           </mc:Choice>
-          <mc:Fallback>
+          <mc:Fallback xmlns="">
             <p:sp>
               <p:nvSpPr>
                 <p:cNvPr id="76" name="CaixaDeTexto 75">
@@ -34335,8 +34339,8 @@
             </a:p>
           </p:txBody>
         </p:sp>
-        <mc:AlternateContent xmlns:mc="http://schemas.openxmlformats.org/markup-compatibility/2006">
-          <mc:Choice xmlns:a14="http://schemas.microsoft.com/office/drawing/2010/main" Requires="a14">
+        <mc:AlternateContent xmlns:mc="http://schemas.openxmlformats.org/markup-compatibility/2006" xmlns:a14="http://schemas.microsoft.com/office/drawing/2010/main">
+          <mc:Choice Requires="a14">
             <p:sp>
               <p:nvSpPr>
                 <p:cNvPr id="77" name="CaixaDeTexto 76">
@@ -34365,6 +34369,7 @@
                 </a:bodyPr>
                 <a:lstStyle/>
                 <a:p>
+                  <a:pPr/>
                   <a14:m>
                     <m:oMathPara xmlns:m="http://schemas.openxmlformats.org/officeDocument/2006/math">
                       <m:oMathParaPr>
@@ -34404,7 +34409,7 @@
               </p:txBody>
             </p:sp>
           </mc:Choice>
-          <mc:Fallback>
+          <mc:Fallback xmlns="">
             <p:sp>
               <p:nvSpPr>
                 <p:cNvPr id="77" name="CaixaDeTexto 76">
@@ -34495,8 +34500,8 @@
           </a:fontRef>
         </p:style>
       </p:cxnSp>
-      <mc:AlternateContent xmlns:mc="http://schemas.openxmlformats.org/markup-compatibility/2006">
-        <mc:Choice xmlns:a14="http://schemas.microsoft.com/office/drawing/2010/main" Requires="a14">
+      <mc:AlternateContent xmlns:mc="http://schemas.openxmlformats.org/markup-compatibility/2006" xmlns:a14="http://schemas.microsoft.com/office/drawing/2010/main">
+        <mc:Choice Requires="a14">
           <p:sp>
             <p:nvSpPr>
               <p:cNvPr id="91" name="CaixaDeTexto 90">
@@ -34525,6 +34530,7 @@
               </a:bodyPr>
               <a:lstStyle/>
               <a:p>
+                <a:pPr/>
                 <a14:m>
                   <m:oMathPara xmlns:m="http://schemas.openxmlformats.org/officeDocument/2006/math">
                     <m:oMathParaPr>
@@ -34562,7 +34568,7 @@
             </p:txBody>
           </p:sp>
         </mc:Choice>
-        <mc:Fallback>
+        <mc:Fallback xmlns="">
           <p:sp>
             <p:nvSpPr>
               <p:cNvPr id="91" name="CaixaDeTexto 90">
@@ -34607,8 +34613,8 @@
           </p:sp>
         </mc:Fallback>
       </mc:AlternateContent>
-      <mc:AlternateContent xmlns:mc="http://schemas.openxmlformats.org/markup-compatibility/2006">
-        <mc:Choice xmlns:a14="http://schemas.microsoft.com/office/drawing/2010/main" Requires="a14">
+      <mc:AlternateContent xmlns:mc="http://schemas.openxmlformats.org/markup-compatibility/2006" xmlns:a14="http://schemas.microsoft.com/office/drawing/2010/main">
+        <mc:Choice Requires="a14">
           <p:sp>
             <p:nvSpPr>
               <p:cNvPr id="101" name="CaixaDeTexto 100">
@@ -34637,6 +34643,7 @@
               </a:bodyPr>
               <a:lstStyle/>
               <a:p>
+                <a:pPr/>
                 <a14:m>
                   <m:oMathPara xmlns:m="http://schemas.openxmlformats.org/officeDocument/2006/math">
                     <m:oMathParaPr>
@@ -34755,7 +34762,7 @@
             </p:txBody>
           </p:sp>
         </mc:Choice>
-        <mc:Fallback>
+        <mc:Fallback xmlns="">
           <p:sp>
             <p:nvSpPr>
               <p:cNvPr id="101" name="CaixaDeTexto 100">
@@ -34800,8 +34807,8 @@
           </p:sp>
         </mc:Fallback>
       </mc:AlternateContent>
-      <mc:AlternateContent xmlns:mc="http://schemas.openxmlformats.org/markup-compatibility/2006">
-        <mc:Choice xmlns:a14="http://schemas.microsoft.com/office/drawing/2010/main" Requires="a14">
+      <mc:AlternateContent xmlns:mc="http://schemas.openxmlformats.org/markup-compatibility/2006" xmlns:a14="http://schemas.microsoft.com/office/drawing/2010/main">
+        <mc:Choice Requires="a14">
           <p:sp>
             <p:nvSpPr>
               <p:cNvPr id="102" name="CaixaDeTexto 101">
@@ -34830,6 +34837,7 @@
               </a:bodyPr>
               <a:lstStyle/>
               <a:p>
+                <a:pPr/>
                 <a14:m>
                   <m:oMathPara xmlns:m="http://schemas.openxmlformats.org/officeDocument/2006/math">
                     <m:oMathParaPr>
@@ -34968,7 +34976,7 @@
             </p:txBody>
           </p:sp>
         </mc:Choice>
-        <mc:Fallback>
+        <mc:Fallback xmlns="">
           <p:sp>
             <p:nvSpPr>
               <p:cNvPr id="102" name="CaixaDeTexto 101">
@@ -35013,8 +35021,8 @@
           </p:sp>
         </mc:Fallback>
       </mc:AlternateContent>
-      <mc:AlternateContent xmlns:mc="http://schemas.openxmlformats.org/markup-compatibility/2006">
-        <mc:Choice xmlns:a14="http://schemas.microsoft.com/office/drawing/2010/main" Requires="a14">
+      <mc:AlternateContent xmlns:mc="http://schemas.openxmlformats.org/markup-compatibility/2006" xmlns:a14="http://schemas.microsoft.com/office/drawing/2010/main">
+        <mc:Choice Requires="a14">
           <p:sp>
             <p:nvSpPr>
               <p:cNvPr id="105" name="CaixaDeTexto 104">
@@ -35043,6 +35051,7 @@
               </a:bodyPr>
               <a:lstStyle/>
               <a:p>
+                <a:pPr/>
                 <a14:m>
                   <m:oMathPara xmlns:m="http://schemas.openxmlformats.org/officeDocument/2006/math">
                     <m:oMathParaPr>
@@ -35161,7 +35170,7 @@
             </p:txBody>
           </p:sp>
         </mc:Choice>
-        <mc:Fallback>
+        <mc:Fallback xmlns="">
           <p:sp>
             <p:nvSpPr>
               <p:cNvPr id="105" name="CaixaDeTexto 104">
@@ -35286,6 +35295,3046 @@
     <p:extLst>
       <p:ext uri="{BB962C8B-B14F-4D97-AF65-F5344CB8AC3E}">
         <p14:creationId xmlns:p14="http://schemas.microsoft.com/office/powerpoint/2010/main" val="2101553972"/>
+      </p:ext>
+    </p:extLst>
+  </p:cSld>
+  <p:clrMapOvr>
+    <a:masterClrMapping/>
+  </p:clrMapOvr>
+</p:sld>
+</file>
+
+<file path=ppt/slides/slide21.xml><?xml version="1.0" encoding="utf-8"?>
+<p:sld xmlns:a="http://schemas.openxmlformats.org/drawingml/2006/main" xmlns:r="http://schemas.openxmlformats.org/officeDocument/2006/relationships" xmlns:p="http://schemas.openxmlformats.org/presentationml/2006/main">
+  <p:cSld>
+    <p:spTree>
+      <p:nvGrpSpPr>
+        <p:cNvPr id="1" name=""/>
+        <p:cNvGrpSpPr/>
+        <p:nvPr/>
+      </p:nvGrpSpPr>
+      <p:grpSpPr>
+        <a:xfrm>
+          <a:off x="0" y="0"/>
+          <a:ext cx="0" cy="0"/>
+          <a:chOff x="0" y="0"/>
+          <a:chExt cx="0" cy="0"/>
+        </a:xfrm>
+      </p:grpSpPr>
+      <p:sp>
+        <p:nvSpPr>
+          <p:cNvPr id="4" name="Retângulo 3">
+            <a:extLst>
+              <a:ext uri="{FF2B5EF4-FFF2-40B4-BE49-F238E27FC236}">
+                <a16:creationId xmlns:a16="http://schemas.microsoft.com/office/drawing/2014/main" id="{EB57A4AB-18B5-1CFF-E33C-52B42E9B11B1}"/>
+              </a:ext>
+            </a:extLst>
+          </p:cNvPr>
+          <p:cNvSpPr/>
+          <p:nvPr/>
+        </p:nvSpPr>
+        <p:spPr>
+          <a:xfrm>
+            <a:off x="3726293" y="2725431"/>
+            <a:ext cx="874644" cy="842839"/>
+          </a:xfrm>
+          <a:prstGeom prst="rect">
+            <a:avLst/>
+          </a:prstGeom>
+          <a:solidFill>
+            <a:schemeClr val="accent1">
+              <a:lumMod val="20000"/>
+              <a:lumOff val="80000"/>
+            </a:schemeClr>
+          </a:solidFill>
+        </p:spPr>
+        <p:style>
+          <a:lnRef idx="2">
+            <a:schemeClr val="accent1">
+              <a:shade val="15000"/>
+            </a:schemeClr>
+          </a:lnRef>
+          <a:fillRef idx="1">
+            <a:schemeClr val="accent1"/>
+          </a:fillRef>
+          <a:effectRef idx="0">
+            <a:schemeClr val="accent1"/>
+          </a:effectRef>
+          <a:fontRef idx="minor">
+            <a:schemeClr val="lt1"/>
+          </a:fontRef>
+        </p:style>
+        <p:txBody>
+          <a:bodyPr rtlCol="0" anchor="ctr"/>
+          <a:lstStyle/>
+          <a:p>
+            <a:pPr algn="ctr"/>
+            <a:r>
+              <a:rPr lang="pt-BR" sz="1400" b="1" i="1">
+                <a:solidFill>
+                  <a:schemeClr val="tx1"/>
+                </a:solidFill>
+              </a:rPr>
+              <a:t>Weak</a:t>
+            </a:r>
+          </a:p>
+          <a:p>
+            <a:pPr algn="ctr"/>
+            <a:r>
+              <a:rPr lang="pt-BR" sz="1400" b="1" i="1">
+                <a:solidFill>
+                  <a:schemeClr val="tx1"/>
+                </a:solidFill>
+              </a:rPr>
+              <a:t>Learner</a:t>
+            </a:r>
+            <a:br>
+              <a:rPr lang="pt-BR" sz="1400" b="1" i="1">
+                <a:solidFill>
+                  <a:schemeClr val="tx1"/>
+                </a:solidFill>
+              </a:rPr>
+            </a:br>
+            <a:r>
+              <a:rPr lang="pt-BR" sz="1400" b="1" i="1">
+                <a:solidFill>
+                  <a:schemeClr val="tx1"/>
+                </a:solidFill>
+              </a:rPr>
+              <a:t>1</a:t>
+            </a:r>
+          </a:p>
+        </p:txBody>
+      </p:sp>
+      <p:sp>
+        <p:nvSpPr>
+          <p:cNvPr id="5" name="Retângulo 4">
+            <a:extLst>
+              <a:ext uri="{FF2B5EF4-FFF2-40B4-BE49-F238E27FC236}">
+                <a16:creationId xmlns:a16="http://schemas.microsoft.com/office/drawing/2014/main" id="{D02E2478-DA03-5C4C-EA22-1EEE73A2510D}"/>
+              </a:ext>
+            </a:extLst>
+          </p:cNvPr>
+          <p:cNvSpPr/>
+          <p:nvPr/>
+        </p:nvSpPr>
+        <p:spPr>
+          <a:xfrm>
+            <a:off x="3726293" y="3914967"/>
+            <a:ext cx="874644" cy="842839"/>
+          </a:xfrm>
+          <a:prstGeom prst="rect">
+            <a:avLst/>
+          </a:prstGeom>
+          <a:solidFill>
+            <a:schemeClr val="accent1">
+              <a:lumMod val="20000"/>
+              <a:lumOff val="80000"/>
+            </a:schemeClr>
+          </a:solidFill>
+        </p:spPr>
+        <p:style>
+          <a:lnRef idx="2">
+            <a:schemeClr val="accent1">
+              <a:shade val="15000"/>
+            </a:schemeClr>
+          </a:lnRef>
+          <a:fillRef idx="1">
+            <a:schemeClr val="accent1"/>
+          </a:fillRef>
+          <a:effectRef idx="0">
+            <a:schemeClr val="accent1"/>
+          </a:effectRef>
+          <a:fontRef idx="minor">
+            <a:schemeClr val="lt1"/>
+          </a:fontRef>
+        </p:style>
+        <p:txBody>
+          <a:bodyPr rtlCol="0" anchor="ctr"/>
+          <a:lstStyle/>
+          <a:p>
+            <a:pPr algn="ctr"/>
+            <a:r>
+              <a:rPr lang="pt-BR" sz="1400" b="1" i="1">
+                <a:solidFill>
+                  <a:schemeClr val="tx1"/>
+                </a:solidFill>
+              </a:rPr>
+              <a:t>Weak</a:t>
+            </a:r>
+          </a:p>
+          <a:p>
+            <a:pPr algn="ctr"/>
+            <a:r>
+              <a:rPr lang="pt-BR" sz="1400" b="1" i="1">
+                <a:solidFill>
+                  <a:schemeClr val="tx1"/>
+                </a:solidFill>
+              </a:rPr>
+              <a:t>Learner</a:t>
+            </a:r>
+            <a:br>
+              <a:rPr lang="pt-BR" sz="1400" b="1" i="1">
+                <a:solidFill>
+                  <a:schemeClr val="tx1"/>
+                </a:solidFill>
+              </a:rPr>
+            </a:br>
+            <a:r>
+              <a:rPr lang="pt-BR" sz="1400" b="1" i="1">
+                <a:solidFill>
+                  <a:schemeClr val="tx1"/>
+                </a:solidFill>
+              </a:rPr>
+              <a:t>2</a:t>
+            </a:r>
+          </a:p>
+        </p:txBody>
+      </p:sp>
+      <p:sp>
+        <p:nvSpPr>
+          <p:cNvPr id="6" name="Retângulo 5">
+            <a:extLst>
+              <a:ext uri="{FF2B5EF4-FFF2-40B4-BE49-F238E27FC236}">
+                <a16:creationId xmlns:a16="http://schemas.microsoft.com/office/drawing/2014/main" id="{50DF744D-0987-E3D6-285E-1755D96A9121}"/>
+              </a:ext>
+            </a:extLst>
+          </p:cNvPr>
+          <p:cNvSpPr/>
+          <p:nvPr/>
+        </p:nvSpPr>
+        <p:spPr>
+          <a:xfrm>
+            <a:off x="3726293" y="5104503"/>
+            <a:ext cx="874644" cy="842839"/>
+          </a:xfrm>
+          <a:prstGeom prst="rect">
+            <a:avLst/>
+          </a:prstGeom>
+          <a:solidFill>
+            <a:schemeClr val="accent1">
+              <a:lumMod val="20000"/>
+              <a:lumOff val="80000"/>
+            </a:schemeClr>
+          </a:solidFill>
+        </p:spPr>
+        <p:style>
+          <a:lnRef idx="2">
+            <a:schemeClr val="accent1">
+              <a:shade val="15000"/>
+            </a:schemeClr>
+          </a:lnRef>
+          <a:fillRef idx="1">
+            <a:schemeClr val="accent1"/>
+          </a:fillRef>
+          <a:effectRef idx="0">
+            <a:schemeClr val="accent1"/>
+          </a:effectRef>
+          <a:fontRef idx="minor">
+            <a:schemeClr val="lt1"/>
+          </a:fontRef>
+        </p:style>
+        <p:txBody>
+          <a:bodyPr rtlCol="0" anchor="ctr"/>
+          <a:lstStyle/>
+          <a:p>
+            <a:pPr algn="ctr"/>
+            <a:r>
+              <a:rPr lang="pt-BR" sz="1400" b="1" i="1">
+                <a:solidFill>
+                  <a:schemeClr val="tx1"/>
+                </a:solidFill>
+              </a:rPr>
+              <a:t>Weak</a:t>
+            </a:r>
+          </a:p>
+          <a:p>
+            <a:pPr algn="ctr"/>
+            <a:r>
+              <a:rPr lang="pt-BR" sz="1400" b="1" i="1">
+                <a:solidFill>
+                  <a:schemeClr val="tx1"/>
+                </a:solidFill>
+              </a:rPr>
+              <a:t>Learner</a:t>
+            </a:r>
+            <a:br>
+              <a:rPr lang="pt-BR" sz="1400" b="1" i="1">
+                <a:solidFill>
+                  <a:schemeClr val="tx1"/>
+                </a:solidFill>
+              </a:rPr>
+            </a:br>
+            <a:r>
+              <a:rPr lang="pt-BR" sz="1400" b="1" i="1">
+                <a:solidFill>
+                  <a:schemeClr val="tx1"/>
+                </a:solidFill>
+              </a:rPr>
+              <a:t>3</a:t>
+            </a:r>
+          </a:p>
+        </p:txBody>
+      </p:sp>
+      <p:grpSp>
+        <p:nvGrpSpPr>
+          <p:cNvPr id="3" name="Agrupar 2">
+            <a:extLst>
+              <a:ext uri="{FF2B5EF4-FFF2-40B4-BE49-F238E27FC236}">
+                <a16:creationId xmlns:a16="http://schemas.microsoft.com/office/drawing/2014/main" id="{591CD4F4-F6D7-915C-7F24-389752685A25}"/>
+              </a:ext>
+            </a:extLst>
+          </p:cNvPr>
+          <p:cNvGrpSpPr/>
+          <p:nvPr/>
+        </p:nvGrpSpPr>
+        <p:grpSpPr>
+          <a:xfrm>
+            <a:off x="1822387" y="4054306"/>
+            <a:ext cx="734047" cy="584478"/>
+            <a:chOff x="1304739" y="3364244"/>
+            <a:chExt cx="734047" cy="584478"/>
+          </a:xfrm>
+        </p:grpSpPr>
+        <mc:AlternateContent xmlns:mc="http://schemas.openxmlformats.org/markup-compatibility/2006">
+          <mc:Choice xmlns:a14="http://schemas.microsoft.com/office/drawing/2010/main" Requires="a14">
+            <p:sp>
+              <p:nvSpPr>
+                <p:cNvPr id="7" name="CaixaDeTexto 6">
+                  <a:extLst>
+                    <a:ext uri="{FF2B5EF4-FFF2-40B4-BE49-F238E27FC236}">
+                      <a16:creationId xmlns:a16="http://schemas.microsoft.com/office/drawing/2014/main" id="{2796FEFC-5C27-5B91-7B54-9D1A8CA8A417}"/>
+                    </a:ext>
+                  </a:extLst>
+                </p:cNvPr>
+                <p:cNvSpPr txBox="1"/>
+                <p:nvPr/>
+              </p:nvSpPr>
+              <p:spPr>
+                <a:xfrm>
+                  <a:off x="1487770" y="3364244"/>
+                  <a:ext cx="367986" cy="369332"/>
+                </a:xfrm>
+                <a:prstGeom prst="rect">
+                  <a:avLst/>
+                </a:prstGeom>
+                <a:noFill/>
+              </p:spPr>
+              <p:txBody>
+                <a:bodyPr wrap="none" rtlCol="0">
+                  <a:spAutoFit/>
+                </a:bodyPr>
+                <a:lstStyle/>
+                <a:p>
+                  <a:pPr/>
+                  <a14:m>
+                    <m:oMathPara xmlns:m="http://schemas.openxmlformats.org/officeDocument/2006/math">
+                      <m:oMathParaPr>
+                        <m:jc m:val="centerGroup"/>
+                      </m:oMathParaPr>
+                      <m:oMath xmlns:m="http://schemas.openxmlformats.org/officeDocument/2006/math">
+                        <m:r>
+                          <a:rPr lang="pt-BR" b="1" i="1" smtClean="0">
+                            <a:latin typeface="Cambria Math" panose="02040503050406030204" pitchFamily="18" charset="0"/>
+                          </a:rPr>
+                          <m:t>𝒙</m:t>
+                        </m:r>
+                      </m:oMath>
+                    </m:oMathPara>
+                  </a14:m>
+                  <a:endParaRPr lang="pt-BR" b="1"/>
+                </a:p>
+              </p:txBody>
+            </p:sp>
+          </mc:Choice>
+          <mc:Fallback>
+            <p:sp>
+              <p:nvSpPr>
+                <p:cNvPr id="7" name="CaixaDeTexto 6">
+                  <a:extLst>
+                    <a:ext uri="{FF2B5EF4-FFF2-40B4-BE49-F238E27FC236}">
+                      <a16:creationId xmlns:a16="http://schemas.microsoft.com/office/drawing/2014/main" id="{2796FEFC-5C27-5B91-7B54-9D1A8CA8A417}"/>
+                    </a:ext>
+                  </a:extLst>
+                </p:cNvPr>
+                <p:cNvSpPr txBox="1">
+                  <a:spLocks noRot="1" noChangeAspect="1" noMove="1" noResize="1" noEditPoints="1" noAdjustHandles="1" noChangeArrowheads="1" noChangeShapeType="1" noTextEdit="1"/>
+                </p:cNvSpPr>
+                <p:nvPr/>
+              </p:nvSpPr>
+              <p:spPr>
+                <a:xfrm>
+                  <a:off x="1487770" y="3364244"/>
+                  <a:ext cx="367986" cy="369332"/>
+                </a:xfrm>
+                <a:prstGeom prst="rect">
+                  <a:avLst/>
+                </a:prstGeom>
+                <a:blipFill>
+                  <a:blip r:embed="rId2"/>
+                  <a:stretch>
+                    <a:fillRect/>
+                  </a:stretch>
+                </a:blipFill>
+              </p:spPr>
+              <p:txBody>
+                <a:bodyPr/>
+                <a:lstStyle/>
+                <a:p>
+                  <a:r>
+                    <a:rPr lang="pt-BR">
+                      <a:noFill/>
+                    </a:rPr>
+                    <a:t> </a:t>
+                  </a:r>
+                </a:p>
+              </p:txBody>
+            </p:sp>
+          </mc:Fallback>
+        </mc:AlternateContent>
+        <p:sp>
+          <p:nvSpPr>
+            <p:cNvPr id="108" name="CaixaDeTexto 107">
+              <a:extLst>
+                <a:ext uri="{FF2B5EF4-FFF2-40B4-BE49-F238E27FC236}">
+                  <a16:creationId xmlns:a16="http://schemas.microsoft.com/office/drawing/2014/main" id="{9BC28F92-04A3-3AE0-0F51-216ADCA0B4E4}"/>
+                </a:ext>
+              </a:extLst>
+            </p:cNvPr>
+            <p:cNvSpPr txBox="1"/>
+            <p:nvPr/>
+          </p:nvSpPr>
+          <p:spPr>
+            <a:xfrm>
+              <a:off x="1304739" y="3640945"/>
+              <a:ext cx="734047" cy="307777"/>
+            </a:xfrm>
+            <a:prstGeom prst="rect">
+              <a:avLst/>
+            </a:prstGeom>
+            <a:noFill/>
+          </p:spPr>
+          <p:txBody>
+            <a:bodyPr wrap="none" rtlCol="0">
+              <a:spAutoFit/>
+            </a:bodyPr>
+            <a:lstStyle/>
+            <a:p>
+              <a:r>
+                <a:rPr lang="pt-BR" sz="1400" b="1" i="0">
+                  <a:latin typeface="+mj-lt"/>
+                </a:rPr>
+                <a:t>entrada</a:t>
+              </a:r>
+              <a:endParaRPr lang="pt-BR" b="1"/>
+            </a:p>
+          </p:txBody>
+        </p:sp>
+      </p:grpSp>
+      <p:cxnSp>
+        <p:nvCxnSpPr>
+          <p:cNvPr id="9" name="Conector reto 8">
+            <a:extLst>
+              <a:ext uri="{FF2B5EF4-FFF2-40B4-BE49-F238E27FC236}">
+                <a16:creationId xmlns:a16="http://schemas.microsoft.com/office/drawing/2014/main" id="{E9C1B02B-BEEB-33A6-BBBF-3F92B34898A8}"/>
+              </a:ext>
+            </a:extLst>
+          </p:cNvPr>
+          <p:cNvCxnSpPr>
+            <a:cxnSpLocks/>
+          </p:cNvCxnSpPr>
+          <p:nvPr/>
+        </p:nvCxnSpPr>
+        <p:spPr>
+          <a:xfrm>
+            <a:off x="2923512" y="3139230"/>
+            <a:ext cx="0" cy="2407010"/>
+          </a:xfrm>
+          <a:prstGeom prst="line">
+            <a:avLst/>
+          </a:prstGeom>
+          <a:ln w="28575"/>
+        </p:spPr>
+        <p:style>
+          <a:lnRef idx="1">
+            <a:schemeClr val="accent1"/>
+          </a:lnRef>
+          <a:fillRef idx="0">
+            <a:schemeClr val="accent1"/>
+          </a:fillRef>
+          <a:effectRef idx="0">
+            <a:schemeClr val="accent1"/>
+          </a:effectRef>
+          <a:fontRef idx="minor">
+            <a:schemeClr val="tx1"/>
+          </a:fontRef>
+        </p:style>
+      </p:cxnSp>
+      <p:cxnSp>
+        <p:nvCxnSpPr>
+          <p:cNvPr id="11" name="Conector de Seta Reta 10">
+            <a:extLst>
+              <a:ext uri="{FF2B5EF4-FFF2-40B4-BE49-F238E27FC236}">
+                <a16:creationId xmlns:a16="http://schemas.microsoft.com/office/drawing/2014/main" id="{A0E000B1-7AED-0634-839A-4629E9940CAE}"/>
+              </a:ext>
+            </a:extLst>
+          </p:cNvPr>
+          <p:cNvCxnSpPr>
+            <a:cxnSpLocks/>
+            <a:endCxn id="4" idx="1"/>
+          </p:cNvCxnSpPr>
+          <p:nvPr/>
+        </p:nvCxnSpPr>
+        <p:spPr>
+          <a:xfrm>
+            <a:off x="2910177" y="3146850"/>
+            <a:ext cx="816116" cy="1"/>
+          </a:xfrm>
+          <a:prstGeom prst="straightConnector1">
+            <a:avLst/>
+          </a:prstGeom>
+          <a:ln w="28575">
+            <a:tailEnd type="triangle"/>
+          </a:ln>
+        </p:spPr>
+        <p:style>
+          <a:lnRef idx="1">
+            <a:schemeClr val="accent1"/>
+          </a:lnRef>
+          <a:fillRef idx="0">
+            <a:schemeClr val="accent1"/>
+          </a:fillRef>
+          <a:effectRef idx="0">
+            <a:schemeClr val="accent1"/>
+          </a:effectRef>
+          <a:fontRef idx="minor">
+            <a:schemeClr val="tx1"/>
+          </a:fontRef>
+        </p:style>
+      </p:cxnSp>
+      <p:cxnSp>
+        <p:nvCxnSpPr>
+          <p:cNvPr id="15" name="Conector de Seta Reta 14">
+            <a:extLst>
+              <a:ext uri="{FF2B5EF4-FFF2-40B4-BE49-F238E27FC236}">
+                <a16:creationId xmlns:a16="http://schemas.microsoft.com/office/drawing/2014/main" id="{F4A1F6A2-27C0-4412-99CE-1C7D213774DA}"/>
+              </a:ext>
+            </a:extLst>
+          </p:cNvPr>
+          <p:cNvCxnSpPr>
+            <a:cxnSpLocks/>
+          </p:cNvCxnSpPr>
+          <p:nvPr/>
+        </p:nvCxnSpPr>
+        <p:spPr>
+          <a:xfrm>
+            <a:off x="2911448" y="4346545"/>
+            <a:ext cx="816116" cy="1"/>
+          </a:xfrm>
+          <a:prstGeom prst="straightConnector1">
+            <a:avLst/>
+          </a:prstGeom>
+          <a:ln w="28575">
+            <a:tailEnd type="triangle"/>
+          </a:ln>
+        </p:spPr>
+        <p:style>
+          <a:lnRef idx="1">
+            <a:schemeClr val="accent1"/>
+          </a:lnRef>
+          <a:fillRef idx="0">
+            <a:schemeClr val="accent1"/>
+          </a:fillRef>
+          <a:effectRef idx="0">
+            <a:schemeClr val="accent1"/>
+          </a:effectRef>
+          <a:fontRef idx="minor">
+            <a:schemeClr val="tx1"/>
+          </a:fontRef>
+        </p:style>
+      </p:cxnSp>
+      <p:cxnSp>
+        <p:nvCxnSpPr>
+          <p:cNvPr id="17" name="Conector de Seta Reta 16">
+            <a:extLst>
+              <a:ext uri="{FF2B5EF4-FFF2-40B4-BE49-F238E27FC236}">
+                <a16:creationId xmlns:a16="http://schemas.microsoft.com/office/drawing/2014/main" id="{643A5E98-65BD-F3CA-833C-DEDF0BAABB36}"/>
+              </a:ext>
+            </a:extLst>
+          </p:cNvPr>
+          <p:cNvCxnSpPr>
+            <a:cxnSpLocks/>
+          </p:cNvCxnSpPr>
+          <p:nvPr/>
+        </p:nvCxnSpPr>
+        <p:spPr>
+          <a:xfrm>
+            <a:off x="2910625" y="5546240"/>
+            <a:ext cx="816116" cy="1"/>
+          </a:xfrm>
+          <a:prstGeom prst="straightConnector1">
+            <a:avLst/>
+          </a:prstGeom>
+          <a:ln w="28575">
+            <a:tailEnd type="triangle"/>
+          </a:ln>
+        </p:spPr>
+        <p:style>
+          <a:lnRef idx="1">
+            <a:schemeClr val="accent1"/>
+          </a:lnRef>
+          <a:fillRef idx="0">
+            <a:schemeClr val="accent1"/>
+          </a:fillRef>
+          <a:effectRef idx="0">
+            <a:schemeClr val="accent1"/>
+          </a:effectRef>
+          <a:fontRef idx="minor">
+            <a:schemeClr val="tx1"/>
+          </a:fontRef>
+        </p:style>
+      </p:cxnSp>
+      <p:cxnSp>
+        <p:nvCxnSpPr>
+          <p:cNvPr id="21" name="Conector reto 20">
+            <a:extLst>
+              <a:ext uri="{FF2B5EF4-FFF2-40B4-BE49-F238E27FC236}">
+                <a16:creationId xmlns:a16="http://schemas.microsoft.com/office/drawing/2014/main" id="{E54D9533-F8A3-3B04-F770-F7B350EC57D0}"/>
+              </a:ext>
+            </a:extLst>
+          </p:cNvPr>
+          <p:cNvCxnSpPr/>
+          <p:nvPr/>
+        </p:nvCxnSpPr>
+        <p:spPr>
+          <a:xfrm>
+            <a:off x="2474976" y="4346546"/>
+            <a:ext cx="460601" cy="0"/>
+          </a:xfrm>
+          <a:prstGeom prst="line">
+            <a:avLst/>
+          </a:prstGeom>
+          <a:ln w="28575"/>
+        </p:spPr>
+        <p:style>
+          <a:lnRef idx="1">
+            <a:schemeClr val="accent1"/>
+          </a:lnRef>
+          <a:fillRef idx="0">
+            <a:schemeClr val="accent1"/>
+          </a:fillRef>
+          <a:effectRef idx="0">
+            <a:schemeClr val="accent1"/>
+          </a:effectRef>
+          <a:fontRef idx="minor">
+            <a:schemeClr val="tx1"/>
+          </a:fontRef>
+        </p:style>
+      </p:cxnSp>
+      <mc:AlternateContent xmlns:mc="http://schemas.openxmlformats.org/markup-compatibility/2006">
+        <mc:Choice xmlns:a14="http://schemas.microsoft.com/office/drawing/2010/main" Requires="a14">
+          <p:sp>
+            <p:nvSpPr>
+              <p:cNvPr id="24" name="Elipse 23">
+                <a:extLst>
+                  <a:ext uri="{FF2B5EF4-FFF2-40B4-BE49-F238E27FC236}">
+                    <a16:creationId xmlns:a16="http://schemas.microsoft.com/office/drawing/2014/main" id="{9E513172-05BB-28F4-F8FE-4A92F48D6109}"/>
+                  </a:ext>
+                </a:extLst>
+              </p:cNvPr>
+              <p:cNvSpPr/>
+              <p:nvPr/>
+            </p:nvSpPr>
+            <p:spPr>
+              <a:xfrm>
+                <a:off x="6466399" y="4148675"/>
+                <a:ext cx="360000" cy="360000"/>
+              </a:xfrm>
+              <a:prstGeom prst="ellipse">
+                <a:avLst/>
+              </a:prstGeom>
+              <a:solidFill>
+                <a:schemeClr val="bg1"/>
+              </a:solidFill>
+            </p:spPr>
+            <p:style>
+              <a:lnRef idx="2">
+                <a:schemeClr val="accent1">
+                  <a:shade val="15000"/>
+                </a:schemeClr>
+              </a:lnRef>
+              <a:fillRef idx="1">
+                <a:schemeClr val="accent1"/>
+              </a:fillRef>
+              <a:effectRef idx="0">
+                <a:schemeClr val="accent1"/>
+              </a:effectRef>
+              <a:fontRef idx="minor">
+                <a:schemeClr val="lt1"/>
+              </a:fontRef>
+            </p:style>
+            <p:txBody>
+              <a:bodyPr rtlCol="0" anchor="ctr"/>
+              <a:lstStyle/>
+              <a:p>
+                <a:pPr algn="ctr"/>
+                <a14:m>
+                  <m:oMathPara xmlns:m="http://schemas.openxmlformats.org/officeDocument/2006/math">
+                    <m:oMathParaPr>
+                      <m:jc m:val="centerGroup"/>
+                    </m:oMathParaPr>
+                    <m:oMath xmlns:m="http://schemas.openxmlformats.org/officeDocument/2006/math">
+                      <m:r>
+                        <a:rPr lang="pt-BR" b="0" i="0" smtClean="0">
+                          <a:solidFill>
+                            <a:schemeClr val="tx1"/>
+                          </a:solidFill>
+                          <a:latin typeface="Cambria Math" panose="02040503050406030204" pitchFamily="18" charset="0"/>
+                        </a:rPr>
+                        <m:t> </m:t>
+                      </m:r>
+                      <m:r>
+                        <m:rPr>
+                          <m:sty m:val="p"/>
+                        </m:rPr>
+                        <a:rPr lang="pt-BR" b="0" i="0" smtClean="0">
+                          <a:solidFill>
+                            <a:schemeClr val="tx1"/>
+                          </a:solidFill>
+                          <a:latin typeface="Cambria Math" panose="02040503050406030204" pitchFamily="18" charset="0"/>
+                        </a:rPr>
+                        <m:t>Σ</m:t>
+                      </m:r>
+                    </m:oMath>
+                  </m:oMathPara>
+                </a14:m>
+                <a:endParaRPr lang="pt-BR">
+                  <a:solidFill>
+                    <a:schemeClr val="tx1"/>
+                  </a:solidFill>
+                </a:endParaRPr>
+              </a:p>
+            </p:txBody>
+          </p:sp>
+        </mc:Choice>
+        <mc:Fallback>
+          <p:sp>
+            <p:nvSpPr>
+              <p:cNvPr id="24" name="Elipse 23">
+                <a:extLst>
+                  <a:ext uri="{FF2B5EF4-FFF2-40B4-BE49-F238E27FC236}">
+                    <a16:creationId xmlns:a16="http://schemas.microsoft.com/office/drawing/2014/main" id="{9E513172-05BB-28F4-F8FE-4A92F48D6109}"/>
+                  </a:ext>
+                </a:extLst>
+              </p:cNvPr>
+              <p:cNvSpPr>
+                <a:spLocks noRot="1" noChangeAspect="1" noMove="1" noResize="1" noEditPoints="1" noAdjustHandles="1" noChangeArrowheads="1" noChangeShapeType="1" noTextEdit="1"/>
+              </p:cNvSpPr>
+              <p:nvPr/>
+            </p:nvSpPr>
+            <p:spPr>
+              <a:xfrm>
+                <a:off x="6466399" y="4148675"/>
+                <a:ext cx="360000" cy="360000"/>
+              </a:xfrm>
+              <a:prstGeom prst="ellipse">
+                <a:avLst/>
+              </a:prstGeom>
+              <a:blipFill>
+                <a:blip r:embed="rId3"/>
+                <a:stretch>
+                  <a:fillRect/>
+                </a:stretch>
+              </a:blipFill>
+            </p:spPr>
+            <p:txBody>
+              <a:bodyPr/>
+              <a:lstStyle/>
+              <a:p>
+                <a:r>
+                  <a:rPr lang="pt-BR">
+                    <a:noFill/>
+                  </a:rPr>
+                  <a:t> </a:t>
+                </a:r>
+              </a:p>
+            </p:txBody>
+          </p:sp>
+        </mc:Fallback>
+      </mc:AlternateContent>
+      <p:cxnSp>
+        <p:nvCxnSpPr>
+          <p:cNvPr id="25" name="Conector de Seta Reta 24">
+            <a:extLst>
+              <a:ext uri="{FF2B5EF4-FFF2-40B4-BE49-F238E27FC236}">
+                <a16:creationId xmlns:a16="http://schemas.microsoft.com/office/drawing/2014/main" id="{83FDA3A7-C2E2-12D8-733F-64A766CE38AC}"/>
+              </a:ext>
+            </a:extLst>
+          </p:cNvPr>
+          <p:cNvCxnSpPr>
+            <a:cxnSpLocks/>
+            <a:stCxn id="24" idx="6"/>
+          </p:cNvCxnSpPr>
+          <p:nvPr/>
+        </p:nvCxnSpPr>
+        <p:spPr>
+          <a:xfrm>
+            <a:off x="6826399" y="4328675"/>
+            <a:ext cx="538460" cy="0"/>
+          </a:xfrm>
+          <a:prstGeom prst="straightConnector1">
+            <a:avLst/>
+          </a:prstGeom>
+          <a:ln w="28575">
+            <a:solidFill>
+              <a:schemeClr val="accent1"/>
+            </a:solidFill>
+            <a:tailEnd type="triangle"/>
+          </a:ln>
+        </p:spPr>
+        <p:style>
+          <a:lnRef idx="1">
+            <a:schemeClr val="accent1"/>
+          </a:lnRef>
+          <a:fillRef idx="0">
+            <a:schemeClr val="accent1"/>
+          </a:fillRef>
+          <a:effectRef idx="0">
+            <a:schemeClr val="accent1"/>
+          </a:effectRef>
+          <a:fontRef idx="minor">
+            <a:schemeClr val="tx1"/>
+          </a:fontRef>
+        </p:style>
+      </p:cxnSp>
+      <p:grpSp>
+        <p:nvGrpSpPr>
+          <p:cNvPr id="31" name="Agrupar 30">
+            <a:extLst>
+              <a:ext uri="{FF2B5EF4-FFF2-40B4-BE49-F238E27FC236}">
+                <a16:creationId xmlns:a16="http://schemas.microsoft.com/office/drawing/2014/main" id="{48718BD3-A272-8667-CC0D-9D9F55BA7DAF}"/>
+              </a:ext>
+            </a:extLst>
+          </p:cNvPr>
+          <p:cNvGrpSpPr/>
+          <p:nvPr/>
+        </p:nvGrpSpPr>
+        <p:grpSpPr>
+          <a:xfrm>
+            <a:off x="7276425" y="4037602"/>
+            <a:ext cx="653128" cy="582146"/>
+            <a:chOff x="7037992" y="4070859"/>
+            <a:chExt cx="653128" cy="582146"/>
+          </a:xfrm>
+        </p:grpSpPr>
+        <mc:AlternateContent xmlns:mc="http://schemas.openxmlformats.org/markup-compatibility/2006">
+          <mc:Choice xmlns:a14="http://schemas.microsoft.com/office/drawing/2010/main" Requires="a14">
+            <p:sp>
+              <p:nvSpPr>
+                <p:cNvPr id="26" name="CaixaDeTexto 25">
+                  <a:extLst>
+                    <a:ext uri="{FF2B5EF4-FFF2-40B4-BE49-F238E27FC236}">
+                      <a16:creationId xmlns:a16="http://schemas.microsoft.com/office/drawing/2014/main" id="{20C48161-0E3C-5FD2-C7B3-455EF4B76161}"/>
+                    </a:ext>
+                  </a:extLst>
+                </p:cNvPr>
+                <p:cNvSpPr txBox="1"/>
+                <p:nvPr/>
+              </p:nvSpPr>
+              <p:spPr>
+                <a:xfrm>
+                  <a:off x="7037992" y="4070859"/>
+                  <a:ext cx="653128" cy="338554"/>
+                </a:xfrm>
+                <a:prstGeom prst="rect">
+                  <a:avLst/>
+                </a:prstGeom>
+                <a:noFill/>
+              </p:spPr>
+              <p:txBody>
+                <a:bodyPr wrap="none" rtlCol="0">
+                  <a:spAutoFit/>
+                </a:bodyPr>
+                <a:lstStyle/>
+                <a:p>
+                  <a:pPr/>
+                  <a14:m>
+                    <m:oMathPara xmlns:m="http://schemas.openxmlformats.org/officeDocument/2006/math">
+                      <m:oMathParaPr>
+                        <m:jc m:val="centerGroup"/>
+                      </m:oMathParaPr>
+                      <m:oMath xmlns:m="http://schemas.openxmlformats.org/officeDocument/2006/math">
+                        <m:r>
+                          <a:rPr lang="pt-BR" sz="1600" b="0" i="1" smtClean="0">
+                            <a:latin typeface="Cambria Math" panose="02040503050406030204" pitchFamily="18" charset="0"/>
+                          </a:rPr>
+                          <m:t>𝐹</m:t>
+                        </m:r>
+                        <m:d>
+                          <m:dPr>
+                            <m:ctrlPr>
+                              <a:rPr lang="pt-BR" sz="1600" b="0" i="1" smtClean="0">
+                                <a:latin typeface="Cambria Math" panose="02040503050406030204" pitchFamily="18" charset="0"/>
+                              </a:rPr>
+                            </m:ctrlPr>
+                          </m:dPr>
+                          <m:e>
+                            <m:r>
+                              <a:rPr lang="pt-BR" sz="1600" b="1" i="1" smtClean="0">
+                                <a:latin typeface="Cambria Math" panose="02040503050406030204" pitchFamily="18" charset="0"/>
+                              </a:rPr>
+                              <m:t>𝒙</m:t>
+                            </m:r>
+                          </m:e>
+                        </m:d>
+                      </m:oMath>
+                    </m:oMathPara>
+                  </a14:m>
+                  <a:endParaRPr lang="pt-BR" sz="1600"/>
+                </a:p>
+              </p:txBody>
+            </p:sp>
+          </mc:Choice>
+          <mc:Fallback>
+            <p:sp>
+              <p:nvSpPr>
+                <p:cNvPr id="26" name="CaixaDeTexto 25">
+                  <a:extLst>
+                    <a:ext uri="{FF2B5EF4-FFF2-40B4-BE49-F238E27FC236}">
+                      <a16:creationId xmlns:a16="http://schemas.microsoft.com/office/drawing/2014/main" id="{20C48161-0E3C-5FD2-C7B3-455EF4B76161}"/>
+                    </a:ext>
+                  </a:extLst>
+                </p:cNvPr>
+                <p:cNvSpPr txBox="1">
+                  <a:spLocks noRot="1" noChangeAspect="1" noMove="1" noResize="1" noEditPoints="1" noAdjustHandles="1" noChangeArrowheads="1" noChangeShapeType="1" noTextEdit="1"/>
+                </p:cNvSpPr>
+                <p:nvPr/>
+              </p:nvSpPr>
+              <p:spPr>
+                <a:xfrm>
+                  <a:off x="7037992" y="4070859"/>
+                  <a:ext cx="653128" cy="338554"/>
+                </a:xfrm>
+                <a:prstGeom prst="rect">
+                  <a:avLst/>
+                </a:prstGeom>
+                <a:blipFill>
+                  <a:blip r:embed="rId4"/>
+                  <a:stretch>
+                    <a:fillRect/>
+                  </a:stretch>
+                </a:blipFill>
+              </p:spPr>
+              <p:txBody>
+                <a:bodyPr/>
+                <a:lstStyle/>
+                <a:p>
+                  <a:r>
+                    <a:rPr lang="pt-BR">
+                      <a:noFill/>
+                    </a:rPr>
+                    <a:t> </a:t>
+                  </a:r>
+                </a:p>
+              </p:txBody>
+            </p:sp>
+          </mc:Fallback>
+        </mc:AlternateContent>
+        <p:sp>
+          <p:nvSpPr>
+            <p:cNvPr id="28" name="CaixaDeTexto 27">
+              <a:extLst>
+                <a:ext uri="{FF2B5EF4-FFF2-40B4-BE49-F238E27FC236}">
+                  <a16:creationId xmlns:a16="http://schemas.microsoft.com/office/drawing/2014/main" id="{6E94C3C9-690E-C68E-076D-27C723E19982}"/>
+                </a:ext>
+              </a:extLst>
+            </p:cNvPr>
+            <p:cNvSpPr txBox="1"/>
+            <p:nvPr/>
+          </p:nvSpPr>
+          <p:spPr>
+            <a:xfrm>
+              <a:off x="7059888" y="4345228"/>
+              <a:ext cx="550151" cy="307777"/>
+            </a:xfrm>
+            <a:prstGeom prst="rect">
+              <a:avLst/>
+            </a:prstGeom>
+            <a:noFill/>
+          </p:spPr>
+          <p:txBody>
+            <a:bodyPr wrap="none" rtlCol="0">
+              <a:spAutoFit/>
+            </a:bodyPr>
+            <a:lstStyle/>
+            <a:p>
+              <a:r>
+                <a:rPr lang="pt-BR" sz="1400" b="1" i="0">
+                  <a:latin typeface="+mj-lt"/>
+                </a:rPr>
+                <a:t>saída</a:t>
+              </a:r>
+              <a:endParaRPr lang="pt-BR" b="1"/>
+            </a:p>
+          </p:txBody>
+        </p:sp>
+      </p:grpSp>
+      <p:cxnSp>
+        <p:nvCxnSpPr>
+          <p:cNvPr id="29" name="Conector de Seta Reta 28">
+            <a:extLst>
+              <a:ext uri="{FF2B5EF4-FFF2-40B4-BE49-F238E27FC236}">
+                <a16:creationId xmlns:a16="http://schemas.microsoft.com/office/drawing/2014/main" id="{855F23A6-DE22-EBE5-5312-AD2C585B50C8}"/>
+              </a:ext>
+            </a:extLst>
+          </p:cNvPr>
+          <p:cNvCxnSpPr>
+            <a:cxnSpLocks/>
+            <a:stCxn id="5" idx="3"/>
+            <a:endCxn id="24" idx="2"/>
+          </p:cNvCxnSpPr>
+          <p:nvPr/>
+        </p:nvCxnSpPr>
+        <p:spPr>
+          <a:xfrm flipV="1">
+            <a:off x="4600937" y="4328675"/>
+            <a:ext cx="1865462" cy="7712"/>
+          </a:xfrm>
+          <a:prstGeom prst="straightConnector1">
+            <a:avLst/>
+          </a:prstGeom>
+          <a:ln w="28575">
+            <a:solidFill>
+              <a:schemeClr val="accent1"/>
+            </a:solidFill>
+            <a:tailEnd type="triangle"/>
+          </a:ln>
+        </p:spPr>
+        <p:style>
+          <a:lnRef idx="1">
+            <a:schemeClr val="accent1"/>
+          </a:lnRef>
+          <a:fillRef idx="0">
+            <a:schemeClr val="accent1"/>
+          </a:fillRef>
+          <a:effectRef idx="0">
+            <a:schemeClr val="accent1"/>
+          </a:effectRef>
+          <a:fontRef idx="minor">
+            <a:schemeClr val="tx1"/>
+          </a:fontRef>
+        </p:style>
+      </p:cxnSp>
+      <p:grpSp>
+        <p:nvGrpSpPr>
+          <p:cNvPr id="106" name="Agrupar 105">
+            <a:extLst>
+              <a:ext uri="{FF2B5EF4-FFF2-40B4-BE49-F238E27FC236}">
+                <a16:creationId xmlns:a16="http://schemas.microsoft.com/office/drawing/2014/main" id="{BB29815E-1A6B-456A-FA5F-3649A9F5D331}"/>
+              </a:ext>
+            </a:extLst>
+          </p:cNvPr>
+          <p:cNvGrpSpPr/>
+          <p:nvPr/>
+        </p:nvGrpSpPr>
+        <p:grpSpPr>
+          <a:xfrm>
+            <a:off x="5249224" y="4114530"/>
+            <a:ext cx="441726" cy="383985"/>
+            <a:chOff x="7780594" y="2484556"/>
+            <a:chExt cx="441726" cy="383985"/>
+          </a:xfrm>
+        </p:grpSpPr>
+        <p:sp>
+          <p:nvSpPr>
+            <p:cNvPr id="74" name="Triângulo isósceles 73">
+              <a:extLst>
+                <a:ext uri="{FF2B5EF4-FFF2-40B4-BE49-F238E27FC236}">
+                  <a16:creationId xmlns:a16="http://schemas.microsoft.com/office/drawing/2014/main" id="{8789981B-4901-74F8-2B88-B1A8BCCF0FD4}"/>
+                </a:ext>
+              </a:extLst>
+            </p:cNvPr>
+            <p:cNvSpPr/>
+            <p:nvPr/>
+          </p:nvSpPr>
+          <p:spPr>
+            <a:xfrm rot="5400000">
+              <a:off x="7879183" y="2525404"/>
+              <a:ext cx="340360" cy="345914"/>
+            </a:xfrm>
+            <a:prstGeom prst="triangle">
+              <a:avLst/>
+            </a:prstGeom>
+            <a:solidFill>
+              <a:schemeClr val="bg1"/>
+            </a:solidFill>
+            <a:ln>
+              <a:solidFill>
+                <a:schemeClr val="tx1"/>
+              </a:solidFill>
+            </a:ln>
+          </p:spPr>
+          <p:style>
+            <a:lnRef idx="2">
+              <a:schemeClr val="accent1">
+                <a:shade val="15000"/>
+              </a:schemeClr>
+            </a:lnRef>
+            <a:fillRef idx="1">
+              <a:schemeClr val="accent1"/>
+            </a:fillRef>
+            <a:effectRef idx="0">
+              <a:schemeClr val="accent1"/>
+            </a:effectRef>
+            <a:fontRef idx="minor">
+              <a:schemeClr val="lt1"/>
+            </a:fontRef>
+          </p:style>
+          <p:txBody>
+            <a:bodyPr rtlCol="0" anchor="ctr"/>
+            <a:lstStyle/>
+            <a:p>
+              <a:pPr algn="ctr"/>
+              <a:endParaRPr lang="pt-BR"/>
+            </a:p>
+          </p:txBody>
+        </p:sp>
+        <mc:AlternateContent xmlns:mc="http://schemas.openxmlformats.org/markup-compatibility/2006">
+          <mc:Choice xmlns:a14="http://schemas.microsoft.com/office/drawing/2010/main" Requires="a14">
+            <p:sp>
+              <p:nvSpPr>
+                <p:cNvPr id="77" name="CaixaDeTexto 76">
+                  <a:extLst>
+                    <a:ext uri="{FF2B5EF4-FFF2-40B4-BE49-F238E27FC236}">
+                      <a16:creationId xmlns:a16="http://schemas.microsoft.com/office/drawing/2014/main" id="{0309FE81-BB02-8B78-9C0D-15BF28AF0CA8}"/>
+                    </a:ext>
+                  </a:extLst>
+                </p:cNvPr>
+                <p:cNvSpPr txBox="1"/>
+                <p:nvPr/>
+              </p:nvSpPr>
+              <p:spPr>
+                <a:xfrm>
+                  <a:off x="7780594" y="2484556"/>
+                  <a:ext cx="440056" cy="338554"/>
+                </a:xfrm>
+                <a:prstGeom prst="rect">
+                  <a:avLst/>
+                </a:prstGeom>
+                <a:noFill/>
+              </p:spPr>
+              <p:txBody>
+                <a:bodyPr wrap="none" rtlCol="0">
+                  <a:spAutoFit/>
+                </a:bodyPr>
+                <a:lstStyle/>
+                <a:p>
+                  <a:pPr/>
+                  <a14:m>
+                    <m:oMathPara xmlns:m="http://schemas.openxmlformats.org/officeDocument/2006/math">
+                      <m:oMathParaPr>
+                        <m:jc m:val="centerGroup"/>
+                      </m:oMathParaPr>
+                      <m:oMath xmlns:m="http://schemas.openxmlformats.org/officeDocument/2006/math">
+                        <m:sSub>
+                          <m:sSubPr>
+                            <m:ctrlPr>
+                              <a:rPr lang="pt-BR" sz="1600" b="0" i="1" smtClean="0">
+                                <a:latin typeface="Cambria Math" panose="02040503050406030204" pitchFamily="18" charset="0"/>
+                              </a:rPr>
+                            </m:ctrlPr>
+                          </m:sSubPr>
+                          <m:e>
+                            <m:r>
+                              <a:rPr lang="pt-BR" sz="1600" b="0" i="1" smtClean="0">
+                                <a:latin typeface="Cambria Math" panose="02040503050406030204" pitchFamily="18" charset="0"/>
+                              </a:rPr>
+                              <m:t>𝑎</m:t>
+                            </m:r>
+                          </m:e>
+                          <m:sub>
+                            <m:r>
+                              <a:rPr lang="pt-BR" sz="1600" b="0" i="1" smtClean="0">
+                                <a:latin typeface="Cambria Math" panose="02040503050406030204" pitchFamily="18" charset="0"/>
+                              </a:rPr>
+                              <m:t>2</m:t>
+                            </m:r>
+                          </m:sub>
+                        </m:sSub>
+                      </m:oMath>
+                    </m:oMathPara>
+                  </a14:m>
+                  <a:endParaRPr lang="pt-BR" sz="1600"/>
+                </a:p>
+              </p:txBody>
+            </p:sp>
+          </mc:Choice>
+          <mc:Fallback>
+            <p:sp>
+              <p:nvSpPr>
+                <p:cNvPr id="77" name="CaixaDeTexto 76">
+                  <a:extLst>
+                    <a:ext uri="{FF2B5EF4-FFF2-40B4-BE49-F238E27FC236}">
+                      <a16:creationId xmlns:a16="http://schemas.microsoft.com/office/drawing/2014/main" id="{0309FE81-BB02-8B78-9C0D-15BF28AF0CA8}"/>
+                    </a:ext>
+                  </a:extLst>
+                </p:cNvPr>
+                <p:cNvSpPr txBox="1">
+                  <a:spLocks noRot="1" noChangeAspect="1" noMove="1" noResize="1" noEditPoints="1" noAdjustHandles="1" noChangeArrowheads="1" noChangeShapeType="1" noTextEdit="1"/>
+                </p:cNvSpPr>
+                <p:nvPr/>
+              </p:nvSpPr>
+              <p:spPr>
+                <a:xfrm>
+                  <a:off x="7780594" y="2484556"/>
+                  <a:ext cx="440056" cy="338554"/>
+                </a:xfrm>
+                <a:prstGeom prst="rect">
+                  <a:avLst/>
+                </a:prstGeom>
+                <a:blipFill>
+                  <a:blip r:embed="rId5"/>
+                  <a:stretch>
+                    <a:fillRect/>
+                  </a:stretch>
+                </a:blipFill>
+              </p:spPr>
+              <p:txBody>
+                <a:bodyPr/>
+                <a:lstStyle/>
+                <a:p>
+                  <a:r>
+                    <a:rPr lang="pt-BR">
+                      <a:noFill/>
+                    </a:rPr>
+                    <a:t> </a:t>
+                  </a:r>
+                </a:p>
+              </p:txBody>
+            </p:sp>
+          </mc:Fallback>
+        </mc:AlternateContent>
+      </p:grpSp>
+      <p:cxnSp>
+        <p:nvCxnSpPr>
+          <p:cNvPr id="39" name="Conector de Seta Reta 38">
+            <a:extLst>
+              <a:ext uri="{FF2B5EF4-FFF2-40B4-BE49-F238E27FC236}">
+                <a16:creationId xmlns:a16="http://schemas.microsoft.com/office/drawing/2014/main" id="{939AED64-3A20-C89A-23E2-919EC710B63D}"/>
+              </a:ext>
+            </a:extLst>
+          </p:cNvPr>
+          <p:cNvCxnSpPr>
+            <a:cxnSpLocks/>
+            <a:endCxn id="24" idx="4"/>
+          </p:cNvCxnSpPr>
+          <p:nvPr/>
+        </p:nvCxnSpPr>
+        <p:spPr>
+          <a:xfrm flipV="1">
+            <a:off x="6646399" y="4508675"/>
+            <a:ext cx="0" cy="1017247"/>
+          </a:xfrm>
+          <a:prstGeom prst="straightConnector1">
+            <a:avLst/>
+          </a:prstGeom>
+          <a:ln w="28575">
+            <a:solidFill>
+              <a:schemeClr val="accent1"/>
+            </a:solidFill>
+            <a:tailEnd type="triangle"/>
+          </a:ln>
+        </p:spPr>
+        <p:style>
+          <a:lnRef idx="1">
+            <a:schemeClr val="accent1"/>
+          </a:lnRef>
+          <a:fillRef idx="0">
+            <a:schemeClr val="accent1"/>
+          </a:fillRef>
+          <a:effectRef idx="0">
+            <a:schemeClr val="accent1"/>
+          </a:effectRef>
+          <a:fontRef idx="minor">
+            <a:schemeClr val="tx1"/>
+          </a:fontRef>
+        </p:style>
+      </p:cxnSp>
+      <p:cxnSp>
+        <p:nvCxnSpPr>
+          <p:cNvPr id="43" name="Conector de Seta Reta 42">
+            <a:extLst>
+              <a:ext uri="{FF2B5EF4-FFF2-40B4-BE49-F238E27FC236}">
+                <a16:creationId xmlns:a16="http://schemas.microsoft.com/office/drawing/2014/main" id="{4882BD9E-2146-9764-4785-C1381A8CE605}"/>
+              </a:ext>
+            </a:extLst>
+          </p:cNvPr>
+          <p:cNvCxnSpPr>
+            <a:cxnSpLocks/>
+            <a:endCxn id="24" idx="0"/>
+          </p:cNvCxnSpPr>
+          <p:nvPr/>
+        </p:nvCxnSpPr>
+        <p:spPr>
+          <a:xfrm>
+            <a:off x="6646399" y="3139230"/>
+            <a:ext cx="0" cy="1009445"/>
+          </a:xfrm>
+          <a:prstGeom prst="straightConnector1">
+            <a:avLst/>
+          </a:prstGeom>
+          <a:ln w="28575">
+            <a:solidFill>
+              <a:schemeClr val="accent1"/>
+            </a:solidFill>
+            <a:tailEnd type="triangle"/>
+          </a:ln>
+        </p:spPr>
+        <p:style>
+          <a:lnRef idx="1">
+            <a:schemeClr val="accent1"/>
+          </a:lnRef>
+          <a:fillRef idx="0">
+            <a:schemeClr val="accent1"/>
+          </a:fillRef>
+          <a:effectRef idx="0">
+            <a:schemeClr val="accent1"/>
+          </a:effectRef>
+          <a:fontRef idx="minor">
+            <a:schemeClr val="tx1"/>
+          </a:fontRef>
+        </p:style>
+      </p:cxnSp>
+      <p:cxnSp>
+        <p:nvCxnSpPr>
+          <p:cNvPr id="48" name="Conector reto 47">
+            <a:extLst>
+              <a:ext uri="{FF2B5EF4-FFF2-40B4-BE49-F238E27FC236}">
+                <a16:creationId xmlns:a16="http://schemas.microsoft.com/office/drawing/2014/main" id="{EDE0D07D-5BA8-01B7-6FB7-45FFAF202C88}"/>
+              </a:ext>
+            </a:extLst>
+          </p:cNvPr>
+          <p:cNvCxnSpPr>
+            <a:cxnSpLocks/>
+            <a:stCxn id="4" idx="3"/>
+          </p:cNvCxnSpPr>
+          <p:nvPr/>
+        </p:nvCxnSpPr>
+        <p:spPr>
+          <a:xfrm>
+            <a:off x="4600937" y="3146851"/>
+            <a:ext cx="2057156" cy="0"/>
+          </a:xfrm>
+          <a:prstGeom prst="line">
+            <a:avLst/>
+          </a:prstGeom>
+          <a:ln w="28575"/>
+        </p:spPr>
+        <p:style>
+          <a:lnRef idx="1">
+            <a:schemeClr val="accent1"/>
+          </a:lnRef>
+          <a:fillRef idx="0">
+            <a:schemeClr val="accent1"/>
+          </a:fillRef>
+          <a:effectRef idx="0">
+            <a:schemeClr val="accent1"/>
+          </a:effectRef>
+          <a:fontRef idx="minor">
+            <a:schemeClr val="tx1"/>
+          </a:fontRef>
+        </p:style>
+      </p:cxnSp>
+      <p:cxnSp>
+        <p:nvCxnSpPr>
+          <p:cNvPr id="54" name="Conector reto 53">
+            <a:extLst>
+              <a:ext uri="{FF2B5EF4-FFF2-40B4-BE49-F238E27FC236}">
+                <a16:creationId xmlns:a16="http://schemas.microsoft.com/office/drawing/2014/main" id="{818E58E1-BE92-56D8-76AF-1FA6F90F1BBE}"/>
+              </a:ext>
+            </a:extLst>
+          </p:cNvPr>
+          <p:cNvCxnSpPr>
+            <a:cxnSpLocks/>
+            <a:stCxn id="6" idx="3"/>
+          </p:cNvCxnSpPr>
+          <p:nvPr/>
+        </p:nvCxnSpPr>
+        <p:spPr>
+          <a:xfrm flipV="1">
+            <a:off x="4600937" y="5525922"/>
+            <a:ext cx="2057156" cy="1"/>
+          </a:xfrm>
+          <a:prstGeom prst="line">
+            <a:avLst/>
+          </a:prstGeom>
+          <a:ln w="28575"/>
+        </p:spPr>
+        <p:style>
+          <a:lnRef idx="1">
+            <a:schemeClr val="accent1"/>
+          </a:lnRef>
+          <a:fillRef idx="0">
+            <a:schemeClr val="accent1"/>
+          </a:fillRef>
+          <a:effectRef idx="0">
+            <a:schemeClr val="accent1"/>
+          </a:effectRef>
+          <a:fontRef idx="minor">
+            <a:schemeClr val="tx1"/>
+          </a:fontRef>
+        </p:style>
+      </p:cxnSp>
+      <p:grpSp>
+        <p:nvGrpSpPr>
+          <p:cNvPr id="61" name="Agrupar 60">
+            <a:extLst>
+              <a:ext uri="{FF2B5EF4-FFF2-40B4-BE49-F238E27FC236}">
+                <a16:creationId xmlns:a16="http://schemas.microsoft.com/office/drawing/2014/main" id="{E32E8429-4041-A3BF-6E18-59FE7C3F1764}"/>
+              </a:ext>
+            </a:extLst>
+          </p:cNvPr>
+          <p:cNvGrpSpPr/>
+          <p:nvPr/>
+        </p:nvGrpSpPr>
+        <p:grpSpPr>
+          <a:xfrm>
+            <a:off x="5249224" y="5306513"/>
+            <a:ext cx="441726" cy="389065"/>
+            <a:chOff x="7780594" y="2479476"/>
+            <a:chExt cx="441726" cy="389065"/>
+          </a:xfrm>
+        </p:grpSpPr>
+        <p:sp>
+          <p:nvSpPr>
+            <p:cNvPr id="62" name="Triângulo isósceles 61">
+              <a:extLst>
+                <a:ext uri="{FF2B5EF4-FFF2-40B4-BE49-F238E27FC236}">
+                  <a16:creationId xmlns:a16="http://schemas.microsoft.com/office/drawing/2014/main" id="{429E48B9-72EC-F288-396A-8E1FAEC18CC1}"/>
+                </a:ext>
+              </a:extLst>
+            </p:cNvPr>
+            <p:cNvSpPr/>
+            <p:nvPr/>
+          </p:nvSpPr>
+          <p:spPr>
+            <a:xfrm rot="5400000">
+              <a:off x="7879183" y="2525404"/>
+              <a:ext cx="340360" cy="345914"/>
+            </a:xfrm>
+            <a:prstGeom prst="triangle">
+              <a:avLst/>
+            </a:prstGeom>
+            <a:solidFill>
+              <a:schemeClr val="bg1"/>
+            </a:solidFill>
+            <a:ln>
+              <a:solidFill>
+                <a:schemeClr val="tx1"/>
+              </a:solidFill>
+            </a:ln>
+          </p:spPr>
+          <p:style>
+            <a:lnRef idx="2">
+              <a:schemeClr val="accent1">
+                <a:shade val="15000"/>
+              </a:schemeClr>
+            </a:lnRef>
+            <a:fillRef idx="1">
+              <a:schemeClr val="accent1"/>
+            </a:fillRef>
+            <a:effectRef idx="0">
+              <a:schemeClr val="accent1"/>
+            </a:effectRef>
+            <a:fontRef idx="minor">
+              <a:schemeClr val="lt1"/>
+            </a:fontRef>
+          </p:style>
+          <p:txBody>
+            <a:bodyPr rtlCol="0" anchor="ctr"/>
+            <a:lstStyle/>
+            <a:p>
+              <a:pPr algn="ctr"/>
+              <a:endParaRPr lang="pt-BR"/>
+            </a:p>
+          </p:txBody>
+        </p:sp>
+        <mc:AlternateContent xmlns:mc="http://schemas.openxmlformats.org/markup-compatibility/2006">
+          <mc:Choice xmlns:a14="http://schemas.microsoft.com/office/drawing/2010/main" Requires="a14">
+            <p:sp>
+              <p:nvSpPr>
+                <p:cNvPr id="63" name="CaixaDeTexto 62">
+                  <a:extLst>
+                    <a:ext uri="{FF2B5EF4-FFF2-40B4-BE49-F238E27FC236}">
+                      <a16:creationId xmlns:a16="http://schemas.microsoft.com/office/drawing/2014/main" id="{A776F7FB-972F-5DB4-3563-917FD111E58D}"/>
+                    </a:ext>
+                  </a:extLst>
+                </p:cNvPr>
+                <p:cNvSpPr txBox="1"/>
+                <p:nvPr/>
+              </p:nvSpPr>
+              <p:spPr>
+                <a:xfrm>
+                  <a:off x="7780594" y="2479476"/>
+                  <a:ext cx="440056" cy="338554"/>
+                </a:xfrm>
+                <a:prstGeom prst="rect">
+                  <a:avLst/>
+                </a:prstGeom>
+                <a:noFill/>
+              </p:spPr>
+              <p:txBody>
+                <a:bodyPr wrap="none" rtlCol="0">
+                  <a:spAutoFit/>
+                </a:bodyPr>
+                <a:lstStyle/>
+                <a:p>
+                  <a:pPr/>
+                  <a14:m>
+                    <m:oMathPara xmlns:m="http://schemas.openxmlformats.org/officeDocument/2006/math">
+                      <m:oMathParaPr>
+                        <m:jc m:val="centerGroup"/>
+                      </m:oMathParaPr>
+                      <m:oMath xmlns:m="http://schemas.openxmlformats.org/officeDocument/2006/math">
+                        <m:sSub>
+                          <m:sSubPr>
+                            <m:ctrlPr>
+                              <a:rPr lang="pt-BR" sz="1600" b="0" i="1" smtClean="0">
+                                <a:latin typeface="Cambria Math" panose="02040503050406030204" pitchFamily="18" charset="0"/>
+                              </a:rPr>
+                            </m:ctrlPr>
+                          </m:sSubPr>
+                          <m:e>
+                            <m:r>
+                              <a:rPr lang="pt-BR" sz="1600" b="0" i="1" smtClean="0">
+                                <a:latin typeface="Cambria Math" panose="02040503050406030204" pitchFamily="18" charset="0"/>
+                              </a:rPr>
+                              <m:t>𝑎</m:t>
+                            </m:r>
+                          </m:e>
+                          <m:sub>
+                            <m:r>
+                              <a:rPr lang="pt-BR" sz="1600" b="0" i="1" smtClean="0">
+                                <a:latin typeface="Cambria Math" panose="02040503050406030204" pitchFamily="18" charset="0"/>
+                              </a:rPr>
+                              <m:t>3</m:t>
+                            </m:r>
+                          </m:sub>
+                        </m:sSub>
+                      </m:oMath>
+                    </m:oMathPara>
+                  </a14:m>
+                  <a:endParaRPr lang="pt-BR" sz="1600"/>
+                </a:p>
+              </p:txBody>
+            </p:sp>
+          </mc:Choice>
+          <mc:Fallback>
+            <p:sp>
+              <p:nvSpPr>
+                <p:cNvPr id="63" name="CaixaDeTexto 62">
+                  <a:extLst>
+                    <a:ext uri="{FF2B5EF4-FFF2-40B4-BE49-F238E27FC236}">
+                      <a16:creationId xmlns:a16="http://schemas.microsoft.com/office/drawing/2014/main" id="{A776F7FB-972F-5DB4-3563-917FD111E58D}"/>
+                    </a:ext>
+                  </a:extLst>
+                </p:cNvPr>
+                <p:cNvSpPr txBox="1">
+                  <a:spLocks noRot="1" noChangeAspect="1" noMove="1" noResize="1" noEditPoints="1" noAdjustHandles="1" noChangeArrowheads="1" noChangeShapeType="1" noTextEdit="1"/>
+                </p:cNvSpPr>
+                <p:nvPr/>
+              </p:nvSpPr>
+              <p:spPr>
+                <a:xfrm>
+                  <a:off x="7780594" y="2479476"/>
+                  <a:ext cx="440056" cy="338554"/>
+                </a:xfrm>
+                <a:prstGeom prst="rect">
+                  <a:avLst/>
+                </a:prstGeom>
+                <a:blipFill>
+                  <a:blip r:embed="rId6"/>
+                  <a:stretch>
+                    <a:fillRect/>
+                  </a:stretch>
+                </a:blipFill>
+              </p:spPr>
+              <p:txBody>
+                <a:bodyPr/>
+                <a:lstStyle/>
+                <a:p>
+                  <a:r>
+                    <a:rPr lang="pt-BR">
+                      <a:noFill/>
+                    </a:rPr>
+                    <a:t> </a:t>
+                  </a:r>
+                </a:p>
+              </p:txBody>
+            </p:sp>
+          </mc:Fallback>
+        </mc:AlternateContent>
+      </p:grpSp>
+      <p:grpSp>
+        <p:nvGrpSpPr>
+          <p:cNvPr id="64" name="Agrupar 63">
+            <a:extLst>
+              <a:ext uri="{FF2B5EF4-FFF2-40B4-BE49-F238E27FC236}">
+                <a16:creationId xmlns:a16="http://schemas.microsoft.com/office/drawing/2014/main" id="{1218F104-BA88-8876-DE12-652B0A9C60AB}"/>
+              </a:ext>
+            </a:extLst>
+          </p:cNvPr>
+          <p:cNvGrpSpPr/>
+          <p:nvPr/>
+        </p:nvGrpSpPr>
+        <p:grpSpPr>
+          <a:xfrm>
+            <a:off x="5254146" y="2924995"/>
+            <a:ext cx="441726" cy="389065"/>
+            <a:chOff x="7780594" y="2479476"/>
+            <a:chExt cx="441726" cy="389065"/>
+          </a:xfrm>
+        </p:grpSpPr>
+        <p:sp>
+          <p:nvSpPr>
+            <p:cNvPr id="65" name="Triângulo isósceles 64">
+              <a:extLst>
+                <a:ext uri="{FF2B5EF4-FFF2-40B4-BE49-F238E27FC236}">
+                  <a16:creationId xmlns:a16="http://schemas.microsoft.com/office/drawing/2014/main" id="{A883A88D-257F-40E9-B8C7-A7647354B5B7}"/>
+                </a:ext>
+              </a:extLst>
+            </p:cNvPr>
+            <p:cNvSpPr/>
+            <p:nvPr/>
+          </p:nvSpPr>
+          <p:spPr>
+            <a:xfrm rot="5400000">
+              <a:off x="7879183" y="2525404"/>
+              <a:ext cx="340360" cy="345914"/>
+            </a:xfrm>
+            <a:prstGeom prst="triangle">
+              <a:avLst/>
+            </a:prstGeom>
+            <a:solidFill>
+              <a:schemeClr val="bg1"/>
+            </a:solidFill>
+            <a:ln>
+              <a:solidFill>
+                <a:schemeClr val="tx1"/>
+              </a:solidFill>
+            </a:ln>
+          </p:spPr>
+          <p:style>
+            <a:lnRef idx="2">
+              <a:schemeClr val="accent1">
+                <a:shade val="15000"/>
+              </a:schemeClr>
+            </a:lnRef>
+            <a:fillRef idx="1">
+              <a:schemeClr val="accent1"/>
+            </a:fillRef>
+            <a:effectRef idx="0">
+              <a:schemeClr val="accent1"/>
+            </a:effectRef>
+            <a:fontRef idx="minor">
+              <a:schemeClr val="lt1"/>
+            </a:fontRef>
+          </p:style>
+          <p:txBody>
+            <a:bodyPr rtlCol="0" anchor="ctr"/>
+            <a:lstStyle/>
+            <a:p>
+              <a:pPr algn="ctr"/>
+              <a:endParaRPr lang="pt-BR"/>
+            </a:p>
+          </p:txBody>
+        </p:sp>
+        <mc:AlternateContent xmlns:mc="http://schemas.openxmlformats.org/markup-compatibility/2006">
+          <mc:Choice xmlns:a14="http://schemas.microsoft.com/office/drawing/2010/main" Requires="a14">
+            <p:sp>
+              <p:nvSpPr>
+                <p:cNvPr id="66" name="CaixaDeTexto 65">
+                  <a:extLst>
+                    <a:ext uri="{FF2B5EF4-FFF2-40B4-BE49-F238E27FC236}">
+                      <a16:creationId xmlns:a16="http://schemas.microsoft.com/office/drawing/2014/main" id="{8599B6CB-5BF8-F104-FAC5-3BB7E7B3B0A9}"/>
+                    </a:ext>
+                  </a:extLst>
+                </p:cNvPr>
+                <p:cNvSpPr txBox="1"/>
+                <p:nvPr/>
+              </p:nvSpPr>
+              <p:spPr>
+                <a:xfrm>
+                  <a:off x="7780594" y="2479476"/>
+                  <a:ext cx="435311" cy="338554"/>
+                </a:xfrm>
+                <a:prstGeom prst="rect">
+                  <a:avLst/>
+                </a:prstGeom>
+                <a:noFill/>
+              </p:spPr>
+              <p:txBody>
+                <a:bodyPr wrap="none" rtlCol="0">
+                  <a:spAutoFit/>
+                </a:bodyPr>
+                <a:lstStyle/>
+                <a:p>
+                  <a:pPr/>
+                  <a14:m>
+                    <m:oMathPara xmlns:m="http://schemas.openxmlformats.org/officeDocument/2006/math">
+                      <m:oMathParaPr>
+                        <m:jc m:val="centerGroup"/>
+                      </m:oMathParaPr>
+                      <m:oMath xmlns:m="http://schemas.openxmlformats.org/officeDocument/2006/math">
+                        <m:sSub>
+                          <m:sSubPr>
+                            <m:ctrlPr>
+                              <a:rPr lang="pt-BR" sz="1600" b="0" i="1" smtClean="0">
+                                <a:latin typeface="Cambria Math" panose="02040503050406030204" pitchFamily="18" charset="0"/>
+                              </a:rPr>
+                            </m:ctrlPr>
+                          </m:sSubPr>
+                          <m:e>
+                            <m:r>
+                              <a:rPr lang="pt-BR" sz="1600" b="0" i="1" smtClean="0">
+                                <a:latin typeface="Cambria Math" panose="02040503050406030204" pitchFamily="18" charset="0"/>
+                              </a:rPr>
+                              <m:t>𝑎</m:t>
+                            </m:r>
+                          </m:e>
+                          <m:sub>
+                            <m:r>
+                              <a:rPr lang="pt-BR" sz="1600" b="0" i="1" smtClean="0">
+                                <a:latin typeface="Cambria Math" panose="02040503050406030204" pitchFamily="18" charset="0"/>
+                              </a:rPr>
+                              <m:t>1</m:t>
+                            </m:r>
+                          </m:sub>
+                        </m:sSub>
+                      </m:oMath>
+                    </m:oMathPara>
+                  </a14:m>
+                  <a:endParaRPr lang="pt-BR" sz="1600"/>
+                </a:p>
+              </p:txBody>
+            </p:sp>
+          </mc:Choice>
+          <mc:Fallback>
+            <p:sp>
+              <p:nvSpPr>
+                <p:cNvPr id="66" name="CaixaDeTexto 65">
+                  <a:extLst>
+                    <a:ext uri="{FF2B5EF4-FFF2-40B4-BE49-F238E27FC236}">
+                      <a16:creationId xmlns:a16="http://schemas.microsoft.com/office/drawing/2014/main" id="{8599B6CB-5BF8-F104-FAC5-3BB7E7B3B0A9}"/>
+                    </a:ext>
+                  </a:extLst>
+                </p:cNvPr>
+                <p:cNvSpPr txBox="1">
+                  <a:spLocks noRot="1" noChangeAspect="1" noMove="1" noResize="1" noEditPoints="1" noAdjustHandles="1" noChangeArrowheads="1" noChangeShapeType="1" noTextEdit="1"/>
+                </p:cNvSpPr>
+                <p:nvPr/>
+              </p:nvSpPr>
+              <p:spPr>
+                <a:xfrm>
+                  <a:off x="7780594" y="2479476"/>
+                  <a:ext cx="435311" cy="338554"/>
+                </a:xfrm>
+                <a:prstGeom prst="rect">
+                  <a:avLst/>
+                </a:prstGeom>
+                <a:blipFill>
+                  <a:blip r:embed="rId7"/>
+                  <a:stretch>
+                    <a:fillRect/>
+                  </a:stretch>
+                </a:blipFill>
+              </p:spPr>
+              <p:txBody>
+                <a:bodyPr/>
+                <a:lstStyle/>
+                <a:p>
+                  <a:r>
+                    <a:rPr lang="pt-BR">
+                      <a:noFill/>
+                    </a:rPr>
+                    <a:t> </a:t>
+                  </a:r>
+                </a:p>
+              </p:txBody>
+            </p:sp>
+          </mc:Fallback>
+        </mc:AlternateContent>
+      </p:grpSp>
+      <mc:AlternateContent xmlns:mc="http://schemas.openxmlformats.org/markup-compatibility/2006">
+        <mc:Choice xmlns:a14="http://schemas.microsoft.com/office/drawing/2010/main" Requires="a14">
+          <p:sp>
+            <p:nvSpPr>
+              <p:cNvPr id="67" name="CaixaDeTexto 66">
+                <a:extLst>
+                  <a:ext uri="{FF2B5EF4-FFF2-40B4-BE49-F238E27FC236}">
+                    <a16:creationId xmlns:a16="http://schemas.microsoft.com/office/drawing/2014/main" id="{09F3BDBE-F230-36F6-803F-A688803A1FE5}"/>
+                  </a:ext>
+                </a:extLst>
+              </p:cNvPr>
+              <p:cNvSpPr txBox="1"/>
+              <p:nvPr/>
+            </p:nvSpPr>
+            <p:spPr>
+              <a:xfrm>
+                <a:off x="4581261" y="2832239"/>
+                <a:ext cx="784061" cy="261610"/>
+              </a:xfrm>
+              <a:prstGeom prst="rect">
+                <a:avLst/>
+              </a:prstGeom>
+              <a:noFill/>
+            </p:spPr>
+            <p:txBody>
+              <a:bodyPr wrap="none" rtlCol="0">
+                <a:spAutoFit/>
+              </a:bodyPr>
+              <a:lstStyle/>
+              <a:p>
+                <a:pPr/>
+                <a14:m>
+                  <m:oMathPara xmlns:m="http://schemas.openxmlformats.org/officeDocument/2006/math">
+                    <m:oMathParaPr>
+                      <m:jc m:val="centerGroup"/>
+                    </m:oMathParaPr>
+                    <m:oMath xmlns:m="http://schemas.openxmlformats.org/officeDocument/2006/math">
+                      <m:sSub>
+                        <m:sSubPr>
+                          <m:ctrlPr>
+                            <a:rPr lang="pt-BR" sz="1100" b="0" i="1" smtClean="0">
+                              <a:solidFill>
+                                <a:schemeClr val="tx1"/>
+                              </a:solidFill>
+                              <a:latin typeface="Cambria Math" panose="02040503050406030204" pitchFamily="18" charset="0"/>
+                            </a:rPr>
+                          </m:ctrlPr>
+                        </m:sSubPr>
+                        <m:e>
+                          <m:r>
+                            <a:rPr lang="pt-BR" sz="1100" b="0" i="1" smtClean="0">
+                              <a:solidFill>
+                                <a:schemeClr val="tx1"/>
+                              </a:solidFill>
+                              <a:latin typeface="Cambria Math" panose="02040503050406030204" pitchFamily="18" charset="0"/>
+                            </a:rPr>
+                            <m:t>𝜙</m:t>
+                          </m:r>
+                        </m:e>
+                        <m:sub>
+                          <m:r>
+                            <a:rPr lang="pt-BR" sz="1100" b="0" i="1" smtClean="0">
+                              <a:solidFill>
+                                <a:schemeClr val="tx1"/>
+                              </a:solidFill>
+                              <a:latin typeface="Cambria Math" panose="02040503050406030204" pitchFamily="18" charset="0"/>
+                            </a:rPr>
+                            <m:t>1</m:t>
+                          </m:r>
+                        </m:sub>
+                      </m:sSub>
+                      <m:d>
+                        <m:dPr>
+                          <m:ctrlPr>
+                            <a:rPr lang="pt-BR" sz="1100" b="0" i="1" smtClean="0">
+                              <a:solidFill>
+                                <a:schemeClr val="tx1"/>
+                              </a:solidFill>
+                              <a:latin typeface="Cambria Math" panose="02040503050406030204" pitchFamily="18" charset="0"/>
+                            </a:rPr>
+                          </m:ctrlPr>
+                        </m:dPr>
+                        <m:e>
+                          <m:r>
+                            <a:rPr lang="pt-BR" sz="1100" b="1" i="1" smtClean="0">
+                              <a:solidFill>
+                                <a:schemeClr val="tx1"/>
+                              </a:solidFill>
+                              <a:latin typeface="Cambria Math" panose="02040503050406030204" pitchFamily="18" charset="0"/>
+                            </a:rPr>
+                            <m:t>𝒙</m:t>
+                          </m:r>
+                          <m:r>
+                            <a:rPr lang="pt-BR" sz="1100" b="0" i="1" smtClean="0">
+                              <a:solidFill>
+                                <a:schemeClr val="tx1"/>
+                              </a:solidFill>
+                              <a:latin typeface="Cambria Math" panose="02040503050406030204" pitchFamily="18" charset="0"/>
+                            </a:rPr>
+                            <m:t>;</m:t>
+                          </m:r>
+                          <m:sSub>
+                            <m:sSubPr>
+                              <m:ctrlPr>
+                                <a:rPr lang="pt-BR" sz="1100" b="0" i="1" smtClean="0">
+                                  <a:solidFill>
+                                    <a:schemeClr val="tx1"/>
+                                  </a:solidFill>
+                                  <a:latin typeface="Cambria Math" panose="02040503050406030204" pitchFamily="18" charset="0"/>
+                                </a:rPr>
+                              </m:ctrlPr>
+                            </m:sSubPr>
+                            <m:e>
+                              <m:r>
+                                <a:rPr lang="pt-BR" sz="1100" b="1" i="1" smtClean="0">
+                                  <a:solidFill>
+                                    <a:schemeClr val="tx1"/>
+                                  </a:solidFill>
+                                  <a:latin typeface="Cambria Math" panose="02040503050406030204" pitchFamily="18" charset="0"/>
+                                </a:rPr>
+                                <m:t>𝜽</m:t>
+                              </m:r>
+                            </m:e>
+                            <m:sub>
+                              <m:r>
+                                <a:rPr lang="pt-BR" sz="1100" b="0" i="1" smtClean="0">
+                                  <a:solidFill>
+                                    <a:schemeClr val="tx1"/>
+                                  </a:solidFill>
+                                  <a:latin typeface="Cambria Math" panose="02040503050406030204" pitchFamily="18" charset="0"/>
+                                </a:rPr>
+                                <m:t>1</m:t>
+                              </m:r>
+                            </m:sub>
+                          </m:sSub>
+                        </m:e>
+                      </m:d>
+                    </m:oMath>
+                  </m:oMathPara>
+                </a14:m>
+                <a:endParaRPr lang="pt-BR" sz="1100">
+                  <a:solidFill>
+                    <a:schemeClr val="tx1"/>
+                  </a:solidFill>
+                </a:endParaRPr>
+              </a:p>
+            </p:txBody>
+          </p:sp>
+        </mc:Choice>
+        <mc:Fallback>
+          <p:sp>
+            <p:nvSpPr>
+              <p:cNvPr id="67" name="CaixaDeTexto 66">
+                <a:extLst>
+                  <a:ext uri="{FF2B5EF4-FFF2-40B4-BE49-F238E27FC236}">
+                    <a16:creationId xmlns:a16="http://schemas.microsoft.com/office/drawing/2014/main" id="{09F3BDBE-F230-36F6-803F-A688803A1FE5}"/>
+                  </a:ext>
+                </a:extLst>
+              </p:cNvPr>
+              <p:cNvSpPr txBox="1">
+                <a:spLocks noRot="1" noChangeAspect="1" noMove="1" noResize="1" noEditPoints="1" noAdjustHandles="1" noChangeArrowheads="1" noChangeShapeType="1" noTextEdit="1"/>
+              </p:cNvSpPr>
+              <p:nvPr/>
+            </p:nvSpPr>
+            <p:spPr>
+              <a:xfrm>
+                <a:off x="4581261" y="2832239"/>
+                <a:ext cx="784061" cy="261610"/>
+              </a:xfrm>
+              <a:prstGeom prst="rect">
+                <a:avLst/>
+              </a:prstGeom>
+              <a:blipFill>
+                <a:blip r:embed="rId8"/>
+                <a:stretch>
+                  <a:fillRect b="-4651"/>
+                </a:stretch>
+              </a:blipFill>
+            </p:spPr>
+            <p:txBody>
+              <a:bodyPr/>
+              <a:lstStyle/>
+              <a:p>
+                <a:r>
+                  <a:rPr lang="pt-BR">
+                    <a:noFill/>
+                  </a:rPr>
+                  <a:t> </a:t>
+                </a:r>
+              </a:p>
+            </p:txBody>
+          </p:sp>
+        </mc:Fallback>
+      </mc:AlternateContent>
+      <mc:AlternateContent xmlns:mc="http://schemas.openxmlformats.org/markup-compatibility/2006">
+        <mc:Choice xmlns:a14="http://schemas.microsoft.com/office/drawing/2010/main" Requires="a14">
+          <p:sp>
+            <p:nvSpPr>
+              <p:cNvPr id="68" name="CaixaDeTexto 67">
+                <a:extLst>
+                  <a:ext uri="{FF2B5EF4-FFF2-40B4-BE49-F238E27FC236}">
+                    <a16:creationId xmlns:a16="http://schemas.microsoft.com/office/drawing/2014/main" id="{B277B3CC-DD6B-0736-FF0E-DDB6F82F23C3}"/>
+                  </a:ext>
+                </a:extLst>
+              </p:cNvPr>
+              <p:cNvSpPr txBox="1"/>
+              <p:nvPr/>
+            </p:nvSpPr>
+            <p:spPr>
+              <a:xfrm>
+                <a:off x="5598654" y="2829105"/>
+                <a:ext cx="924484" cy="261610"/>
+              </a:xfrm>
+              <a:prstGeom prst="rect">
+                <a:avLst/>
+              </a:prstGeom>
+              <a:noFill/>
+            </p:spPr>
+            <p:txBody>
+              <a:bodyPr wrap="none" rtlCol="0">
+                <a:spAutoFit/>
+              </a:bodyPr>
+              <a:lstStyle/>
+              <a:p>
+                <a:pPr/>
+                <a14:m>
+                  <m:oMathPara xmlns:m="http://schemas.openxmlformats.org/officeDocument/2006/math">
+                    <m:oMathParaPr>
+                      <m:jc m:val="centerGroup"/>
+                    </m:oMathParaPr>
+                    <m:oMath xmlns:m="http://schemas.openxmlformats.org/officeDocument/2006/math">
+                      <m:sSub>
+                        <m:sSubPr>
+                          <m:ctrlPr>
+                            <a:rPr lang="pt-BR" sz="1100" b="0" i="1" smtClean="0">
+                              <a:solidFill>
+                                <a:schemeClr val="tx1"/>
+                              </a:solidFill>
+                              <a:latin typeface="Cambria Math" panose="02040503050406030204" pitchFamily="18" charset="0"/>
+                            </a:rPr>
+                          </m:ctrlPr>
+                        </m:sSubPr>
+                        <m:e>
+                          <m:r>
+                            <a:rPr lang="pt-BR" sz="1100" b="0" i="1" smtClean="0">
+                              <a:solidFill>
+                                <a:schemeClr val="tx1"/>
+                              </a:solidFill>
+                              <a:latin typeface="Cambria Math" panose="02040503050406030204" pitchFamily="18" charset="0"/>
+                            </a:rPr>
+                            <m:t>𝑎</m:t>
+                          </m:r>
+                        </m:e>
+                        <m:sub>
+                          <m:r>
+                            <a:rPr lang="pt-BR" sz="1100" b="0" i="1" smtClean="0">
+                              <a:solidFill>
+                                <a:schemeClr val="tx1"/>
+                              </a:solidFill>
+                              <a:latin typeface="Cambria Math" panose="02040503050406030204" pitchFamily="18" charset="0"/>
+                            </a:rPr>
+                            <m:t>1</m:t>
+                          </m:r>
+                        </m:sub>
+                      </m:sSub>
+                      <m:sSub>
+                        <m:sSubPr>
+                          <m:ctrlPr>
+                            <a:rPr lang="pt-BR" sz="1100" b="0" i="1" smtClean="0">
+                              <a:solidFill>
+                                <a:schemeClr val="tx1"/>
+                              </a:solidFill>
+                              <a:latin typeface="Cambria Math" panose="02040503050406030204" pitchFamily="18" charset="0"/>
+                            </a:rPr>
+                          </m:ctrlPr>
+                        </m:sSubPr>
+                        <m:e>
+                          <m:r>
+                            <a:rPr lang="pt-BR" sz="1100" b="0" i="1" smtClean="0">
+                              <a:solidFill>
+                                <a:schemeClr val="tx1"/>
+                              </a:solidFill>
+                              <a:latin typeface="Cambria Math" panose="02040503050406030204" pitchFamily="18" charset="0"/>
+                            </a:rPr>
+                            <m:t>𝜙</m:t>
+                          </m:r>
+                        </m:e>
+                        <m:sub>
+                          <m:r>
+                            <a:rPr lang="pt-BR" sz="1100" b="0" i="1" smtClean="0">
+                              <a:solidFill>
+                                <a:schemeClr val="tx1"/>
+                              </a:solidFill>
+                              <a:latin typeface="Cambria Math" panose="02040503050406030204" pitchFamily="18" charset="0"/>
+                            </a:rPr>
+                            <m:t>1</m:t>
+                          </m:r>
+                        </m:sub>
+                      </m:sSub>
+                      <m:d>
+                        <m:dPr>
+                          <m:ctrlPr>
+                            <a:rPr lang="pt-BR" sz="1100" b="0" i="1" smtClean="0">
+                              <a:solidFill>
+                                <a:schemeClr val="tx1"/>
+                              </a:solidFill>
+                              <a:latin typeface="Cambria Math" panose="02040503050406030204" pitchFamily="18" charset="0"/>
+                            </a:rPr>
+                          </m:ctrlPr>
+                        </m:dPr>
+                        <m:e>
+                          <m:r>
+                            <a:rPr lang="pt-BR" sz="1100" b="1" i="1" smtClean="0">
+                              <a:solidFill>
+                                <a:schemeClr val="tx1"/>
+                              </a:solidFill>
+                              <a:latin typeface="Cambria Math" panose="02040503050406030204" pitchFamily="18" charset="0"/>
+                            </a:rPr>
+                            <m:t>𝒙</m:t>
+                          </m:r>
+                          <m:r>
+                            <a:rPr lang="pt-BR" sz="1100" b="0" i="1" smtClean="0">
+                              <a:solidFill>
+                                <a:schemeClr val="tx1"/>
+                              </a:solidFill>
+                              <a:latin typeface="Cambria Math" panose="02040503050406030204" pitchFamily="18" charset="0"/>
+                            </a:rPr>
+                            <m:t>;</m:t>
+                          </m:r>
+                          <m:sSub>
+                            <m:sSubPr>
+                              <m:ctrlPr>
+                                <a:rPr lang="pt-BR" sz="1100" b="0" i="1" smtClean="0">
+                                  <a:solidFill>
+                                    <a:schemeClr val="tx1"/>
+                                  </a:solidFill>
+                                  <a:latin typeface="Cambria Math" panose="02040503050406030204" pitchFamily="18" charset="0"/>
+                                </a:rPr>
+                              </m:ctrlPr>
+                            </m:sSubPr>
+                            <m:e>
+                              <m:r>
+                                <a:rPr lang="pt-BR" sz="1100" b="1" i="1" smtClean="0">
+                                  <a:solidFill>
+                                    <a:schemeClr val="tx1"/>
+                                  </a:solidFill>
+                                  <a:latin typeface="Cambria Math" panose="02040503050406030204" pitchFamily="18" charset="0"/>
+                                </a:rPr>
+                                <m:t>𝜽</m:t>
+                              </m:r>
+                            </m:e>
+                            <m:sub>
+                              <m:r>
+                                <a:rPr lang="pt-BR" sz="1100" b="0" i="1" smtClean="0">
+                                  <a:solidFill>
+                                    <a:schemeClr val="tx1"/>
+                                  </a:solidFill>
+                                  <a:latin typeface="Cambria Math" panose="02040503050406030204" pitchFamily="18" charset="0"/>
+                                </a:rPr>
+                                <m:t>1</m:t>
+                              </m:r>
+                            </m:sub>
+                          </m:sSub>
+                        </m:e>
+                      </m:d>
+                    </m:oMath>
+                  </m:oMathPara>
+                </a14:m>
+                <a:endParaRPr lang="pt-BR" sz="1100">
+                  <a:solidFill>
+                    <a:schemeClr val="tx1"/>
+                  </a:solidFill>
+                </a:endParaRPr>
+              </a:p>
+            </p:txBody>
+          </p:sp>
+        </mc:Choice>
+        <mc:Fallback>
+          <p:sp>
+            <p:nvSpPr>
+              <p:cNvPr id="68" name="CaixaDeTexto 67">
+                <a:extLst>
+                  <a:ext uri="{FF2B5EF4-FFF2-40B4-BE49-F238E27FC236}">
+                    <a16:creationId xmlns:a16="http://schemas.microsoft.com/office/drawing/2014/main" id="{B277B3CC-DD6B-0736-FF0E-DDB6F82F23C3}"/>
+                  </a:ext>
+                </a:extLst>
+              </p:cNvPr>
+              <p:cNvSpPr txBox="1">
+                <a:spLocks noRot="1" noChangeAspect="1" noMove="1" noResize="1" noEditPoints="1" noAdjustHandles="1" noChangeArrowheads="1" noChangeShapeType="1" noTextEdit="1"/>
+              </p:cNvSpPr>
+              <p:nvPr/>
+            </p:nvSpPr>
+            <p:spPr>
+              <a:xfrm>
+                <a:off x="5598654" y="2829105"/>
+                <a:ext cx="924484" cy="261610"/>
+              </a:xfrm>
+              <a:prstGeom prst="rect">
+                <a:avLst/>
+              </a:prstGeom>
+              <a:blipFill>
+                <a:blip r:embed="rId9"/>
+                <a:stretch>
+                  <a:fillRect b="-6977"/>
+                </a:stretch>
+              </a:blipFill>
+            </p:spPr>
+            <p:txBody>
+              <a:bodyPr/>
+              <a:lstStyle/>
+              <a:p>
+                <a:r>
+                  <a:rPr lang="pt-BR">
+                    <a:noFill/>
+                  </a:rPr>
+                  <a:t> </a:t>
+                </a:r>
+              </a:p>
+            </p:txBody>
+          </p:sp>
+        </mc:Fallback>
+      </mc:AlternateContent>
+      <mc:AlternateContent xmlns:mc="http://schemas.openxmlformats.org/markup-compatibility/2006">
+        <mc:Choice xmlns:a14="http://schemas.microsoft.com/office/drawing/2010/main" Requires="a14">
+          <p:sp>
+            <p:nvSpPr>
+              <p:cNvPr id="69" name="CaixaDeTexto 68">
+                <a:extLst>
+                  <a:ext uri="{FF2B5EF4-FFF2-40B4-BE49-F238E27FC236}">
+                    <a16:creationId xmlns:a16="http://schemas.microsoft.com/office/drawing/2014/main" id="{0FF614A7-48AC-D568-19C7-429000E9D575}"/>
+                  </a:ext>
+                </a:extLst>
+              </p:cNvPr>
+              <p:cNvSpPr txBox="1"/>
+              <p:nvPr/>
+            </p:nvSpPr>
+            <p:spPr>
+              <a:xfrm>
+                <a:off x="4582417" y="4025978"/>
+                <a:ext cx="790601" cy="261610"/>
+              </a:xfrm>
+              <a:prstGeom prst="rect">
+                <a:avLst/>
+              </a:prstGeom>
+              <a:noFill/>
+            </p:spPr>
+            <p:txBody>
+              <a:bodyPr wrap="none" rtlCol="0">
+                <a:spAutoFit/>
+              </a:bodyPr>
+              <a:lstStyle/>
+              <a:p>
+                <a:pPr/>
+                <a14:m>
+                  <m:oMathPara xmlns:m="http://schemas.openxmlformats.org/officeDocument/2006/math">
+                    <m:oMathParaPr>
+                      <m:jc m:val="centerGroup"/>
+                    </m:oMathParaPr>
+                    <m:oMath xmlns:m="http://schemas.openxmlformats.org/officeDocument/2006/math">
+                      <m:sSub>
+                        <m:sSubPr>
+                          <m:ctrlPr>
+                            <a:rPr lang="pt-BR" sz="1100" b="0" i="1" smtClean="0">
+                              <a:solidFill>
+                                <a:schemeClr val="tx1"/>
+                              </a:solidFill>
+                              <a:latin typeface="Cambria Math" panose="02040503050406030204" pitchFamily="18" charset="0"/>
+                            </a:rPr>
+                          </m:ctrlPr>
+                        </m:sSubPr>
+                        <m:e>
+                          <m:r>
+                            <a:rPr lang="pt-BR" sz="1100" b="0" i="1" smtClean="0">
+                              <a:solidFill>
+                                <a:schemeClr val="tx1"/>
+                              </a:solidFill>
+                              <a:latin typeface="Cambria Math" panose="02040503050406030204" pitchFamily="18" charset="0"/>
+                            </a:rPr>
+                            <m:t>𝜙</m:t>
+                          </m:r>
+                        </m:e>
+                        <m:sub>
+                          <m:r>
+                            <a:rPr lang="pt-BR" sz="1100" b="0" i="1" smtClean="0">
+                              <a:solidFill>
+                                <a:schemeClr val="tx1"/>
+                              </a:solidFill>
+                              <a:latin typeface="Cambria Math" panose="02040503050406030204" pitchFamily="18" charset="0"/>
+                            </a:rPr>
+                            <m:t>2</m:t>
+                          </m:r>
+                        </m:sub>
+                      </m:sSub>
+                      <m:d>
+                        <m:dPr>
+                          <m:ctrlPr>
+                            <a:rPr lang="pt-BR" sz="1100" b="0" i="1" smtClean="0">
+                              <a:solidFill>
+                                <a:schemeClr val="tx1"/>
+                              </a:solidFill>
+                              <a:latin typeface="Cambria Math" panose="02040503050406030204" pitchFamily="18" charset="0"/>
+                            </a:rPr>
+                          </m:ctrlPr>
+                        </m:dPr>
+                        <m:e>
+                          <m:r>
+                            <a:rPr lang="pt-BR" sz="1100" b="1" i="1" smtClean="0">
+                              <a:solidFill>
+                                <a:schemeClr val="tx1"/>
+                              </a:solidFill>
+                              <a:latin typeface="Cambria Math" panose="02040503050406030204" pitchFamily="18" charset="0"/>
+                            </a:rPr>
+                            <m:t>𝒙</m:t>
+                          </m:r>
+                          <m:r>
+                            <a:rPr lang="pt-BR" sz="1100" b="0" i="1" smtClean="0">
+                              <a:solidFill>
+                                <a:schemeClr val="tx1"/>
+                              </a:solidFill>
+                              <a:latin typeface="Cambria Math" panose="02040503050406030204" pitchFamily="18" charset="0"/>
+                            </a:rPr>
+                            <m:t>;</m:t>
+                          </m:r>
+                          <m:sSub>
+                            <m:sSubPr>
+                              <m:ctrlPr>
+                                <a:rPr lang="pt-BR" sz="1100" b="0" i="1" smtClean="0">
+                                  <a:solidFill>
+                                    <a:schemeClr val="tx1"/>
+                                  </a:solidFill>
+                                  <a:latin typeface="Cambria Math" panose="02040503050406030204" pitchFamily="18" charset="0"/>
+                                </a:rPr>
+                              </m:ctrlPr>
+                            </m:sSubPr>
+                            <m:e>
+                              <m:r>
+                                <a:rPr lang="pt-BR" sz="1100" b="1" i="1" smtClean="0">
+                                  <a:solidFill>
+                                    <a:schemeClr val="tx1"/>
+                                  </a:solidFill>
+                                  <a:latin typeface="Cambria Math" panose="02040503050406030204" pitchFamily="18" charset="0"/>
+                                </a:rPr>
+                                <m:t>𝜽</m:t>
+                              </m:r>
+                            </m:e>
+                            <m:sub>
+                              <m:r>
+                                <a:rPr lang="pt-BR" sz="1100" b="0" i="1" smtClean="0">
+                                  <a:solidFill>
+                                    <a:schemeClr val="tx1"/>
+                                  </a:solidFill>
+                                  <a:latin typeface="Cambria Math" panose="02040503050406030204" pitchFamily="18" charset="0"/>
+                                </a:rPr>
+                                <m:t>2</m:t>
+                              </m:r>
+                            </m:sub>
+                          </m:sSub>
+                        </m:e>
+                      </m:d>
+                    </m:oMath>
+                  </m:oMathPara>
+                </a14:m>
+                <a:endParaRPr lang="pt-BR" sz="1100">
+                  <a:solidFill>
+                    <a:schemeClr val="tx1"/>
+                  </a:solidFill>
+                </a:endParaRPr>
+              </a:p>
+            </p:txBody>
+          </p:sp>
+        </mc:Choice>
+        <mc:Fallback>
+          <p:sp>
+            <p:nvSpPr>
+              <p:cNvPr id="69" name="CaixaDeTexto 68">
+                <a:extLst>
+                  <a:ext uri="{FF2B5EF4-FFF2-40B4-BE49-F238E27FC236}">
+                    <a16:creationId xmlns:a16="http://schemas.microsoft.com/office/drawing/2014/main" id="{0FF614A7-48AC-D568-19C7-429000E9D575}"/>
+                  </a:ext>
+                </a:extLst>
+              </p:cNvPr>
+              <p:cNvSpPr txBox="1">
+                <a:spLocks noRot="1" noChangeAspect="1" noMove="1" noResize="1" noEditPoints="1" noAdjustHandles="1" noChangeArrowheads="1" noChangeShapeType="1" noTextEdit="1"/>
+              </p:cNvSpPr>
+              <p:nvPr/>
+            </p:nvSpPr>
+            <p:spPr>
+              <a:xfrm>
+                <a:off x="4582417" y="4025978"/>
+                <a:ext cx="790601" cy="261610"/>
+              </a:xfrm>
+              <a:prstGeom prst="rect">
+                <a:avLst/>
+              </a:prstGeom>
+              <a:blipFill>
+                <a:blip r:embed="rId10"/>
+                <a:stretch>
+                  <a:fillRect b="-6977"/>
+                </a:stretch>
+              </a:blipFill>
+            </p:spPr>
+            <p:txBody>
+              <a:bodyPr/>
+              <a:lstStyle/>
+              <a:p>
+                <a:r>
+                  <a:rPr lang="pt-BR">
+                    <a:noFill/>
+                  </a:rPr>
+                  <a:t> </a:t>
+                </a:r>
+              </a:p>
+            </p:txBody>
+          </p:sp>
+        </mc:Fallback>
+      </mc:AlternateContent>
+      <mc:AlternateContent xmlns:mc="http://schemas.openxmlformats.org/markup-compatibility/2006">
+        <mc:Choice xmlns:a14="http://schemas.microsoft.com/office/drawing/2010/main" Requires="a14">
+          <p:sp>
+            <p:nvSpPr>
+              <p:cNvPr id="70" name="CaixaDeTexto 69">
+                <a:extLst>
+                  <a:ext uri="{FF2B5EF4-FFF2-40B4-BE49-F238E27FC236}">
+                    <a16:creationId xmlns:a16="http://schemas.microsoft.com/office/drawing/2014/main" id="{0087D340-4298-0478-58E9-FEF157864427}"/>
+                  </a:ext>
+                </a:extLst>
+              </p:cNvPr>
+              <p:cNvSpPr txBox="1"/>
+              <p:nvPr/>
+            </p:nvSpPr>
+            <p:spPr>
+              <a:xfrm>
+                <a:off x="5557609" y="4023657"/>
+                <a:ext cx="934294" cy="261610"/>
+              </a:xfrm>
+              <a:prstGeom prst="rect">
+                <a:avLst/>
+              </a:prstGeom>
+              <a:noFill/>
+            </p:spPr>
+            <p:txBody>
+              <a:bodyPr wrap="none" rtlCol="0">
+                <a:spAutoFit/>
+              </a:bodyPr>
+              <a:lstStyle/>
+              <a:p>
+                <a:pPr/>
+                <a14:m>
+                  <m:oMathPara xmlns:m="http://schemas.openxmlformats.org/officeDocument/2006/math">
+                    <m:oMathParaPr>
+                      <m:jc m:val="centerGroup"/>
+                    </m:oMathParaPr>
+                    <m:oMath xmlns:m="http://schemas.openxmlformats.org/officeDocument/2006/math">
+                      <m:sSub>
+                        <m:sSubPr>
+                          <m:ctrlPr>
+                            <a:rPr lang="pt-BR" sz="1100" b="0" i="1" smtClean="0">
+                              <a:solidFill>
+                                <a:schemeClr val="tx1"/>
+                              </a:solidFill>
+                              <a:latin typeface="Cambria Math" panose="02040503050406030204" pitchFamily="18" charset="0"/>
+                            </a:rPr>
+                          </m:ctrlPr>
+                        </m:sSubPr>
+                        <m:e>
+                          <m:r>
+                            <a:rPr lang="pt-BR" sz="1100" b="0" i="1" smtClean="0">
+                              <a:solidFill>
+                                <a:schemeClr val="tx1"/>
+                              </a:solidFill>
+                              <a:latin typeface="Cambria Math" panose="02040503050406030204" pitchFamily="18" charset="0"/>
+                            </a:rPr>
+                            <m:t>𝑎</m:t>
+                          </m:r>
+                        </m:e>
+                        <m:sub>
+                          <m:r>
+                            <a:rPr lang="pt-BR" sz="1100" b="0" i="1" smtClean="0">
+                              <a:solidFill>
+                                <a:schemeClr val="tx1"/>
+                              </a:solidFill>
+                              <a:latin typeface="Cambria Math" panose="02040503050406030204" pitchFamily="18" charset="0"/>
+                            </a:rPr>
+                            <m:t>2</m:t>
+                          </m:r>
+                        </m:sub>
+                      </m:sSub>
+                      <m:sSub>
+                        <m:sSubPr>
+                          <m:ctrlPr>
+                            <a:rPr lang="pt-BR" sz="1100" b="0" i="1" smtClean="0">
+                              <a:solidFill>
+                                <a:schemeClr val="tx1"/>
+                              </a:solidFill>
+                              <a:latin typeface="Cambria Math" panose="02040503050406030204" pitchFamily="18" charset="0"/>
+                            </a:rPr>
+                          </m:ctrlPr>
+                        </m:sSubPr>
+                        <m:e>
+                          <m:r>
+                            <a:rPr lang="pt-BR" sz="1100" b="0" i="1" smtClean="0">
+                              <a:solidFill>
+                                <a:schemeClr val="tx1"/>
+                              </a:solidFill>
+                              <a:latin typeface="Cambria Math" panose="02040503050406030204" pitchFamily="18" charset="0"/>
+                            </a:rPr>
+                            <m:t>𝜙</m:t>
+                          </m:r>
+                        </m:e>
+                        <m:sub>
+                          <m:r>
+                            <a:rPr lang="pt-BR" sz="1100" b="0" i="1" smtClean="0">
+                              <a:solidFill>
+                                <a:schemeClr val="tx1"/>
+                              </a:solidFill>
+                              <a:latin typeface="Cambria Math" panose="02040503050406030204" pitchFamily="18" charset="0"/>
+                            </a:rPr>
+                            <m:t>2</m:t>
+                          </m:r>
+                        </m:sub>
+                      </m:sSub>
+                      <m:d>
+                        <m:dPr>
+                          <m:ctrlPr>
+                            <a:rPr lang="pt-BR" sz="1100" b="0" i="1" smtClean="0">
+                              <a:solidFill>
+                                <a:schemeClr val="tx1"/>
+                              </a:solidFill>
+                              <a:latin typeface="Cambria Math" panose="02040503050406030204" pitchFamily="18" charset="0"/>
+                            </a:rPr>
+                          </m:ctrlPr>
+                        </m:dPr>
+                        <m:e>
+                          <m:r>
+                            <a:rPr lang="pt-BR" sz="1100" b="1" i="1" smtClean="0">
+                              <a:solidFill>
+                                <a:schemeClr val="tx1"/>
+                              </a:solidFill>
+                              <a:latin typeface="Cambria Math" panose="02040503050406030204" pitchFamily="18" charset="0"/>
+                            </a:rPr>
+                            <m:t>𝒙</m:t>
+                          </m:r>
+                          <m:r>
+                            <a:rPr lang="pt-BR" sz="1100" b="0" i="1" smtClean="0">
+                              <a:solidFill>
+                                <a:schemeClr val="tx1"/>
+                              </a:solidFill>
+                              <a:latin typeface="Cambria Math" panose="02040503050406030204" pitchFamily="18" charset="0"/>
+                            </a:rPr>
+                            <m:t>;</m:t>
+                          </m:r>
+                          <m:sSub>
+                            <m:sSubPr>
+                              <m:ctrlPr>
+                                <a:rPr lang="pt-BR" sz="1100" b="0" i="1" smtClean="0">
+                                  <a:solidFill>
+                                    <a:schemeClr val="tx1"/>
+                                  </a:solidFill>
+                                  <a:latin typeface="Cambria Math" panose="02040503050406030204" pitchFamily="18" charset="0"/>
+                                </a:rPr>
+                              </m:ctrlPr>
+                            </m:sSubPr>
+                            <m:e>
+                              <m:r>
+                                <a:rPr lang="pt-BR" sz="1100" b="1" i="1" smtClean="0">
+                                  <a:solidFill>
+                                    <a:schemeClr val="tx1"/>
+                                  </a:solidFill>
+                                  <a:latin typeface="Cambria Math" panose="02040503050406030204" pitchFamily="18" charset="0"/>
+                                </a:rPr>
+                                <m:t>𝜽</m:t>
+                              </m:r>
+                            </m:e>
+                            <m:sub>
+                              <m:r>
+                                <a:rPr lang="pt-BR" sz="1100" b="0" i="1" smtClean="0">
+                                  <a:solidFill>
+                                    <a:schemeClr val="tx1"/>
+                                  </a:solidFill>
+                                  <a:latin typeface="Cambria Math" panose="02040503050406030204" pitchFamily="18" charset="0"/>
+                                </a:rPr>
+                                <m:t>2</m:t>
+                              </m:r>
+                            </m:sub>
+                          </m:sSub>
+                        </m:e>
+                      </m:d>
+                    </m:oMath>
+                  </m:oMathPara>
+                </a14:m>
+                <a:endParaRPr lang="pt-BR" sz="1100">
+                  <a:solidFill>
+                    <a:schemeClr val="tx1"/>
+                  </a:solidFill>
+                </a:endParaRPr>
+              </a:p>
+            </p:txBody>
+          </p:sp>
+        </mc:Choice>
+        <mc:Fallback>
+          <p:sp>
+            <p:nvSpPr>
+              <p:cNvPr id="70" name="CaixaDeTexto 69">
+                <a:extLst>
+                  <a:ext uri="{FF2B5EF4-FFF2-40B4-BE49-F238E27FC236}">
+                    <a16:creationId xmlns:a16="http://schemas.microsoft.com/office/drawing/2014/main" id="{0087D340-4298-0478-58E9-FEF157864427}"/>
+                  </a:ext>
+                </a:extLst>
+              </p:cNvPr>
+              <p:cNvSpPr txBox="1">
+                <a:spLocks noRot="1" noChangeAspect="1" noMove="1" noResize="1" noEditPoints="1" noAdjustHandles="1" noChangeArrowheads="1" noChangeShapeType="1" noTextEdit="1"/>
+              </p:cNvSpPr>
+              <p:nvPr/>
+            </p:nvSpPr>
+            <p:spPr>
+              <a:xfrm>
+                <a:off x="5557609" y="4023657"/>
+                <a:ext cx="934294" cy="261610"/>
+              </a:xfrm>
+              <a:prstGeom prst="rect">
+                <a:avLst/>
+              </a:prstGeom>
+              <a:blipFill>
+                <a:blip r:embed="rId11"/>
+                <a:stretch>
+                  <a:fillRect b="-6977"/>
+                </a:stretch>
+              </a:blipFill>
+            </p:spPr>
+            <p:txBody>
+              <a:bodyPr/>
+              <a:lstStyle/>
+              <a:p>
+                <a:r>
+                  <a:rPr lang="pt-BR">
+                    <a:noFill/>
+                  </a:rPr>
+                  <a:t> </a:t>
+                </a:r>
+              </a:p>
+            </p:txBody>
+          </p:sp>
+        </mc:Fallback>
+      </mc:AlternateContent>
+      <mc:AlternateContent xmlns:mc="http://schemas.openxmlformats.org/markup-compatibility/2006">
+        <mc:Choice xmlns:a14="http://schemas.microsoft.com/office/drawing/2010/main" Requires="a14">
+          <p:sp>
+            <p:nvSpPr>
+              <p:cNvPr id="71" name="CaixaDeTexto 70">
+                <a:extLst>
+                  <a:ext uri="{FF2B5EF4-FFF2-40B4-BE49-F238E27FC236}">
+                    <a16:creationId xmlns:a16="http://schemas.microsoft.com/office/drawing/2014/main" id="{7B7471DA-0B75-726E-77F2-E82AFEA09C69}"/>
+                  </a:ext>
+                </a:extLst>
+              </p:cNvPr>
+              <p:cNvSpPr txBox="1"/>
+              <p:nvPr/>
+            </p:nvSpPr>
+            <p:spPr>
+              <a:xfrm>
+                <a:off x="5614275" y="5248548"/>
+                <a:ext cx="934294" cy="261610"/>
+              </a:xfrm>
+              <a:prstGeom prst="rect">
+                <a:avLst/>
+              </a:prstGeom>
+              <a:noFill/>
+            </p:spPr>
+            <p:txBody>
+              <a:bodyPr wrap="none" rtlCol="0">
+                <a:spAutoFit/>
+              </a:bodyPr>
+              <a:lstStyle/>
+              <a:p>
+                <a:pPr/>
+                <a14:m>
+                  <m:oMathPara xmlns:m="http://schemas.openxmlformats.org/officeDocument/2006/math">
+                    <m:oMathParaPr>
+                      <m:jc m:val="centerGroup"/>
+                    </m:oMathParaPr>
+                    <m:oMath xmlns:m="http://schemas.openxmlformats.org/officeDocument/2006/math">
+                      <m:sSub>
+                        <m:sSubPr>
+                          <m:ctrlPr>
+                            <a:rPr lang="pt-BR" sz="1100" b="0" i="1" smtClean="0">
+                              <a:solidFill>
+                                <a:schemeClr val="tx1"/>
+                              </a:solidFill>
+                              <a:latin typeface="Cambria Math" panose="02040503050406030204" pitchFamily="18" charset="0"/>
+                            </a:rPr>
+                          </m:ctrlPr>
+                        </m:sSubPr>
+                        <m:e>
+                          <m:r>
+                            <a:rPr lang="pt-BR" sz="1100" b="0" i="1" smtClean="0">
+                              <a:solidFill>
+                                <a:schemeClr val="tx1"/>
+                              </a:solidFill>
+                              <a:latin typeface="Cambria Math" panose="02040503050406030204" pitchFamily="18" charset="0"/>
+                            </a:rPr>
+                            <m:t>𝑎</m:t>
+                          </m:r>
+                        </m:e>
+                        <m:sub>
+                          <m:r>
+                            <a:rPr lang="pt-BR" sz="1100" b="0" i="1" smtClean="0">
+                              <a:solidFill>
+                                <a:schemeClr val="tx1"/>
+                              </a:solidFill>
+                              <a:latin typeface="Cambria Math" panose="02040503050406030204" pitchFamily="18" charset="0"/>
+                            </a:rPr>
+                            <m:t>3</m:t>
+                          </m:r>
+                        </m:sub>
+                      </m:sSub>
+                      <m:sSub>
+                        <m:sSubPr>
+                          <m:ctrlPr>
+                            <a:rPr lang="pt-BR" sz="1100" b="0" i="1" smtClean="0">
+                              <a:solidFill>
+                                <a:schemeClr val="tx1"/>
+                              </a:solidFill>
+                              <a:latin typeface="Cambria Math" panose="02040503050406030204" pitchFamily="18" charset="0"/>
+                            </a:rPr>
+                          </m:ctrlPr>
+                        </m:sSubPr>
+                        <m:e>
+                          <m:r>
+                            <a:rPr lang="pt-BR" sz="1100" b="0" i="1" smtClean="0">
+                              <a:solidFill>
+                                <a:schemeClr val="tx1"/>
+                              </a:solidFill>
+                              <a:latin typeface="Cambria Math" panose="02040503050406030204" pitchFamily="18" charset="0"/>
+                            </a:rPr>
+                            <m:t>𝜙</m:t>
+                          </m:r>
+                        </m:e>
+                        <m:sub>
+                          <m:r>
+                            <a:rPr lang="pt-BR" sz="1100" b="0" i="1" smtClean="0">
+                              <a:solidFill>
+                                <a:schemeClr val="tx1"/>
+                              </a:solidFill>
+                              <a:latin typeface="Cambria Math" panose="02040503050406030204" pitchFamily="18" charset="0"/>
+                            </a:rPr>
+                            <m:t>3</m:t>
+                          </m:r>
+                        </m:sub>
+                      </m:sSub>
+                      <m:d>
+                        <m:dPr>
+                          <m:ctrlPr>
+                            <a:rPr lang="pt-BR" sz="1100" b="0" i="1" smtClean="0">
+                              <a:solidFill>
+                                <a:schemeClr val="tx1"/>
+                              </a:solidFill>
+                              <a:latin typeface="Cambria Math" panose="02040503050406030204" pitchFamily="18" charset="0"/>
+                            </a:rPr>
+                          </m:ctrlPr>
+                        </m:dPr>
+                        <m:e>
+                          <m:r>
+                            <a:rPr lang="pt-BR" sz="1100" b="1" i="1" smtClean="0">
+                              <a:solidFill>
+                                <a:schemeClr val="tx1"/>
+                              </a:solidFill>
+                              <a:latin typeface="Cambria Math" panose="02040503050406030204" pitchFamily="18" charset="0"/>
+                            </a:rPr>
+                            <m:t>𝒙</m:t>
+                          </m:r>
+                          <m:r>
+                            <a:rPr lang="pt-BR" sz="1100" b="0" i="1" smtClean="0">
+                              <a:solidFill>
+                                <a:schemeClr val="tx1"/>
+                              </a:solidFill>
+                              <a:latin typeface="Cambria Math" panose="02040503050406030204" pitchFamily="18" charset="0"/>
+                            </a:rPr>
+                            <m:t>;</m:t>
+                          </m:r>
+                          <m:sSub>
+                            <m:sSubPr>
+                              <m:ctrlPr>
+                                <a:rPr lang="pt-BR" sz="1100" b="0" i="1" smtClean="0">
+                                  <a:solidFill>
+                                    <a:schemeClr val="tx1"/>
+                                  </a:solidFill>
+                                  <a:latin typeface="Cambria Math" panose="02040503050406030204" pitchFamily="18" charset="0"/>
+                                </a:rPr>
+                              </m:ctrlPr>
+                            </m:sSubPr>
+                            <m:e>
+                              <m:r>
+                                <a:rPr lang="pt-BR" sz="1100" b="1" i="1" smtClean="0">
+                                  <a:solidFill>
+                                    <a:schemeClr val="tx1"/>
+                                  </a:solidFill>
+                                  <a:latin typeface="Cambria Math" panose="02040503050406030204" pitchFamily="18" charset="0"/>
+                                </a:rPr>
+                                <m:t>𝜽</m:t>
+                              </m:r>
+                            </m:e>
+                            <m:sub>
+                              <m:r>
+                                <a:rPr lang="pt-BR" sz="1100" b="0" i="1" smtClean="0">
+                                  <a:solidFill>
+                                    <a:schemeClr val="tx1"/>
+                                  </a:solidFill>
+                                  <a:latin typeface="Cambria Math" panose="02040503050406030204" pitchFamily="18" charset="0"/>
+                                </a:rPr>
+                                <m:t>3</m:t>
+                              </m:r>
+                            </m:sub>
+                          </m:sSub>
+                        </m:e>
+                      </m:d>
+                    </m:oMath>
+                  </m:oMathPara>
+                </a14:m>
+                <a:endParaRPr lang="pt-BR" sz="1100">
+                  <a:solidFill>
+                    <a:schemeClr val="tx1"/>
+                  </a:solidFill>
+                </a:endParaRPr>
+              </a:p>
+            </p:txBody>
+          </p:sp>
+        </mc:Choice>
+        <mc:Fallback>
+          <p:sp>
+            <p:nvSpPr>
+              <p:cNvPr id="71" name="CaixaDeTexto 70">
+                <a:extLst>
+                  <a:ext uri="{FF2B5EF4-FFF2-40B4-BE49-F238E27FC236}">
+                    <a16:creationId xmlns:a16="http://schemas.microsoft.com/office/drawing/2014/main" id="{7B7471DA-0B75-726E-77F2-E82AFEA09C69}"/>
+                  </a:ext>
+                </a:extLst>
+              </p:cNvPr>
+              <p:cNvSpPr txBox="1">
+                <a:spLocks noRot="1" noChangeAspect="1" noMove="1" noResize="1" noEditPoints="1" noAdjustHandles="1" noChangeArrowheads="1" noChangeShapeType="1" noTextEdit="1"/>
+              </p:cNvSpPr>
+              <p:nvPr/>
+            </p:nvSpPr>
+            <p:spPr>
+              <a:xfrm>
+                <a:off x="5614275" y="5248548"/>
+                <a:ext cx="934294" cy="261610"/>
+              </a:xfrm>
+              <a:prstGeom prst="rect">
+                <a:avLst/>
+              </a:prstGeom>
+              <a:blipFill>
+                <a:blip r:embed="rId12"/>
+                <a:stretch>
+                  <a:fillRect b="-4651"/>
+                </a:stretch>
+              </a:blipFill>
+            </p:spPr>
+            <p:txBody>
+              <a:bodyPr/>
+              <a:lstStyle/>
+              <a:p>
+                <a:r>
+                  <a:rPr lang="pt-BR">
+                    <a:noFill/>
+                  </a:rPr>
+                  <a:t> </a:t>
+                </a:r>
+              </a:p>
+            </p:txBody>
+          </p:sp>
+        </mc:Fallback>
+      </mc:AlternateContent>
+      <mc:AlternateContent xmlns:mc="http://schemas.openxmlformats.org/markup-compatibility/2006">
+        <mc:Choice xmlns:a14="http://schemas.microsoft.com/office/drawing/2010/main" Requires="a14">
+          <p:sp>
+            <p:nvSpPr>
+              <p:cNvPr id="78" name="CaixaDeTexto 77">
+                <a:extLst>
+                  <a:ext uri="{FF2B5EF4-FFF2-40B4-BE49-F238E27FC236}">
+                    <a16:creationId xmlns:a16="http://schemas.microsoft.com/office/drawing/2014/main" id="{8C9659A9-6291-FE5A-404E-9B96A62D85AA}"/>
+                  </a:ext>
+                </a:extLst>
+              </p:cNvPr>
+              <p:cNvSpPr txBox="1"/>
+              <p:nvPr/>
+            </p:nvSpPr>
+            <p:spPr>
+              <a:xfrm>
+                <a:off x="4568449" y="5250353"/>
+                <a:ext cx="790601" cy="261610"/>
+              </a:xfrm>
+              <a:prstGeom prst="rect">
+                <a:avLst/>
+              </a:prstGeom>
+              <a:noFill/>
+            </p:spPr>
+            <p:txBody>
+              <a:bodyPr wrap="none" rtlCol="0">
+                <a:spAutoFit/>
+              </a:bodyPr>
+              <a:lstStyle/>
+              <a:p>
+                <a:pPr/>
+                <a14:m>
+                  <m:oMathPara xmlns:m="http://schemas.openxmlformats.org/officeDocument/2006/math">
+                    <m:oMathParaPr>
+                      <m:jc m:val="centerGroup"/>
+                    </m:oMathParaPr>
+                    <m:oMath xmlns:m="http://schemas.openxmlformats.org/officeDocument/2006/math">
+                      <m:sSub>
+                        <m:sSubPr>
+                          <m:ctrlPr>
+                            <a:rPr lang="pt-BR" sz="1100" b="0" i="1" smtClean="0">
+                              <a:solidFill>
+                                <a:schemeClr val="tx1"/>
+                              </a:solidFill>
+                              <a:latin typeface="Cambria Math" panose="02040503050406030204" pitchFamily="18" charset="0"/>
+                            </a:rPr>
+                          </m:ctrlPr>
+                        </m:sSubPr>
+                        <m:e>
+                          <m:r>
+                            <a:rPr lang="pt-BR" sz="1100" b="0" i="1" smtClean="0">
+                              <a:solidFill>
+                                <a:schemeClr val="tx1"/>
+                              </a:solidFill>
+                              <a:latin typeface="Cambria Math" panose="02040503050406030204" pitchFamily="18" charset="0"/>
+                            </a:rPr>
+                            <m:t>𝜙</m:t>
+                          </m:r>
+                        </m:e>
+                        <m:sub>
+                          <m:r>
+                            <a:rPr lang="pt-BR" sz="1100" b="0" i="1" smtClean="0">
+                              <a:solidFill>
+                                <a:schemeClr val="tx1"/>
+                              </a:solidFill>
+                              <a:latin typeface="Cambria Math" panose="02040503050406030204" pitchFamily="18" charset="0"/>
+                            </a:rPr>
+                            <m:t>3</m:t>
+                          </m:r>
+                        </m:sub>
+                      </m:sSub>
+                      <m:d>
+                        <m:dPr>
+                          <m:ctrlPr>
+                            <a:rPr lang="pt-BR" sz="1100" b="0" i="1" smtClean="0">
+                              <a:solidFill>
+                                <a:schemeClr val="tx1"/>
+                              </a:solidFill>
+                              <a:latin typeface="Cambria Math" panose="02040503050406030204" pitchFamily="18" charset="0"/>
+                            </a:rPr>
+                          </m:ctrlPr>
+                        </m:dPr>
+                        <m:e>
+                          <m:r>
+                            <a:rPr lang="pt-BR" sz="1100" b="1" i="1" smtClean="0">
+                              <a:solidFill>
+                                <a:schemeClr val="tx1"/>
+                              </a:solidFill>
+                              <a:latin typeface="Cambria Math" panose="02040503050406030204" pitchFamily="18" charset="0"/>
+                            </a:rPr>
+                            <m:t>𝒙</m:t>
+                          </m:r>
+                          <m:r>
+                            <a:rPr lang="pt-BR" sz="1100" b="0" i="1" smtClean="0">
+                              <a:solidFill>
+                                <a:schemeClr val="tx1"/>
+                              </a:solidFill>
+                              <a:latin typeface="Cambria Math" panose="02040503050406030204" pitchFamily="18" charset="0"/>
+                            </a:rPr>
+                            <m:t>;</m:t>
+                          </m:r>
+                          <m:sSub>
+                            <m:sSubPr>
+                              <m:ctrlPr>
+                                <a:rPr lang="pt-BR" sz="1100" b="0" i="1" smtClean="0">
+                                  <a:solidFill>
+                                    <a:schemeClr val="tx1"/>
+                                  </a:solidFill>
+                                  <a:latin typeface="Cambria Math" panose="02040503050406030204" pitchFamily="18" charset="0"/>
+                                </a:rPr>
+                              </m:ctrlPr>
+                            </m:sSubPr>
+                            <m:e>
+                              <m:r>
+                                <a:rPr lang="pt-BR" sz="1100" b="1" i="1" smtClean="0">
+                                  <a:solidFill>
+                                    <a:schemeClr val="tx1"/>
+                                  </a:solidFill>
+                                  <a:latin typeface="Cambria Math" panose="02040503050406030204" pitchFamily="18" charset="0"/>
+                                </a:rPr>
+                                <m:t>𝜽</m:t>
+                              </m:r>
+                            </m:e>
+                            <m:sub>
+                              <m:r>
+                                <a:rPr lang="pt-BR" sz="1100" b="0" i="1" smtClean="0">
+                                  <a:solidFill>
+                                    <a:schemeClr val="tx1"/>
+                                  </a:solidFill>
+                                  <a:latin typeface="Cambria Math" panose="02040503050406030204" pitchFamily="18" charset="0"/>
+                                </a:rPr>
+                                <m:t>3</m:t>
+                              </m:r>
+                            </m:sub>
+                          </m:sSub>
+                        </m:e>
+                      </m:d>
+                    </m:oMath>
+                  </m:oMathPara>
+                </a14:m>
+                <a:endParaRPr lang="pt-BR" sz="1100">
+                  <a:solidFill>
+                    <a:schemeClr val="tx1"/>
+                  </a:solidFill>
+                </a:endParaRPr>
+              </a:p>
+            </p:txBody>
+          </p:sp>
+        </mc:Choice>
+        <mc:Fallback>
+          <p:sp>
+            <p:nvSpPr>
+              <p:cNvPr id="78" name="CaixaDeTexto 77">
+                <a:extLst>
+                  <a:ext uri="{FF2B5EF4-FFF2-40B4-BE49-F238E27FC236}">
+                    <a16:creationId xmlns:a16="http://schemas.microsoft.com/office/drawing/2014/main" id="{8C9659A9-6291-FE5A-404E-9B96A62D85AA}"/>
+                  </a:ext>
+                </a:extLst>
+              </p:cNvPr>
+              <p:cNvSpPr txBox="1">
+                <a:spLocks noRot="1" noChangeAspect="1" noMove="1" noResize="1" noEditPoints="1" noAdjustHandles="1" noChangeArrowheads="1" noChangeShapeType="1" noTextEdit="1"/>
+              </p:cNvSpPr>
+              <p:nvPr/>
+            </p:nvSpPr>
+            <p:spPr>
+              <a:xfrm>
+                <a:off x="4568449" y="5250353"/>
+                <a:ext cx="790601" cy="261610"/>
+              </a:xfrm>
+              <a:prstGeom prst="rect">
+                <a:avLst/>
+              </a:prstGeom>
+              <a:blipFill>
+                <a:blip r:embed="rId13"/>
+                <a:stretch>
+                  <a:fillRect b="-6977"/>
+                </a:stretch>
+              </a:blipFill>
+            </p:spPr>
+            <p:txBody>
+              <a:bodyPr/>
+              <a:lstStyle/>
+              <a:p>
+                <a:r>
+                  <a:rPr lang="pt-BR">
+                    <a:noFill/>
+                  </a:rPr>
+                  <a:t> </a:t>
+                </a:r>
+              </a:p>
+            </p:txBody>
+          </p:sp>
+        </mc:Fallback>
+      </mc:AlternateContent>
+    </p:spTree>
+    <p:extLst>
+      <p:ext uri="{BB962C8B-B14F-4D97-AF65-F5344CB8AC3E}">
+        <p14:creationId xmlns:p14="http://schemas.microsoft.com/office/powerpoint/2010/main" val="3173821216"/>
       </p:ext>
     </p:extLst>
   </p:cSld>
